--- a/presentation/Day 1 Intro and Docker.pptx
+++ b/presentation/Day 1 Intro and Docker.pptx
@@ -16,13 +16,15 @@
     <p:sldId id="275" r:id="rId10"/>
     <p:sldId id="271" r:id="rId11"/>
     <p:sldId id="276" r:id="rId12"/>
-    <p:sldId id="277" r:id="rId13"/>
-    <p:sldId id="278" r:id="rId14"/>
-    <p:sldId id="266" r:id="rId15"/>
-    <p:sldId id="259" r:id="rId16"/>
-    <p:sldId id="270" r:id="rId17"/>
-    <p:sldId id="263" r:id="rId18"/>
-    <p:sldId id="269" r:id="rId19"/>
+    <p:sldId id="279" r:id="rId13"/>
+    <p:sldId id="277" r:id="rId14"/>
+    <p:sldId id="280" r:id="rId15"/>
+    <p:sldId id="281" r:id="rId16"/>
+    <p:sldId id="278" r:id="rId17"/>
+    <p:sldId id="266" r:id="rId18"/>
+    <p:sldId id="259" r:id="rId19"/>
+    <p:sldId id="263" r:id="rId20"/>
+    <p:sldId id="269" r:id="rId21"/>
   </p:sldIdLst>
   <p:sldSz cx="12192000" cy="6858000"/>
   <p:notesSz cx="6858000" cy="9144000"/>
@@ -127,6 +129,2523 @@
     </p:ext>
   </p:extLst>
 </p:presentation>
+</file>
+
+<file path=ppt/diagrams/colors1.xml><?xml version="1.0" encoding="utf-8"?>
+<dgm:colorsDef xmlns:dgm="http://schemas.openxmlformats.org/drawingml/2006/diagram" xmlns:a="http://schemas.openxmlformats.org/drawingml/2006/main" uniqueId="urn:microsoft.com/office/officeart/2005/8/colors/accent1_2">
+  <dgm:title val=""/>
+  <dgm:desc val=""/>
+  <dgm:catLst>
+    <dgm:cat type="accent1" pri="11200"/>
+  </dgm:catLst>
+  <dgm:styleLbl name="node0">
+    <dgm:fillClrLst meth="repeat">
+      <a:schemeClr val="accent1"/>
+    </dgm:fillClrLst>
+    <dgm:linClrLst meth="repeat">
+      <a:schemeClr val="lt1"/>
+    </dgm:linClrLst>
+    <dgm:effectClrLst/>
+    <dgm:txLinClrLst/>
+    <dgm:txFillClrLst/>
+    <dgm:txEffectClrLst/>
+  </dgm:styleLbl>
+  <dgm:styleLbl name="alignNode1">
+    <dgm:fillClrLst meth="repeat">
+      <a:schemeClr val="accent1"/>
+    </dgm:fillClrLst>
+    <dgm:linClrLst meth="repeat">
+      <a:schemeClr val="accent1"/>
+    </dgm:linClrLst>
+    <dgm:effectClrLst/>
+    <dgm:txLinClrLst/>
+    <dgm:txFillClrLst/>
+    <dgm:txEffectClrLst/>
+  </dgm:styleLbl>
+  <dgm:styleLbl name="node1">
+    <dgm:fillClrLst meth="repeat">
+      <a:schemeClr val="accent1"/>
+    </dgm:fillClrLst>
+    <dgm:linClrLst meth="repeat">
+      <a:schemeClr val="lt1"/>
+    </dgm:linClrLst>
+    <dgm:effectClrLst/>
+    <dgm:txLinClrLst/>
+    <dgm:txFillClrLst/>
+    <dgm:txEffectClrLst/>
+  </dgm:styleLbl>
+  <dgm:styleLbl name="lnNode1">
+    <dgm:fillClrLst meth="repeat">
+      <a:schemeClr val="accent1"/>
+    </dgm:fillClrLst>
+    <dgm:linClrLst meth="repeat">
+      <a:schemeClr val="lt1"/>
+    </dgm:linClrLst>
+    <dgm:effectClrLst/>
+    <dgm:txLinClrLst/>
+    <dgm:txFillClrLst/>
+    <dgm:txEffectClrLst/>
+  </dgm:styleLbl>
+  <dgm:styleLbl name="vennNode1">
+    <dgm:fillClrLst meth="repeat">
+      <a:schemeClr val="accent1">
+        <a:alpha val="50000"/>
+      </a:schemeClr>
+    </dgm:fillClrLst>
+    <dgm:linClrLst meth="repeat">
+      <a:schemeClr val="lt1"/>
+    </dgm:linClrLst>
+    <dgm:effectClrLst/>
+    <dgm:txLinClrLst/>
+    <dgm:txFillClrLst/>
+    <dgm:txEffectClrLst/>
+  </dgm:styleLbl>
+  <dgm:styleLbl name="node2">
+    <dgm:fillClrLst meth="repeat">
+      <a:schemeClr val="accent1"/>
+    </dgm:fillClrLst>
+    <dgm:linClrLst meth="repeat">
+      <a:schemeClr val="lt1"/>
+    </dgm:linClrLst>
+    <dgm:effectClrLst/>
+    <dgm:txLinClrLst/>
+    <dgm:txFillClrLst/>
+    <dgm:txEffectClrLst/>
+  </dgm:styleLbl>
+  <dgm:styleLbl name="node3">
+    <dgm:fillClrLst meth="repeat">
+      <a:schemeClr val="accent1"/>
+    </dgm:fillClrLst>
+    <dgm:linClrLst meth="repeat">
+      <a:schemeClr val="lt1"/>
+    </dgm:linClrLst>
+    <dgm:effectClrLst/>
+    <dgm:txLinClrLst/>
+    <dgm:txFillClrLst/>
+    <dgm:txEffectClrLst/>
+  </dgm:styleLbl>
+  <dgm:styleLbl name="node4">
+    <dgm:fillClrLst meth="repeat">
+      <a:schemeClr val="accent1"/>
+    </dgm:fillClrLst>
+    <dgm:linClrLst meth="repeat">
+      <a:schemeClr val="lt1"/>
+    </dgm:linClrLst>
+    <dgm:effectClrLst/>
+    <dgm:txLinClrLst/>
+    <dgm:txFillClrLst/>
+    <dgm:txEffectClrLst/>
+  </dgm:styleLbl>
+  <dgm:styleLbl name="fgImgPlace1">
+    <dgm:fillClrLst meth="repeat">
+      <a:schemeClr val="accent1">
+        <a:tint val="50000"/>
+      </a:schemeClr>
+    </dgm:fillClrLst>
+    <dgm:linClrLst meth="repeat">
+      <a:schemeClr val="lt1"/>
+    </dgm:linClrLst>
+    <dgm:effectClrLst/>
+    <dgm:txLinClrLst/>
+    <dgm:txFillClrLst meth="repeat">
+      <a:schemeClr val="lt1"/>
+    </dgm:txFillClrLst>
+    <dgm:txEffectClrLst/>
+  </dgm:styleLbl>
+  <dgm:styleLbl name="alignImgPlace1">
+    <dgm:fillClrLst meth="repeat">
+      <a:schemeClr val="accent1">
+        <a:tint val="50000"/>
+      </a:schemeClr>
+    </dgm:fillClrLst>
+    <dgm:linClrLst meth="repeat">
+      <a:schemeClr val="lt1"/>
+    </dgm:linClrLst>
+    <dgm:effectClrLst/>
+    <dgm:txLinClrLst/>
+    <dgm:txFillClrLst meth="repeat">
+      <a:schemeClr val="lt1"/>
+    </dgm:txFillClrLst>
+    <dgm:txEffectClrLst/>
+  </dgm:styleLbl>
+  <dgm:styleLbl name="bgImgPlace1">
+    <dgm:fillClrLst meth="repeat">
+      <a:schemeClr val="accent1">
+        <a:tint val="50000"/>
+      </a:schemeClr>
+    </dgm:fillClrLst>
+    <dgm:linClrLst meth="repeat">
+      <a:schemeClr val="lt1"/>
+    </dgm:linClrLst>
+    <dgm:effectClrLst/>
+    <dgm:txLinClrLst/>
+    <dgm:txFillClrLst meth="repeat">
+      <a:schemeClr val="lt1"/>
+    </dgm:txFillClrLst>
+    <dgm:txEffectClrLst/>
+  </dgm:styleLbl>
+  <dgm:styleLbl name="sibTrans2D1">
+    <dgm:fillClrLst meth="repeat">
+      <a:schemeClr val="accent1">
+        <a:tint val="60000"/>
+      </a:schemeClr>
+    </dgm:fillClrLst>
+    <dgm:linClrLst meth="repeat">
+      <a:schemeClr val="accent1">
+        <a:tint val="60000"/>
+      </a:schemeClr>
+    </dgm:linClrLst>
+    <dgm:effectClrLst/>
+    <dgm:txLinClrLst/>
+    <dgm:txFillClrLst/>
+    <dgm:txEffectClrLst/>
+  </dgm:styleLbl>
+  <dgm:styleLbl name="fgSibTrans2D1">
+    <dgm:fillClrLst meth="repeat">
+      <a:schemeClr val="accent1">
+        <a:tint val="60000"/>
+      </a:schemeClr>
+    </dgm:fillClrLst>
+    <dgm:linClrLst meth="repeat">
+      <a:schemeClr val="accent1">
+        <a:tint val="60000"/>
+      </a:schemeClr>
+    </dgm:linClrLst>
+    <dgm:effectClrLst/>
+    <dgm:txLinClrLst/>
+    <dgm:txFillClrLst/>
+    <dgm:txEffectClrLst/>
+  </dgm:styleLbl>
+  <dgm:styleLbl name="bgSibTrans2D1">
+    <dgm:fillClrLst meth="repeat">
+      <a:schemeClr val="accent1">
+        <a:tint val="60000"/>
+      </a:schemeClr>
+    </dgm:fillClrLst>
+    <dgm:linClrLst meth="repeat">
+      <a:schemeClr val="accent1">
+        <a:tint val="60000"/>
+      </a:schemeClr>
+    </dgm:linClrLst>
+    <dgm:effectClrLst/>
+    <dgm:txLinClrLst/>
+    <dgm:txFillClrLst/>
+    <dgm:txEffectClrLst/>
+  </dgm:styleLbl>
+  <dgm:styleLbl name="sibTrans1D1">
+    <dgm:fillClrLst meth="repeat">
+      <a:schemeClr val="accent1"/>
+    </dgm:fillClrLst>
+    <dgm:linClrLst meth="repeat">
+      <a:schemeClr val="accent1"/>
+    </dgm:linClrLst>
+    <dgm:effectClrLst/>
+    <dgm:txLinClrLst/>
+    <dgm:txFillClrLst meth="repeat">
+      <a:schemeClr val="tx1"/>
+    </dgm:txFillClrLst>
+    <dgm:txEffectClrLst/>
+  </dgm:styleLbl>
+  <dgm:styleLbl name="callout">
+    <dgm:fillClrLst meth="repeat">
+      <a:schemeClr val="accent1"/>
+    </dgm:fillClrLst>
+    <dgm:linClrLst meth="repeat">
+      <a:schemeClr val="accent1">
+        <a:tint val="50000"/>
+      </a:schemeClr>
+    </dgm:linClrLst>
+    <dgm:effectClrLst/>
+    <dgm:txLinClrLst/>
+    <dgm:txFillClrLst meth="repeat">
+      <a:schemeClr val="tx1"/>
+    </dgm:txFillClrLst>
+    <dgm:txEffectClrLst/>
+  </dgm:styleLbl>
+  <dgm:styleLbl name="asst0">
+    <dgm:fillClrLst meth="repeat">
+      <a:schemeClr val="accent1"/>
+    </dgm:fillClrLst>
+    <dgm:linClrLst meth="repeat">
+      <a:schemeClr val="lt1"/>
+    </dgm:linClrLst>
+    <dgm:effectClrLst/>
+    <dgm:txLinClrLst/>
+    <dgm:txFillClrLst/>
+    <dgm:txEffectClrLst/>
+  </dgm:styleLbl>
+  <dgm:styleLbl name="asst1">
+    <dgm:fillClrLst meth="repeat">
+      <a:schemeClr val="accent1"/>
+    </dgm:fillClrLst>
+    <dgm:linClrLst meth="repeat">
+      <a:schemeClr val="lt1"/>
+    </dgm:linClrLst>
+    <dgm:effectClrLst/>
+    <dgm:txLinClrLst/>
+    <dgm:txFillClrLst/>
+    <dgm:txEffectClrLst/>
+  </dgm:styleLbl>
+  <dgm:styleLbl name="asst2">
+    <dgm:fillClrLst meth="repeat">
+      <a:schemeClr val="accent1"/>
+    </dgm:fillClrLst>
+    <dgm:linClrLst meth="repeat">
+      <a:schemeClr val="lt1"/>
+    </dgm:linClrLst>
+    <dgm:effectClrLst/>
+    <dgm:txLinClrLst/>
+    <dgm:txFillClrLst/>
+    <dgm:txEffectClrLst/>
+  </dgm:styleLbl>
+  <dgm:styleLbl name="asst3">
+    <dgm:fillClrLst meth="repeat">
+      <a:schemeClr val="accent1"/>
+    </dgm:fillClrLst>
+    <dgm:linClrLst meth="repeat">
+      <a:schemeClr val="lt1"/>
+    </dgm:linClrLst>
+    <dgm:effectClrLst/>
+    <dgm:txLinClrLst/>
+    <dgm:txFillClrLst/>
+    <dgm:txEffectClrLst/>
+  </dgm:styleLbl>
+  <dgm:styleLbl name="asst4">
+    <dgm:fillClrLst meth="repeat">
+      <a:schemeClr val="accent1"/>
+    </dgm:fillClrLst>
+    <dgm:linClrLst meth="repeat">
+      <a:schemeClr val="lt1"/>
+    </dgm:linClrLst>
+    <dgm:effectClrLst/>
+    <dgm:txLinClrLst/>
+    <dgm:txFillClrLst/>
+    <dgm:txEffectClrLst/>
+  </dgm:styleLbl>
+  <dgm:styleLbl name="parChTrans2D1">
+    <dgm:fillClrLst meth="repeat">
+      <a:schemeClr val="accent1">
+        <a:tint val="60000"/>
+      </a:schemeClr>
+    </dgm:fillClrLst>
+    <dgm:linClrLst meth="repeat">
+      <a:schemeClr val="accent1">
+        <a:tint val="60000"/>
+      </a:schemeClr>
+    </dgm:linClrLst>
+    <dgm:effectClrLst/>
+    <dgm:txLinClrLst/>
+    <dgm:txFillClrLst meth="repeat">
+      <a:schemeClr val="lt1"/>
+    </dgm:txFillClrLst>
+    <dgm:txEffectClrLst/>
+  </dgm:styleLbl>
+  <dgm:styleLbl name="parChTrans2D2">
+    <dgm:fillClrLst meth="repeat">
+      <a:schemeClr val="accent1"/>
+    </dgm:fillClrLst>
+    <dgm:linClrLst meth="repeat">
+      <a:schemeClr val="accent1"/>
+    </dgm:linClrLst>
+    <dgm:effectClrLst/>
+    <dgm:txLinClrLst/>
+    <dgm:txFillClrLst meth="repeat">
+      <a:schemeClr val="lt1"/>
+    </dgm:txFillClrLst>
+    <dgm:txEffectClrLst/>
+  </dgm:styleLbl>
+  <dgm:styleLbl name="parChTrans2D3">
+    <dgm:fillClrLst meth="repeat">
+      <a:schemeClr val="accent1"/>
+    </dgm:fillClrLst>
+    <dgm:linClrLst meth="repeat">
+      <a:schemeClr val="accent1"/>
+    </dgm:linClrLst>
+    <dgm:effectClrLst/>
+    <dgm:txLinClrLst/>
+    <dgm:txFillClrLst meth="repeat">
+      <a:schemeClr val="lt1"/>
+    </dgm:txFillClrLst>
+    <dgm:txEffectClrLst/>
+  </dgm:styleLbl>
+  <dgm:styleLbl name="parChTrans2D4">
+    <dgm:fillClrLst meth="repeat">
+      <a:schemeClr val="accent1"/>
+    </dgm:fillClrLst>
+    <dgm:linClrLst meth="repeat">
+      <a:schemeClr val="accent1"/>
+    </dgm:linClrLst>
+    <dgm:effectClrLst/>
+    <dgm:txLinClrLst/>
+    <dgm:txFillClrLst meth="repeat">
+      <a:schemeClr val="lt1"/>
+    </dgm:txFillClrLst>
+    <dgm:txEffectClrLst/>
+  </dgm:styleLbl>
+  <dgm:styleLbl name="parChTrans1D1">
+    <dgm:fillClrLst meth="repeat">
+      <a:schemeClr val="accent1"/>
+    </dgm:fillClrLst>
+    <dgm:linClrLst meth="repeat">
+      <a:schemeClr val="accent1">
+        <a:shade val="60000"/>
+      </a:schemeClr>
+    </dgm:linClrLst>
+    <dgm:effectClrLst/>
+    <dgm:txLinClrLst/>
+    <dgm:txFillClrLst meth="repeat">
+      <a:schemeClr val="tx1"/>
+    </dgm:txFillClrLst>
+    <dgm:txEffectClrLst/>
+  </dgm:styleLbl>
+  <dgm:styleLbl name="parChTrans1D2">
+    <dgm:fillClrLst meth="repeat">
+      <a:schemeClr val="accent1"/>
+    </dgm:fillClrLst>
+    <dgm:linClrLst meth="repeat">
+      <a:schemeClr val="accent1">
+        <a:shade val="60000"/>
+      </a:schemeClr>
+    </dgm:linClrLst>
+    <dgm:effectClrLst/>
+    <dgm:txLinClrLst/>
+    <dgm:txFillClrLst meth="repeat">
+      <a:schemeClr val="tx1"/>
+    </dgm:txFillClrLst>
+    <dgm:txEffectClrLst/>
+  </dgm:styleLbl>
+  <dgm:styleLbl name="parChTrans1D3">
+    <dgm:fillClrLst meth="repeat">
+      <a:schemeClr val="accent1"/>
+    </dgm:fillClrLst>
+    <dgm:linClrLst meth="repeat">
+      <a:schemeClr val="accent1">
+        <a:shade val="80000"/>
+      </a:schemeClr>
+    </dgm:linClrLst>
+    <dgm:effectClrLst/>
+    <dgm:txLinClrLst/>
+    <dgm:txFillClrLst meth="repeat">
+      <a:schemeClr val="tx1"/>
+    </dgm:txFillClrLst>
+    <dgm:txEffectClrLst/>
+  </dgm:styleLbl>
+  <dgm:styleLbl name="parChTrans1D4">
+    <dgm:fillClrLst meth="repeat">
+      <a:schemeClr val="accent1"/>
+    </dgm:fillClrLst>
+    <dgm:linClrLst meth="repeat">
+      <a:schemeClr val="accent1">
+        <a:shade val="80000"/>
+      </a:schemeClr>
+    </dgm:linClrLst>
+    <dgm:effectClrLst/>
+    <dgm:txLinClrLst/>
+    <dgm:txFillClrLst meth="repeat">
+      <a:schemeClr val="tx1"/>
+    </dgm:txFillClrLst>
+    <dgm:txEffectClrLst/>
+  </dgm:styleLbl>
+  <dgm:styleLbl name="fgAcc1">
+    <dgm:fillClrLst meth="repeat">
+      <a:schemeClr val="lt1">
+        <a:alpha val="90000"/>
+      </a:schemeClr>
+    </dgm:fillClrLst>
+    <dgm:linClrLst meth="repeat">
+      <a:schemeClr val="accent1"/>
+    </dgm:linClrLst>
+    <dgm:effectClrLst/>
+    <dgm:txLinClrLst/>
+    <dgm:txFillClrLst meth="repeat">
+      <a:schemeClr val="dk1"/>
+    </dgm:txFillClrLst>
+    <dgm:txEffectClrLst/>
+  </dgm:styleLbl>
+  <dgm:styleLbl name="conFgAcc1">
+    <dgm:fillClrLst meth="repeat">
+      <a:schemeClr val="lt1">
+        <a:alpha val="90000"/>
+      </a:schemeClr>
+    </dgm:fillClrLst>
+    <dgm:linClrLst meth="repeat">
+      <a:schemeClr val="accent1"/>
+    </dgm:linClrLst>
+    <dgm:effectClrLst/>
+    <dgm:txLinClrLst/>
+    <dgm:txFillClrLst meth="repeat">
+      <a:schemeClr val="dk1"/>
+    </dgm:txFillClrLst>
+    <dgm:txEffectClrLst/>
+  </dgm:styleLbl>
+  <dgm:styleLbl name="alignAcc1">
+    <dgm:fillClrLst meth="repeat">
+      <a:schemeClr val="lt1">
+        <a:alpha val="90000"/>
+      </a:schemeClr>
+    </dgm:fillClrLst>
+    <dgm:linClrLst meth="repeat">
+      <a:schemeClr val="accent1"/>
+    </dgm:linClrLst>
+    <dgm:effectClrLst/>
+    <dgm:txLinClrLst/>
+    <dgm:txFillClrLst meth="repeat">
+      <a:schemeClr val="dk1"/>
+    </dgm:txFillClrLst>
+    <dgm:txEffectClrLst/>
+  </dgm:styleLbl>
+  <dgm:styleLbl name="trAlignAcc1">
+    <dgm:fillClrLst meth="repeat">
+      <a:schemeClr val="lt1">
+        <a:alpha val="40000"/>
+      </a:schemeClr>
+    </dgm:fillClrLst>
+    <dgm:linClrLst meth="repeat">
+      <a:schemeClr val="accent1"/>
+    </dgm:linClrLst>
+    <dgm:effectClrLst/>
+    <dgm:txLinClrLst/>
+    <dgm:txFillClrLst meth="repeat">
+      <a:schemeClr val="dk1"/>
+    </dgm:txFillClrLst>
+    <dgm:txEffectClrLst/>
+  </dgm:styleLbl>
+  <dgm:styleLbl name="bgAcc1">
+    <dgm:fillClrLst meth="repeat">
+      <a:schemeClr val="lt1">
+        <a:alpha val="90000"/>
+      </a:schemeClr>
+    </dgm:fillClrLst>
+    <dgm:linClrLst meth="repeat">
+      <a:schemeClr val="accent1"/>
+    </dgm:linClrLst>
+    <dgm:effectClrLst/>
+    <dgm:txLinClrLst/>
+    <dgm:txFillClrLst meth="repeat">
+      <a:schemeClr val="dk1"/>
+    </dgm:txFillClrLst>
+    <dgm:txEffectClrLst/>
+  </dgm:styleLbl>
+  <dgm:styleLbl name="solidFgAcc1">
+    <dgm:fillClrLst meth="repeat">
+      <a:schemeClr val="lt1"/>
+    </dgm:fillClrLst>
+    <dgm:linClrLst meth="repeat">
+      <a:schemeClr val="accent1"/>
+    </dgm:linClrLst>
+    <dgm:effectClrLst/>
+    <dgm:txLinClrLst/>
+    <dgm:txFillClrLst meth="repeat">
+      <a:schemeClr val="dk1"/>
+    </dgm:txFillClrLst>
+    <dgm:txEffectClrLst/>
+  </dgm:styleLbl>
+  <dgm:styleLbl name="solidAlignAcc1">
+    <dgm:fillClrLst meth="repeat">
+      <a:schemeClr val="lt1"/>
+    </dgm:fillClrLst>
+    <dgm:linClrLst meth="repeat">
+      <a:schemeClr val="accent1"/>
+    </dgm:linClrLst>
+    <dgm:effectClrLst/>
+    <dgm:txLinClrLst/>
+    <dgm:txFillClrLst meth="repeat">
+      <a:schemeClr val="dk1"/>
+    </dgm:txFillClrLst>
+    <dgm:txEffectClrLst/>
+  </dgm:styleLbl>
+  <dgm:styleLbl name="solidBgAcc1">
+    <dgm:fillClrLst meth="repeat">
+      <a:schemeClr val="lt1"/>
+    </dgm:fillClrLst>
+    <dgm:linClrLst meth="repeat">
+      <a:schemeClr val="accent1"/>
+    </dgm:linClrLst>
+    <dgm:effectClrLst/>
+    <dgm:txLinClrLst/>
+    <dgm:txFillClrLst meth="repeat">
+      <a:schemeClr val="dk1"/>
+    </dgm:txFillClrLst>
+    <dgm:txEffectClrLst/>
+  </dgm:styleLbl>
+  <dgm:styleLbl name="fgAccFollowNode1">
+    <dgm:fillClrLst meth="repeat">
+      <a:schemeClr val="accent1">
+        <a:alpha val="90000"/>
+        <a:tint val="40000"/>
+      </a:schemeClr>
+    </dgm:fillClrLst>
+    <dgm:linClrLst meth="repeat">
+      <a:schemeClr val="accent1">
+        <a:alpha val="90000"/>
+        <a:tint val="40000"/>
+      </a:schemeClr>
+    </dgm:linClrLst>
+    <dgm:effectClrLst/>
+    <dgm:txLinClrLst/>
+    <dgm:txFillClrLst meth="repeat">
+      <a:schemeClr val="dk1"/>
+    </dgm:txFillClrLst>
+    <dgm:txEffectClrLst/>
+  </dgm:styleLbl>
+  <dgm:styleLbl name="alignAccFollowNode1">
+    <dgm:fillClrLst meth="repeat">
+      <a:schemeClr val="accent1">
+        <a:alpha val="90000"/>
+        <a:tint val="40000"/>
+      </a:schemeClr>
+    </dgm:fillClrLst>
+    <dgm:linClrLst meth="repeat">
+      <a:schemeClr val="accent1">
+        <a:alpha val="90000"/>
+        <a:tint val="40000"/>
+      </a:schemeClr>
+    </dgm:linClrLst>
+    <dgm:effectClrLst/>
+    <dgm:txLinClrLst/>
+    <dgm:txFillClrLst meth="repeat">
+      <a:schemeClr val="dk1"/>
+    </dgm:txFillClrLst>
+    <dgm:txEffectClrLst/>
+  </dgm:styleLbl>
+  <dgm:styleLbl name="bgAccFollowNode1">
+    <dgm:fillClrLst meth="repeat">
+      <a:schemeClr val="accent1">
+        <a:alpha val="90000"/>
+        <a:tint val="40000"/>
+      </a:schemeClr>
+    </dgm:fillClrLst>
+    <dgm:linClrLst meth="repeat">
+      <a:schemeClr val="accent1">
+        <a:alpha val="90000"/>
+        <a:tint val="40000"/>
+      </a:schemeClr>
+    </dgm:linClrLst>
+    <dgm:effectClrLst/>
+    <dgm:txLinClrLst/>
+    <dgm:txFillClrLst meth="repeat">
+      <a:schemeClr val="dk1"/>
+    </dgm:txFillClrLst>
+    <dgm:txEffectClrLst/>
+  </dgm:styleLbl>
+  <dgm:styleLbl name="fgAcc0">
+    <dgm:fillClrLst meth="repeat">
+      <a:schemeClr val="lt1">
+        <a:alpha val="90000"/>
+      </a:schemeClr>
+    </dgm:fillClrLst>
+    <dgm:linClrLst meth="repeat">
+      <a:schemeClr val="accent1"/>
+    </dgm:linClrLst>
+    <dgm:effectClrLst/>
+    <dgm:txLinClrLst/>
+    <dgm:txFillClrLst meth="repeat">
+      <a:schemeClr val="dk1"/>
+    </dgm:txFillClrLst>
+    <dgm:txEffectClrLst/>
+  </dgm:styleLbl>
+  <dgm:styleLbl name="fgAcc2">
+    <dgm:fillClrLst meth="repeat">
+      <a:schemeClr val="lt1">
+        <a:alpha val="90000"/>
+      </a:schemeClr>
+    </dgm:fillClrLst>
+    <dgm:linClrLst meth="repeat">
+      <a:schemeClr val="accent1"/>
+    </dgm:linClrLst>
+    <dgm:effectClrLst/>
+    <dgm:txLinClrLst/>
+    <dgm:txFillClrLst meth="repeat">
+      <a:schemeClr val="dk1"/>
+    </dgm:txFillClrLst>
+    <dgm:txEffectClrLst/>
+  </dgm:styleLbl>
+  <dgm:styleLbl name="fgAcc3">
+    <dgm:fillClrLst meth="repeat">
+      <a:schemeClr val="lt1">
+        <a:alpha val="90000"/>
+      </a:schemeClr>
+    </dgm:fillClrLst>
+    <dgm:linClrLst meth="repeat">
+      <a:schemeClr val="accent1"/>
+    </dgm:linClrLst>
+    <dgm:effectClrLst/>
+    <dgm:txLinClrLst/>
+    <dgm:txFillClrLst meth="repeat">
+      <a:schemeClr val="dk1"/>
+    </dgm:txFillClrLst>
+    <dgm:txEffectClrLst/>
+  </dgm:styleLbl>
+  <dgm:styleLbl name="fgAcc4">
+    <dgm:fillClrLst meth="repeat">
+      <a:schemeClr val="lt1">
+        <a:alpha val="90000"/>
+      </a:schemeClr>
+    </dgm:fillClrLst>
+    <dgm:linClrLst meth="repeat">
+      <a:schemeClr val="accent1"/>
+    </dgm:linClrLst>
+    <dgm:effectClrLst/>
+    <dgm:txLinClrLst/>
+    <dgm:txFillClrLst meth="repeat">
+      <a:schemeClr val="dk1"/>
+    </dgm:txFillClrLst>
+    <dgm:txEffectClrLst/>
+  </dgm:styleLbl>
+  <dgm:styleLbl name="bgShp">
+    <dgm:fillClrLst meth="repeat">
+      <a:schemeClr val="accent1">
+        <a:tint val="40000"/>
+      </a:schemeClr>
+    </dgm:fillClrLst>
+    <dgm:linClrLst meth="repeat">
+      <a:schemeClr val="accent1"/>
+    </dgm:linClrLst>
+    <dgm:effectClrLst/>
+    <dgm:txLinClrLst/>
+    <dgm:txFillClrLst meth="repeat">
+      <a:schemeClr val="dk1"/>
+    </dgm:txFillClrLst>
+    <dgm:txEffectClrLst/>
+  </dgm:styleLbl>
+  <dgm:styleLbl name="dkBgShp">
+    <dgm:fillClrLst meth="repeat">
+      <a:schemeClr val="accent1">
+        <a:shade val="80000"/>
+      </a:schemeClr>
+    </dgm:fillClrLst>
+    <dgm:linClrLst meth="repeat">
+      <a:schemeClr val="accent1"/>
+    </dgm:linClrLst>
+    <dgm:effectClrLst/>
+    <dgm:txLinClrLst/>
+    <dgm:txFillClrLst meth="repeat">
+      <a:schemeClr val="lt1"/>
+    </dgm:txFillClrLst>
+    <dgm:txEffectClrLst/>
+  </dgm:styleLbl>
+  <dgm:styleLbl name="trBgShp">
+    <dgm:fillClrLst meth="repeat">
+      <a:schemeClr val="accent1">
+        <a:tint val="50000"/>
+        <a:alpha val="40000"/>
+      </a:schemeClr>
+    </dgm:fillClrLst>
+    <dgm:linClrLst meth="repeat">
+      <a:schemeClr val="accent1"/>
+    </dgm:linClrLst>
+    <dgm:effectClrLst/>
+    <dgm:txLinClrLst/>
+    <dgm:txFillClrLst meth="repeat">
+      <a:schemeClr val="lt1"/>
+    </dgm:txFillClrLst>
+    <dgm:txEffectClrLst/>
+  </dgm:styleLbl>
+  <dgm:styleLbl name="fgShp">
+    <dgm:fillClrLst meth="repeat">
+      <a:schemeClr val="accent1">
+        <a:tint val="60000"/>
+      </a:schemeClr>
+    </dgm:fillClrLst>
+    <dgm:linClrLst meth="repeat">
+      <a:schemeClr val="lt1"/>
+    </dgm:linClrLst>
+    <dgm:effectClrLst/>
+    <dgm:txLinClrLst/>
+    <dgm:txFillClrLst meth="repeat">
+      <a:schemeClr val="dk1"/>
+    </dgm:txFillClrLst>
+    <dgm:txEffectClrLst/>
+  </dgm:styleLbl>
+  <dgm:styleLbl name="revTx">
+    <dgm:fillClrLst meth="repeat">
+      <a:schemeClr val="lt1">
+        <a:alpha val="0"/>
+      </a:schemeClr>
+    </dgm:fillClrLst>
+    <dgm:linClrLst meth="repeat">
+      <a:schemeClr val="dk1">
+        <a:alpha val="0"/>
+      </a:schemeClr>
+    </dgm:linClrLst>
+    <dgm:effectClrLst/>
+    <dgm:txLinClrLst/>
+    <dgm:txFillClrLst meth="repeat">
+      <a:schemeClr val="tx1"/>
+    </dgm:txFillClrLst>
+    <dgm:txEffectClrLst/>
+  </dgm:styleLbl>
+</dgm:colorsDef>
+</file>
+
+<file path=ppt/diagrams/data1.xml><?xml version="1.0" encoding="utf-8"?>
+<dgm:dataModel xmlns:dgm="http://schemas.openxmlformats.org/drawingml/2006/diagram" xmlns:a="http://schemas.openxmlformats.org/drawingml/2006/main">
+  <dgm:ptLst>
+    <dgm:pt modelId="{5907734A-E2E0-4F30-AB69-FBAF1AD307CE}" type="doc">
+      <dgm:prSet loTypeId="urn:microsoft.com/office/officeart/2005/8/layout/lProcess3" loCatId="process" qsTypeId="urn:microsoft.com/office/officeart/2005/8/quickstyle/simple1" qsCatId="simple" csTypeId="urn:microsoft.com/office/officeart/2005/8/colors/accent1_2" csCatId="accent1" phldr="1"/>
+      <dgm:spPr/>
+      <dgm:t>
+        <a:bodyPr/>
+        <a:lstStyle/>
+        <a:p>
+          <a:endParaRPr lang="en-US"/>
+        </a:p>
+      </dgm:t>
+    </dgm:pt>
+    <dgm:pt modelId="{006B1B7E-BA7C-4D20-AE78-4BA7C78C1C3A}">
+      <dgm:prSet phldrT="[Text]"/>
+      <dgm:spPr/>
+      <dgm:t>
+        <a:bodyPr/>
+        <a:lstStyle/>
+        <a:p>
+          <a:r>
+            <a:rPr lang="en-US" dirty="0" smtClean="0"/>
+            <a:t>Dev</a:t>
+          </a:r>
+          <a:endParaRPr lang="en-US" dirty="0"/>
+        </a:p>
+      </dgm:t>
+    </dgm:pt>
+    <dgm:pt modelId="{F8086DAD-C351-4399-9EBB-9760E328C41E}" type="parTrans" cxnId="{6E78C30B-31EF-4852-848A-3FB3DBDA16F6}">
+      <dgm:prSet/>
+      <dgm:spPr/>
+      <dgm:t>
+        <a:bodyPr/>
+        <a:lstStyle/>
+        <a:p>
+          <a:endParaRPr lang="en-US"/>
+        </a:p>
+      </dgm:t>
+    </dgm:pt>
+    <dgm:pt modelId="{29D00F95-4F66-4E31-A1AB-598E615FE7DA}" type="sibTrans" cxnId="{6E78C30B-31EF-4852-848A-3FB3DBDA16F6}">
+      <dgm:prSet/>
+      <dgm:spPr/>
+      <dgm:t>
+        <a:bodyPr/>
+        <a:lstStyle/>
+        <a:p>
+          <a:endParaRPr lang="en-US"/>
+        </a:p>
+      </dgm:t>
+    </dgm:pt>
+    <dgm:pt modelId="{C188422E-F8E8-4EAC-8310-9465D0955BA4}">
+      <dgm:prSet phldrT="[Text]"/>
+      <dgm:spPr/>
+      <dgm:t>
+        <a:bodyPr/>
+        <a:lstStyle/>
+        <a:p>
+          <a:r>
+            <a:rPr lang="en-US" dirty="0" smtClean="0"/>
+            <a:t>Test</a:t>
+          </a:r>
+          <a:endParaRPr lang="en-US" dirty="0"/>
+        </a:p>
+      </dgm:t>
+    </dgm:pt>
+    <dgm:pt modelId="{33409606-3ADB-4E76-B233-E7E905E90BCA}" type="parTrans" cxnId="{13393ABC-6AA6-41AD-A631-5C6A81A09AA7}">
+      <dgm:prSet/>
+      <dgm:spPr/>
+      <dgm:t>
+        <a:bodyPr/>
+        <a:lstStyle/>
+        <a:p>
+          <a:endParaRPr lang="en-US"/>
+        </a:p>
+      </dgm:t>
+    </dgm:pt>
+    <dgm:pt modelId="{DE83C5F9-B4A5-4BF4-A7C2-F1B0427FC8BA}" type="sibTrans" cxnId="{13393ABC-6AA6-41AD-A631-5C6A81A09AA7}">
+      <dgm:prSet/>
+      <dgm:spPr/>
+      <dgm:t>
+        <a:bodyPr/>
+        <a:lstStyle/>
+        <a:p>
+          <a:endParaRPr lang="en-US"/>
+        </a:p>
+      </dgm:t>
+    </dgm:pt>
+    <dgm:pt modelId="{92F5B0BD-D875-4A55-9B90-6D00BAD4503D}">
+      <dgm:prSet phldrT="[Text]"/>
+      <dgm:spPr/>
+      <dgm:t>
+        <a:bodyPr/>
+        <a:lstStyle/>
+        <a:p>
+          <a:r>
+            <a:rPr lang="en-US" dirty="0" smtClean="0"/>
+            <a:t>Prod</a:t>
+          </a:r>
+          <a:endParaRPr lang="en-US" dirty="0"/>
+        </a:p>
+      </dgm:t>
+    </dgm:pt>
+    <dgm:pt modelId="{3D7F3EA9-C2CE-47E6-A1BD-290E071DB6E4}" type="parTrans" cxnId="{FADFCE9D-76C0-4F6E-8565-5124A02727AF}">
+      <dgm:prSet/>
+      <dgm:spPr/>
+      <dgm:t>
+        <a:bodyPr/>
+        <a:lstStyle/>
+        <a:p>
+          <a:endParaRPr lang="en-US"/>
+        </a:p>
+      </dgm:t>
+    </dgm:pt>
+    <dgm:pt modelId="{15D059B4-5450-4ED3-806B-C7D06AD98ABB}" type="sibTrans" cxnId="{FADFCE9D-76C0-4F6E-8565-5124A02727AF}">
+      <dgm:prSet/>
+      <dgm:spPr/>
+      <dgm:t>
+        <a:bodyPr/>
+        <a:lstStyle/>
+        <a:p>
+          <a:endParaRPr lang="en-US"/>
+        </a:p>
+      </dgm:t>
+    </dgm:pt>
+    <dgm:pt modelId="{7DE3DAAD-7AD4-4DEB-99CD-603B8C3F9C08}" type="pres">
+      <dgm:prSet presAssocID="{5907734A-E2E0-4F30-AB69-FBAF1AD307CE}" presName="Name0" presStyleCnt="0">
+        <dgm:presLayoutVars>
+          <dgm:chPref val="3"/>
+          <dgm:dir/>
+          <dgm:animLvl val="lvl"/>
+          <dgm:resizeHandles/>
+        </dgm:presLayoutVars>
+      </dgm:prSet>
+      <dgm:spPr/>
+    </dgm:pt>
+    <dgm:pt modelId="{A40656F2-4775-4C08-91FA-5602D46CA1C5}" type="pres">
+      <dgm:prSet presAssocID="{006B1B7E-BA7C-4D20-AE78-4BA7C78C1C3A}" presName="horFlow" presStyleCnt="0"/>
+      <dgm:spPr/>
+    </dgm:pt>
+    <dgm:pt modelId="{305E3CC9-BDDB-4A06-AB98-D1B2AC3FF60B}" type="pres">
+      <dgm:prSet presAssocID="{006B1B7E-BA7C-4D20-AE78-4BA7C78C1C3A}" presName="bigChev" presStyleLbl="node1" presStyleIdx="0" presStyleCnt="1" custScaleX="100393" custLinFactX="-35823" custLinFactNeighborX="-100000" custLinFactNeighborY="-5"/>
+      <dgm:spPr/>
+      <dgm:t>
+        <a:bodyPr/>
+        <a:lstStyle/>
+        <a:p>
+          <a:endParaRPr lang="en-US"/>
+        </a:p>
+      </dgm:t>
+    </dgm:pt>
+    <dgm:pt modelId="{68E3254F-FDF4-43FA-A6C3-19EE8736AC75}" type="pres">
+      <dgm:prSet presAssocID="{33409606-3ADB-4E76-B233-E7E905E90BCA}" presName="parTrans" presStyleCnt="0"/>
+      <dgm:spPr/>
+    </dgm:pt>
+    <dgm:pt modelId="{D7F88ED8-0663-46D9-8DD8-1A5FB77D7056}" type="pres">
+      <dgm:prSet presAssocID="{C188422E-F8E8-4EAC-8310-9465D0955BA4}" presName="node" presStyleLbl="alignAccFollowNode1" presStyleIdx="0" presStyleCnt="2">
+        <dgm:presLayoutVars>
+          <dgm:bulletEnabled val="1"/>
+        </dgm:presLayoutVars>
+      </dgm:prSet>
+      <dgm:spPr/>
+      <dgm:t>
+        <a:bodyPr/>
+        <a:lstStyle/>
+        <a:p>
+          <a:endParaRPr lang="en-US"/>
+        </a:p>
+      </dgm:t>
+    </dgm:pt>
+    <dgm:pt modelId="{4BCFFFA0-FB29-4C23-9B93-6BBD362EA381}" type="pres">
+      <dgm:prSet presAssocID="{DE83C5F9-B4A5-4BF4-A7C2-F1B0427FC8BA}" presName="sibTrans" presStyleCnt="0"/>
+      <dgm:spPr/>
+    </dgm:pt>
+    <dgm:pt modelId="{63E04A4C-7CAB-4A32-AFCE-494B27F256D8}" type="pres">
+      <dgm:prSet presAssocID="{92F5B0BD-D875-4A55-9B90-6D00BAD4503D}" presName="node" presStyleLbl="alignAccFollowNode1" presStyleIdx="1" presStyleCnt="2" custLinFactX="43271" custLinFactNeighborX="100000" custLinFactNeighborY="1126">
+        <dgm:presLayoutVars>
+          <dgm:bulletEnabled val="1"/>
+        </dgm:presLayoutVars>
+      </dgm:prSet>
+      <dgm:spPr/>
+    </dgm:pt>
+  </dgm:ptLst>
+  <dgm:cxnLst>
+    <dgm:cxn modelId="{6E78C30B-31EF-4852-848A-3FB3DBDA16F6}" srcId="{5907734A-E2E0-4F30-AB69-FBAF1AD307CE}" destId="{006B1B7E-BA7C-4D20-AE78-4BA7C78C1C3A}" srcOrd="0" destOrd="0" parTransId="{F8086DAD-C351-4399-9EBB-9760E328C41E}" sibTransId="{29D00F95-4F66-4E31-A1AB-598E615FE7DA}"/>
+    <dgm:cxn modelId="{93162576-756C-4FB9-A9CF-33786F8B29ED}" type="presOf" srcId="{C188422E-F8E8-4EAC-8310-9465D0955BA4}" destId="{D7F88ED8-0663-46D9-8DD8-1A5FB77D7056}" srcOrd="0" destOrd="0" presId="urn:microsoft.com/office/officeart/2005/8/layout/lProcess3"/>
+    <dgm:cxn modelId="{13393ABC-6AA6-41AD-A631-5C6A81A09AA7}" srcId="{006B1B7E-BA7C-4D20-AE78-4BA7C78C1C3A}" destId="{C188422E-F8E8-4EAC-8310-9465D0955BA4}" srcOrd="0" destOrd="0" parTransId="{33409606-3ADB-4E76-B233-E7E905E90BCA}" sibTransId="{DE83C5F9-B4A5-4BF4-A7C2-F1B0427FC8BA}"/>
+    <dgm:cxn modelId="{F1EC2CAA-FAD4-40FA-9529-26AB21881577}" type="presOf" srcId="{006B1B7E-BA7C-4D20-AE78-4BA7C78C1C3A}" destId="{305E3CC9-BDDB-4A06-AB98-D1B2AC3FF60B}" srcOrd="0" destOrd="0" presId="urn:microsoft.com/office/officeart/2005/8/layout/lProcess3"/>
+    <dgm:cxn modelId="{FADFCE9D-76C0-4F6E-8565-5124A02727AF}" srcId="{006B1B7E-BA7C-4D20-AE78-4BA7C78C1C3A}" destId="{92F5B0BD-D875-4A55-9B90-6D00BAD4503D}" srcOrd="1" destOrd="0" parTransId="{3D7F3EA9-C2CE-47E6-A1BD-290E071DB6E4}" sibTransId="{15D059B4-5450-4ED3-806B-C7D06AD98ABB}"/>
+    <dgm:cxn modelId="{E1FF671A-359E-40C3-8B73-61C5D0A4C4B8}" type="presOf" srcId="{5907734A-E2E0-4F30-AB69-FBAF1AD307CE}" destId="{7DE3DAAD-7AD4-4DEB-99CD-603B8C3F9C08}" srcOrd="0" destOrd="0" presId="urn:microsoft.com/office/officeart/2005/8/layout/lProcess3"/>
+    <dgm:cxn modelId="{5996EA19-1D70-4D60-90DB-7568BDE5EBA5}" type="presOf" srcId="{92F5B0BD-D875-4A55-9B90-6D00BAD4503D}" destId="{63E04A4C-7CAB-4A32-AFCE-494B27F256D8}" srcOrd="0" destOrd="0" presId="urn:microsoft.com/office/officeart/2005/8/layout/lProcess3"/>
+    <dgm:cxn modelId="{E6B34931-0198-4D7B-8274-10383B13F901}" type="presParOf" srcId="{7DE3DAAD-7AD4-4DEB-99CD-603B8C3F9C08}" destId="{A40656F2-4775-4C08-91FA-5602D46CA1C5}" srcOrd="0" destOrd="0" presId="urn:microsoft.com/office/officeart/2005/8/layout/lProcess3"/>
+    <dgm:cxn modelId="{59A74E8F-F909-423F-A0D5-4252F668EC91}" type="presParOf" srcId="{A40656F2-4775-4C08-91FA-5602D46CA1C5}" destId="{305E3CC9-BDDB-4A06-AB98-D1B2AC3FF60B}" srcOrd="0" destOrd="0" presId="urn:microsoft.com/office/officeart/2005/8/layout/lProcess3"/>
+    <dgm:cxn modelId="{F39A624F-3579-4332-8216-502A4A5F1AEE}" type="presParOf" srcId="{A40656F2-4775-4C08-91FA-5602D46CA1C5}" destId="{68E3254F-FDF4-43FA-A6C3-19EE8736AC75}" srcOrd="1" destOrd="0" presId="urn:microsoft.com/office/officeart/2005/8/layout/lProcess3"/>
+    <dgm:cxn modelId="{2C069595-C984-48EF-AA8E-9C9D73ABBFD1}" type="presParOf" srcId="{A40656F2-4775-4C08-91FA-5602D46CA1C5}" destId="{D7F88ED8-0663-46D9-8DD8-1A5FB77D7056}" srcOrd="2" destOrd="0" presId="urn:microsoft.com/office/officeart/2005/8/layout/lProcess3"/>
+    <dgm:cxn modelId="{246A22ED-7C6D-4945-9DF3-656BB45544E6}" type="presParOf" srcId="{A40656F2-4775-4C08-91FA-5602D46CA1C5}" destId="{4BCFFFA0-FB29-4C23-9B93-6BBD362EA381}" srcOrd="3" destOrd="0" presId="urn:microsoft.com/office/officeart/2005/8/layout/lProcess3"/>
+    <dgm:cxn modelId="{E7EE7E70-971C-4A6A-AEF5-5E7A0E5826AC}" type="presParOf" srcId="{A40656F2-4775-4C08-91FA-5602D46CA1C5}" destId="{63E04A4C-7CAB-4A32-AFCE-494B27F256D8}" srcOrd="4" destOrd="0" presId="urn:microsoft.com/office/officeart/2005/8/layout/lProcess3"/>
+  </dgm:cxnLst>
+  <dgm:bg/>
+  <dgm:whole/>
+  <dgm:extLst>
+    <a:ext uri="http://schemas.microsoft.com/office/drawing/2008/diagram">
+      <dsp:dataModelExt xmlns:dsp="http://schemas.microsoft.com/office/drawing/2008/diagram" relId="rId6" minVer="http://schemas.openxmlformats.org/drawingml/2006/diagram"/>
+    </a:ext>
+  </dgm:extLst>
+</dgm:dataModel>
+</file>
+
+<file path=ppt/diagrams/drawing1.xml><?xml version="1.0" encoding="utf-8"?>
+<dsp:drawing xmlns:dgm="http://schemas.openxmlformats.org/drawingml/2006/diagram" xmlns:dsp="http://schemas.microsoft.com/office/drawing/2008/diagram" xmlns:a="http://schemas.openxmlformats.org/drawingml/2006/main">
+  <dsp:spTree>
+    <dsp:nvGrpSpPr>
+      <dsp:cNvPr id="0" name=""/>
+      <dsp:cNvGrpSpPr/>
+    </dsp:nvGrpSpPr>
+    <dsp:grpSpPr/>
+    <dsp:sp modelId="{305E3CC9-BDDB-4A06-AB98-D1B2AC3FF60B}">
+      <dsp:nvSpPr>
+        <dsp:cNvPr id="0" name=""/>
+        <dsp:cNvSpPr/>
+      </dsp:nvSpPr>
+      <dsp:spPr>
+        <a:xfrm>
+          <a:off x="0" y="0"/>
+          <a:ext cx="3031362" cy="1207798"/>
+        </a:xfrm>
+        <a:prstGeom prst="chevron">
+          <a:avLst/>
+        </a:prstGeom>
+        <a:solidFill>
+          <a:schemeClr val="accent1">
+            <a:hueOff val="0"/>
+            <a:satOff val="0"/>
+            <a:lumOff val="0"/>
+            <a:alphaOff val="0"/>
+          </a:schemeClr>
+        </a:solidFill>
+        <a:ln w="15875" cap="rnd" cmpd="sng" algn="ctr">
+          <a:solidFill>
+            <a:schemeClr val="lt1">
+              <a:hueOff val="0"/>
+              <a:satOff val="0"/>
+              <a:lumOff val="0"/>
+              <a:alphaOff val="0"/>
+            </a:schemeClr>
+          </a:solidFill>
+          <a:prstDash val="solid"/>
+        </a:ln>
+        <a:effectLst/>
+      </dsp:spPr>
+      <dsp:style>
+        <a:lnRef idx="2">
+          <a:scrgbClr r="0" g="0" b="0"/>
+        </a:lnRef>
+        <a:fillRef idx="1">
+          <a:scrgbClr r="0" g="0" b="0"/>
+        </a:fillRef>
+        <a:effectRef idx="0">
+          <a:scrgbClr r="0" g="0" b="0"/>
+        </a:effectRef>
+        <a:fontRef idx="minor">
+          <a:schemeClr val="lt1"/>
+        </a:fontRef>
+      </dsp:style>
+      <dsp:txBody>
+        <a:bodyPr spcFirstLastPara="0" vert="horz" wrap="square" lIns="82550" tIns="41275" rIns="0" bIns="41275" numCol="1" spcCol="1270" anchor="ctr" anchorCtr="0">
+          <a:noAutofit/>
+        </a:bodyPr>
+        <a:lstStyle/>
+        <a:p>
+          <a:pPr lvl="0" algn="ctr" defTabSz="2889250">
+            <a:lnSpc>
+              <a:spcPct val="90000"/>
+            </a:lnSpc>
+            <a:spcBef>
+              <a:spcPct val="0"/>
+            </a:spcBef>
+            <a:spcAft>
+              <a:spcPct val="35000"/>
+            </a:spcAft>
+          </a:pPr>
+          <a:r>
+            <a:rPr lang="en-US" sz="6500" kern="1200" dirty="0" smtClean="0"/>
+            <a:t>Dev</a:t>
+          </a:r>
+          <a:endParaRPr lang="en-US" sz="6500" kern="1200" dirty="0"/>
+        </a:p>
+      </dsp:txBody>
+      <dsp:txXfrm>
+        <a:off x="603899" y="0"/>
+        <a:ext cx="1823564" cy="1207798"/>
+      </dsp:txXfrm>
+    </dsp:sp>
+    <dsp:sp modelId="{D7F88ED8-0663-46D9-8DD8-1A5FB77D7056}">
+      <dsp:nvSpPr>
+        <dsp:cNvPr id="0" name=""/>
+        <dsp:cNvSpPr/>
+      </dsp:nvSpPr>
+      <dsp:spPr>
+        <a:xfrm>
+          <a:off x="4074131" y="102719"/>
+          <a:ext cx="2506181" cy="1002472"/>
+        </a:xfrm>
+        <a:prstGeom prst="chevron">
+          <a:avLst/>
+        </a:prstGeom>
+        <a:solidFill>
+          <a:schemeClr val="accent1">
+            <a:alpha val="90000"/>
+            <a:tint val="40000"/>
+            <a:hueOff val="0"/>
+            <a:satOff val="0"/>
+            <a:lumOff val="0"/>
+            <a:alphaOff val="0"/>
+          </a:schemeClr>
+        </a:solidFill>
+        <a:ln w="15875" cap="rnd" cmpd="sng" algn="ctr">
+          <a:solidFill>
+            <a:schemeClr val="accent1">
+              <a:alpha val="90000"/>
+              <a:tint val="40000"/>
+              <a:hueOff val="0"/>
+              <a:satOff val="0"/>
+              <a:lumOff val="0"/>
+              <a:alphaOff val="0"/>
+            </a:schemeClr>
+          </a:solidFill>
+          <a:prstDash val="solid"/>
+        </a:ln>
+        <a:effectLst/>
+      </dsp:spPr>
+      <dsp:style>
+        <a:lnRef idx="2">
+          <a:scrgbClr r="0" g="0" b="0"/>
+        </a:lnRef>
+        <a:fillRef idx="1">
+          <a:scrgbClr r="0" g="0" b="0"/>
+        </a:fillRef>
+        <a:effectRef idx="0">
+          <a:scrgbClr r="0" g="0" b="0"/>
+        </a:effectRef>
+        <a:fontRef idx="minor"/>
+      </dsp:style>
+      <dsp:txBody>
+        <a:bodyPr spcFirstLastPara="0" vert="horz" wrap="square" lIns="72390" tIns="36195" rIns="0" bIns="36195" numCol="1" spcCol="1270" anchor="ctr" anchorCtr="0">
+          <a:noAutofit/>
+        </a:bodyPr>
+        <a:lstStyle/>
+        <a:p>
+          <a:pPr lvl="0" algn="ctr" defTabSz="2533650">
+            <a:lnSpc>
+              <a:spcPct val="90000"/>
+            </a:lnSpc>
+            <a:spcBef>
+              <a:spcPct val="0"/>
+            </a:spcBef>
+            <a:spcAft>
+              <a:spcPct val="35000"/>
+            </a:spcAft>
+          </a:pPr>
+          <a:r>
+            <a:rPr lang="en-US" sz="5700" kern="1200" dirty="0" smtClean="0"/>
+            <a:t>Test</a:t>
+          </a:r>
+          <a:endParaRPr lang="en-US" sz="5700" kern="1200" dirty="0"/>
+        </a:p>
+      </dsp:txBody>
+      <dsp:txXfrm>
+        <a:off x="4575367" y="102719"/>
+        <a:ext cx="1503709" cy="1002472"/>
+      </dsp:txXfrm>
+    </dsp:sp>
+    <dsp:sp modelId="{63E04A4C-7CAB-4A32-AFCE-494B27F256D8}">
+      <dsp:nvSpPr>
+        <dsp:cNvPr id="0" name=""/>
+        <dsp:cNvSpPr/>
+      </dsp:nvSpPr>
+      <dsp:spPr>
+        <a:xfrm>
+          <a:off x="7664750" y="114007"/>
+          <a:ext cx="2506181" cy="1002472"/>
+        </a:xfrm>
+        <a:prstGeom prst="chevron">
+          <a:avLst/>
+        </a:prstGeom>
+        <a:solidFill>
+          <a:schemeClr val="accent1">
+            <a:alpha val="90000"/>
+            <a:tint val="40000"/>
+            <a:hueOff val="0"/>
+            <a:satOff val="0"/>
+            <a:lumOff val="0"/>
+            <a:alphaOff val="0"/>
+          </a:schemeClr>
+        </a:solidFill>
+        <a:ln w="15875" cap="rnd" cmpd="sng" algn="ctr">
+          <a:solidFill>
+            <a:schemeClr val="accent1">
+              <a:alpha val="90000"/>
+              <a:tint val="40000"/>
+              <a:hueOff val="0"/>
+              <a:satOff val="0"/>
+              <a:lumOff val="0"/>
+              <a:alphaOff val="0"/>
+            </a:schemeClr>
+          </a:solidFill>
+          <a:prstDash val="solid"/>
+        </a:ln>
+        <a:effectLst/>
+      </dsp:spPr>
+      <dsp:style>
+        <a:lnRef idx="2">
+          <a:scrgbClr r="0" g="0" b="0"/>
+        </a:lnRef>
+        <a:fillRef idx="1">
+          <a:scrgbClr r="0" g="0" b="0"/>
+        </a:fillRef>
+        <a:effectRef idx="0">
+          <a:scrgbClr r="0" g="0" b="0"/>
+        </a:effectRef>
+        <a:fontRef idx="minor"/>
+      </dsp:style>
+      <dsp:txBody>
+        <a:bodyPr spcFirstLastPara="0" vert="horz" wrap="square" lIns="72390" tIns="36195" rIns="0" bIns="36195" numCol="1" spcCol="1270" anchor="ctr" anchorCtr="0">
+          <a:noAutofit/>
+        </a:bodyPr>
+        <a:lstStyle/>
+        <a:p>
+          <a:pPr lvl="0" algn="ctr" defTabSz="2533650">
+            <a:lnSpc>
+              <a:spcPct val="90000"/>
+            </a:lnSpc>
+            <a:spcBef>
+              <a:spcPct val="0"/>
+            </a:spcBef>
+            <a:spcAft>
+              <a:spcPct val="35000"/>
+            </a:spcAft>
+          </a:pPr>
+          <a:r>
+            <a:rPr lang="en-US" sz="5700" kern="1200" dirty="0" smtClean="0"/>
+            <a:t>Prod</a:t>
+          </a:r>
+          <a:endParaRPr lang="en-US" sz="5700" kern="1200" dirty="0"/>
+        </a:p>
+      </dsp:txBody>
+      <dsp:txXfrm>
+        <a:off x="8165986" y="114007"/>
+        <a:ext cx="1503709" cy="1002472"/>
+      </dsp:txXfrm>
+    </dsp:sp>
+  </dsp:spTree>
+</dsp:drawing>
+</file>
+
+<file path=ppt/diagrams/layout1.xml><?xml version="1.0" encoding="utf-8"?>
+<dgm:layoutDef xmlns:dgm="http://schemas.openxmlformats.org/drawingml/2006/diagram" xmlns:a="http://schemas.openxmlformats.org/drawingml/2006/main" uniqueId="urn:microsoft.com/office/officeart/2005/8/layout/lProcess3">
+  <dgm:title val=""/>
+  <dgm:desc val=""/>
+  <dgm:catLst>
+    <dgm:cat type="process" pri="11000"/>
+    <dgm:cat type="convert" pri="12000"/>
+  </dgm:catLst>
+  <dgm:sampData>
+    <dgm:dataModel>
+      <dgm:ptLst>
+        <dgm:pt modelId="0" type="doc"/>
+        <dgm:pt modelId="1">
+          <dgm:prSet phldr="1"/>
+        </dgm:pt>
+        <dgm:pt modelId="11">
+          <dgm:prSet phldr="1"/>
+        </dgm:pt>
+        <dgm:pt modelId="12">
+          <dgm:prSet phldr="1"/>
+        </dgm:pt>
+        <dgm:pt modelId="2">
+          <dgm:prSet phldr="1"/>
+        </dgm:pt>
+        <dgm:pt modelId="21">
+          <dgm:prSet phldr="1"/>
+        </dgm:pt>
+        <dgm:pt modelId="22">
+          <dgm:prSet phldr="1"/>
+        </dgm:pt>
+        <dgm:pt modelId="3">
+          <dgm:prSet phldr="1"/>
+        </dgm:pt>
+        <dgm:pt modelId="31">
+          <dgm:prSet phldr="1"/>
+        </dgm:pt>
+        <dgm:pt modelId="32">
+          <dgm:prSet phldr="1"/>
+        </dgm:pt>
+      </dgm:ptLst>
+      <dgm:cxnLst>
+        <dgm:cxn modelId="4" srcId="0" destId="1" srcOrd="0" destOrd="0"/>
+        <dgm:cxn modelId="5" srcId="0" destId="2" srcOrd="1" destOrd="0"/>
+        <dgm:cxn modelId="6" srcId="0" destId="3" srcOrd="2" destOrd="0"/>
+        <dgm:cxn modelId="41" srcId="1" destId="11" srcOrd="0" destOrd="0"/>
+        <dgm:cxn modelId="42" srcId="1" destId="12" srcOrd="1" destOrd="0"/>
+        <dgm:cxn modelId="51" srcId="2" destId="21" srcOrd="0" destOrd="0"/>
+        <dgm:cxn modelId="52" srcId="2" destId="22" srcOrd="1" destOrd="0"/>
+        <dgm:cxn modelId="61" srcId="3" destId="31" srcOrd="0" destOrd="0"/>
+        <dgm:cxn modelId="62" srcId="3" destId="32" srcOrd="1" destOrd="0"/>
+      </dgm:cxnLst>
+      <dgm:bg/>
+      <dgm:whole/>
+    </dgm:dataModel>
+  </dgm:sampData>
+  <dgm:styleData>
+    <dgm:dataModel>
+      <dgm:ptLst>
+        <dgm:pt modelId="0" type="doc"/>
+        <dgm:pt modelId="1"/>
+        <dgm:pt modelId="2"/>
+      </dgm:ptLst>
+      <dgm:cxnLst>
+        <dgm:cxn modelId="4" srcId="0" destId="1" srcOrd="0" destOrd="0"/>
+        <dgm:cxn modelId="5" srcId="1" destId="2" srcOrd="0" destOrd="0"/>
+      </dgm:cxnLst>
+      <dgm:bg/>
+      <dgm:whole/>
+    </dgm:dataModel>
+  </dgm:styleData>
+  <dgm:clrData>
+    <dgm:dataModel>
+      <dgm:ptLst>
+        <dgm:pt modelId="0" type="doc"/>
+        <dgm:pt modelId="1"/>
+        <dgm:pt modelId="11"/>
+        <dgm:pt modelId="2"/>
+        <dgm:pt modelId="21"/>
+        <dgm:pt modelId="3"/>
+        <dgm:pt modelId="31"/>
+        <dgm:pt modelId="4"/>
+        <dgm:pt modelId="41"/>
+      </dgm:ptLst>
+      <dgm:cxnLst>
+        <dgm:cxn modelId="5" srcId="0" destId="1" srcOrd="0" destOrd="0"/>
+        <dgm:cxn modelId="6" srcId="0" destId="2" srcOrd="1" destOrd="0"/>
+        <dgm:cxn modelId="7" srcId="0" destId="3" srcOrd="2" destOrd="0"/>
+        <dgm:cxn modelId="8" srcId="0" destId="4" srcOrd="3" destOrd="0"/>
+        <dgm:cxn modelId="51" srcId="1" destId="11" srcOrd="0" destOrd="0"/>
+        <dgm:cxn modelId="61" srcId="2" destId="21" srcOrd="0" destOrd="0"/>
+        <dgm:cxn modelId="71" srcId="3" destId="31" srcOrd="0" destOrd="0"/>
+        <dgm:cxn modelId="81" srcId="4" destId="41" srcOrd="0" destOrd="0"/>
+      </dgm:cxnLst>
+      <dgm:bg/>
+      <dgm:whole/>
+    </dgm:dataModel>
+  </dgm:clrData>
+  <dgm:layoutNode name="Name0">
+    <dgm:varLst>
+      <dgm:chPref val="3"/>
+      <dgm:dir/>
+      <dgm:animLvl val="lvl"/>
+      <dgm:resizeHandles/>
+    </dgm:varLst>
+    <dgm:choose name="Name1">
+      <dgm:if name="Name2" func="var" arg="dir" op="equ" val="norm">
+        <dgm:alg type="lin">
+          <dgm:param type="linDir" val="fromT"/>
+          <dgm:param type="vertAlign" val="mid"/>
+          <dgm:param type="nodeHorzAlign" val="l"/>
+          <dgm:param type="nodeVertAlign" val="t"/>
+          <dgm:param type="fallback" val="2D"/>
+        </dgm:alg>
+      </dgm:if>
+      <dgm:else name="Name3">
+        <dgm:alg type="lin">
+          <dgm:param type="linDir" val="fromT"/>
+          <dgm:param type="vertAlign" val="mid"/>
+          <dgm:param type="nodeHorzAlign" val="r"/>
+          <dgm:param type="nodeVertAlign" val="t"/>
+          <dgm:param type="fallback" val="2D"/>
+        </dgm:alg>
+      </dgm:else>
+    </dgm:choose>
+    <dgm:shape xmlns:r="http://schemas.openxmlformats.org/officeDocument/2006/relationships" r:blip="">
+      <dgm:adjLst/>
+    </dgm:shape>
+    <dgm:presOf/>
+    <dgm:constrLst>
+      <dgm:constr type="w" for="des" forName="bigChev" refType="w"/>
+      <dgm:constr type="h" for="des" forName="bigChev" refType="w" refFor="des" refForName="bigChev" op="equ" fact="0.4"/>
+      <dgm:constr type="w" for="des" forName="node" refType="w" refFor="des" refForName="bigChev" fact="0.83"/>
+      <dgm:constr type="h" for="des" forName="node" refType="w" refFor="des" refForName="node" op="equ" fact="0.4"/>
+      <dgm:constr type="w" for="des" forName="parTrans" refType="w" refFor="des" refForName="bigChev" op="equ" fact="-0.13"/>
+      <dgm:constr type="w" for="des" forName="sibTrans" refType="w" refFor="des" refForName="node" op="equ" fact="-0.14"/>
+      <dgm:constr type="h" for="ch" forName="vSp" refType="h" refFor="des" refForName="bigChev" op="equ" fact="0.14"/>
+      <dgm:constr type="primFontSz" for="des" forName="node" op="equ"/>
+      <dgm:constr type="primFontSz" for="des" forName="bigChev" op="equ"/>
+    </dgm:constrLst>
+    <dgm:ruleLst/>
+    <dgm:forEach name="Name4" axis="ch" ptType="node">
+      <dgm:layoutNode name="horFlow">
+        <dgm:choose name="Name5">
+          <dgm:if name="Name6" func="var" arg="dir" op="equ" val="norm">
+            <dgm:alg type="lin">
+              <dgm:param type="linDir" val="fromL"/>
+              <dgm:param type="nodeHorzAlign" val="l"/>
+              <dgm:param type="nodeVertAlign" val="mid"/>
+              <dgm:param type="fallback" val="2D"/>
+            </dgm:alg>
+          </dgm:if>
+          <dgm:else name="Name7">
+            <dgm:alg type="lin">
+              <dgm:param type="linDir" val="fromR"/>
+              <dgm:param type="nodeHorzAlign" val="r"/>
+              <dgm:param type="nodeVertAlign" val="mid"/>
+              <dgm:param type="fallback" val="2D"/>
+            </dgm:alg>
+          </dgm:else>
+        </dgm:choose>
+        <dgm:shape xmlns:r="http://schemas.openxmlformats.org/officeDocument/2006/relationships" r:blip="">
+          <dgm:adjLst/>
+        </dgm:shape>
+        <dgm:presOf/>
+        <dgm:constrLst/>
+        <dgm:ruleLst/>
+        <dgm:layoutNode name="bigChev" styleLbl="node1">
+          <dgm:alg type="tx"/>
+          <dgm:choose name="Name8">
+            <dgm:if name="Name9" func="var" arg="dir" op="equ" val="norm">
+              <dgm:shape xmlns:r="http://schemas.openxmlformats.org/officeDocument/2006/relationships" type="chevron" r:blip="">
+                <dgm:adjLst/>
+              </dgm:shape>
+              <dgm:presOf axis="self"/>
+              <dgm:constrLst>
+                <dgm:constr type="primFontSz" val="65"/>
+                <dgm:constr type="rMarg"/>
+                <dgm:constr type="lMarg" refType="primFontSz" fact="0.1"/>
+                <dgm:constr type="tMarg" refType="primFontSz" fact="0.05"/>
+                <dgm:constr type="bMarg" refType="primFontSz" fact="0.05"/>
+              </dgm:constrLst>
+            </dgm:if>
+            <dgm:else name="Name10">
+              <dgm:shape xmlns:r="http://schemas.openxmlformats.org/officeDocument/2006/relationships" rot="180" type="chevron" r:blip="">
+                <dgm:adjLst/>
+              </dgm:shape>
+              <dgm:presOf axis="self"/>
+              <dgm:constrLst>
+                <dgm:constr type="primFontSz" val="65"/>
+                <dgm:constr type="lMarg"/>
+                <dgm:constr type="rMarg" refType="primFontSz" fact="0.1"/>
+                <dgm:constr type="tMarg" refType="primFontSz" fact="0.05"/>
+                <dgm:constr type="bMarg" refType="primFontSz" fact="0.05"/>
+              </dgm:constrLst>
+            </dgm:else>
+          </dgm:choose>
+          <dgm:ruleLst>
+            <dgm:rule type="primFontSz" val="5" fact="NaN" max="NaN"/>
+          </dgm:ruleLst>
+        </dgm:layoutNode>
+        <dgm:forEach name="parTransForEach" axis="ch" ptType="parTrans" cnt="1">
+          <dgm:layoutNode name="parTrans">
+            <dgm:alg type="sp"/>
+            <dgm:shape xmlns:r="http://schemas.openxmlformats.org/officeDocument/2006/relationships" r:blip="">
+              <dgm:adjLst/>
+            </dgm:shape>
+            <dgm:presOf/>
+            <dgm:constrLst/>
+            <dgm:ruleLst/>
+          </dgm:layoutNode>
+        </dgm:forEach>
+        <dgm:forEach name="Name11" axis="ch" ptType="node">
+          <dgm:layoutNode name="node" styleLbl="alignAccFollowNode1">
+            <dgm:varLst>
+              <dgm:bulletEnabled val="1"/>
+            </dgm:varLst>
+            <dgm:alg type="tx"/>
+            <dgm:choose name="Name12">
+              <dgm:if name="Name13" func="var" arg="dir" op="equ" val="norm">
+                <dgm:shape xmlns:r="http://schemas.openxmlformats.org/officeDocument/2006/relationships" type="chevron" r:blip="">
+                  <dgm:adjLst/>
+                </dgm:shape>
+                <dgm:presOf axis="desOrSelf" ptType="node"/>
+                <dgm:constrLst>
+                  <dgm:constr type="primFontSz" val="65"/>
+                  <dgm:constr type="rMarg"/>
+                  <dgm:constr type="lMarg" refType="primFontSz" fact="0.1"/>
+                  <dgm:constr type="tMarg" refType="primFontSz" fact="0.05"/>
+                  <dgm:constr type="bMarg" refType="primFontSz" fact="0.05"/>
+                </dgm:constrLst>
+              </dgm:if>
+              <dgm:else name="Name14">
+                <dgm:shape xmlns:r="http://schemas.openxmlformats.org/officeDocument/2006/relationships" rot="180" type="chevron" r:blip="">
+                  <dgm:adjLst/>
+                </dgm:shape>
+                <dgm:presOf axis="desOrSelf" ptType="node"/>
+                <dgm:constrLst>
+                  <dgm:constr type="primFontSz" val="65"/>
+                  <dgm:constr type="lMarg"/>
+                  <dgm:constr type="rMarg" refType="primFontSz" fact="0.1"/>
+                  <dgm:constr type="tMarg" refType="primFontSz" fact="0.05"/>
+                  <dgm:constr type="bMarg" refType="primFontSz" fact="0.05"/>
+                </dgm:constrLst>
+              </dgm:else>
+            </dgm:choose>
+            <dgm:ruleLst>
+              <dgm:rule type="primFontSz" val="5" fact="NaN" max="NaN"/>
+            </dgm:ruleLst>
+          </dgm:layoutNode>
+          <dgm:forEach name="sibTransForEach" axis="followSib" ptType="sibTrans" cnt="1">
+            <dgm:layoutNode name="sibTrans">
+              <dgm:alg type="sp"/>
+              <dgm:shape xmlns:r="http://schemas.openxmlformats.org/officeDocument/2006/relationships" r:blip="">
+                <dgm:adjLst/>
+              </dgm:shape>
+              <dgm:presOf/>
+              <dgm:constrLst/>
+              <dgm:ruleLst/>
+            </dgm:layoutNode>
+          </dgm:forEach>
+        </dgm:forEach>
+      </dgm:layoutNode>
+      <dgm:choose name="Name15">
+        <dgm:if name="Name16" axis="self" ptType="node" func="revPos" op="gte" val="2">
+          <dgm:layoutNode name="vSp">
+            <dgm:alg type="sp"/>
+            <dgm:shape xmlns:r="http://schemas.openxmlformats.org/officeDocument/2006/relationships" r:blip="">
+              <dgm:adjLst/>
+            </dgm:shape>
+            <dgm:presOf/>
+            <dgm:constrLst/>
+            <dgm:ruleLst/>
+          </dgm:layoutNode>
+        </dgm:if>
+        <dgm:else name="Name17"/>
+      </dgm:choose>
+    </dgm:forEach>
+  </dgm:layoutNode>
+</dgm:layoutDef>
+</file>
+
+<file path=ppt/diagrams/quickStyle1.xml><?xml version="1.0" encoding="utf-8"?>
+<dgm:styleDef xmlns:dgm="http://schemas.openxmlformats.org/drawingml/2006/diagram" xmlns:a="http://schemas.openxmlformats.org/drawingml/2006/main" uniqueId="urn:microsoft.com/office/officeart/2005/8/quickstyle/simple1">
+  <dgm:title val=""/>
+  <dgm:desc val=""/>
+  <dgm:catLst>
+    <dgm:cat type="simple" pri="10100"/>
+  </dgm:catLst>
+  <dgm:scene3d>
+    <a:camera prst="orthographicFront"/>
+    <a:lightRig rig="threePt" dir="t"/>
+  </dgm:scene3d>
+  <dgm:styleLbl name="node0">
+    <dgm:scene3d>
+      <a:camera prst="orthographicFront"/>
+      <a:lightRig rig="threePt" dir="t"/>
+    </dgm:scene3d>
+    <dgm:sp3d/>
+    <dgm:txPr/>
+    <dgm:style>
+      <a:lnRef idx="2">
+        <a:scrgbClr r="0" g="0" b="0"/>
+      </a:lnRef>
+      <a:fillRef idx="1">
+        <a:scrgbClr r="0" g="0" b="0"/>
+      </a:fillRef>
+      <a:effectRef idx="0">
+        <a:scrgbClr r="0" g="0" b="0"/>
+      </a:effectRef>
+      <a:fontRef idx="minor">
+        <a:schemeClr val="lt1"/>
+      </a:fontRef>
+    </dgm:style>
+  </dgm:styleLbl>
+  <dgm:styleLbl name="lnNode1">
+    <dgm:scene3d>
+      <a:camera prst="orthographicFront"/>
+      <a:lightRig rig="threePt" dir="t"/>
+    </dgm:scene3d>
+    <dgm:sp3d/>
+    <dgm:txPr/>
+    <dgm:style>
+      <a:lnRef idx="2">
+        <a:scrgbClr r="0" g="0" b="0"/>
+      </a:lnRef>
+      <a:fillRef idx="1">
+        <a:scrgbClr r="0" g="0" b="0"/>
+      </a:fillRef>
+      <a:effectRef idx="0">
+        <a:scrgbClr r="0" g="0" b="0"/>
+      </a:effectRef>
+      <a:fontRef idx="minor">
+        <a:schemeClr val="lt1"/>
+      </a:fontRef>
+    </dgm:style>
+  </dgm:styleLbl>
+  <dgm:styleLbl name="vennNode1">
+    <dgm:scene3d>
+      <a:camera prst="orthographicFront"/>
+      <a:lightRig rig="threePt" dir="t"/>
+    </dgm:scene3d>
+    <dgm:sp3d/>
+    <dgm:txPr/>
+    <dgm:style>
+      <a:lnRef idx="2">
+        <a:scrgbClr r="0" g="0" b="0"/>
+      </a:lnRef>
+      <a:fillRef idx="1">
+        <a:scrgbClr r="0" g="0" b="0"/>
+      </a:fillRef>
+      <a:effectRef idx="0">
+        <a:scrgbClr r="0" g="0" b="0"/>
+      </a:effectRef>
+      <a:fontRef idx="minor">
+        <a:schemeClr val="tx1"/>
+      </a:fontRef>
+    </dgm:style>
+  </dgm:styleLbl>
+  <dgm:styleLbl name="alignNode1">
+    <dgm:scene3d>
+      <a:camera prst="orthographicFront"/>
+      <a:lightRig rig="threePt" dir="t"/>
+    </dgm:scene3d>
+    <dgm:sp3d/>
+    <dgm:txPr/>
+    <dgm:style>
+      <a:lnRef idx="2">
+        <a:scrgbClr r="0" g="0" b="0"/>
+      </a:lnRef>
+      <a:fillRef idx="1">
+        <a:scrgbClr r="0" g="0" b="0"/>
+      </a:fillRef>
+      <a:effectRef idx="0">
+        <a:scrgbClr r="0" g="0" b="0"/>
+      </a:effectRef>
+      <a:fontRef idx="minor">
+        <a:schemeClr val="lt1"/>
+      </a:fontRef>
+    </dgm:style>
+  </dgm:styleLbl>
+  <dgm:styleLbl name="node1">
+    <dgm:scene3d>
+      <a:camera prst="orthographicFront"/>
+      <a:lightRig rig="threePt" dir="t"/>
+    </dgm:scene3d>
+    <dgm:sp3d/>
+    <dgm:txPr/>
+    <dgm:style>
+      <a:lnRef idx="2">
+        <a:scrgbClr r="0" g="0" b="0"/>
+      </a:lnRef>
+      <a:fillRef idx="1">
+        <a:scrgbClr r="0" g="0" b="0"/>
+      </a:fillRef>
+      <a:effectRef idx="0">
+        <a:scrgbClr r="0" g="0" b="0"/>
+      </a:effectRef>
+      <a:fontRef idx="minor">
+        <a:schemeClr val="lt1"/>
+      </a:fontRef>
+    </dgm:style>
+  </dgm:styleLbl>
+  <dgm:styleLbl name="node2">
+    <dgm:scene3d>
+      <a:camera prst="orthographicFront"/>
+      <a:lightRig rig="threePt" dir="t"/>
+    </dgm:scene3d>
+    <dgm:sp3d/>
+    <dgm:txPr/>
+    <dgm:style>
+      <a:lnRef idx="2">
+        <a:scrgbClr r="0" g="0" b="0"/>
+      </a:lnRef>
+      <a:fillRef idx="1">
+        <a:scrgbClr r="0" g="0" b="0"/>
+      </a:fillRef>
+      <a:effectRef idx="0">
+        <a:scrgbClr r="0" g="0" b="0"/>
+      </a:effectRef>
+      <a:fontRef idx="minor">
+        <a:schemeClr val="lt1"/>
+      </a:fontRef>
+    </dgm:style>
+  </dgm:styleLbl>
+  <dgm:styleLbl name="node3">
+    <dgm:scene3d>
+      <a:camera prst="orthographicFront"/>
+      <a:lightRig rig="threePt" dir="t"/>
+    </dgm:scene3d>
+    <dgm:sp3d/>
+    <dgm:txPr/>
+    <dgm:style>
+      <a:lnRef idx="2">
+        <a:scrgbClr r="0" g="0" b="0"/>
+      </a:lnRef>
+      <a:fillRef idx="1">
+        <a:scrgbClr r="0" g="0" b="0"/>
+      </a:fillRef>
+      <a:effectRef idx="0">
+        <a:scrgbClr r="0" g="0" b="0"/>
+      </a:effectRef>
+      <a:fontRef idx="minor">
+        <a:schemeClr val="lt1"/>
+      </a:fontRef>
+    </dgm:style>
+  </dgm:styleLbl>
+  <dgm:styleLbl name="node4">
+    <dgm:scene3d>
+      <a:camera prst="orthographicFront"/>
+      <a:lightRig rig="threePt" dir="t"/>
+    </dgm:scene3d>
+    <dgm:sp3d/>
+    <dgm:txPr/>
+    <dgm:style>
+      <a:lnRef idx="2">
+        <a:scrgbClr r="0" g="0" b="0"/>
+      </a:lnRef>
+      <a:fillRef idx="1">
+        <a:scrgbClr r="0" g="0" b="0"/>
+      </a:fillRef>
+      <a:effectRef idx="0">
+        <a:scrgbClr r="0" g="0" b="0"/>
+      </a:effectRef>
+      <a:fontRef idx="minor">
+        <a:schemeClr val="lt1"/>
+      </a:fontRef>
+    </dgm:style>
+  </dgm:styleLbl>
+  <dgm:styleLbl name="fgImgPlace1">
+    <dgm:scene3d>
+      <a:camera prst="orthographicFront"/>
+      <a:lightRig rig="threePt" dir="t"/>
+    </dgm:scene3d>
+    <dgm:sp3d/>
+    <dgm:txPr/>
+    <dgm:style>
+      <a:lnRef idx="2">
+        <a:scrgbClr r="0" g="0" b="0"/>
+      </a:lnRef>
+      <a:fillRef idx="1">
+        <a:scrgbClr r="0" g="0" b="0"/>
+      </a:fillRef>
+      <a:effectRef idx="0">
+        <a:scrgbClr r="0" g="0" b="0"/>
+      </a:effectRef>
+      <a:fontRef idx="minor"/>
+    </dgm:style>
+  </dgm:styleLbl>
+  <dgm:styleLbl name="alignImgPlace1">
+    <dgm:scene3d>
+      <a:camera prst="orthographicFront"/>
+      <a:lightRig rig="threePt" dir="t"/>
+    </dgm:scene3d>
+    <dgm:sp3d/>
+    <dgm:txPr/>
+    <dgm:style>
+      <a:lnRef idx="2">
+        <a:scrgbClr r="0" g="0" b="0"/>
+      </a:lnRef>
+      <a:fillRef idx="1">
+        <a:scrgbClr r="0" g="0" b="0"/>
+      </a:fillRef>
+      <a:effectRef idx="0">
+        <a:scrgbClr r="0" g="0" b="0"/>
+      </a:effectRef>
+      <a:fontRef idx="minor"/>
+    </dgm:style>
+  </dgm:styleLbl>
+  <dgm:styleLbl name="bgImgPlace1">
+    <dgm:scene3d>
+      <a:camera prst="orthographicFront"/>
+      <a:lightRig rig="threePt" dir="t"/>
+    </dgm:scene3d>
+    <dgm:sp3d/>
+    <dgm:txPr/>
+    <dgm:style>
+      <a:lnRef idx="2">
+        <a:scrgbClr r="0" g="0" b="0"/>
+      </a:lnRef>
+      <a:fillRef idx="1">
+        <a:scrgbClr r="0" g="0" b="0"/>
+      </a:fillRef>
+      <a:effectRef idx="0">
+        <a:scrgbClr r="0" g="0" b="0"/>
+      </a:effectRef>
+      <a:fontRef idx="minor"/>
+    </dgm:style>
+  </dgm:styleLbl>
+  <dgm:styleLbl name="sibTrans2D1">
+    <dgm:scene3d>
+      <a:camera prst="orthographicFront"/>
+      <a:lightRig rig="threePt" dir="t"/>
+    </dgm:scene3d>
+    <dgm:sp3d/>
+    <dgm:txPr/>
+    <dgm:style>
+      <a:lnRef idx="0">
+        <a:scrgbClr r="0" g="0" b="0"/>
+      </a:lnRef>
+      <a:fillRef idx="1">
+        <a:scrgbClr r="0" g="0" b="0"/>
+      </a:fillRef>
+      <a:effectRef idx="0">
+        <a:scrgbClr r="0" g="0" b="0"/>
+      </a:effectRef>
+      <a:fontRef idx="minor">
+        <a:schemeClr val="lt1"/>
+      </a:fontRef>
+    </dgm:style>
+  </dgm:styleLbl>
+  <dgm:styleLbl name="fgSibTrans2D1">
+    <dgm:scene3d>
+      <a:camera prst="orthographicFront"/>
+      <a:lightRig rig="threePt" dir="t"/>
+    </dgm:scene3d>
+    <dgm:sp3d/>
+    <dgm:txPr/>
+    <dgm:style>
+      <a:lnRef idx="0">
+        <a:scrgbClr r="0" g="0" b="0"/>
+      </a:lnRef>
+      <a:fillRef idx="1">
+        <a:scrgbClr r="0" g="0" b="0"/>
+      </a:fillRef>
+      <a:effectRef idx="0">
+        <a:scrgbClr r="0" g="0" b="0"/>
+      </a:effectRef>
+      <a:fontRef idx="minor">
+        <a:schemeClr val="lt1"/>
+      </a:fontRef>
+    </dgm:style>
+  </dgm:styleLbl>
+  <dgm:styleLbl name="bgSibTrans2D1">
+    <dgm:scene3d>
+      <a:camera prst="orthographicFront"/>
+      <a:lightRig rig="threePt" dir="t"/>
+    </dgm:scene3d>
+    <dgm:sp3d/>
+    <dgm:txPr/>
+    <dgm:style>
+      <a:lnRef idx="0">
+        <a:scrgbClr r="0" g="0" b="0"/>
+      </a:lnRef>
+      <a:fillRef idx="1">
+        <a:scrgbClr r="0" g="0" b="0"/>
+      </a:fillRef>
+      <a:effectRef idx="0">
+        <a:scrgbClr r="0" g="0" b="0"/>
+      </a:effectRef>
+      <a:fontRef idx="minor">
+        <a:schemeClr val="lt1"/>
+      </a:fontRef>
+    </dgm:style>
+  </dgm:styleLbl>
+  <dgm:styleLbl name="sibTrans1D1">
+    <dgm:scene3d>
+      <a:camera prst="orthographicFront"/>
+      <a:lightRig rig="threePt" dir="t"/>
+    </dgm:scene3d>
+    <dgm:sp3d/>
+    <dgm:txPr/>
+    <dgm:style>
+      <a:lnRef idx="1">
+        <a:scrgbClr r="0" g="0" b="0"/>
+      </a:lnRef>
+      <a:fillRef idx="0">
+        <a:scrgbClr r="0" g="0" b="0"/>
+      </a:fillRef>
+      <a:effectRef idx="0">
+        <a:scrgbClr r="0" g="0" b="0"/>
+      </a:effectRef>
+      <a:fontRef idx="minor"/>
+    </dgm:style>
+  </dgm:styleLbl>
+  <dgm:styleLbl name="callout">
+    <dgm:scene3d>
+      <a:camera prst="orthographicFront"/>
+      <a:lightRig rig="threePt" dir="t"/>
+    </dgm:scene3d>
+    <dgm:sp3d/>
+    <dgm:txPr/>
+    <dgm:style>
+      <a:lnRef idx="2">
+        <a:scrgbClr r="0" g="0" b="0"/>
+      </a:lnRef>
+      <a:fillRef idx="1">
+        <a:scrgbClr r="0" g="0" b="0"/>
+      </a:fillRef>
+      <a:effectRef idx="0">
+        <a:scrgbClr r="0" g="0" b="0"/>
+      </a:effectRef>
+      <a:fontRef idx="minor"/>
+    </dgm:style>
+  </dgm:styleLbl>
+  <dgm:styleLbl name="asst0">
+    <dgm:scene3d>
+      <a:camera prst="orthographicFront"/>
+      <a:lightRig rig="threePt" dir="t"/>
+    </dgm:scene3d>
+    <dgm:sp3d/>
+    <dgm:txPr/>
+    <dgm:style>
+      <a:lnRef idx="2">
+        <a:scrgbClr r="0" g="0" b="0"/>
+      </a:lnRef>
+      <a:fillRef idx="1">
+        <a:scrgbClr r="0" g="0" b="0"/>
+      </a:fillRef>
+      <a:effectRef idx="0">
+        <a:scrgbClr r="0" g="0" b="0"/>
+      </a:effectRef>
+      <a:fontRef idx="minor">
+        <a:schemeClr val="lt1"/>
+      </a:fontRef>
+    </dgm:style>
+  </dgm:styleLbl>
+  <dgm:styleLbl name="asst1">
+    <dgm:scene3d>
+      <a:camera prst="orthographicFront"/>
+      <a:lightRig rig="threePt" dir="t"/>
+    </dgm:scene3d>
+    <dgm:sp3d/>
+    <dgm:txPr/>
+    <dgm:style>
+      <a:lnRef idx="2">
+        <a:scrgbClr r="0" g="0" b="0"/>
+      </a:lnRef>
+      <a:fillRef idx="1">
+        <a:scrgbClr r="0" g="0" b="0"/>
+      </a:fillRef>
+      <a:effectRef idx="0">
+        <a:scrgbClr r="0" g="0" b="0"/>
+      </a:effectRef>
+      <a:fontRef idx="minor">
+        <a:schemeClr val="lt1"/>
+      </a:fontRef>
+    </dgm:style>
+  </dgm:styleLbl>
+  <dgm:styleLbl name="asst2">
+    <dgm:scene3d>
+      <a:camera prst="orthographicFront"/>
+      <a:lightRig rig="threePt" dir="t"/>
+    </dgm:scene3d>
+    <dgm:sp3d/>
+    <dgm:txPr/>
+    <dgm:style>
+      <a:lnRef idx="2">
+        <a:scrgbClr r="0" g="0" b="0"/>
+      </a:lnRef>
+      <a:fillRef idx="1">
+        <a:scrgbClr r="0" g="0" b="0"/>
+      </a:fillRef>
+      <a:effectRef idx="0">
+        <a:scrgbClr r="0" g="0" b="0"/>
+      </a:effectRef>
+      <a:fontRef idx="minor">
+        <a:schemeClr val="lt1"/>
+      </a:fontRef>
+    </dgm:style>
+  </dgm:styleLbl>
+  <dgm:styleLbl name="asst3">
+    <dgm:scene3d>
+      <a:camera prst="orthographicFront"/>
+      <a:lightRig rig="threePt" dir="t"/>
+    </dgm:scene3d>
+    <dgm:sp3d/>
+    <dgm:txPr/>
+    <dgm:style>
+      <a:lnRef idx="2">
+        <a:scrgbClr r="0" g="0" b="0"/>
+      </a:lnRef>
+      <a:fillRef idx="1">
+        <a:scrgbClr r="0" g="0" b="0"/>
+      </a:fillRef>
+      <a:effectRef idx="0">
+        <a:scrgbClr r="0" g="0" b="0"/>
+      </a:effectRef>
+      <a:fontRef idx="minor">
+        <a:schemeClr val="lt1"/>
+      </a:fontRef>
+    </dgm:style>
+  </dgm:styleLbl>
+  <dgm:styleLbl name="asst4">
+    <dgm:scene3d>
+      <a:camera prst="orthographicFront"/>
+      <a:lightRig rig="threePt" dir="t"/>
+    </dgm:scene3d>
+    <dgm:sp3d/>
+    <dgm:txPr/>
+    <dgm:style>
+      <a:lnRef idx="2">
+        <a:scrgbClr r="0" g="0" b="0"/>
+      </a:lnRef>
+      <a:fillRef idx="1">
+        <a:scrgbClr r="0" g="0" b="0"/>
+      </a:fillRef>
+      <a:effectRef idx="0">
+        <a:scrgbClr r="0" g="0" b="0"/>
+      </a:effectRef>
+      <a:fontRef idx="minor">
+        <a:schemeClr val="lt1"/>
+      </a:fontRef>
+    </dgm:style>
+  </dgm:styleLbl>
+  <dgm:styleLbl name="parChTrans2D1">
+    <dgm:scene3d>
+      <a:camera prst="orthographicFront"/>
+      <a:lightRig rig="threePt" dir="t"/>
+    </dgm:scene3d>
+    <dgm:sp3d/>
+    <dgm:txPr/>
+    <dgm:style>
+      <a:lnRef idx="2">
+        <a:scrgbClr r="0" g="0" b="0"/>
+      </a:lnRef>
+      <a:fillRef idx="1">
+        <a:scrgbClr r="0" g="0" b="0"/>
+      </a:fillRef>
+      <a:effectRef idx="0">
+        <a:scrgbClr r="0" g="0" b="0"/>
+      </a:effectRef>
+      <a:fontRef idx="minor">
+        <a:schemeClr val="lt1"/>
+      </a:fontRef>
+    </dgm:style>
+  </dgm:styleLbl>
+  <dgm:styleLbl name="parChTrans2D2">
+    <dgm:scene3d>
+      <a:camera prst="orthographicFront"/>
+      <a:lightRig rig="threePt" dir="t"/>
+    </dgm:scene3d>
+    <dgm:sp3d/>
+    <dgm:txPr/>
+    <dgm:style>
+      <a:lnRef idx="2">
+        <a:scrgbClr r="0" g="0" b="0"/>
+      </a:lnRef>
+      <a:fillRef idx="1">
+        <a:scrgbClr r="0" g="0" b="0"/>
+      </a:fillRef>
+      <a:effectRef idx="0">
+        <a:scrgbClr r="0" g="0" b="0"/>
+      </a:effectRef>
+      <a:fontRef idx="minor">
+        <a:schemeClr val="lt1"/>
+      </a:fontRef>
+    </dgm:style>
+  </dgm:styleLbl>
+  <dgm:styleLbl name="parChTrans2D3">
+    <dgm:scene3d>
+      <a:camera prst="orthographicFront"/>
+      <a:lightRig rig="threePt" dir="t"/>
+    </dgm:scene3d>
+    <dgm:sp3d/>
+    <dgm:txPr/>
+    <dgm:style>
+      <a:lnRef idx="2">
+        <a:scrgbClr r="0" g="0" b="0"/>
+      </a:lnRef>
+      <a:fillRef idx="1">
+        <a:scrgbClr r="0" g="0" b="0"/>
+      </a:fillRef>
+      <a:effectRef idx="0">
+        <a:scrgbClr r="0" g="0" b="0"/>
+      </a:effectRef>
+      <a:fontRef idx="minor">
+        <a:schemeClr val="lt1"/>
+      </a:fontRef>
+    </dgm:style>
+  </dgm:styleLbl>
+  <dgm:styleLbl name="parChTrans2D4">
+    <dgm:scene3d>
+      <a:camera prst="orthographicFront"/>
+      <a:lightRig rig="threePt" dir="t"/>
+    </dgm:scene3d>
+    <dgm:sp3d/>
+    <dgm:txPr/>
+    <dgm:style>
+      <a:lnRef idx="2">
+        <a:scrgbClr r="0" g="0" b="0"/>
+      </a:lnRef>
+      <a:fillRef idx="1">
+        <a:scrgbClr r="0" g="0" b="0"/>
+      </a:fillRef>
+      <a:effectRef idx="0">
+        <a:scrgbClr r="0" g="0" b="0"/>
+      </a:effectRef>
+      <a:fontRef idx="minor">
+        <a:schemeClr val="lt1"/>
+      </a:fontRef>
+    </dgm:style>
+  </dgm:styleLbl>
+  <dgm:styleLbl name="parChTrans1D1">
+    <dgm:scene3d>
+      <a:camera prst="orthographicFront"/>
+      <a:lightRig rig="threePt" dir="t"/>
+    </dgm:scene3d>
+    <dgm:sp3d/>
+    <dgm:txPr/>
+    <dgm:style>
+      <a:lnRef idx="2">
+        <a:scrgbClr r="0" g="0" b="0"/>
+      </a:lnRef>
+      <a:fillRef idx="0">
+        <a:scrgbClr r="0" g="0" b="0"/>
+      </a:fillRef>
+      <a:effectRef idx="0">
+        <a:scrgbClr r="0" g="0" b="0"/>
+      </a:effectRef>
+      <a:fontRef idx="minor"/>
+    </dgm:style>
+  </dgm:styleLbl>
+  <dgm:styleLbl name="parChTrans1D2">
+    <dgm:scene3d>
+      <a:camera prst="orthographicFront"/>
+      <a:lightRig rig="threePt" dir="t"/>
+    </dgm:scene3d>
+    <dgm:sp3d/>
+    <dgm:txPr/>
+    <dgm:style>
+      <a:lnRef idx="2">
+        <a:scrgbClr r="0" g="0" b="0"/>
+      </a:lnRef>
+      <a:fillRef idx="0">
+        <a:scrgbClr r="0" g="0" b="0"/>
+      </a:fillRef>
+      <a:effectRef idx="0">
+        <a:scrgbClr r="0" g="0" b="0"/>
+      </a:effectRef>
+      <a:fontRef idx="minor"/>
+    </dgm:style>
+  </dgm:styleLbl>
+  <dgm:styleLbl name="parChTrans1D3">
+    <dgm:scene3d>
+      <a:camera prst="orthographicFront"/>
+      <a:lightRig rig="threePt" dir="t"/>
+    </dgm:scene3d>
+    <dgm:sp3d/>
+    <dgm:txPr/>
+    <dgm:style>
+      <a:lnRef idx="2">
+        <a:scrgbClr r="0" g="0" b="0"/>
+      </a:lnRef>
+      <a:fillRef idx="0">
+        <a:scrgbClr r="0" g="0" b="0"/>
+      </a:fillRef>
+      <a:effectRef idx="0">
+        <a:scrgbClr r="0" g="0" b="0"/>
+      </a:effectRef>
+      <a:fontRef idx="minor"/>
+    </dgm:style>
+  </dgm:styleLbl>
+  <dgm:styleLbl name="parChTrans1D4">
+    <dgm:scene3d>
+      <a:camera prst="orthographicFront"/>
+      <a:lightRig rig="threePt" dir="t"/>
+    </dgm:scene3d>
+    <dgm:sp3d/>
+    <dgm:txPr/>
+    <dgm:style>
+      <a:lnRef idx="2">
+        <a:scrgbClr r="0" g="0" b="0"/>
+      </a:lnRef>
+      <a:fillRef idx="0">
+        <a:scrgbClr r="0" g="0" b="0"/>
+      </a:fillRef>
+      <a:effectRef idx="0">
+        <a:scrgbClr r="0" g="0" b="0"/>
+      </a:effectRef>
+      <a:fontRef idx="minor"/>
+    </dgm:style>
+  </dgm:styleLbl>
+  <dgm:styleLbl name="fgAcc1">
+    <dgm:scene3d>
+      <a:camera prst="orthographicFront"/>
+      <a:lightRig rig="threePt" dir="t"/>
+    </dgm:scene3d>
+    <dgm:sp3d/>
+    <dgm:txPr/>
+    <dgm:style>
+      <a:lnRef idx="2">
+        <a:scrgbClr r="0" g="0" b="0"/>
+      </a:lnRef>
+      <a:fillRef idx="1">
+        <a:scrgbClr r="0" g="0" b="0"/>
+      </a:fillRef>
+      <a:effectRef idx="0">
+        <a:scrgbClr r="0" g="0" b="0"/>
+      </a:effectRef>
+      <a:fontRef idx="minor"/>
+    </dgm:style>
+  </dgm:styleLbl>
+  <dgm:styleLbl name="conFgAcc1">
+    <dgm:scene3d>
+      <a:camera prst="orthographicFront"/>
+      <a:lightRig rig="threePt" dir="t"/>
+    </dgm:scene3d>
+    <dgm:sp3d/>
+    <dgm:txPr/>
+    <dgm:style>
+      <a:lnRef idx="2">
+        <a:scrgbClr r="0" g="0" b="0"/>
+      </a:lnRef>
+      <a:fillRef idx="1">
+        <a:scrgbClr r="0" g="0" b="0"/>
+      </a:fillRef>
+      <a:effectRef idx="0">
+        <a:scrgbClr r="0" g="0" b="0"/>
+      </a:effectRef>
+      <a:fontRef idx="minor"/>
+    </dgm:style>
+  </dgm:styleLbl>
+  <dgm:styleLbl name="alignAcc1">
+    <dgm:scene3d>
+      <a:camera prst="orthographicFront"/>
+      <a:lightRig rig="threePt" dir="t"/>
+    </dgm:scene3d>
+    <dgm:sp3d/>
+    <dgm:txPr/>
+    <dgm:style>
+      <a:lnRef idx="2">
+        <a:scrgbClr r="0" g="0" b="0"/>
+      </a:lnRef>
+      <a:fillRef idx="1">
+        <a:scrgbClr r="0" g="0" b="0"/>
+      </a:fillRef>
+      <a:effectRef idx="0">
+        <a:scrgbClr r="0" g="0" b="0"/>
+      </a:effectRef>
+      <a:fontRef idx="minor"/>
+    </dgm:style>
+  </dgm:styleLbl>
+  <dgm:styleLbl name="trAlignAcc1">
+    <dgm:scene3d>
+      <a:camera prst="orthographicFront"/>
+      <a:lightRig rig="threePt" dir="t"/>
+    </dgm:scene3d>
+    <dgm:sp3d/>
+    <dgm:txPr/>
+    <dgm:style>
+      <a:lnRef idx="1">
+        <a:scrgbClr r="0" g="0" b="0"/>
+      </a:lnRef>
+      <a:fillRef idx="1">
+        <a:scrgbClr r="0" g="0" b="0"/>
+      </a:fillRef>
+      <a:effectRef idx="0">
+        <a:scrgbClr r="0" g="0" b="0"/>
+      </a:effectRef>
+      <a:fontRef idx="minor"/>
+    </dgm:style>
+  </dgm:styleLbl>
+  <dgm:styleLbl name="bgAcc1">
+    <dgm:scene3d>
+      <a:camera prst="orthographicFront"/>
+      <a:lightRig rig="threePt" dir="t"/>
+    </dgm:scene3d>
+    <dgm:sp3d/>
+    <dgm:txPr/>
+    <dgm:style>
+      <a:lnRef idx="2">
+        <a:scrgbClr r="0" g="0" b="0"/>
+      </a:lnRef>
+      <a:fillRef idx="1">
+        <a:scrgbClr r="0" g="0" b="0"/>
+      </a:fillRef>
+      <a:effectRef idx="0">
+        <a:scrgbClr r="0" g="0" b="0"/>
+      </a:effectRef>
+      <a:fontRef idx="minor"/>
+    </dgm:style>
+  </dgm:styleLbl>
+  <dgm:styleLbl name="solidFgAcc1">
+    <dgm:scene3d>
+      <a:camera prst="orthographicFront"/>
+      <a:lightRig rig="threePt" dir="t"/>
+    </dgm:scene3d>
+    <dgm:sp3d/>
+    <dgm:txPr/>
+    <dgm:style>
+      <a:lnRef idx="2">
+        <a:scrgbClr r="0" g="0" b="0"/>
+      </a:lnRef>
+      <a:fillRef idx="1">
+        <a:scrgbClr r="0" g="0" b="0"/>
+      </a:fillRef>
+      <a:effectRef idx="0">
+        <a:scrgbClr r="0" g="0" b="0"/>
+      </a:effectRef>
+      <a:fontRef idx="minor"/>
+    </dgm:style>
+  </dgm:styleLbl>
+  <dgm:styleLbl name="solidAlignAcc1">
+    <dgm:scene3d>
+      <a:camera prst="orthographicFront"/>
+      <a:lightRig rig="threePt" dir="t"/>
+    </dgm:scene3d>
+    <dgm:sp3d/>
+    <dgm:txPr/>
+    <dgm:style>
+      <a:lnRef idx="2">
+        <a:scrgbClr r="0" g="0" b="0"/>
+      </a:lnRef>
+      <a:fillRef idx="1">
+        <a:scrgbClr r="0" g="0" b="0"/>
+      </a:fillRef>
+      <a:effectRef idx="0">
+        <a:scrgbClr r="0" g="0" b="0"/>
+      </a:effectRef>
+      <a:fontRef idx="minor"/>
+    </dgm:style>
+  </dgm:styleLbl>
+  <dgm:styleLbl name="solidBgAcc1">
+    <dgm:scene3d>
+      <a:camera prst="orthographicFront"/>
+      <a:lightRig rig="threePt" dir="t"/>
+    </dgm:scene3d>
+    <dgm:sp3d/>
+    <dgm:txPr/>
+    <dgm:style>
+      <a:lnRef idx="2">
+        <a:scrgbClr r="0" g="0" b="0"/>
+      </a:lnRef>
+      <a:fillRef idx="1">
+        <a:scrgbClr r="0" g="0" b="0"/>
+      </a:fillRef>
+      <a:effectRef idx="0">
+        <a:scrgbClr r="0" g="0" b="0"/>
+      </a:effectRef>
+      <a:fontRef idx="minor"/>
+    </dgm:style>
+  </dgm:styleLbl>
+  <dgm:styleLbl name="fgAccFollowNode1">
+    <dgm:scene3d>
+      <a:camera prst="orthographicFront"/>
+      <a:lightRig rig="threePt" dir="t"/>
+    </dgm:scene3d>
+    <dgm:sp3d/>
+    <dgm:txPr/>
+    <dgm:style>
+      <a:lnRef idx="2">
+        <a:scrgbClr r="0" g="0" b="0"/>
+      </a:lnRef>
+      <a:fillRef idx="1">
+        <a:scrgbClr r="0" g="0" b="0"/>
+      </a:fillRef>
+      <a:effectRef idx="0">
+        <a:scrgbClr r="0" g="0" b="0"/>
+      </a:effectRef>
+      <a:fontRef idx="minor"/>
+    </dgm:style>
+  </dgm:styleLbl>
+  <dgm:styleLbl name="alignAccFollowNode1">
+    <dgm:scene3d>
+      <a:camera prst="orthographicFront"/>
+      <a:lightRig rig="threePt" dir="t"/>
+    </dgm:scene3d>
+    <dgm:sp3d/>
+    <dgm:txPr/>
+    <dgm:style>
+      <a:lnRef idx="2">
+        <a:scrgbClr r="0" g="0" b="0"/>
+      </a:lnRef>
+      <a:fillRef idx="1">
+        <a:scrgbClr r="0" g="0" b="0"/>
+      </a:fillRef>
+      <a:effectRef idx="0">
+        <a:scrgbClr r="0" g="0" b="0"/>
+      </a:effectRef>
+      <a:fontRef idx="minor"/>
+    </dgm:style>
+  </dgm:styleLbl>
+  <dgm:styleLbl name="bgAccFollowNode1">
+    <dgm:scene3d>
+      <a:camera prst="orthographicFront"/>
+      <a:lightRig rig="threePt" dir="t"/>
+    </dgm:scene3d>
+    <dgm:sp3d/>
+    <dgm:txPr/>
+    <dgm:style>
+      <a:lnRef idx="2">
+        <a:scrgbClr r="0" g="0" b="0"/>
+      </a:lnRef>
+      <a:fillRef idx="1">
+        <a:scrgbClr r="0" g="0" b="0"/>
+      </a:fillRef>
+      <a:effectRef idx="0">
+        <a:scrgbClr r="0" g="0" b="0"/>
+      </a:effectRef>
+      <a:fontRef idx="minor"/>
+    </dgm:style>
+  </dgm:styleLbl>
+  <dgm:styleLbl name="fgAcc0">
+    <dgm:scene3d>
+      <a:camera prst="orthographicFront"/>
+      <a:lightRig rig="threePt" dir="t"/>
+    </dgm:scene3d>
+    <dgm:sp3d/>
+    <dgm:txPr/>
+    <dgm:style>
+      <a:lnRef idx="2">
+        <a:scrgbClr r="0" g="0" b="0"/>
+      </a:lnRef>
+      <a:fillRef idx="1">
+        <a:scrgbClr r="0" g="0" b="0"/>
+      </a:fillRef>
+      <a:effectRef idx="0">
+        <a:scrgbClr r="0" g="0" b="0"/>
+      </a:effectRef>
+      <a:fontRef idx="minor"/>
+    </dgm:style>
+  </dgm:styleLbl>
+  <dgm:styleLbl name="fgAcc2">
+    <dgm:scene3d>
+      <a:camera prst="orthographicFront"/>
+      <a:lightRig rig="threePt" dir="t"/>
+    </dgm:scene3d>
+    <dgm:sp3d/>
+    <dgm:txPr/>
+    <dgm:style>
+      <a:lnRef idx="2">
+        <a:scrgbClr r="0" g="0" b="0"/>
+      </a:lnRef>
+      <a:fillRef idx="1">
+        <a:scrgbClr r="0" g="0" b="0"/>
+      </a:fillRef>
+      <a:effectRef idx="0">
+        <a:scrgbClr r="0" g="0" b="0"/>
+      </a:effectRef>
+      <a:fontRef idx="minor"/>
+    </dgm:style>
+  </dgm:styleLbl>
+  <dgm:styleLbl name="fgAcc3">
+    <dgm:scene3d>
+      <a:camera prst="orthographicFront"/>
+      <a:lightRig rig="threePt" dir="t"/>
+    </dgm:scene3d>
+    <dgm:sp3d/>
+    <dgm:txPr/>
+    <dgm:style>
+      <a:lnRef idx="2">
+        <a:scrgbClr r="0" g="0" b="0"/>
+      </a:lnRef>
+      <a:fillRef idx="1">
+        <a:scrgbClr r="0" g="0" b="0"/>
+      </a:fillRef>
+      <a:effectRef idx="0">
+        <a:scrgbClr r="0" g="0" b="0"/>
+      </a:effectRef>
+      <a:fontRef idx="minor"/>
+    </dgm:style>
+  </dgm:styleLbl>
+  <dgm:styleLbl name="fgAcc4">
+    <dgm:scene3d>
+      <a:camera prst="orthographicFront"/>
+      <a:lightRig rig="threePt" dir="t"/>
+    </dgm:scene3d>
+    <dgm:sp3d/>
+    <dgm:txPr/>
+    <dgm:style>
+      <a:lnRef idx="2">
+        <a:scrgbClr r="0" g="0" b="0"/>
+      </a:lnRef>
+      <a:fillRef idx="1">
+        <a:scrgbClr r="0" g="0" b="0"/>
+      </a:fillRef>
+      <a:effectRef idx="0">
+        <a:scrgbClr r="0" g="0" b="0"/>
+      </a:effectRef>
+      <a:fontRef idx="minor"/>
+    </dgm:style>
+  </dgm:styleLbl>
+  <dgm:styleLbl name="bgShp">
+    <dgm:scene3d>
+      <a:camera prst="orthographicFront"/>
+      <a:lightRig rig="threePt" dir="t"/>
+    </dgm:scene3d>
+    <dgm:sp3d/>
+    <dgm:txPr/>
+    <dgm:style>
+      <a:lnRef idx="0">
+        <a:scrgbClr r="0" g="0" b="0"/>
+      </a:lnRef>
+      <a:fillRef idx="1">
+        <a:scrgbClr r="0" g="0" b="0"/>
+      </a:fillRef>
+      <a:effectRef idx="0">
+        <a:scrgbClr r="0" g="0" b="0"/>
+      </a:effectRef>
+      <a:fontRef idx="minor"/>
+    </dgm:style>
+  </dgm:styleLbl>
+  <dgm:styleLbl name="dkBgShp">
+    <dgm:scene3d>
+      <a:camera prst="orthographicFront"/>
+      <a:lightRig rig="threePt" dir="t"/>
+    </dgm:scene3d>
+    <dgm:sp3d/>
+    <dgm:txPr/>
+    <dgm:style>
+      <a:lnRef idx="0">
+        <a:scrgbClr r="0" g="0" b="0"/>
+      </a:lnRef>
+      <a:fillRef idx="1">
+        <a:scrgbClr r="0" g="0" b="0"/>
+      </a:fillRef>
+      <a:effectRef idx="0">
+        <a:scrgbClr r="0" g="0" b="0"/>
+      </a:effectRef>
+      <a:fontRef idx="minor"/>
+    </dgm:style>
+  </dgm:styleLbl>
+  <dgm:styleLbl name="trBgShp">
+    <dgm:scene3d>
+      <a:camera prst="orthographicFront"/>
+      <a:lightRig rig="threePt" dir="t"/>
+    </dgm:scene3d>
+    <dgm:sp3d/>
+    <dgm:txPr/>
+    <dgm:style>
+      <a:lnRef idx="0">
+        <a:scrgbClr r="0" g="0" b="0"/>
+      </a:lnRef>
+      <a:fillRef idx="1">
+        <a:scrgbClr r="0" g="0" b="0"/>
+      </a:fillRef>
+      <a:effectRef idx="0">
+        <a:scrgbClr r="0" g="0" b="0"/>
+      </a:effectRef>
+      <a:fontRef idx="minor"/>
+    </dgm:style>
+  </dgm:styleLbl>
+  <dgm:styleLbl name="fgShp">
+    <dgm:scene3d>
+      <a:camera prst="orthographicFront"/>
+      <a:lightRig rig="threePt" dir="t"/>
+    </dgm:scene3d>
+    <dgm:sp3d/>
+    <dgm:txPr/>
+    <dgm:style>
+      <a:lnRef idx="2">
+        <a:scrgbClr r="0" g="0" b="0"/>
+      </a:lnRef>
+      <a:fillRef idx="1">
+        <a:scrgbClr r="0" g="0" b="0"/>
+      </a:fillRef>
+      <a:effectRef idx="0">
+        <a:scrgbClr r="0" g="0" b="0"/>
+      </a:effectRef>
+      <a:fontRef idx="minor"/>
+    </dgm:style>
+  </dgm:styleLbl>
+  <dgm:styleLbl name="revTx">
+    <dgm:scene3d>
+      <a:camera prst="orthographicFront"/>
+      <a:lightRig rig="threePt" dir="t"/>
+    </dgm:scene3d>
+    <dgm:sp3d/>
+    <dgm:txPr/>
+    <dgm:style>
+      <a:lnRef idx="0">
+        <a:scrgbClr r="0" g="0" b="0"/>
+      </a:lnRef>
+      <a:fillRef idx="0">
+        <a:scrgbClr r="0" g="0" b="0"/>
+      </a:fillRef>
+      <a:effectRef idx="0">
+        <a:scrgbClr r="0" g="0" b="0"/>
+      </a:effectRef>
+      <a:fontRef idx="minor"/>
+    </dgm:style>
+  </dgm:styleLbl>
+</dgm:styleDef>
 </file>
 
 <file path=ppt/slideLayouts/slideLayout1.xml><?xml version="1.0" encoding="utf-8"?>
@@ -631,7 +3150,7 @@
           <a:p>
             <a:fld id="{49E67328-1D56-4A44-8B5D-4ACCE58A1AA2}" type="datetimeFigureOut">
               <a:rPr lang="en-US" smtClean="0"/>
-              <a:t>3/31/18</a:t>
+              <a:t>4/3/2018</a:t>
             </a:fld>
             <a:endParaRPr lang="en-US"/>
           </a:p>
@@ -927,7 +3446,7 @@
           <a:p>
             <a:fld id="{49E67328-1D56-4A44-8B5D-4ACCE58A1AA2}" type="datetimeFigureOut">
               <a:rPr lang="en-US" smtClean="0"/>
-              <a:t>3/31/18</a:t>
+              <a:t>4/3/2018</a:t>
             </a:fld>
             <a:endParaRPr lang="en-US"/>
           </a:p>
@@ -1175,7 +3694,7 @@
           <a:p>
             <a:fld id="{49E67328-1D56-4A44-8B5D-4ACCE58A1AA2}" type="datetimeFigureOut">
               <a:rPr lang="en-US" smtClean="0"/>
-              <a:t>3/31/18</a:t>
+              <a:t>4/3/2018</a:t>
             </a:fld>
             <a:endParaRPr lang="en-US"/>
           </a:p>
@@ -1715,7 +4234,7 @@
           <a:p>
             <a:fld id="{49E67328-1D56-4A44-8B5D-4ACCE58A1AA2}" type="datetimeFigureOut">
               <a:rPr lang="en-US" smtClean="0"/>
-              <a:t>3/31/18</a:t>
+              <a:t>4/3/2018</a:t>
             </a:fld>
             <a:endParaRPr lang="en-US"/>
           </a:p>
@@ -1963,7 +4482,7 @@
           <a:p>
             <a:fld id="{49E67328-1D56-4A44-8B5D-4ACCE58A1AA2}" type="datetimeFigureOut">
               <a:rPr lang="en-US" smtClean="0"/>
-              <a:t>3/31/18</a:t>
+              <a:t>4/3/2018</a:t>
             </a:fld>
             <a:endParaRPr lang="en-US"/>
           </a:p>
@@ -2495,7 +5014,7 @@
           <a:p>
             <a:fld id="{49E67328-1D56-4A44-8B5D-4ACCE58A1AA2}" type="datetimeFigureOut">
               <a:rPr lang="en-US" smtClean="0"/>
-              <a:t>3/31/18</a:t>
+              <a:t>4/3/2018</a:t>
             </a:fld>
             <a:endParaRPr lang="en-US"/>
           </a:p>
@@ -2792,7 +5311,7 @@
           <a:p>
             <a:fld id="{49E67328-1D56-4A44-8B5D-4ACCE58A1AA2}" type="datetimeFigureOut">
               <a:rPr lang="en-US" smtClean="0"/>
-              <a:t>3/31/18</a:t>
+              <a:t>4/3/2018</a:t>
             </a:fld>
             <a:endParaRPr lang="en-US"/>
           </a:p>
@@ -2966,7 +5485,7 @@
           <a:p>
             <a:fld id="{49E67328-1D56-4A44-8B5D-4ACCE58A1AA2}" type="datetimeFigureOut">
               <a:rPr lang="en-US" smtClean="0"/>
-              <a:t>3/31/18</a:t>
+              <a:t>4/3/2018</a:t>
             </a:fld>
             <a:endParaRPr lang="en-US"/>
           </a:p>
@@ -3146,7 +5665,7 @@
           <a:p>
             <a:fld id="{49E67328-1D56-4A44-8B5D-4ACCE58A1AA2}" type="datetimeFigureOut">
               <a:rPr lang="en-US" smtClean="0"/>
-              <a:t>3/31/18</a:t>
+              <a:t>4/3/2018</a:t>
             </a:fld>
             <a:endParaRPr lang="en-US"/>
           </a:p>
@@ -3316,7 +5835,7 @@
           <a:p>
             <a:fld id="{49E67328-1D56-4A44-8B5D-4ACCE58A1AA2}" type="datetimeFigureOut">
               <a:rPr lang="en-US" smtClean="0"/>
-              <a:t>3/31/18</a:t>
+              <a:t>4/3/2018</a:t>
             </a:fld>
             <a:endParaRPr lang="en-US"/>
           </a:p>
@@ -3567,7 +6086,7 @@
           <a:p>
             <a:fld id="{49E67328-1D56-4A44-8B5D-4ACCE58A1AA2}" type="datetimeFigureOut">
               <a:rPr lang="en-US" smtClean="0"/>
-              <a:t>3/31/18</a:t>
+              <a:t>4/3/2018</a:t>
             </a:fld>
             <a:endParaRPr lang="en-US"/>
           </a:p>
@@ -3864,7 +6383,7 @@
           <a:p>
             <a:fld id="{49E67328-1D56-4A44-8B5D-4ACCE58A1AA2}" type="datetimeFigureOut">
               <a:rPr lang="en-US" smtClean="0"/>
-              <a:t>3/31/18</a:t>
+              <a:t>4/3/2018</a:t>
             </a:fld>
             <a:endParaRPr lang="en-US"/>
           </a:p>
@@ -4306,7 +6825,7 @@
           <a:p>
             <a:fld id="{49E67328-1D56-4A44-8B5D-4ACCE58A1AA2}" type="datetimeFigureOut">
               <a:rPr lang="en-US" smtClean="0"/>
-              <a:t>3/31/18</a:t>
+              <a:t>4/3/2018</a:t>
             </a:fld>
             <a:endParaRPr lang="en-US"/>
           </a:p>
@@ -4424,7 +6943,7 @@
           <a:p>
             <a:fld id="{49E67328-1D56-4A44-8B5D-4ACCE58A1AA2}" type="datetimeFigureOut">
               <a:rPr lang="en-US" smtClean="0"/>
-              <a:t>3/31/18</a:t>
+              <a:t>4/3/2018</a:t>
             </a:fld>
             <a:endParaRPr lang="en-US"/>
           </a:p>
@@ -4519,7 +7038,7 @@
           <a:p>
             <a:fld id="{49E67328-1D56-4A44-8B5D-4ACCE58A1AA2}" type="datetimeFigureOut">
               <a:rPr lang="en-US" smtClean="0"/>
-              <a:t>3/31/18</a:t>
+              <a:t>4/3/2018</a:t>
             </a:fld>
             <a:endParaRPr lang="en-US"/>
           </a:p>
@@ -4802,7 +7321,7 @@
           <a:p>
             <a:fld id="{49E67328-1D56-4A44-8B5D-4ACCE58A1AA2}" type="datetimeFigureOut">
               <a:rPr lang="en-US" smtClean="0"/>
-              <a:t>3/31/18</a:t>
+              <a:t>4/3/2018</a:t>
             </a:fld>
             <a:endParaRPr lang="en-US"/>
           </a:p>
@@ -5093,7 +7612,7 @@
           <a:p>
             <a:fld id="{49E67328-1D56-4A44-8B5D-4ACCE58A1AA2}" type="datetimeFigureOut">
               <a:rPr lang="en-US" smtClean="0"/>
-              <a:t>3/31/18</a:t>
+              <a:t>4/3/2018</a:t>
             </a:fld>
             <a:endParaRPr lang="en-US"/>
           </a:p>
@@ -5623,7 +8142,7 @@
           <a:p>
             <a:fld id="{49E67328-1D56-4A44-8B5D-4ACCE58A1AA2}" type="datetimeFigureOut">
               <a:rPr lang="en-US" smtClean="0"/>
-              <a:t>3/31/18</a:t>
+              <a:t>4/3/2018</a:t>
             </a:fld>
             <a:endParaRPr lang="en-US"/>
           </a:p>
@@ -6159,7 +8678,7 @@
           <p:cNvPr id="2" name="Title 1">
             <a:extLst>
               <a:ext uri="{FF2B5EF4-FFF2-40B4-BE49-F238E27FC236}">
-                <a16:creationId xmlns:a16="http://schemas.microsoft.com/office/drawing/2014/main" id="{80A0F6CB-3EEE-457E-9B47-F1B8F074D97F}"/>
+                <a16:creationId xmlns:a16="http://schemas.microsoft.com/office/drawing/2014/main" xmlns="" id="{80A0F6CB-3EEE-457E-9B47-F1B8F074D97F}"/>
               </a:ext>
             </a:extLst>
           </p:cNvPr>
@@ -6196,7 +8715,7 @@
           <p:cNvPr id="4" name="Subtitle 3">
             <a:extLst>
               <a:ext uri="{FF2B5EF4-FFF2-40B4-BE49-F238E27FC236}">
-                <a16:creationId xmlns:a16="http://schemas.microsoft.com/office/drawing/2014/main" id="{C4AAACE8-A347-42A2-89BA-D4EF4704EB06}"/>
+                <a16:creationId xmlns:a16="http://schemas.microsoft.com/office/drawing/2014/main" xmlns="" id="{C4AAACE8-A347-42A2-89BA-D4EF4704EB06}"/>
               </a:ext>
             </a:extLst>
           </p:cNvPr>
@@ -6268,7 +8787,7 @@
           <p:cNvPr id="5" name="Title 4">
             <a:extLst>
               <a:ext uri="{FF2B5EF4-FFF2-40B4-BE49-F238E27FC236}">
-                <a16:creationId xmlns:a16="http://schemas.microsoft.com/office/drawing/2014/main" id="{3807C00D-46C3-428F-9CCF-04A07CB1EA8D}"/>
+                <a16:creationId xmlns:a16="http://schemas.microsoft.com/office/drawing/2014/main" xmlns="" id="{3807C00D-46C3-428F-9CCF-04A07CB1EA8D}"/>
               </a:ext>
             </a:extLst>
           </p:cNvPr>
@@ -6279,7 +8798,12 @@
             <p:ph type="title"/>
           </p:nvPr>
         </p:nvSpPr>
-        <p:spPr/>
+        <p:spPr>
+          <a:xfrm>
+            <a:off x="1484310" y="0"/>
+            <a:ext cx="10018713" cy="1752599"/>
+          </a:xfrm>
+        </p:spPr>
         <p:txBody>
           <a:bodyPr/>
           <a:lstStyle/>
@@ -6300,7 +8824,7 @@
           <p:cNvPr id="8" name="Content Placeholder 7">
             <a:extLst>
               <a:ext uri="{FF2B5EF4-FFF2-40B4-BE49-F238E27FC236}">
-                <a16:creationId xmlns:a16="http://schemas.microsoft.com/office/drawing/2014/main" id="{48BA6C6E-0398-4BC0-8711-A809B71C884C}"/>
+                <a16:creationId xmlns:a16="http://schemas.microsoft.com/office/drawing/2014/main" xmlns="" id="{48BA6C6E-0398-4BC0-8711-A809B71C884C}"/>
               </a:ext>
             </a:extLst>
           </p:cNvPr>
@@ -6313,12 +8837,14 @@
         </p:nvSpPr>
         <p:spPr>
           <a:xfrm>
-            <a:off x="1484310" y="2163416"/>
-            <a:ext cx="10018713" cy="3124201"/>
+            <a:off x="1484310" y="1174044"/>
+            <a:ext cx="10459334" cy="4113573"/>
           </a:xfrm>
         </p:spPr>
         <p:txBody>
-          <a:bodyPr/>
+          <a:bodyPr>
+            <a:normAutofit/>
+          </a:bodyPr>
           <a:lstStyle/>
           <a:p>
             <a:r>
@@ -6333,6 +8859,20 @@
               <a:rPr lang="en-US" dirty="0"/>
               <a:t>, is a text document that holds all the commands that a user could call on the command line to create an image. </a:t>
             </a:r>
+            <a:endParaRPr lang="en-US" dirty="0" smtClean="0"/>
+          </a:p>
+          <a:p>
+            <a:r>
+              <a:rPr lang="en-US" dirty="0" smtClean="0"/>
+              <a:t>Images generally just contain a single application and all the libraries that are needed to run that application</a:t>
+            </a:r>
+          </a:p>
+          <a:p>
+            <a:r>
+              <a:rPr lang="en-US" dirty="0" smtClean="0"/>
+              <a:t>Like onions and Ogres, images have layers this consumes less space and allows for faster deployments</a:t>
+            </a:r>
+            <a:endParaRPr lang="en-US" dirty="0"/>
           </a:p>
           <a:p>
             <a:r>
@@ -6345,44 +8885,106 @@
             </a:r>
             <a:r>
               <a:rPr lang="en-US" dirty="0"/>
-              <a:t> already  exist for your common applications on Docker Hub! </a:t>
-            </a:r>
-          </a:p>
-        </p:txBody>
-      </p:sp>
-      <p:sp>
-        <p:nvSpPr>
-          <p:cNvPr id="10" name="Content Placeholder 9">
+              <a:t> already  exist for your common applications on Docker Hub</a:t>
+            </a:r>
+            <a:r>
+              <a:rPr lang="en-US" dirty="0" smtClean="0"/>
+              <a:t>!</a:t>
+            </a:r>
+          </a:p>
+          <a:p>
+            <a:r>
+              <a:rPr lang="en-US" dirty="0" smtClean="0"/>
+              <a:t>Generally you will start with an image, extend </a:t>
+            </a:r>
+            <a:r>
+              <a:rPr lang="en-US" dirty="0" smtClean="0"/>
+              <a:t> the image with your customizations and create a new image.</a:t>
+            </a:r>
+            <a:endParaRPr lang="en-US" dirty="0"/>
+          </a:p>
+        </p:txBody>
+      </p:sp>
+      <p:sp>
+        <p:nvSpPr>
+          <p:cNvPr id="3" name="AutoShape 4" descr="Image result for onions clipart"/>
+          <p:cNvSpPr>
+            <a:spLocks noChangeAspect="1" noChangeArrowheads="1"/>
+          </p:cNvSpPr>
+          <p:nvPr/>
+        </p:nvSpPr>
+        <p:spPr bwMode="auto">
+          <a:xfrm>
+            <a:off x="155574" y="-144463"/>
+            <a:ext cx="4269669" cy="4269683"/>
+          </a:xfrm>
+          <a:prstGeom prst="rect">
+            <a:avLst/>
+          </a:prstGeom>
+          <a:noFill/>
+          <a:extLst>
+            <a:ext uri="{909E8E84-426E-40DD-AFC4-6F175D3DCCD1}">
+              <a14:hiddenFill xmlns:a14="http://schemas.microsoft.com/office/drawing/2010/main">
+                <a:solidFill>
+                  <a:srgbClr val="FFFFFF"/>
+                </a:solidFill>
+              </a14:hiddenFill>
+            </a:ext>
+          </a:extLst>
+        </p:spPr>
+        <p:txBody>
+          <a:bodyPr vert="horz" wrap="square" lIns="91440" tIns="45720" rIns="91440" bIns="45720" numCol="1" anchor="t" anchorCtr="0" compatLnSpc="1">
+            <a:prstTxWarp prst="textNoShape">
+              <a:avLst/>
+            </a:prstTxWarp>
+          </a:bodyPr>
+          <a:lstStyle/>
+          <a:p>
+            <a:endParaRPr lang="en-US"/>
+          </a:p>
+        </p:txBody>
+      </p:sp>
+      <p:pic>
+        <p:nvPicPr>
+          <p:cNvPr id="1030" name="Picture 6" descr="Image result for onions clipart"/>
+          <p:cNvPicPr>
+            <a:picLocks noChangeAspect="1" noChangeArrowheads="1"/>
+          </p:cNvPicPr>
+          <p:nvPr/>
+        </p:nvPicPr>
+        <p:blipFill>
+          <a:blip r:embed="rId2" cstate="print">
             <a:extLst>
-              <a:ext uri="{FF2B5EF4-FFF2-40B4-BE49-F238E27FC236}">
-                <a16:creationId xmlns:a16="http://schemas.microsoft.com/office/drawing/2014/main" id="{6B9A57D4-4470-456D-92C0-9C664191E7E3}"/>
+              <a:ext uri="{28A0092B-C50C-407E-A947-70E740481C1C}">
+                <a14:useLocalDpi xmlns:a14="http://schemas.microsoft.com/office/drawing/2010/main" val="0"/>
               </a:ext>
             </a:extLst>
-          </p:cNvPr>
-          <p:cNvSpPr>
-            <a:spLocks noGrp="1"/>
-          </p:cNvSpPr>
-          <p:nvPr>
-            <p:ph sz="quarter" idx="4294967295"/>
-          </p:nvPr>
-        </p:nvSpPr>
-        <p:spPr>
+          </a:blip>
+          <a:srcRect/>
+          <a:stretch>
+            <a:fillRect/>
+          </a:stretch>
+        </p:blipFill>
+        <p:spPr bwMode="auto">
           <a:xfrm>
-            <a:off x="7296150" y="3335338"/>
-            <a:ext cx="4895850" cy="2455862"/>
+            <a:off x="10453510" y="5325291"/>
+            <a:ext cx="1490133" cy="1532709"/>
           </a:xfrm>
+          <a:prstGeom prst="rect">
+            <a:avLst/>
+          </a:prstGeom>
+          <a:noFill/>
+          <a:extLst>
+            <a:ext uri="{909E8E84-426E-40DD-AFC4-6F175D3DCCD1}">
+              <a14:hiddenFill xmlns:a14="http://schemas.microsoft.com/office/drawing/2010/main">
+                <a:solidFill>
+                  <a:srgbClr val="FFFFFF"/>
+                </a:solidFill>
+              </a14:hiddenFill>
+            </a:ext>
+          </a:extLst>
         </p:spPr>
-        <p:txBody>
-          <a:bodyPr/>
-          <a:lstStyle/>
-          <a:p>
-            <a:endParaRPr lang="en-US" dirty="0"/>
-          </a:p>
-          <a:p>
-            <a:endParaRPr lang="en-US" dirty="0"/>
-          </a:p>
-        </p:txBody>
-      </p:sp>
+      </p:pic>
     </p:spTree>
     <p:extLst>
       <p:ext uri="{BB962C8B-B14F-4D97-AF65-F5344CB8AC3E}">
@@ -6418,7 +9020,7 @@
           <p:cNvPr id="2" name="Title 1">
             <a:extLst>
               <a:ext uri="{FF2B5EF4-FFF2-40B4-BE49-F238E27FC236}">
-                <a16:creationId xmlns:a16="http://schemas.microsoft.com/office/drawing/2014/main" id="{B86473AA-047F-674E-AEDE-8FF1453D6423}"/>
+                <a16:creationId xmlns:a16="http://schemas.microsoft.com/office/drawing/2014/main" xmlns="" id="{B86473AA-047F-674E-AEDE-8FF1453D6423}"/>
               </a:ext>
             </a:extLst>
           </p:cNvPr>
@@ -6451,7 +9053,7 @@
           <p:cNvPr id="3" name="Content Placeholder 2">
             <a:extLst>
               <a:ext uri="{FF2B5EF4-FFF2-40B4-BE49-F238E27FC236}">
-                <a16:creationId xmlns:a16="http://schemas.microsoft.com/office/drawing/2014/main" id="{A8DE9A5F-20A3-794D-B75C-3B36751BD776}"/>
+                <a16:creationId xmlns:a16="http://schemas.microsoft.com/office/drawing/2014/main" xmlns="" id="{A8DE9A5F-20A3-794D-B75C-3B36751BD776}"/>
               </a:ext>
             </a:extLst>
           </p:cNvPr>
@@ -6529,117 +9131,187 @@
       </p:grpSpPr>
       <p:sp>
         <p:nvSpPr>
-          <p:cNvPr id="2" name="Title 1">
+          <p:cNvPr id="2" name="Title 1"/>
+          <p:cNvSpPr>
+            <a:spLocks noGrp="1"/>
+          </p:cNvSpPr>
+          <p:nvPr>
+            <p:ph type="title"/>
+          </p:nvPr>
+        </p:nvSpPr>
+        <p:spPr>
+          <a:xfrm>
+            <a:off x="1648618" y="1"/>
+            <a:ext cx="10018713" cy="1117600"/>
+          </a:xfrm>
+        </p:spPr>
+        <p:txBody>
+          <a:bodyPr/>
+          <a:lstStyle/>
+          <a:p>
+            <a:r>
+              <a:rPr lang="en-US" dirty="0" smtClean="0"/>
+              <a:t>Cattle vs Pets</a:t>
+            </a:r>
+            <a:endParaRPr lang="en-US" dirty="0"/>
+          </a:p>
+        </p:txBody>
+      </p:sp>
+      <p:pic>
+        <p:nvPicPr>
+          <p:cNvPr id="2052" name="Picture 4" descr="Black and White Cow"/>
+          <p:cNvPicPr>
+            <a:picLocks noChangeAspect="1" noChangeArrowheads="1"/>
+          </p:cNvPicPr>
+          <p:nvPr/>
+        </p:nvPicPr>
+        <p:blipFill>
+          <a:blip r:embed="rId2">
             <a:extLst>
-              <a:ext uri="{FF2B5EF4-FFF2-40B4-BE49-F238E27FC236}">
-                <a16:creationId xmlns:a16="http://schemas.microsoft.com/office/drawing/2014/main" id="{84EFE6A4-BBAF-2241-88C5-F834C801A950}"/>
+              <a:ext uri="{28A0092B-C50C-407E-A947-70E740481C1C}">
+                <a14:useLocalDpi xmlns:a14="http://schemas.microsoft.com/office/drawing/2010/main" val="0"/>
               </a:ext>
             </a:extLst>
-          </p:cNvPr>
-          <p:cNvSpPr>
-            <a:spLocks noGrp="1"/>
-          </p:cNvSpPr>
-          <p:nvPr>
-            <p:ph type="title"/>
-          </p:nvPr>
+          </a:blip>
+          <a:srcRect/>
+          <a:stretch>
+            <a:fillRect/>
+          </a:stretch>
+        </p:blipFill>
+        <p:spPr bwMode="auto">
+          <a:xfrm>
+            <a:off x="6657975" y="3481739"/>
+            <a:ext cx="5238750" cy="2962276"/>
+          </a:xfrm>
+          <a:prstGeom prst="rect">
+            <a:avLst/>
+          </a:prstGeom>
+          <a:noFill/>
+          <a:extLst>
+            <a:ext uri="{909E8E84-426E-40DD-AFC4-6F175D3DCCD1}">
+              <a14:hiddenFill xmlns:a14="http://schemas.microsoft.com/office/drawing/2010/main">
+                <a:solidFill>
+                  <a:srgbClr val="FFFFFF"/>
+                </a:solidFill>
+              </a14:hiddenFill>
+            </a:ext>
+          </a:extLst>
+        </p:spPr>
+      </p:pic>
+      <p:pic>
+        <p:nvPicPr>
+          <p:cNvPr id="2054" name="Picture 6" descr="Image result for dogs clipart"/>
+          <p:cNvPicPr>
+            <a:picLocks noChangeAspect="1" noChangeArrowheads="1"/>
+          </p:cNvPicPr>
+          <p:nvPr/>
+        </p:nvPicPr>
+        <p:blipFill>
+          <a:blip r:embed="rId3">
+            <a:extLst>
+              <a:ext uri="{28A0092B-C50C-407E-A947-70E740481C1C}">
+                <a14:useLocalDpi xmlns:a14="http://schemas.microsoft.com/office/drawing/2010/main" val="0"/>
+              </a:ext>
+            </a:extLst>
+          </a:blip>
+          <a:srcRect/>
+          <a:stretch>
+            <a:fillRect/>
+          </a:stretch>
+        </p:blipFill>
+        <p:spPr bwMode="auto">
+          <a:xfrm>
+            <a:off x="2300463" y="3900839"/>
+            <a:ext cx="2857500" cy="2124075"/>
+          </a:xfrm>
+          <a:prstGeom prst="rect">
+            <a:avLst/>
+          </a:prstGeom>
+          <a:noFill/>
+          <a:extLst>
+            <a:ext uri="{909E8E84-426E-40DD-AFC4-6F175D3DCCD1}">
+              <a14:hiddenFill xmlns:a14="http://schemas.microsoft.com/office/drawing/2010/main">
+                <a:solidFill>
+                  <a:srgbClr val="FFFFFF"/>
+                </a:solidFill>
+              </a14:hiddenFill>
+            </a:ext>
+          </a:extLst>
+        </p:spPr>
+      </p:pic>
+      <p:sp>
+        <p:nvSpPr>
+          <p:cNvPr id="5" name="TextBox 4"/>
+          <p:cNvSpPr txBox="1"/>
+          <p:nvPr/>
         </p:nvSpPr>
         <p:spPr>
           <a:xfrm>
-            <a:off x="1484311" y="685801"/>
-            <a:ext cx="10018713" cy="1143000"/>
+            <a:off x="1636889" y="1309511"/>
+            <a:ext cx="10001955" cy="1754326"/>
           </a:xfrm>
+          <a:prstGeom prst="rect">
+            <a:avLst/>
+          </a:prstGeom>
+          <a:noFill/>
         </p:spPr>
         <p:txBody>
-          <a:bodyPr/>
-          <a:lstStyle/>
-          <a:p>
-            <a:r>
-              <a:rPr lang="en-US" dirty="0"/>
-              <a:t>Some core concepts of </a:t>
-            </a:r>
-            <a:r>
-              <a:rPr lang="en-US" dirty="0" err="1"/>
-              <a:t>Devops</a:t>
-            </a:r>
-            <a:endParaRPr lang="en-US" dirty="0"/>
-          </a:p>
-        </p:txBody>
-      </p:sp>
-      <p:sp>
-        <p:nvSpPr>
-          <p:cNvPr id="3" name="Content Placeholder 2">
-            <a:extLst>
-              <a:ext uri="{FF2B5EF4-FFF2-40B4-BE49-F238E27FC236}">
-                <a16:creationId xmlns:a16="http://schemas.microsoft.com/office/drawing/2014/main" id="{241F3B68-4A2C-A04A-A659-08BFEAD9715A}"/>
-              </a:ext>
-            </a:extLst>
-          </p:cNvPr>
-          <p:cNvSpPr>
-            <a:spLocks noGrp="1"/>
-          </p:cNvSpPr>
-          <p:nvPr>
-            <p:ph idx="1"/>
-          </p:nvPr>
-        </p:nvSpPr>
-        <p:spPr>
-          <a:xfrm>
-            <a:off x="1484310" y="1649897"/>
-            <a:ext cx="10018713" cy="4141304"/>
-          </a:xfrm>
-        </p:spPr>
-        <p:txBody>
-          <a:bodyPr>
-            <a:normAutofit lnSpcReduction="10000"/>
+          <a:bodyPr wrap="square" rtlCol="0">
+            <a:spAutoFit/>
           </a:bodyPr>
           <a:lstStyle/>
           <a:p>
-            <a:pPr marL="0" indent="0">
-              <a:buNone/>
+            <a:pPr marL="285750" indent="-285750">
+              <a:buFont typeface="Arial" panose="020B0604020202020204" pitchFamily="34" charset="0"/>
+              <a:buChar char="•"/>
             </a:pPr>
             <a:r>
-              <a:rPr lang="en-US" dirty="0"/>
-              <a:t>Docker and Kubernetes exist as technologies to enable </a:t>
-            </a:r>
-            <a:r>
-              <a:rPr lang="en-US" dirty="0" err="1"/>
-              <a:t>Devops</a:t>
-            </a:r>
-            <a:r>
-              <a:rPr lang="en-US" dirty="0"/>
-              <a:t>.  Here are some key concepts:</a:t>
-            </a:r>
-          </a:p>
-          <a:p>
-            <a:r>
-              <a:rPr lang="en-US" dirty="0"/>
-              <a:t>Containers are cattle, not pets.  Use them, shoot them and then move on</a:t>
-            </a:r>
-          </a:p>
-          <a:p>
-            <a:r>
-              <a:rPr lang="en-US" dirty="0"/>
-              <a:t>Fail fast – we will fail, but it is important that when we fail we can quickly revert back to a known state.</a:t>
-            </a:r>
-          </a:p>
-          <a:p>
-            <a:r>
-              <a:rPr lang="en-US" dirty="0"/>
-              <a:t>Continuous Integration - Deploy small changes more frequently</a:t>
-            </a:r>
-          </a:p>
-          <a:p>
-            <a:r>
-              <a:rPr lang="en-US" dirty="0"/>
-              <a:t>Shared environments – Dev, test, production should all be identical if not the same</a:t>
-            </a:r>
-          </a:p>
-          <a:p>
-            <a:r>
-              <a:rPr lang="en-US" dirty="0"/>
-              <a:t>Deployment should be as hands off as possible. </a:t>
-            </a:r>
-          </a:p>
-          <a:p>
+              <a:rPr lang="en-US" dirty="0" smtClean="0"/>
+              <a:t>Phrase used a lot in the Kubernetes and Container communities</a:t>
+            </a:r>
+          </a:p>
+          <a:p>
+            <a:pPr marL="285750" indent="-285750">
+              <a:buFont typeface="Arial" panose="020B0604020202020204" pitchFamily="34" charset="0"/>
+              <a:buChar char="•"/>
+            </a:pPr>
+            <a:r>
+              <a:rPr lang="en-US" dirty="0" smtClean="0"/>
+              <a:t>Pets are servers, Containers are cattle</a:t>
+            </a:r>
+          </a:p>
+          <a:p>
+            <a:pPr marL="285750" indent="-285750">
+              <a:buFont typeface="Arial" panose="020B0604020202020204" pitchFamily="34" charset="0"/>
+              <a:buChar char="•"/>
+            </a:pPr>
+            <a:r>
+              <a:rPr lang="en-US" dirty="0" smtClean="0"/>
+              <a:t>Pets we care for, we feed, we take them to the doctors when they are sick</a:t>
+            </a:r>
+          </a:p>
+          <a:p>
+            <a:pPr marL="285750" indent="-285750">
+              <a:buFont typeface="Arial" panose="020B0604020202020204" pitchFamily="34" charset="0"/>
+              <a:buChar char="•"/>
+            </a:pPr>
+            <a:r>
+              <a:rPr lang="en-US" dirty="0" smtClean="0"/>
+              <a:t>Cattle we use them, and when they are no longer of use we shoot them</a:t>
+            </a:r>
+          </a:p>
+          <a:p>
+            <a:pPr marL="285750" indent="-285750">
+              <a:buFont typeface="Arial" panose="020B0604020202020204" pitchFamily="34" charset="0"/>
+              <a:buChar char="•"/>
+            </a:pPr>
+            <a:endParaRPr lang="en-US" dirty="0"/>
+          </a:p>
+          <a:p>
+            <a:r>
+              <a:rPr lang="en-US" dirty="0" smtClean="0"/>
+              <a:t>THIS IS HOW YOU NEED TO START THINKING!</a:t>
+            </a:r>
             <a:endParaRPr lang="en-US" dirty="0"/>
           </a:p>
         </p:txBody>
@@ -6647,7 +9319,7 @@
     </p:spTree>
     <p:extLst>
       <p:ext uri="{BB962C8B-B14F-4D97-AF65-F5344CB8AC3E}">
-        <p14:creationId xmlns:p14="http://schemas.microsoft.com/office/powerpoint/2010/main" val="3632164153"/>
+        <p14:creationId xmlns:p14="http://schemas.microsoft.com/office/powerpoint/2010/main" val="3719998673"/>
       </p:ext>
     </p:extLst>
   </p:cSld>
@@ -6679,7 +9351,7 @@
           <p:cNvPr id="2" name="Title 1">
             <a:extLst>
               <a:ext uri="{FF2B5EF4-FFF2-40B4-BE49-F238E27FC236}">
-                <a16:creationId xmlns:a16="http://schemas.microsoft.com/office/drawing/2014/main" id="{DACDF112-AC11-344A-AB84-A8A106517929}"/>
+                <a16:creationId xmlns:a16="http://schemas.microsoft.com/office/drawing/2014/main" xmlns="" id="{84EFE6A4-BBAF-2241-88C5-F834C801A950}"/>
               </a:ext>
             </a:extLst>
           </p:cNvPr>
@@ -6692,8 +9364,8 @@
         </p:nvSpPr>
         <p:spPr>
           <a:xfrm>
-            <a:off x="1643337" y="2564295"/>
-            <a:ext cx="10018713" cy="1752599"/>
+            <a:off x="1484311" y="685801"/>
+            <a:ext cx="10018713" cy="1143000"/>
           </a:xfrm>
         </p:spPr>
         <p:txBody>
@@ -6702,15 +9374,99 @@
           <a:p>
             <a:r>
               <a:rPr lang="en-US" dirty="0"/>
-              <a:t>Docker Overview</a:t>
-            </a:r>
+              <a:t>Some core concepts of </a:t>
+            </a:r>
+            <a:r>
+              <a:rPr lang="en-US" dirty="0" err="1"/>
+              <a:t>Devops</a:t>
+            </a:r>
+            <a:endParaRPr lang="en-US" dirty="0"/>
+          </a:p>
+        </p:txBody>
+      </p:sp>
+      <p:sp>
+        <p:nvSpPr>
+          <p:cNvPr id="3" name="Content Placeholder 2">
+            <a:extLst>
+              <a:ext uri="{FF2B5EF4-FFF2-40B4-BE49-F238E27FC236}">
+                <a16:creationId xmlns:a16="http://schemas.microsoft.com/office/drawing/2014/main" xmlns="" id="{241F3B68-4A2C-A04A-A659-08BFEAD9715A}"/>
+              </a:ext>
+            </a:extLst>
+          </p:cNvPr>
+          <p:cNvSpPr>
+            <a:spLocks noGrp="1"/>
+          </p:cNvSpPr>
+          <p:nvPr>
+            <p:ph idx="1"/>
+          </p:nvPr>
+        </p:nvSpPr>
+        <p:spPr>
+          <a:xfrm>
+            <a:off x="1484310" y="1649897"/>
+            <a:ext cx="10018713" cy="4141304"/>
+          </a:xfrm>
+        </p:spPr>
+        <p:txBody>
+          <a:bodyPr>
+            <a:normAutofit lnSpcReduction="10000"/>
+          </a:bodyPr>
+          <a:lstStyle/>
+          <a:p>
+            <a:pPr marL="0" indent="0">
+              <a:buNone/>
+            </a:pPr>
+            <a:r>
+              <a:rPr lang="en-US" dirty="0"/>
+              <a:t>Docker and Kubernetes exist as technologies to enable </a:t>
+            </a:r>
+            <a:r>
+              <a:rPr lang="en-US" dirty="0" err="1"/>
+              <a:t>Devops</a:t>
+            </a:r>
+            <a:r>
+              <a:rPr lang="en-US" dirty="0"/>
+              <a:t>.  Here are some key concepts:</a:t>
+            </a:r>
+          </a:p>
+          <a:p>
+            <a:r>
+              <a:rPr lang="en-US" dirty="0"/>
+              <a:t>Containers are cattle, not pets.  Use them, shoot them and then move on</a:t>
+            </a:r>
+          </a:p>
+          <a:p>
+            <a:r>
+              <a:rPr lang="en-US" dirty="0"/>
+              <a:t>Fail fast – we will fail, but it is important that when we fail we can quickly revert back to a known state.</a:t>
+            </a:r>
+          </a:p>
+          <a:p>
+            <a:r>
+              <a:rPr lang="en-US" dirty="0"/>
+              <a:t>Continuous Integration - Deploy small changes more frequently</a:t>
+            </a:r>
+          </a:p>
+          <a:p>
+            <a:r>
+              <a:rPr lang="en-US" dirty="0"/>
+              <a:t>Shared environments – Dev, test, production should all be identical if not the same</a:t>
+            </a:r>
+          </a:p>
+          <a:p>
+            <a:r>
+              <a:rPr lang="en-US" dirty="0"/>
+              <a:t>Deployment should be as hands off as possible. </a:t>
+            </a:r>
+          </a:p>
+          <a:p>
+            <a:endParaRPr lang="en-US" dirty="0"/>
           </a:p>
         </p:txBody>
       </p:sp>
     </p:spTree>
     <p:extLst>
       <p:ext uri="{BB962C8B-B14F-4D97-AF65-F5344CB8AC3E}">
-        <p14:creationId xmlns:p14="http://schemas.microsoft.com/office/powerpoint/2010/main" val="3905663264"/>
+        <p14:creationId xmlns:p14="http://schemas.microsoft.com/office/powerpoint/2010/main" val="3632164153"/>
       </p:ext>
     </p:extLst>
   </p:cSld>
@@ -6739,13 +9495,7 @@
       </p:grpSpPr>
       <p:sp>
         <p:nvSpPr>
-          <p:cNvPr id="2" name="Title 1">
-            <a:extLst>
-              <a:ext uri="{FF2B5EF4-FFF2-40B4-BE49-F238E27FC236}">
-                <a16:creationId xmlns:a16="http://schemas.microsoft.com/office/drawing/2014/main" id="{9FFBFB2A-6144-4D10-8FD1-EE3FEDFC86F9}"/>
-              </a:ext>
-            </a:extLst>
-          </p:cNvPr>
+          <p:cNvPr id="2" name="Title 1"/>
           <p:cNvSpPr>
             <a:spLocks noGrp="1"/>
           </p:cNvSpPr>
@@ -6753,18 +9503,221 @@
             <p:ph type="title"/>
           </p:nvPr>
         </p:nvSpPr>
-        <p:spPr/>
+        <p:spPr>
+          <a:xfrm>
+            <a:off x="1484309" y="177800"/>
+            <a:ext cx="10018713" cy="1210733"/>
+          </a:xfrm>
+        </p:spPr>
         <p:txBody>
           <a:bodyPr/>
           <a:lstStyle/>
           <a:p>
             <a:r>
-              <a:rPr lang="en-US" dirty="0"/>
-              <a:t>Nginx – </a:t>
-            </a:r>
-            <a:r>
-              <a:rPr lang="en-US" dirty="0" err="1"/>
-              <a:t>Dockerifle</a:t>
+              <a:rPr lang="en-US" dirty="0" err="1" smtClean="0"/>
+              <a:t>Devops</a:t>
+            </a:r>
+            <a:r>
+              <a:rPr lang="en-US" dirty="0" smtClean="0"/>
+              <a:t> process with Kubernetes</a:t>
+            </a:r>
+            <a:endParaRPr lang="en-US" dirty="0"/>
+          </a:p>
+        </p:txBody>
+      </p:sp>
+      <p:graphicFrame>
+        <p:nvGraphicFramePr>
+          <p:cNvPr id="5" name="Diagram 4"/>
+          <p:cNvGraphicFramePr/>
+          <p:nvPr>
+            <p:extLst>
+              <p:ext uri="{D42A27DB-BD31-4B8C-83A1-F6EECF244321}">
+                <p14:modId xmlns:p14="http://schemas.microsoft.com/office/powerpoint/2010/main" val="2201883696"/>
+              </p:ext>
+            </p:extLst>
+          </p:nvPr>
+        </p:nvGraphicFramePr>
+        <p:xfrm>
+          <a:off x="1332090" y="1388533"/>
+          <a:ext cx="10170932" cy="1207911"/>
+        </p:xfrm>
+        <a:graphic>
+          <a:graphicData uri="http://schemas.openxmlformats.org/drawingml/2006/diagram">
+            <dgm:relIds xmlns:dgm="http://schemas.openxmlformats.org/drawingml/2006/diagram" xmlns:r="http://schemas.openxmlformats.org/officeDocument/2006/relationships" r:dm="rId2" r:lo="rId3" r:qs="rId4" r:cs="rId5"/>
+          </a:graphicData>
+        </a:graphic>
+      </p:graphicFrame>
+      <p:sp>
+        <p:nvSpPr>
+          <p:cNvPr id="6" name="TextBox 5"/>
+          <p:cNvSpPr txBox="1"/>
+          <p:nvPr/>
+        </p:nvSpPr>
+        <p:spPr>
+          <a:xfrm>
+            <a:off x="1253067" y="2833511"/>
+            <a:ext cx="2777066" cy="3139321"/>
+          </a:xfrm>
+          <a:prstGeom prst="rect">
+            <a:avLst/>
+          </a:prstGeom>
+          <a:noFill/>
+        </p:spPr>
+        <p:txBody>
+          <a:bodyPr wrap="square" rtlCol="0">
+            <a:spAutoFit/>
+          </a:bodyPr>
+          <a:lstStyle/>
+          <a:p>
+            <a:pPr marL="285750" indent="-285750">
+              <a:buFont typeface="Arial" panose="020B0604020202020204" pitchFamily="34" charset="0"/>
+              <a:buChar char="•"/>
+            </a:pPr>
+            <a:r>
+              <a:rPr lang="en-US" dirty="0" smtClean="0"/>
+              <a:t>Build applications (if necessary)</a:t>
+            </a:r>
+          </a:p>
+          <a:p>
+            <a:pPr marL="285750" indent="-285750">
+              <a:buFont typeface="Arial" panose="020B0604020202020204" pitchFamily="34" charset="0"/>
+              <a:buChar char="•"/>
+            </a:pPr>
+            <a:r>
+              <a:rPr lang="en-US" dirty="0" smtClean="0"/>
+              <a:t>Build Docker containers and push to repository</a:t>
+            </a:r>
+          </a:p>
+          <a:p>
+            <a:pPr marL="285750" indent="-285750">
+              <a:buFont typeface="Arial" panose="020B0604020202020204" pitchFamily="34" charset="0"/>
+              <a:buChar char="•"/>
+            </a:pPr>
+            <a:r>
+              <a:rPr lang="en-US" dirty="0" smtClean="0"/>
+              <a:t>Build Kubernetes </a:t>
+            </a:r>
+            <a:r>
+              <a:rPr lang="en-US" dirty="0" err="1" smtClean="0"/>
+              <a:t>Yaml</a:t>
+            </a:r>
+            <a:r>
+              <a:rPr lang="en-US" dirty="0" smtClean="0"/>
+              <a:t> files</a:t>
+            </a:r>
+          </a:p>
+          <a:p>
+            <a:pPr marL="285750" indent="-285750">
+              <a:buFont typeface="Arial" panose="020B0604020202020204" pitchFamily="34" charset="0"/>
+              <a:buChar char="•"/>
+            </a:pPr>
+            <a:r>
+              <a:rPr lang="en-US" dirty="0" smtClean="0"/>
+              <a:t>Deploy to development area of cluster</a:t>
+            </a:r>
+          </a:p>
+          <a:p>
+            <a:pPr marL="285750" indent="-285750">
+              <a:buFont typeface="Arial" panose="020B0604020202020204" pitchFamily="34" charset="0"/>
+              <a:buChar char="•"/>
+            </a:pPr>
+            <a:r>
+              <a:rPr lang="en-US" dirty="0" smtClean="0"/>
+              <a:t>Automated testing</a:t>
+            </a:r>
+          </a:p>
+          <a:p>
+            <a:pPr marL="285750" indent="-285750">
+              <a:buFont typeface="Arial" panose="020B0604020202020204" pitchFamily="34" charset="0"/>
+              <a:buChar char="•"/>
+            </a:pPr>
+            <a:r>
+              <a:rPr lang="en-US" dirty="0" smtClean="0"/>
+              <a:t>Preliminary testing</a:t>
+            </a:r>
+          </a:p>
+          <a:p>
+            <a:pPr marL="285750" indent="-285750">
+              <a:buFont typeface="Arial" panose="020B0604020202020204" pitchFamily="34" charset="0"/>
+              <a:buChar char="•"/>
+            </a:pPr>
+            <a:endParaRPr lang="en-US" dirty="0"/>
+          </a:p>
+        </p:txBody>
+      </p:sp>
+      <p:sp>
+        <p:nvSpPr>
+          <p:cNvPr id="8" name="TextBox 7"/>
+          <p:cNvSpPr txBox="1"/>
+          <p:nvPr/>
+        </p:nvSpPr>
+        <p:spPr>
+          <a:xfrm>
+            <a:off x="5198534" y="2833511"/>
+            <a:ext cx="2777066" cy="1200329"/>
+          </a:xfrm>
+          <a:prstGeom prst="rect">
+            <a:avLst/>
+          </a:prstGeom>
+          <a:noFill/>
+        </p:spPr>
+        <p:txBody>
+          <a:bodyPr wrap="square" rtlCol="0">
+            <a:spAutoFit/>
+          </a:bodyPr>
+          <a:lstStyle/>
+          <a:p>
+            <a:pPr marL="285750" indent="-285750">
+              <a:buFont typeface="Arial" panose="020B0604020202020204" pitchFamily="34" charset="0"/>
+              <a:buChar char="•"/>
+            </a:pPr>
+            <a:r>
+              <a:rPr lang="en-US" dirty="0" smtClean="0"/>
+              <a:t>Deploy Kubernetes YAMLs into test area of cluster</a:t>
+            </a:r>
+          </a:p>
+          <a:p>
+            <a:pPr marL="285750" indent="-285750">
+              <a:buFont typeface="Arial" panose="020B0604020202020204" pitchFamily="34" charset="0"/>
+              <a:buChar char="•"/>
+            </a:pPr>
+            <a:r>
+              <a:rPr lang="en-US" dirty="0" smtClean="0"/>
+              <a:t>Test product</a:t>
+            </a:r>
+            <a:endParaRPr lang="en-US" dirty="0"/>
+          </a:p>
+        </p:txBody>
+      </p:sp>
+      <p:sp>
+        <p:nvSpPr>
+          <p:cNvPr id="9" name="TextBox 8"/>
+          <p:cNvSpPr txBox="1"/>
+          <p:nvPr/>
+        </p:nvSpPr>
+        <p:spPr>
+          <a:xfrm>
+            <a:off x="8884357" y="2833511"/>
+            <a:ext cx="2777066" cy="923330"/>
+          </a:xfrm>
+          <a:prstGeom prst="rect">
+            <a:avLst/>
+          </a:prstGeom>
+          <a:noFill/>
+        </p:spPr>
+        <p:txBody>
+          <a:bodyPr wrap="square" rtlCol="0">
+            <a:spAutoFit/>
+          </a:bodyPr>
+          <a:lstStyle/>
+          <a:p>
+            <a:pPr marL="285750" indent="-285750">
+              <a:buFont typeface="Arial" panose="020B0604020202020204" pitchFamily="34" charset="0"/>
+              <a:buChar char="•"/>
+            </a:pPr>
+            <a:r>
+              <a:rPr lang="en-US" dirty="0" smtClean="0"/>
+              <a:t>Deploy Kubernetes YAMLs into production area of cluster</a:t>
             </a:r>
             <a:endParaRPr lang="en-US" dirty="0"/>
           </a:p>
@@ -6772,80 +9725,150 @@
       </p:sp>
       <p:pic>
         <p:nvPicPr>
-          <p:cNvPr id="12" name="Picture Placeholder 11">
-            <a:extLst>
-              <a:ext uri="{FF2B5EF4-FFF2-40B4-BE49-F238E27FC236}">
-                <a16:creationId xmlns:a16="http://schemas.microsoft.com/office/drawing/2014/main" id="{2911B3D0-EBA0-4146-B7CF-C00B3B283A0A}"/>
-              </a:ext>
-            </a:extLst>
-          </p:cNvPr>
+          <p:cNvPr id="3076" name="Picture 4" descr="Image result for github image"/>
           <p:cNvPicPr>
-            <a:picLocks noGrp="1" noChangeAspect="1"/>
+            <a:picLocks noChangeAspect="1" noChangeArrowheads="1"/>
           </p:cNvPicPr>
-          <p:nvPr>
-            <p:ph sz="half" idx="1"/>
-          </p:nvPr>
+          <p:nvPr/>
         </p:nvPicPr>
         <p:blipFill>
-          <a:blip r:embed="rId2">
+          <a:blip r:embed="rId7" cstate="print">
             <a:extLst>
               <a:ext uri="{28A0092B-C50C-407E-A947-70E740481C1C}">
                 <a14:useLocalDpi xmlns:a14="http://schemas.microsoft.com/office/drawing/2010/main" val="0"/>
               </a:ext>
             </a:extLst>
           </a:blip>
+          <a:srcRect/>
           <a:stretch>
             <a:fillRect/>
           </a:stretch>
         </p:blipFill>
+        <p:spPr bwMode="auto">
+          <a:xfrm>
+            <a:off x="10549467" y="5201819"/>
+            <a:ext cx="1371599" cy="1371599"/>
+          </a:xfrm>
+          <a:prstGeom prst="rect">
+            <a:avLst/>
+          </a:prstGeom>
+          <a:noFill/>
+          <a:extLst>
+            <a:ext uri="{909E8E84-426E-40DD-AFC4-6F175D3DCCD1}">
+              <a14:hiddenFill xmlns:a14="http://schemas.microsoft.com/office/drawing/2010/main">
+                <a:solidFill>
+                  <a:srgbClr val="FFFFFF"/>
+                </a:solidFill>
+              </a14:hiddenFill>
+            </a:ext>
+          </a:extLst>
+        </p:spPr>
+      </p:pic>
+      <p:pic>
+        <p:nvPicPr>
+          <p:cNvPr id="3078" name="Picture 6" descr="Image result for jenkins"/>
+          <p:cNvPicPr>
+            <a:picLocks noChangeAspect="1" noChangeArrowheads="1"/>
+          </p:cNvPicPr>
+          <p:nvPr/>
+        </p:nvPicPr>
+        <p:blipFill>
+          <a:blip r:embed="rId8" cstate="print">
+            <a:extLst>
+              <a:ext uri="{28A0092B-C50C-407E-A947-70E740481C1C}">
+                <a14:useLocalDpi xmlns:a14="http://schemas.microsoft.com/office/drawing/2010/main" val="0"/>
+              </a:ext>
+            </a:extLst>
+          </a:blip>
+          <a:srcRect/>
+          <a:stretch>
+            <a:fillRect/>
+          </a:stretch>
+        </p:blipFill>
+        <p:spPr bwMode="auto">
+          <a:xfrm>
+            <a:off x="10069817" y="3916561"/>
+            <a:ext cx="1851249" cy="1125538"/>
+          </a:xfrm>
+          <a:prstGeom prst="rect">
+            <a:avLst/>
+          </a:prstGeom>
+          <a:noFill/>
+          <a:extLst>
+            <a:ext uri="{909E8E84-426E-40DD-AFC4-6F175D3DCCD1}">
+              <a14:hiddenFill xmlns:a14="http://schemas.microsoft.com/office/drawing/2010/main">
+                <a:solidFill>
+                  <a:srgbClr val="FFFFFF"/>
+                </a:solidFill>
+              </a14:hiddenFill>
+            </a:ext>
+          </a:extLst>
+        </p:spPr>
+      </p:pic>
+      <p:sp>
+        <p:nvSpPr>
+          <p:cNvPr id="10" name="TextBox 9"/>
+          <p:cNvSpPr txBox="1"/>
+          <p:nvPr/>
+        </p:nvSpPr>
         <p:spPr>
           <a:xfrm>
-            <a:off x="2307270" y="2095501"/>
-            <a:ext cx="8223569" cy="4058704"/>
+            <a:off x="7337778" y="5788166"/>
+            <a:ext cx="3093157" cy="369332"/>
           </a:xfrm>
+          <a:prstGeom prst="rect">
+            <a:avLst/>
+          </a:prstGeom>
+          <a:noFill/>
         </p:spPr>
-      </p:pic>
-      <p:sp>
-        <p:nvSpPr>
-          <p:cNvPr id="9" name="Text Placeholder 8">
-            <a:extLst>
-              <a:ext uri="{FF2B5EF4-FFF2-40B4-BE49-F238E27FC236}">
-                <a16:creationId xmlns:a16="http://schemas.microsoft.com/office/drawing/2014/main" id="{EEC945E5-C3F4-4894-8DA7-91B5C5D8A209}"/>
-              </a:ext>
-            </a:extLst>
-          </p:cNvPr>
-          <p:cNvSpPr>
-            <a:spLocks noGrp="1"/>
-          </p:cNvSpPr>
-          <p:nvPr>
-            <p:ph sz="half" idx="2"/>
-          </p:nvPr>
-        </p:nvSpPr>
-        <p:spPr/>
-        <p:txBody>
-          <a:bodyPr>
-            <a:normAutofit/>
+        <p:txBody>
+          <a:bodyPr wrap="square" rtlCol="0">
+            <a:spAutoFit/>
           </a:bodyPr>
           <a:lstStyle/>
           <a:p>
-            <a:pPr marL="0" indent="0" algn="l">
-              <a:buNone/>
-            </a:pPr>
-            <a:r>
-              <a:rPr lang="en-US" sz="3600" dirty="0">
-                <a:highlight>
-                  <a:srgbClr val="C0C0C0"/>
-                </a:highlight>
-              </a:rPr>
-              <a:t> </a:t>
-            </a:r>
+            <a:r>
+              <a:rPr lang="en-US" dirty="0" smtClean="0"/>
+              <a:t>Version management and CM</a:t>
+            </a:r>
+            <a:endParaRPr lang="en-US" dirty="0"/>
+          </a:p>
+        </p:txBody>
+      </p:sp>
+      <p:sp>
+        <p:nvSpPr>
+          <p:cNvPr id="14" name="TextBox 13"/>
+          <p:cNvSpPr txBox="1"/>
+          <p:nvPr/>
+        </p:nvSpPr>
+        <p:spPr>
+          <a:xfrm>
+            <a:off x="7061200" y="4357005"/>
+            <a:ext cx="3093157" cy="369332"/>
+          </a:xfrm>
+          <a:prstGeom prst="rect">
+            <a:avLst/>
+          </a:prstGeom>
+          <a:noFill/>
+        </p:spPr>
+        <p:txBody>
+          <a:bodyPr wrap="square" rtlCol="0">
+            <a:spAutoFit/>
+          </a:bodyPr>
+          <a:lstStyle/>
+          <a:p>
+            <a:r>
+              <a:rPr lang="en-US" dirty="0" smtClean="0"/>
+              <a:t>Automated build and testing</a:t>
+            </a:r>
+            <a:endParaRPr lang="en-US" dirty="0"/>
           </a:p>
         </p:txBody>
       </p:sp>
     </p:spTree>
     <p:extLst>
       <p:ext uri="{BB962C8B-B14F-4D97-AF65-F5344CB8AC3E}">
-        <p14:creationId xmlns:p14="http://schemas.microsoft.com/office/powerpoint/2010/main" val="3042125212"/>
+        <p14:creationId xmlns:p14="http://schemas.microsoft.com/office/powerpoint/2010/main" val="2852506771"/>
       </p:ext>
     </p:extLst>
   </p:cSld>
@@ -6874,7 +9897,7 @@
       </p:grpSpPr>
       <p:sp>
         <p:nvSpPr>
-          <p:cNvPr id="7" name="Title 6"/>
+          <p:cNvPr id="2" name="Title 1"/>
           <p:cNvSpPr>
             <a:spLocks noGrp="1"/>
           </p:cNvSpPr>
@@ -6882,108 +9905,70 @@
             <p:ph type="title"/>
           </p:nvPr>
         </p:nvSpPr>
-        <p:spPr>
-          <a:xfrm>
-            <a:off x="1583052" y="248639"/>
-            <a:ext cx="10018711" cy="566738"/>
-          </a:xfrm>
-        </p:spPr>
+        <p:spPr/>
         <p:txBody>
           <a:bodyPr/>
           <a:lstStyle/>
           <a:p>
             <a:r>
-              <a:rPr lang="en-US" dirty="0"/>
-              <a:t>Container Creation</a:t>
-            </a:r>
-          </a:p>
-        </p:txBody>
-      </p:sp>
-      <p:pic>
-        <p:nvPicPr>
-          <p:cNvPr id="10" name="Picture Placeholder 9"/>
-          <p:cNvPicPr>
-            <a:picLocks noGrp="1" noChangeAspect="1"/>
-          </p:cNvPicPr>
-          <p:nvPr>
-            <p:ph type="pic" idx="1"/>
-          </p:nvPr>
-        </p:nvPicPr>
-        <p:blipFill>
-          <a:blip r:embed="rId2">
-            <a:extLst>
-              <a:ext uri="{28A0092B-C50C-407E-A947-70E740481C1C}">
-                <a14:useLocalDpi xmlns:a14="http://schemas.microsoft.com/office/drawing/2010/main" val="0"/>
-              </a:ext>
-            </a:extLst>
-          </a:blip>
-          <a:srcRect t="15624" b="15624"/>
-          <a:stretch>
-            <a:fillRect/>
-          </a:stretch>
-        </p:blipFill>
-        <p:spPr>
-          <a:xfrm>
-            <a:off x="1653227" y="1043201"/>
-            <a:ext cx="9878363" cy="3800753"/>
-          </a:xfrm>
-        </p:spPr>
-      </p:pic>
-      <p:sp>
-        <p:nvSpPr>
-          <p:cNvPr id="9" name="Text Placeholder 8">
-            <a:extLst>
-              <a:ext uri="{FF2B5EF4-FFF2-40B4-BE49-F238E27FC236}">
-                <a16:creationId xmlns:a16="http://schemas.microsoft.com/office/drawing/2014/main" id="{EEC945E5-C3F4-4894-8DA7-91B5C5D8A209}"/>
-              </a:ext>
-            </a:extLst>
-          </p:cNvPr>
-          <p:cNvSpPr>
-            <a:spLocks noGrp="1"/>
-          </p:cNvSpPr>
-          <p:nvPr>
-            <p:ph type="body" sz="half" idx="2"/>
+              <a:rPr lang="en-US" dirty="0" smtClean="0"/>
+              <a:t>Who?</a:t>
+            </a:r>
+            <a:endParaRPr lang="en-US" dirty="0"/>
+          </a:p>
+        </p:txBody>
+      </p:sp>
+      <p:sp>
+        <p:nvSpPr>
+          <p:cNvPr id="3" name="Content Placeholder 2"/>
+          <p:cNvSpPr>
+            <a:spLocks noGrp="1"/>
+          </p:cNvSpPr>
+          <p:nvPr>
+            <p:ph idx="1"/>
           </p:nvPr>
         </p:nvSpPr>
         <p:spPr/>
         <p:txBody>
-          <a:bodyPr>
-            <a:normAutofit fontScale="85000" lnSpcReduction="20000"/>
-          </a:bodyPr>
+          <a:bodyPr/>
           <a:lstStyle/>
           <a:p>
-            <a:pPr algn="l"/>
-            <a:r>
-              <a:rPr lang="en-US" sz="3600" dirty="0">
-                <a:highlight>
-                  <a:srgbClr val="C0C0C0"/>
-                </a:highlight>
-              </a:rPr>
-              <a:t>$ Docker Build  –t  </a:t>
-            </a:r>
-            <a:r>
-              <a:rPr lang="en-US" sz="3600" dirty="0" err="1">
-                <a:highlight>
-                  <a:srgbClr val="C0C0C0"/>
-                </a:highlight>
-              </a:rPr>
-              <a:t>nginx</a:t>
-            </a:r>
-            <a:r>
-              <a:rPr lang="en-US" sz="3600" dirty="0">
-                <a:highlight>
-                  <a:srgbClr val="C0C0C0"/>
-                </a:highlight>
-              </a:rPr>
-              <a:t> . </a:t>
-            </a:r>
+            <a:r>
+              <a:rPr lang="en-US" dirty="0" smtClean="0"/>
+              <a:t>Everyone!  </a:t>
+            </a:r>
+          </a:p>
+          <a:p>
+            <a:pPr lvl="1"/>
+            <a:r>
+              <a:rPr lang="en-US" dirty="0" smtClean="0"/>
+              <a:t>Work is front loaded as much on dev as possible</a:t>
+            </a:r>
+          </a:p>
+          <a:p>
+            <a:pPr lvl="1"/>
+            <a:r>
+              <a:rPr lang="en-US" dirty="0" smtClean="0"/>
+              <a:t>By the time it makes it to operations, deployment should simply be pressing a button</a:t>
+            </a:r>
+          </a:p>
+          <a:p>
+            <a:pPr lvl="1"/>
+            <a:r>
+              <a:rPr lang="en-US" dirty="0" smtClean="0"/>
+              <a:t>Operations can now focus on maintaining and monitoring the cluster and less time on deploying applications and figuring out how to make them work</a:t>
+            </a:r>
+          </a:p>
+          <a:p>
+            <a:pPr lvl="1"/>
+            <a:endParaRPr lang="en-US" dirty="0"/>
           </a:p>
         </p:txBody>
       </p:sp>
     </p:spTree>
     <p:extLst>
       <p:ext uri="{BB962C8B-B14F-4D97-AF65-F5344CB8AC3E}">
-        <p14:creationId xmlns:p14="http://schemas.microsoft.com/office/powerpoint/2010/main" val="1880870424"/>
+        <p14:creationId xmlns:p14="http://schemas.microsoft.com/office/powerpoint/2010/main" val="2462427595"/>
       </p:ext>
     </p:extLst>
   </p:cSld>
@@ -7015,7 +10000,7 @@
           <p:cNvPr id="2" name="Title 1">
             <a:extLst>
               <a:ext uri="{FF2B5EF4-FFF2-40B4-BE49-F238E27FC236}">
-                <a16:creationId xmlns:a16="http://schemas.microsoft.com/office/drawing/2014/main" id="{CFCE3106-E025-4B34-9FF3-0A7CC9E556E5}"/>
+                <a16:creationId xmlns:a16="http://schemas.microsoft.com/office/drawing/2014/main" xmlns="" id="{DACDF112-AC11-344A-AB84-A8A106517929}"/>
               </a:ext>
             </a:extLst>
           </p:cNvPr>
@@ -7026,47 +10011,27 @@
             <p:ph type="title"/>
           </p:nvPr>
         </p:nvSpPr>
-        <p:spPr/>
+        <p:spPr>
+          <a:xfrm>
+            <a:off x="1643337" y="2564295"/>
+            <a:ext cx="10018713" cy="1752599"/>
+          </a:xfrm>
+        </p:spPr>
         <p:txBody>
           <a:bodyPr/>
           <a:lstStyle/>
           <a:p>
             <a:r>
               <a:rPr lang="en-US" dirty="0"/>
-              <a:t>Hands on -Demo</a:t>
-            </a:r>
-          </a:p>
-        </p:txBody>
-      </p:sp>
-      <p:sp>
-        <p:nvSpPr>
-          <p:cNvPr id="3" name="Content Placeholder 2">
-            <a:extLst>
-              <a:ext uri="{FF2B5EF4-FFF2-40B4-BE49-F238E27FC236}">
-                <a16:creationId xmlns:a16="http://schemas.microsoft.com/office/drawing/2014/main" id="{4DEEB882-E52F-4847-9FFC-379994A7930F}"/>
-              </a:ext>
-            </a:extLst>
-          </p:cNvPr>
-          <p:cNvSpPr>
-            <a:spLocks noGrp="1"/>
-          </p:cNvSpPr>
-          <p:nvPr>
-            <p:ph idx="1"/>
-          </p:nvPr>
-        </p:nvSpPr>
-        <p:spPr/>
-        <p:txBody>
-          <a:bodyPr/>
-          <a:lstStyle/>
-          <a:p>
-            <a:endParaRPr lang="en-US"/>
+              <a:t>Docker Overview</a:t>
+            </a:r>
           </a:p>
         </p:txBody>
       </p:sp>
     </p:spTree>
     <p:extLst>
       <p:ext uri="{BB962C8B-B14F-4D97-AF65-F5344CB8AC3E}">
-        <p14:creationId xmlns:p14="http://schemas.microsoft.com/office/powerpoint/2010/main" val="672766258"/>
+        <p14:creationId xmlns:p14="http://schemas.microsoft.com/office/powerpoint/2010/main" val="3905663264"/>
       </p:ext>
     </p:extLst>
   </p:cSld>
@@ -7098,7 +10063,7 @@
           <p:cNvPr id="2" name="Title 1">
             <a:extLst>
               <a:ext uri="{FF2B5EF4-FFF2-40B4-BE49-F238E27FC236}">
-                <a16:creationId xmlns:a16="http://schemas.microsoft.com/office/drawing/2014/main" id="{BCB919C1-522E-4C03-ABB3-BEEC56BA44A3}"/>
+                <a16:creationId xmlns:a16="http://schemas.microsoft.com/office/drawing/2014/main" xmlns="" id="{9FFBFB2A-6144-4D10-8FD1-EE3FEDFC86F9}"/>
               </a:ext>
             </a:extLst>
           </p:cNvPr>
@@ -7116,17 +10081,22 @@
           <a:p>
             <a:r>
               <a:rPr lang="en-US" dirty="0"/>
-              <a:t>Resources </a:t>
-            </a:r>
-          </a:p>
-        </p:txBody>
-      </p:sp>
-      <p:sp>
-        <p:nvSpPr>
-          <p:cNvPr id="3" name="Content Placeholder 2">
+              <a:t>Nginx – </a:t>
+            </a:r>
+            <a:r>
+              <a:rPr lang="en-US" dirty="0" err="1"/>
+              <a:t>Dockerifle</a:t>
+            </a:r>
+            <a:endParaRPr lang="en-US" dirty="0"/>
+          </a:p>
+        </p:txBody>
+      </p:sp>
+      <p:sp>
+        <p:nvSpPr>
+          <p:cNvPr id="9" name="Text Placeholder 8">
             <a:extLst>
               <a:ext uri="{FF2B5EF4-FFF2-40B4-BE49-F238E27FC236}">
-                <a16:creationId xmlns:a16="http://schemas.microsoft.com/office/drawing/2014/main" id="{D9EE611D-4C0F-4739-BE9A-557732A40F2A}"/>
+                <a16:creationId xmlns:a16="http://schemas.microsoft.com/office/drawing/2014/main" xmlns="" id="{EEC945E5-C3F4-4894-8DA7-91B5C5D8A209}"/>
               </a:ext>
             </a:extLst>
           </p:cNvPr>
@@ -7134,76 +10104,142 @@
             <a:spLocks noGrp="1"/>
           </p:cNvSpPr>
           <p:nvPr>
-            <p:ph idx="1"/>
-          </p:nvPr>
-        </p:nvSpPr>
+            <p:ph sz="half" idx="2"/>
+          </p:nvPr>
+        </p:nvSpPr>
+        <p:spPr/>
+        <p:txBody>
+          <a:bodyPr>
+            <a:normAutofit/>
+          </a:bodyPr>
+          <a:lstStyle/>
+          <a:p>
+            <a:pPr marL="0" indent="0" algn="l">
+              <a:buNone/>
+            </a:pPr>
+            <a:r>
+              <a:rPr lang="en-US" sz="3600" dirty="0">
+                <a:highlight>
+                  <a:srgbClr val="C0C0C0"/>
+                </a:highlight>
+              </a:rPr>
+              <a:t> </a:t>
+            </a:r>
+          </a:p>
+        </p:txBody>
+      </p:sp>
+      <p:pic>
+        <p:nvPicPr>
+          <p:cNvPr id="4" name="Picture 3"/>
+          <p:cNvPicPr>
+            <a:picLocks noChangeAspect="1"/>
+          </p:cNvPicPr>
+          <p:nvPr/>
+        </p:nvPicPr>
+        <p:blipFill>
+          <a:blip r:embed="rId2"/>
+          <a:stretch>
+            <a:fillRect/>
+          </a:stretch>
+        </p:blipFill>
         <p:spPr>
           <a:xfrm>
-            <a:off x="1484310" y="2242930"/>
-            <a:ext cx="10018713" cy="3124201"/>
+            <a:off x="2018064" y="1966912"/>
+            <a:ext cx="5762625" cy="4524375"/>
           </a:xfrm>
+          <a:prstGeom prst="rect">
+            <a:avLst/>
+          </a:prstGeom>
         </p:spPr>
-        <p:txBody>
-          <a:bodyPr/>
+      </p:pic>
+      <p:sp>
+        <p:nvSpPr>
+          <p:cNvPr id="5" name="TextBox 4"/>
+          <p:cNvSpPr txBox="1"/>
+          <p:nvPr/>
+        </p:nvSpPr>
+        <p:spPr>
+          <a:xfrm>
+            <a:off x="7947378" y="2020711"/>
+            <a:ext cx="3973689" cy="4278094"/>
+          </a:xfrm>
+          <a:prstGeom prst="rect">
+            <a:avLst/>
+          </a:prstGeom>
+          <a:noFill/>
+        </p:spPr>
+        <p:txBody>
+          <a:bodyPr wrap="square" rtlCol="0">
+            <a:spAutoFit/>
+          </a:bodyPr>
           <a:lstStyle/>
           <a:p>
-            <a:r>
-              <a:rPr lang="en-US" dirty="0" err="1"/>
-              <a:t>Github</a:t>
-            </a:r>
-            <a:r>
-              <a:rPr lang="en-US" dirty="0"/>
-              <a:t> - </a:t>
-            </a:r>
-            <a:r>
-              <a:rPr lang="en-US" dirty="0">
-                <a:hlinkClick r:id="rId2"/>
-              </a:rPr>
-              <a:t>https://github.com/docker</a:t>
-            </a:r>
-            <a:r>
-              <a:rPr lang="en-US" dirty="0"/>
-              <a:t> </a:t>
-            </a:r>
-          </a:p>
-          <a:p>
-            <a:r>
-              <a:rPr lang="en-US" dirty="0"/>
-              <a:t>Docker Hub –  </a:t>
-            </a:r>
-            <a:r>
-              <a:rPr lang="en-US" dirty="0">
-                <a:hlinkClick r:id="rId3"/>
-              </a:rPr>
-              <a:t>https://hub.docker.com/</a:t>
-            </a:r>
-            <a:r>
-              <a:rPr lang="en-US" dirty="0"/>
-              <a:t> </a:t>
-            </a:r>
-          </a:p>
-          <a:p>
-            <a:r>
-              <a:rPr lang="en-US" dirty="0"/>
-              <a:t>Docker - </a:t>
-            </a:r>
-            <a:r>
-              <a:rPr lang="en-US" dirty="0">
-                <a:hlinkClick r:id="rId4"/>
-              </a:rPr>
-              <a:t>https://www.docker.com/</a:t>
-            </a:r>
-            <a:r>
-              <a:rPr lang="en-US" dirty="0"/>
-              <a:t> </a:t>
-            </a:r>
+            <a:pPr marL="285750" indent="-285750">
+              <a:buFont typeface="Arial" panose="020B0604020202020204" pitchFamily="34" charset="0"/>
+              <a:buChar char="•"/>
+            </a:pPr>
+            <a:r>
+              <a:rPr lang="en-US" sz="1600" dirty="0" smtClean="0"/>
+              <a:t>From centos:centos7 – This line will be the image to start from, this comes with some very basic tools like yum and most importantly you can no use Centos repositories for all your applications and libraries</a:t>
+            </a:r>
+          </a:p>
+          <a:p>
+            <a:pPr marL="285750" indent="-285750">
+              <a:buFont typeface="Arial" panose="020B0604020202020204" pitchFamily="34" charset="0"/>
+              <a:buChar char="•"/>
+            </a:pPr>
+            <a:r>
+              <a:rPr lang="en-US" sz="1600" dirty="0" smtClean="0"/>
+              <a:t>Maintainer – who maintains the image (generally an email)</a:t>
+            </a:r>
+          </a:p>
+          <a:p>
+            <a:pPr marL="285750" indent="-285750">
+              <a:buFont typeface="Arial" panose="020B0604020202020204" pitchFamily="34" charset="0"/>
+              <a:buChar char="•"/>
+            </a:pPr>
+            <a:r>
+              <a:rPr lang="en-US" sz="1600" dirty="0" smtClean="0"/>
+              <a:t>RUN commands- run these commands in order to build the image</a:t>
+            </a:r>
+          </a:p>
+          <a:p>
+            <a:pPr marL="285750" indent="-285750">
+              <a:buFont typeface="Arial" panose="020B0604020202020204" pitchFamily="34" charset="0"/>
+              <a:buChar char="•"/>
+            </a:pPr>
+            <a:r>
+              <a:rPr lang="en-US" sz="1600" dirty="0" smtClean="0"/>
+              <a:t>COPY – we can copy files and directories from our current working directory into the directory structure of the container</a:t>
+            </a:r>
+          </a:p>
+          <a:p>
+            <a:pPr marL="285750" indent="-285750">
+              <a:buFont typeface="Arial" panose="020B0604020202020204" pitchFamily="34" charset="0"/>
+              <a:buChar char="•"/>
+            </a:pPr>
+            <a:r>
+              <a:rPr lang="en-US" sz="1600" dirty="0" smtClean="0"/>
+              <a:t>EXPOSE – mostly used to document what ports will be used</a:t>
+            </a:r>
+          </a:p>
+          <a:p>
+            <a:pPr marL="285750" indent="-285750">
+              <a:buFont typeface="Arial" panose="020B0604020202020204" pitchFamily="34" charset="0"/>
+              <a:buChar char="•"/>
+            </a:pPr>
+            <a:r>
+              <a:rPr lang="en-US" sz="1600" dirty="0" smtClean="0"/>
+              <a:t>CMD – This is the command that will be run when the container comes online</a:t>
+            </a:r>
+            <a:endParaRPr lang="en-US" sz="1600" dirty="0"/>
           </a:p>
         </p:txBody>
       </p:sp>
     </p:spTree>
     <p:extLst>
       <p:ext uri="{BB962C8B-B14F-4D97-AF65-F5344CB8AC3E}">
-        <p14:creationId xmlns:p14="http://schemas.microsoft.com/office/powerpoint/2010/main" val="800667380"/>
+        <p14:creationId xmlns:p14="http://schemas.microsoft.com/office/powerpoint/2010/main" val="3042125212"/>
       </p:ext>
     </p:extLst>
   </p:cSld>
@@ -7232,10 +10268,148 @@
       </p:grpSpPr>
       <p:sp>
         <p:nvSpPr>
+          <p:cNvPr id="7" name="Title 6"/>
+          <p:cNvSpPr>
+            <a:spLocks noGrp="1"/>
+          </p:cNvSpPr>
+          <p:nvPr>
+            <p:ph type="title"/>
+          </p:nvPr>
+        </p:nvSpPr>
+        <p:spPr>
+          <a:xfrm>
+            <a:off x="1583052" y="248639"/>
+            <a:ext cx="10018711" cy="566738"/>
+          </a:xfrm>
+        </p:spPr>
+        <p:txBody>
+          <a:bodyPr/>
+          <a:lstStyle/>
+          <a:p>
+            <a:r>
+              <a:rPr lang="en-US" dirty="0"/>
+              <a:t>Container Creation</a:t>
+            </a:r>
+          </a:p>
+        </p:txBody>
+      </p:sp>
+      <p:pic>
+        <p:nvPicPr>
+          <p:cNvPr id="10" name="Picture Placeholder 9"/>
+          <p:cNvPicPr>
+            <a:picLocks noGrp="1" noChangeAspect="1"/>
+          </p:cNvPicPr>
+          <p:nvPr>
+            <p:ph type="pic" idx="1"/>
+          </p:nvPr>
+        </p:nvPicPr>
+        <p:blipFill>
+          <a:blip r:embed="rId2">
+            <a:extLst>
+              <a:ext uri="{28A0092B-C50C-407E-A947-70E740481C1C}">
+                <a14:useLocalDpi xmlns:a14="http://schemas.microsoft.com/office/drawing/2010/main" val="0"/>
+              </a:ext>
+            </a:extLst>
+          </a:blip>
+          <a:srcRect t="15624" b="15624"/>
+          <a:stretch>
+            <a:fillRect/>
+          </a:stretch>
+        </p:blipFill>
+        <p:spPr>
+          <a:xfrm>
+            <a:off x="1653227" y="1043201"/>
+            <a:ext cx="9878363" cy="3800753"/>
+          </a:xfrm>
+        </p:spPr>
+      </p:pic>
+      <p:sp>
+        <p:nvSpPr>
+          <p:cNvPr id="9" name="Text Placeholder 8">
+            <a:extLst>
+              <a:ext uri="{FF2B5EF4-FFF2-40B4-BE49-F238E27FC236}">
+                <a16:creationId xmlns:a16="http://schemas.microsoft.com/office/drawing/2014/main" xmlns="" id="{EEC945E5-C3F4-4894-8DA7-91B5C5D8A209}"/>
+              </a:ext>
+            </a:extLst>
+          </p:cNvPr>
+          <p:cNvSpPr>
+            <a:spLocks noGrp="1"/>
+          </p:cNvSpPr>
+          <p:nvPr>
+            <p:ph type="body" sz="half" idx="2"/>
+          </p:nvPr>
+        </p:nvSpPr>
+        <p:spPr/>
+        <p:txBody>
+          <a:bodyPr>
+            <a:normAutofit fontScale="85000" lnSpcReduction="20000"/>
+          </a:bodyPr>
+          <a:lstStyle/>
+          <a:p>
+            <a:pPr algn="l"/>
+            <a:r>
+              <a:rPr lang="en-US" sz="3600" dirty="0">
+                <a:highlight>
+                  <a:srgbClr val="C0C0C0"/>
+                </a:highlight>
+              </a:rPr>
+              <a:t>$ Docker Build  –t  </a:t>
+            </a:r>
+            <a:r>
+              <a:rPr lang="en-US" sz="3600" dirty="0" err="1">
+                <a:highlight>
+                  <a:srgbClr val="C0C0C0"/>
+                </a:highlight>
+              </a:rPr>
+              <a:t>nginx</a:t>
+            </a:r>
+            <a:r>
+              <a:rPr lang="en-US" sz="3600" dirty="0">
+                <a:highlight>
+                  <a:srgbClr val="C0C0C0"/>
+                </a:highlight>
+              </a:rPr>
+              <a:t> . </a:t>
+            </a:r>
+          </a:p>
+        </p:txBody>
+      </p:sp>
+    </p:spTree>
+    <p:extLst>
+      <p:ext uri="{BB962C8B-B14F-4D97-AF65-F5344CB8AC3E}">
+        <p14:creationId xmlns:p14="http://schemas.microsoft.com/office/powerpoint/2010/main" val="1880870424"/>
+      </p:ext>
+    </p:extLst>
+  </p:cSld>
+  <p:clrMapOvr>
+    <a:masterClrMapping/>
+  </p:clrMapOvr>
+</p:sld>
+</file>
+
+<file path=ppt/slides/slide19.xml><?xml version="1.0" encoding="utf-8"?>
+<p:sld xmlns:a="http://schemas.openxmlformats.org/drawingml/2006/main" xmlns:r="http://schemas.openxmlformats.org/officeDocument/2006/relationships" xmlns:p="http://schemas.openxmlformats.org/presentationml/2006/main">
+  <p:cSld>
+    <p:spTree>
+      <p:nvGrpSpPr>
+        <p:cNvPr id="1" name=""/>
+        <p:cNvGrpSpPr/>
+        <p:nvPr/>
+      </p:nvGrpSpPr>
+      <p:grpSpPr>
+        <a:xfrm>
+          <a:off x="0" y="0"/>
+          <a:ext cx="0" cy="0"/>
+          <a:chOff x="0" y="0"/>
+          <a:chExt cx="0" cy="0"/>
+        </a:xfrm>
+      </p:grpSpPr>
+      <p:sp>
+        <p:nvSpPr>
           <p:cNvPr id="2" name="Title 1">
             <a:extLst>
               <a:ext uri="{FF2B5EF4-FFF2-40B4-BE49-F238E27FC236}">
-                <a16:creationId xmlns:a16="http://schemas.microsoft.com/office/drawing/2014/main" id="{F793BB70-E530-402A-9269-1A6909FE38CF}"/>
+                <a16:creationId xmlns:a16="http://schemas.microsoft.com/office/drawing/2014/main" xmlns="" id="{BCB919C1-522E-4C03-ABB3-BEEC56BA44A3}"/>
               </a:ext>
             </a:extLst>
           </p:cNvPr>
@@ -7253,7 +10427,7 @@
           <a:p>
             <a:r>
               <a:rPr lang="en-US" dirty="0"/>
-              <a:t>Try it yourself! </a:t>
+              <a:t>Resources </a:t>
             </a:r>
           </a:p>
         </p:txBody>
@@ -7263,7 +10437,7 @@
           <p:cNvPr id="3" name="Content Placeholder 2">
             <a:extLst>
               <a:ext uri="{FF2B5EF4-FFF2-40B4-BE49-F238E27FC236}">
-                <a16:creationId xmlns:a16="http://schemas.microsoft.com/office/drawing/2014/main" id="{EAA558DD-FECE-4586-A6FF-ACA9A6A691F9}"/>
+                <a16:creationId xmlns:a16="http://schemas.microsoft.com/office/drawing/2014/main" xmlns="" id="{D9EE611D-4C0F-4739-BE9A-557732A40F2A}"/>
               </a:ext>
             </a:extLst>
           </p:cNvPr>
@@ -7274,22 +10448,65 @@
             <p:ph idx="1"/>
           </p:nvPr>
         </p:nvSpPr>
-        <p:spPr/>
+        <p:spPr>
+          <a:xfrm>
+            <a:off x="1484310" y="2242930"/>
+            <a:ext cx="10018713" cy="3124201"/>
+          </a:xfrm>
+        </p:spPr>
         <p:txBody>
           <a:bodyPr/>
           <a:lstStyle/>
           <a:p>
             <a:r>
+              <a:rPr lang="en-US" dirty="0" err="1"/>
+              <a:t>Github</a:t>
+            </a:r>
+            <a:r>
               <a:rPr lang="en-US" dirty="0"/>
-              <a:t>*Link to  completed Docker Guide –[</a:t>
-            </a:r>
-            <a:r>
-              <a:rPr lang="en-US" dirty="0" err="1"/>
-              <a:t>Sharepoint</a:t>
+              <a:t> - </a:t>
+            </a:r>
+            <a:r>
+              <a:rPr lang="en-US" dirty="0">
+                <a:hlinkClick r:id="rId2"/>
+              </a:rPr>
+              <a:t>https://github.com/docker</a:t>
             </a:r>
             <a:r>
               <a:rPr lang="en-US" dirty="0"/>
-              <a:t>]* </a:t>
+              <a:t> </a:t>
+            </a:r>
+          </a:p>
+          <a:p>
+            <a:r>
+              <a:rPr lang="en-US" dirty="0"/>
+              <a:t>Docker Hub –  </a:t>
+            </a:r>
+            <a:r>
+              <a:rPr lang="en-US" dirty="0">
+                <a:hlinkClick r:id="rId3"/>
+              </a:rPr>
+              <a:t>https://hub.docker.com/</a:t>
+            </a:r>
+            <a:r>
+              <a:rPr lang="en-US" dirty="0"/>
+              <a:t> </a:t>
+            </a:r>
+          </a:p>
+          <a:p>
+            <a:r>
+              <a:rPr lang="en-US" dirty="0"/>
+              <a:t>Docker - </a:t>
+            </a:r>
+            <a:r>
+              <a:rPr lang="en-US" dirty="0">
+                <a:hlinkClick r:id="rId4"/>
+              </a:rPr>
+              <a:t>https://www.docker.com/</a:t>
+            </a:r>
+            <a:r>
+              <a:rPr lang="en-US" dirty="0"/>
+              <a:t> </a:t>
             </a:r>
           </a:p>
         </p:txBody>
@@ -7297,7 +10514,7 @@
     </p:spTree>
     <p:extLst>
       <p:ext uri="{BB962C8B-B14F-4D97-AF65-F5344CB8AC3E}">
-        <p14:creationId xmlns:p14="http://schemas.microsoft.com/office/powerpoint/2010/main" val="1241134212"/>
+        <p14:creationId xmlns:p14="http://schemas.microsoft.com/office/powerpoint/2010/main" val="800667380"/>
       </p:ext>
     </p:extLst>
   </p:cSld>
@@ -7329,7 +10546,7 @@
           <p:cNvPr id="2" name="Title 1">
             <a:extLst>
               <a:ext uri="{FF2B5EF4-FFF2-40B4-BE49-F238E27FC236}">
-                <a16:creationId xmlns:a16="http://schemas.microsoft.com/office/drawing/2014/main" id="{EBD2571A-D97B-41EA-828E-CB6BD7A969AD}"/>
+                <a16:creationId xmlns:a16="http://schemas.microsoft.com/office/drawing/2014/main" xmlns="" id="{EBD2571A-D97B-41EA-828E-CB6BD7A969AD}"/>
               </a:ext>
             </a:extLst>
           </p:cNvPr>
@@ -7365,7 +10582,7 @@
           <p:cNvPr id="3" name="Content Placeholder 2">
             <a:extLst>
               <a:ext uri="{FF2B5EF4-FFF2-40B4-BE49-F238E27FC236}">
-                <a16:creationId xmlns:a16="http://schemas.microsoft.com/office/drawing/2014/main" id="{6ABD592C-3496-B04A-9F22-0B6C270E5591}"/>
+                <a16:creationId xmlns:a16="http://schemas.microsoft.com/office/drawing/2014/main" xmlns="" id="{6ABD592C-3496-B04A-9F22-0B6C270E5591}"/>
               </a:ext>
             </a:extLst>
           </p:cNvPr>
@@ -7386,16 +10603,14 @@
           <a:bodyPr/>
           <a:lstStyle/>
           <a:p>
+            <a:pPr lvl="1"/>
+            <a:r>
+              <a:rPr lang="en-US" dirty="0" smtClean="0"/>
+              <a:t>Introduction </a:t>
+            </a:r>
             <a:r>
               <a:rPr lang="en-US" dirty="0"/>
-              <a:t>Day 1</a:t>
-            </a:r>
-          </a:p>
-          <a:p>
-            <a:pPr lvl="1"/>
-            <a:r>
-              <a:rPr lang="en-US" dirty="0"/>
-              <a:t>Introduction to Docker and Kubernetes</a:t>
+              <a:t>to Docker and Kubernetes</a:t>
             </a:r>
           </a:p>
           <a:p>
@@ -7409,28 +10624,42 @@
             <a:pPr lvl="1"/>
             <a:r>
               <a:rPr lang="en-US" dirty="0"/>
-              <a:t>Docker lab</a:t>
-            </a:r>
-          </a:p>
-          <a:p>
+              <a:t>Docker </a:t>
+            </a:r>
+            <a:r>
+              <a:rPr lang="en-US" dirty="0" smtClean="0"/>
+              <a:t>lab</a:t>
+            </a:r>
+          </a:p>
+          <a:p>
+            <a:pPr lvl="1"/>
+            <a:r>
+              <a:rPr lang="en-US" dirty="0" smtClean="0"/>
+              <a:t>Kubernetes </a:t>
+            </a:r>
             <a:r>
               <a:rPr lang="en-US" dirty="0"/>
-              <a:t>Day 2</a:t>
+              <a:t>Overview</a:t>
             </a:r>
           </a:p>
           <a:p>
             <a:pPr lvl="1"/>
             <a:r>
               <a:rPr lang="en-US" dirty="0"/>
-              <a:t>Kubernetes Overview</a:t>
+              <a:t>Kubernetes </a:t>
+            </a:r>
+            <a:r>
+              <a:rPr lang="en-US" dirty="0" smtClean="0"/>
+              <a:t>Lab</a:t>
             </a:r>
           </a:p>
           <a:p>
             <a:pPr lvl="1"/>
             <a:r>
-              <a:rPr lang="en-US" dirty="0"/>
-              <a:t>Kubernetes Lab</a:t>
-            </a:r>
+              <a:rPr lang="en-US" dirty="0" smtClean="0"/>
+              <a:t>Intro to Calico and Kubernetes networking (time permitting)</a:t>
+            </a:r>
+            <a:endParaRPr lang="en-US" dirty="0"/>
           </a:p>
           <a:p>
             <a:pPr lvl="1"/>
@@ -7442,6 +10671,100 @@
     <p:extLst>
       <p:ext uri="{BB962C8B-B14F-4D97-AF65-F5344CB8AC3E}">
         <p14:creationId xmlns:p14="http://schemas.microsoft.com/office/powerpoint/2010/main" val="891375923"/>
+      </p:ext>
+    </p:extLst>
+  </p:cSld>
+  <p:clrMapOvr>
+    <a:masterClrMapping/>
+  </p:clrMapOvr>
+</p:sld>
+</file>
+
+<file path=ppt/slides/slide20.xml><?xml version="1.0" encoding="utf-8"?>
+<p:sld xmlns:a="http://schemas.openxmlformats.org/drawingml/2006/main" xmlns:r="http://schemas.openxmlformats.org/officeDocument/2006/relationships" xmlns:p="http://schemas.openxmlformats.org/presentationml/2006/main">
+  <p:cSld>
+    <p:spTree>
+      <p:nvGrpSpPr>
+        <p:cNvPr id="1" name=""/>
+        <p:cNvGrpSpPr/>
+        <p:nvPr/>
+      </p:nvGrpSpPr>
+      <p:grpSpPr>
+        <a:xfrm>
+          <a:off x="0" y="0"/>
+          <a:ext cx="0" cy="0"/>
+          <a:chOff x="0" y="0"/>
+          <a:chExt cx="0" cy="0"/>
+        </a:xfrm>
+      </p:grpSpPr>
+      <p:sp>
+        <p:nvSpPr>
+          <p:cNvPr id="2" name="Title 1">
+            <a:extLst>
+              <a:ext uri="{FF2B5EF4-FFF2-40B4-BE49-F238E27FC236}">
+                <a16:creationId xmlns:a16="http://schemas.microsoft.com/office/drawing/2014/main" xmlns="" id="{F793BB70-E530-402A-9269-1A6909FE38CF}"/>
+              </a:ext>
+            </a:extLst>
+          </p:cNvPr>
+          <p:cNvSpPr>
+            <a:spLocks noGrp="1"/>
+          </p:cNvSpPr>
+          <p:nvPr>
+            <p:ph type="title"/>
+          </p:nvPr>
+        </p:nvSpPr>
+        <p:spPr/>
+        <p:txBody>
+          <a:bodyPr/>
+          <a:lstStyle/>
+          <a:p>
+            <a:r>
+              <a:rPr lang="en-US" dirty="0"/>
+              <a:t>Try it yourself! </a:t>
+            </a:r>
+          </a:p>
+        </p:txBody>
+      </p:sp>
+      <p:sp>
+        <p:nvSpPr>
+          <p:cNvPr id="3" name="Content Placeholder 2">
+            <a:extLst>
+              <a:ext uri="{FF2B5EF4-FFF2-40B4-BE49-F238E27FC236}">
+                <a16:creationId xmlns:a16="http://schemas.microsoft.com/office/drawing/2014/main" xmlns="" id="{EAA558DD-FECE-4586-A6FF-ACA9A6A691F9}"/>
+              </a:ext>
+            </a:extLst>
+          </p:cNvPr>
+          <p:cNvSpPr>
+            <a:spLocks noGrp="1"/>
+          </p:cNvSpPr>
+          <p:nvPr>
+            <p:ph idx="1"/>
+          </p:nvPr>
+        </p:nvSpPr>
+        <p:spPr/>
+        <p:txBody>
+          <a:bodyPr/>
+          <a:lstStyle/>
+          <a:p>
+            <a:r>
+              <a:rPr lang="en-US" dirty="0"/>
+              <a:t>*Link to  completed Docker Guide –[</a:t>
+            </a:r>
+            <a:r>
+              <a:rPr lang="en-US" dirty="0" err="1"/>
+              <a:t>Sharepoint</a:t>
+            </a:r>
+            <a:r>
+              <a:rPr lang="en-US" dirty="0"/>
+              <a:t>]* </a:t>
+            </a:r>
+          </a:p>
+        </p:txBody>
+      </p:sp>
+    </p:spTree>
+    <p:extLst>
+      <p:ext uri="{BB962C8B-B14F-4D97-AF65-F5344CB8AC3E}">
+        <p14:creationId xmlns:p14="http://schemas.microsoft.com/office/powerpoint/2010/main" val="1241134212"/>
       </p:ext>
     </p:extLst>
   </p:cSld>
@@ -7473,7 +10796,7 @@
           <p:cNvPr id="5" name="Picture 4">
             <a:extLst>
               <a:ext uri="{FF2B5EF4-FFF2-40B4-BE49-F238E27FC236}">
-                <a16:creationId xmlns:a16="http://schemas.microsoft.com/office/drawing/2014/main" id="{84087D5C-CCAC-4E4B-9BD3-193D0F91CB73}"/>
+                <a16:creationId xmlns:a16="http://schemas.microsoft.com/office/drawing/2014/main" xmlns="" id="{84087D5C-CCAC-4E4B-9BD3-193D0F91CB73}"/>
               </a:ext>
             </a:extLst>
           </p:cNvPr>
@@ -7503,7 +10826,7 @@
           <p:cNvPr id="3" name="Content Placeholder 2">
             <a:extLst>
               <a:ext uri="{FF2B5EF4-FFF2-40B4-BE49-F238E27FC236}">
-                <a16:creationId xmlns:a16="http://schemas.microsoft.com/office/drawing/2014/main" id="{4F412698-2494-438D-88A6-6D2848FA10C3}"/>
+                <a16:creationId xmlns:a16="http://schemas.microsoft.com/office/drawing/2014/main" xmlns="" id="{4F412698-2494-438D-88A6-6D2848FA10C3}"/>
               </a:ext>
             </a:extLst>
           </p:cNvPr>
@@ -7539,7 +10862,7 @@
           <p:cNvPr id="2" name="TextBox 1">
             <a:extLst>
               <a:ext uri="{FF2B5EF4-FFF2-40B4-BE49-F238E27FC236}">
-                <a16:creationId xmlns:a16="http://schemas.microsoft.com/office/drawing/2014/main" id="{48970053-BA88-644D-9936-0FD47F83D44F}"/>
+                <a16:creationId xmlns:a16="http://schemas.microsoft.com/office/drawing/2014/main" xmlns="" id="{48970053-BA88-644D-9936-0FD47F83D44F}"/>
               </a:ext>
             </a:extLst>
           </p:cNvPr>
@@ -7604,7 +10927,7 @@
           <p:cNvPr id="4" name="Title 3">
             <a:extLst>
               <a:ext uri="{FF2B5EF4-FFF2-40B4-BE49-F238E27FC236}">
-                <a16:creationId xmlns:a16="http://schemas.microsoft.com/office/drawing/2014/main" id="{E8333811-789C-4E84-9AC7-E91EB393A014}"/>
+                <a16:creationId xmlns:a16="http://schemas.microsoft.com/office/drawing/2014/main" xmlns="" id="{E8333811-789C-4E84-9AC7-E91EB393A014}"/>
               </a:ext>
             </a:extLst>
           </p:cNvPr>
@@ -7637,7 +10960,7 @@
           <p:cNvPr id="7" name="Content Placeholder 6">
             <a:extLst>
               <a:ext uri="{FF2B5EF4-FFF2-40B4-BE49-F238E27FC236}">
-                <a16:creationId xmlns:a16="http://schemas.microsoft.com/office/drawing/2014/main" id="{D07344F4-EBC5-4044-B501-6FB78D5CE7F7}"/>
+                <a16:creationId xmlns:a16="http://schemas.microsoft.com/office/drawing/2014/main" xmlns="" id="{D07344F4-EBC5-4044-B501-6FB78D5CE7F7}"/>
               </a:ext>
             </a:extLst>
           </p:cNvPr>
@@ -7669,7 +10992,7 @@
           <p:cNvPr id="6" name="Content Placeholder 5">
             <a:extLst>
               <a:ext uri="{FF2B5EF4-FFF2-40B4-BE49-F238E27FC236}">
-                <a16:creationId xmlns:a16="http://schemas.microsoft.com/office/drawing/2014/main" id="{1626A554-3CBA-43D7-9B50-499D6A720353}"/>
+                <a16:creationId xmlns:a16="http://schemas.microsoft.com/office/drawing/2014/main" xmlns="" id="{1626A554-3CBA-43D7-9B50-499D6A720353}"/>
               </a:ext>
             </a:extLst>
           </p:cNvPr>
@@ -7734,7 +11057,7 @@
           <p:cNvPr id="2" name="Title 1">
             <a:extLst>
               <a:ext uri="{FF2B5EF4-FFF2-40B4-BE49-F238E27FC236}">
-                <a16:creationId xmlns:a16="http://schemas.microsoft.com/office/drawing/2014/main" id="{C5B959C7-8DB8-40E6-8355-77AD9AFF271E}"/>
+                <a16:creationId xmlns:a16="http://schemas.microsoft.com/office/drawing/2014/main" xmlns="" id="{C5B959C7-8DB8-40E6-8355-77AD9AFF271E}"/>
               </a:ext>
             </a:extLst>
           </p:cNvPr>
@@ -7767,7 +11090,7 @@
           <p:cNvPr id="6" name="Content Placeholder 5">
             <a:extLst>
               <a:ext uri="{FF2B5EF4-FFF2-40B4-BE49-F238E27FC236}">
-                <a16:creationId xmlns:a16="http://schemas.microsoft.com/office/drawing/2014/main" id="{84D1A69F-8125-4284-B362-C290F311823F}"/>
+                <a16:creationId xmlns:a16="http://schemas.microsoft.com/office/drawing/2014/main" xmlns="" id="{84D1A69F-8125-4284-B362-C290F311823F}"/>
               </a:ext>
             </a:extLst>
           </p:cNvPr>
@@ -7799,7 +11122,7 @@
           <p:cNvPr id="5" name="Content Placeholder 4">
             <a:extLst>
               <a:ext uri="{FF2B5EF4-FFF2-40B4-BE49-F238E27FC236}">
-                <a16:creationId xmlns:a16="http://schemas.microsoft.com/office/drawing/2014/main" id="{03982856-988C-4492-AB8E-461EE13D05E1}"/>
+                <a16:creationId xmlns:a16="http://schemas.microsoft.com/office/drawing/2014/main" xmlns="" id="{03982856-988C-4492-AB8E-461EE13D05E1}"/>
               </a:ext>
             </a:extLst>
           </p:cNvPr>
@@ -7935,7 +11258,7 @@
           <p:cNvPr id="5" name="Title 4">
             <a:extLst>
               <a:ext uri="{FF2B5EF4-FFF2-40B4-BE49-F238E27FC236}">
-                <a16:creationId xmlns:a16="http://schemas.microsoft.com/office/drawing/2014/main" id="{417256AC-9CCD-4819-A687-D1F4D838C0FB}"/>
+                <a16:creationId xmlns:a16="http://schemas.microsoft.com/office/drawing/2014/main" xmlns="" id="{417256AC-9CCD-4819-A687-D1F4D838C0FB}"/>
               </a:ext>
             </a:extLst>
           </p:cNvPr>
@@ -7963,7 +11286,7 @@
           <p:cNvPr id="7" name="Content Placeholder 6">
             <a:extLst>
               <a:ext uri="{FF2B5EF4-FFF2-40B4-BE49-F238E27FC236}">
-                <a16:creationId xmlns:a16="http://schemas.microsoft.com/office/drawing/2014/main" id="{629E0E90-6293-4985-B0C0-AC9A10C854B5}"/>
+                <a16:creationId xmlns:a16="http://schemas.microsoft.com/office/drawing/2014/main" xmlns="" id="{629E0E90-6293-4985-B0C0-AC9A10C854B5}"/>
               </a:ext>
             </a:extLst>
           </p:cNvPr>
@@ -8025,7 +11348,7 @@
           <p:cNvPr id="2" name="Title 1">
             <a:extLst>
               <a:ext uri="{FF2B5EF4-FFF2-40B4-BE49-F238E27FC236}">
-                <a16:creationId xmlns:a16="http://schemas.microsoft.com/office/drawing/2014/main" id="{2E12978B-2C86-4A09-BA4F-40D84FFA1E36}"/>
+                <a16:creationId xmlns:a16="http://schemas.microsoft.com/office/drawing/2014/main" xmlns="" id="{2E12978B-2C86-4A09-BA4F-40D84FFA1E36}"/>
               </a:ext>
             </a:extLst>
           </p:cNvPr>
@@ -8307,7 +11630,7 @@
           <p:cNvPr id="2" name="Title 1">
             <a:extLst>
               <a:ext uri="{FF2B5EF4-FFF2-40B4-BE49-F238E27FC236}">
-                <a16:creationId xmlns:a16="http://schemas.microsoft.com/office/drawing/2014/main" id="{672AB366-1EEB-0E4D-B294-5254B9D6A296}"/>
+                <a16:creationId xmlns:a16="http://schemas.microsoft.com/office/drawing/2014/main" xmlns="" id="{672AB366-1EEB-0E4D-B294-5254B9D6A296}"/>
               </a:ext>
             </a:extLst>
           </p:cNvPr>
@@ -8340,7 +11663,7 @@
           <p:cNvPr id="4" name="Picture 3">
             <a:extLst>
               <a:ext uri="{FF2B5EF4-FFF2-40B4-BE49-F238E27FC236}">
-                <a16:creationId xmlns:a16="http://schemas.microsoft.com/office/drawing/2014/main" id="{CE3D86BA-9595-B340-A2D3-7C212895912B}"/>
+                <a16:creationId xmlns:a16="http://schemas.microsoft.com/office/drawing/2014/main" xmlns="" id="{CE3D86BA-9595-B340-A2D3-7C212895912B}"/>
               </a:ext>
             </a:extLst>
           </p:cNvPr>
@@ -8370,7 +11693,7 @@
           <p:cNvPr id="5" name="TextBox 4">
             <a:extLst>
               <a:ext uri="{FF2B5EF4-FFF2-40B4-BE49-F238E27FC236}">
-                <a16:creationId xmlns:a16="http://schemas.microsoft.com/office/drawing/2014/main" id="{2358CF6B-4F5E-BE43-8A96-C3D5EDFB69DF}"/>
+                <a16:creationId xmlns:a16="http://schemas.microsoft.com/office/drawing/2014/main" xmlns="" id="{2358CF6B-4F5E-BE43-8A96-C3D5EDFB69DF}"/>
               </a:ext>
             </a:extLst>
           </p:cNvPr>
@@ -8469,7 +11792,7 @@
           <p:cNvPr id="2" name="Title 1">
             <a:extLst>
               <a:ext uri="{FF2B5EF4-FFF2-40B4-BE49-F238E27FC236}">
-                <a16:creationId xmlns:a16="http://schemas.microsoft.com/office/drawing/2014/main" id="{9B8B4096-5822-D948-B74B-A3C1B7BE7BC6}"/>
+                <a16:creationId xmlns:a16="http://schemas.microsoft.com/office/drawing/2014/main" xmlns="" id="{9B8B4096-5822-D948-B74B-A3C1B7BE7BC6}"/>
               </a:ext>
             </a:extLst>
           </p:cNvPr>
@@ -8504,7 +11827,7 @@
           <p:cNvPr id="3" name="Content Placeholder 2">
             <a:extLst>
               <a:ext uri="{FF2B5EF4-FFF2-40B4-BE49-F238E27FC236}">
-                <a16:creationId xmlns:a16="http://schemas.microsoft.com/office/drawing/2014/main" id="{1BDA2AC2-CAF0-0D44-837D-1C0465B38D1D}"/>
+                <a16:creationId xmlns:a16="http://schemas.microsoft.com/office/drawing/2014/main" xmlns="" id="{1BDA2AC2-CAF0-0D44-837D-1C0465B38D1D}"/>
               </a:ext>
             </a:extLst>
           </p:cNvPr>
@@ -8527,13 +11850,21 @@
           <a:p>
             <a:r>
               <a:rPr lang="en-US" dirty="0"/>
-              <a:t>Kubernetes acts as an abstraction to the infrastructure so that applications don’t need to understand the details of what it looks like</a:t>
-            </a:r>
-          </a:p>
-          <a:p>
+              <a:t>Kubernetes acts as an abstraction to the infrastructure so that applications don’t need to understand the details of what it looks </a:t>
+            </a:r>
+            <a:r>
+              <a:rPr lang="en-US" dirty="0" smtClean="0"/>
+              <a:t>like </a:t>
+            </a:r>
+          </a:p>
+          <a:p>
+            <a:r>
+              <a:rPr lang="en-US" dirty="0" smtClean="0"/>
+              <a:t>Kubernetes </a:t>
+            </a:r>
             <a:r>
               <a:rPr lang="en-US" dirty="0"/>
-              <a:t>Kubernetes is highly extensible with plugins and every cluster will look different, but generally that is ok because Kubernetes solves the details for you.  As long the the plugins and clusters follow a certain set of rules, the underlying details not longer matter.</a:t>
+              <a:t>is highly extensible with plugins and every cluster will look different, but generally that is ok because Kubernetes solves the details for you.  As long the the plugins and clusters follow a certain set of rules, the underlying details not longer matter.</a:t>
             </a:r>
           </a:p>
           <a:p>

--- a/presentation/Day 1 Intro and Docker.pptx
+++ b/presentation/Day 1 Intro and Docker.pptx
@@ -2,7 +2,7 @@
 <file path=ppt/presentation.xml><?xml version="1.0" encoding="utf-8"?>
 <p:presentation xmlns:a="http://schemas.openxmlformats.org/drawingml/2006/main" xmlns:r="http://schemas.openxmlformats.org/officeDocument/2006/relationships" xmlns:p="http://schemas.openxmlformats.org/presentationml/2006/main" saveSubsetFonts="1">
   <p:sldMasterIdLst>
-    <p:sldMasterId id="2147483660" r:id="rId1"/>
+    <p:sldMasterId id="2147483678" r:id="rId1"/>
   </p:sldMasterIdLst>
   <p:sldIdLst>
     <p:sldId id="256" r:id="rId2"/>
@@ -24,7 +24,6 @@
     <p:sldId id="266" r:id="rId18"/>
     <p:sldId id="259" r:id="rId19"/>
     <p:sldId id="263" r:id="rId20"/>
-    <p:sldId id="269" r:id="rId21"/>
   </p:sldIdLst>
   <p:sldSz cx="12192000" cy="6858000"/>
   <p:notesSz cx="6858000" cy="9144000"/>
@@ -900,10 +899,9 @@
         <a:lstStyle/>
         <a:p>
           <a:r>
-            <a:rPr lang="en-US" dirty="0" smtClean="0"/>
+            <a:rPr lang="en-US" dirty="0"/>
             <a:t>Dev</a:t>
           </a:r>
-          <a:endParaRPr lang="en-US" dirty="0"/>
         </a:p>
       </dgm:t>
     </dgm:pt>
@@ -937,10 +935,9 @@
         <a:lstStyle/>
         <a:p>
           <a:r>
-            <a:rPr lang="en-US" dirty="0" smtClean="0"/>
+            <a:rPr lang="en-US" dirty="0"/>
             <a:t>Test</a:t>
           </a:r>
-          <a:endParaRPr lang="en-US" dirty="0"/>
         </a:p>
       </dgm:t>
     </dgm:pt>
@@ -974,10 +971,9 @@
         <a:lstStyle/>
         <a:p>
           <a:r>
-            <a:rPr lang="en-US" dirty="0" smtClean="0"/>
+            <a:rPr lang="en-US" dirty="0"/>
             <a:t>Prod</a:t>
           </a:r>
-          <a:endParaRPr lang="en-US" dirty="0"/>
         </a:p>
       </dgm:t>
     </dgm:pt>
@@ -1021,13 +1017,6 @@
     <dgm:pt modelId="{305E3CC9-BDDB-4A06-AB98-D1B2AC3FF60B}" type="pres">
       <dgm:prSet presAssocID="{006B1B7E-BA7C-4D20-AE78-4BA7C78C1C3A}" presName="bigChev" presStyleLbl="node1" presStyleIdx="0" presStyleCnt="1" custScaleX="100393" custLinFactX="-35823" custLinFactNeighborX="-100000" custLinFactNeighborY="-5"/>
       <dgm:spPr/>
-      <dgm:t>
-        <a:bodyPr/>
-        <a:lstStyle/>
-        <a:p>
-          <a:endParaRPr lang="en-US"/>
-        </a:p>
-      </dgm:t>
     </dgm:pt>
     <dgm:pt modelId="{68E3254F-FDF4-43FA-A6C3-19EE8736AC75}" type="pres">
       <dgm:prSet presAssocID="{33409606-3ADB-4E76-B233-E7E905E90BCA}" presName="parTrans" presStyleCnt="0"/>
@@ -1040,13 +1029,6 @@
         </dgm:presLayoutVars>
       </dgm:prSet>
       <dgm:spPr/>
-      <dgm:t>
-        <a:bodyPr/>
-        <a:lstStyle/>
-        <a:p>
-          <a:endParaRPr lang="en-US"/>
-        </a:p>
-      </dgm:t>
     </dgm:pt>
     <dgm:pt modelId="{4BCFFFA0-FB29-4C23-9B93-6BBD362EA381}" type="pres">
       <dgm:prSet presAssocID="{DE83C5F9-B4A5-4BF4-A7C2-F1B0427FC8BA}" presName="sibTrans" presStyleCnt="0"/>
@@ -1063,12 +1045,12 @@
   </dgm:ptLst>
   <dgm:cxnLst>
     <dgm:cxn modelId="{6E78C30B-31EF-4852-848A-3FB3DBDA16F6}" srcId="{5907734A-E2E0-4F30-AB69-FBAF1AD307CE}" destId="{006B1B7E-BA7C-4D20-AE78-4BA7C78C1C3A}" srcOrd="0" destOrd="0" parTransId="{F8086DAD-C351-4399-9EBB-9760E328C41E}" sibTransId="{29D00F95-4F66-4E31-A1AB-598E615FE7DA}"/>
+    <dgm:cxn modelId="{5996EA19-1D70-4D60-90DB-7568BDE5EBA5}" type="presOf" srcId="{92F5B0BD-D875-4A55-9B90-6D00BAD4503D}" destId="{63E04A4C-7CAB-4A32-AFCE-494B27F256D8}" srcOrd="0" destOrd="0" presId="urn:microsoft.com/office/officeart/2005/8/layout/lProcess3"/>
+    <dgm:cxn modelId="{E1FF671A-359E-40C3-8B73-61C5D0A4C4B8}" type="presOf" srcId="{5907734A-E2E0-4F30-AB69-FBAF1AD307CE}" destId="{7DE3DAAD-7AD4-4DEB-99CD-603B8C3F9C08}" srcOrd="0" destOrd="0" presId="urn:microsoft.com/office/officeart/2005/8/layout/lProcess3"/>
     <dgm:cxn modelId="{93162576-756C-4FB9-A9CF-33786F8B29ED}" type="presOf" srcId="{C188422E-F8E8-4EAC-8310-9465D0955BA4}" destId="{D7F88ED8-0663-46D9-8DD8-1A5FB77D7056}" srcOrd="0" destOrd="0" presId="urn:microsoft.com/office/officeart/2005/8/layout/lProcess3"/>
+    <dgm:cxn modelId="{FADFCE9D-76C0-4F6E-8565-5124A02727AF}" srcId="{006B1B7E-BA7C-4D20-AE78-4BA7C78C1C3A}" destId="{92F5B0BD-D875-4A55-9B90-6D00BAD4503D}" srcOrd="1" destOrd="0" parTransId="{3D7F3EA9-C2CE-47E6-A1BD-290E071DB6E4}" sibTransId="{15D059B4-5450-4ED3-806B-C7D06AD98ABB}"/>
+    <dgm:cxn modelId="{F1EC2CAA-FAD4-40FA-9529-26AB21881577}" type="presOf" srcId="{006B1B7E-BA7C-4D20-AE78-4BA7C78C1C3A}" destId="{305E3CC9-BDDB-4A06-AB98-D1B2AC3FF60B}" srcOrd="0" destOrd="0" presId="urn:microsoft.com/office/officeart/2005/8/layout/lProcess3"/>
     <dgm:cxn modelId="{13393ABC-6AA6-41AD-A631-5C6A81A09AA7}" srcId="{006B1B7E-BA7C-4D20-AE78-4BA7C78C1C3A}" destId="{C188422E-F8E8-4EAC-8310-9465D0955BA4}" srcOrd="0" destOrd="0" parTransId="{33409606-3ADB-4E76-B233-E7E905E90BCA}" sibTransId="{DE83C5F9-B4A5-4BF4-A7C2-F1B0427FC8BA}"/>
-    <dgm:cxn modelId="{F1EC2CAA-FAD4-40FA-9529-26AB21881577}" type="presOf" srcId="{006B1B7E-BA7C-4D20-AE78-4BA7C78C1C3A}" destId="{305E3CC9-BDDB-4A06-AB98-D1B2AC3FF60B}" srcOrd="0" destOrd="0" presId="urn:microsoft.com/office/officeart/2005/8/layout/lProcess3"/>
-    <dgm:cxn modelId="{FADFCE9D-76C0-4F6E-8565-5124A02727AF}" srcId="{006B1B7E-BA7C-4D20-AE78-4BA7C78C1C3A}" destId="{92F5B0BD-D875-4A55-9B90-6D00BAD4503D}" srcOrd="1" destOrd="0" parTransId="{3D7F3EA9-C2CE-47E6-A1BD-290E071DB6E4}" sibTransId="{15D059B4-5450-4ED3-806B-C7D06AD98ABB}"/>
-    <dgm:cxn modelId="{E1FF671A-359E-40C3-8B73-61C5D0A4C4B8}" type="presOf" srcId="{5907734A-E2E0-4F30-AB69-FBAF1AD307CE}" destId="{7DE3DAAD-7AD4-4DEB-99CD-603B8C3F9C08}" srcOrd="0" destOrd="0" presId="urn:microsoft.com/office/officeart/2005/8/layout/lProcess3"/>
-    <dgm:cxn modelId="{5996EA19-1D70-4D60-90DB-7568BDE5EBA5}" type="presOf" srcId="{92F5B0BD-D875-4A55-9B90-6D00BAD4503D}" destId="{63E04A4C-7CAB-4A32-AFCE-494B27F256D8}" srcOrd="0" destOrd="0" presId="urn:microsoft.com/office/officeart/2005/8/layout/lProcess3"/>
     <dgm:cxn modelId="{E6B34931-0198-4D7B-8274-10383B13F901}" type="presParOf" srcId="{7DE3DAAD-7AD4-4DEB-99CD-603B8C3F9C08}" destId="{A40656F2-4775-4C08-91FA-5602D46CA1C5}" srcOrd="0" destOrd="0" presId="urn:microsoft.com/office/officeart/2005/8/layout/lProcess3"/>
     <dgm:cxn modelId="{59A74E8F-F909-423F-A0D5-4252F668EC91}" type="presParOf" srcId="{A40656F2-4775-4C08-91FA-5602D46CA1C5}" destId="{305E3CC9-BDDB-4A06-AB98-D1B2AC3FF60B}" srcOrd="0" destOrd="0" presId="urn:microsoft.com/office/officeart/2005/8/layout/lProcess3"/>
     <dgm:cxn modelId="{F39A624F-3579-4332-8216-502A4A5F1AEE}" type="presParOf" srcId="{A40656F2-4775-4C08-91FA-5602D46CA1C5}" destId="{68E3254F-FDF4-43FA-A6C3-19EE8736AC75}" srcOrd="1" destOrd="0" presId="urn:microsoft.com/office/officeart/2005/8/layout/lProcess3"/>
@@ -1115,7 +1097,7 @@
             <a:alphaOff val="0"/>
           </a:schemeClr>
         </a:solidFill>
-        <a:ln w="15875" cap="rnd" cmpd="sng" algn="ctr">
+        <a:ln w="12700" cap="flat" cmpd="sng" algn="ctr">
           <a:solidFill>
             <a:schemeClr val="lt1">
               <a:hueOff val="0"/>
@@ -1125,6 +1107,7 @@
             </a:schemeClr>
           </a:solidFill>
           <a:prstDash val="solid"/>
+          <a:miter lim="800000"/>
         </a:ln>
         <a:effectLst/>
       </dsp:spPr>
@@ -1148,7 +1131,7 @@
         </a:bodyPr>
         <a:lstStyle/>
         <a:p>
-          <a:pPr lvl="0" algn="ctr" defTabSz="2889250">
+          <a:pPr marL="0" lvl="0" indent="0" algn="ctr" defTabSz="2889250">
             <a:lnSpc>
               <a:spcPct val="90000"/>
             </a:lnSpc>
@@ -1158,12 +1141,12 @@
             <a:spcAft>
               <a:spcPct val="35000"/>
             </a:spcAft>
+            <a:buNone/>
           </a:pPr>
           <a:r>
-            <a:rPr lang="en-US" sz="6500" kern="1200" dirty="0" smtClean="0"/>
+            <a:rPr lang="en-US" sz="6500" kern="1200" dirty="0"/>
             <a:t>Dev</a:t>
           </a:r>
-          <a:endParaRPr lang="en-US" sz="6500" kern="1200" dirty="0"/>
         </a:p>
       </dsp:txBody>
       <dsp:txXfrm>
@@ -1194,7 +1177,7 @@
             <a:alphaOff val="0"/>
           </a:schemeClr>
         </a:solidFill>
-        <a:ln w="15875" cap="rnd" cmpd="sng" algn="ctr">
+        <a:ln w="12700" cap="flat" cmpd="sng" algn="ctr">
           <a:solidFill>
             <a:schemeClr val="accent1">
               <a:alpha val="90000"/>
@@ -1206,6 +1189,7 @@
             </a:schemeClr>
           </a:solidFill>
           <a:prstDash val="solid"/>
+          <a:miter lim="800000"/>
         </a:ln>
         <a:effectLst/>
       </dsp:spPr>
@@ -1222,12 +1206,12 @@
         <a:fontRef idx="minor"/>
       </dsp:style>
       <dsp:txBody>
-        <a:bodyPr spcFirstLastPara="0" vert="horz" wrap="square" lIns="72390" tIns="36195" rIns="0" bIns="36195" numCol="1" spcCol="1270" anchor="ctr" anchorCtr="0">
+        <a:bodyPr spcFirstLastPara="0" vert="horz" wrap="square" lIns="74930" tIns="37465" rIns="0" bIns="37465" numCol="1" spcCol="1270" anchor="ctr" anchorCtr="0">
           <a:noAutofit/>
         </a:bodyPr>
         <a:lstStyle/>
         <a:p>
-          <a:pPr lvl="0" algn="ctr" defTabSz="2533650">
+          <a:pPr marL="0" lvl="0" indent="0" algn="ctr" defTabSz="2622550">
             <a:lnSpc>
               <a:spcPct val="90000"/>
             </a:lnSpc>
@@ -1237,12 +1221,12 @@
             <a:spcAft>
               <a:spcPct val="35000"/>
             </a:spcAft>
+            <a:buNone/>
           </a:pPr>
           <a:r>
-            <a:rPr lang="en-US" sz="5700" kern="1200" dirty="0" smtClean="0"/>
+            <a:rPr lang="en-US" sz="5900" kern="1200" dirty="0"/>
             <a:t>Test</a:t>
           </a:r>
-          <a:endParaRPr lang="en-US" sz="5700" kern="1200" dirty="0"/>
         </a:p>
       </dsp:txBody>
       <dsp:txXfrm>
@@ -1273,7 +1257,7 @@
             <a:alphaOff val="0"/>
           </a:schemeClr>
         </a:solidFill>
-        <a:ln w="15875" cap="rnd" cmpd="sng" algn="ctr">
+        <a:ln w="12700" cap="flat" cmpd="sng" algn="ctr">
           <a:solidFill>
             <a:schemeClr val="accent1">
               <a:alpha val="90000"/>
@@ -1285,6 +1269,7 @@
             </a:schemeClr>
           </a:solidFill>
           <a:prstDash val="solid"/>
+          <a:miter lim="800000"/>
         </a:ln>
         <a:effectLst/>
       </dsp:spPr>
@@ -1301,12 +1286,12 @@
         <a:fontRef idx="minor"/>
       </dsp:style>
       <dsp:txBody>
-        <a:bodyPr spcFirstLastPara="0" vert="horz" wrap="square" lIns="72390" tIns="36195" rIns="0" bIns="36195" numCol="1" spcCol="1270" anchor="ctr" anchorCtr="0">
+        <a:bodyPr spcFirstLastPara="0" vert="horz" wrap="square" lIns="74930" tIns="37465" rIns="0" bIns="37465" numCol="1" spcCol="1270" anchor="ctr" anchorCtr="0">
           <a:noAutofit/>
         </a:bodyPr>
         <a:lstStyle/>
         <a:p>
-          <a:pPr lvl="0" algn="ctr" defTabSz="2533650">
+          <a:pPr marL="0" lvl="0" indent="0" algn="ctr" defTabSz="2622550">
             <a:lnSpc>
               <a:spcPct val="90000"/>
             </a:lnSpc>
@@ -1316,12 +1301,12 @@
             <a:spcAft>
               <a:spcPct val="35000"/>
             </a:spcAft>
+            <a:buNone/>
           </a:pPr>
           <a:r>
-            <a:rPr lang="en-US" sz="5700" kern="1200" dirty="0" smtClean="0"/>
+            <a:rPr lang="en-US" sz="5900" kern="1200" dirty="0"/>
             <a:t>Prod</a:t>
           </a:r>
-          <a:endParaRPr lang="en-US" sz="5700" kern="1200" dirty="0"/>
         </a:p>
       </dsp:txBody>
       <dsp:txXfrm>
@@ -2649,8 +2634,8 @@
 </file>
 
 <file path=ppt/slideLayouts/slideLayout1.xml><?xml version="1.0" encoding="utf-8"?>
-<p:sldLayout xmlns:a="http://schemas.openxmlformats.org/drawingml/2006/main" xmlns:r="http://schemas.openxmlformats.org/officeDocument/2006/relationships" xmlns:p="http://schemas.openxmlformats.org/presentationml/2006/main" showMasterSp="0" type="title" preserve="1">
-  <p:cSld name="Title Slide">
+<p:sldLayout xmlns:a="http://schemas.openxmlformats.org/drawingml/2006/main" xmlns:r="http://schemas.openxmlformats.org/officeDocument/2006/relationships" xmlns:p="http://schemas.openxmlformats.org/presentationml/2006/main" preserve="1" userDrawn="1">
+  <p:cSld name="Title and Content">
     <p:spTree>
       <p:nvGrpSpPr>
         <p:cNvPr id="1" name=""/>
@@ -2665,477 +2650,417 @@
           <a:chExt cx="0" cy="0"/>
         </a:xfrm>
       </p:grpSpPr>
-      <p:grpSp>
-        <p:nvGrpSpPr>
-          <p:cNvPr id="19" name="Group 18"/>
-          <p:cNvGrpSpPr/>
-          <p:nvPr/>
-        </p:nvGrpSpPr>
-        <p:grpSpPr>
-          <a:xfrm>
-            <a:off x="546100" y="-4763"/>
-            <a:ext cx="5014912" cy="6862763"/>
-            <a:chOff x="2928938" y="-4763"/>
-            <a:chExt cx="5014912" cy="6862763"/>
-          </a:xfrm>
-        </p:grpSpPr>
-        <p:sp>
-          <p:nvSpPr>
-            <p:cNvPr id="22" name="Freeform 6"/>
-            <p:cNvSpPr/>
-            <p:nvPr/>
-          </p:nvSpPr>
-          <p:spPr bwMode="auto">
-            <a:xfrm>
-              <a:off x="3367088" y="-4763"/>
-              <a:ext cx="1063625" cy="2782888"/>
-            </a:xfrm>
-            <a:custGeom>
-              <a:avLst/>
-              <a:gdLst/>
-              <a:ahLst/>
-              <a:cxnLst/>
-              <a:rect l="0" t="0" r="r" b="b"/>
-              <a:pathLst>
-                <a:path w="670" h="1753">
-                  <a:moveTo>
-                    <a:pt x="0" y="1696"/>
-                  </a:moveTo>
-                  <a:lnTo>
-                    <a:pt x="225" y="1753"/>
-                  </a:lnTo>
-                  <a:lnTo>
-                    <a:pt x="670" y="0"/>
-                  </a:lnTo>
-                  <a:lnTo>
-                    <a:pt x="430" y="0"/>
-                  </a:lnTo>
-                  <a:lnTo>
-                    <a:pt x="0" y="1696"/>
-                  </a:lnTo>
-                  <a:close/>
-                </a:path>
-              </a:pathLst>
-            </a:custGeom>
-            <a:solidFill>
-              <a:schemeClr val="accent1"/>
-            </a:solidFill>
-            <a:ln>
-              <a:noFill/>
-            </a:ln>
-          </p:spPr>
-        </p:sp>
-        <p:sp>
-          <p:nvSpPr>
-            <p:cNvPr id="23" name="Freeform 7"/>
-            <p:cNvSpPr/>
-            <p:nvPr/>
-          </p:nvSpPr>
-          <p:spPr bwMode="auto">
-            <a:xfrm>
-              <a:off x="2928938" y="-4763"/>
-              <a:ext cx="1035050" cy="2673350"/>
-            </a:xfrm>
-            <a:custGeom>
-              <a:avLst/>
-              <a:gdLst/>
-              <a:ahLst/>
-              <a:cxnLst/>
-              <a:rect l="0" t="0" r="r" b="b"/>
-              <a:pathLst>
-                <a:path w="652" h="1684">
-                  <a:moveTo>
-                    <a:pt x="225" y="1684"/>
-                  </a:moveTo>
-                  <a:lnTo>
-                    <a:pt x="652" y="0"/>
-                  </a:lnTo>
-                  <a:lnTo>
-                    <a:pt x="411" y="0"/>
-                  </a:lnTo>
-                  <a:lnTo>
-                    <a:pt x="0" y="1627"/>
-                  </a:lnTo>
-                  <a:lnTo>
-                    <a:pt x="219" y="1681"/>
-                  </a:lnTo>
-                  <a:lnTo>
-                    <a:pt x="225" y="1684"/>
-                  </a:lnTo>
-                  <a:close/>
-                </a:path>
-              </a:pathLst>
-            </a:custGeom>
-            <a:solidFill>
-              <a:schemeClr val="tx1">
-                <a:lumMod val="65000"/>
-                <a:lumOff val="35000"/>
-              </a:schemeClr>
-            </a:solidFill>
-            <a:ln>
-              <a:noFill/>
-            </a:ln>
-          </p:spPr>
-        </p:sp>
-        <p:sp>
-          <p:nvSpPr>
-            <p:cNvPr id="24" name="Freeform 9"/>
-            <p:cNvSpPr/>
-            <p:nvPr/>
-          </p:nvSpPr>
-          <p:spPr bwMode="auto">
-            <a:xfrm>
-              <a:off x="2928938" y="2582862"/>
-              <a:ext cx="2693987" cy="4275138"/>
-            </a:xfrm>
-            <a:custGeom>
-              <a:avLst/>
-              <a:gdLst/>
-              <a:ahLst/>
-              <a:cxnLst/>
-              <a:rect l="0" t="0" r="r" b="b"/>
-              <a:pathLst>
-                <a:path w="1697" h="2693">
-                  <a:moveTo>
-                    <a:pt x="0" y="0"/>
-                  </a:moveTo>
-                  <a:lnTo>
-                    <a:pt x="1622" y="2693"/>
-                  </a:lnTo>
-                  <a:lnTo>
-                    <a:pt x="1697" y="2693"/>
-                  </a:lnTo>
-                  <a:lnTo>
-                    <a:pt x="0" y="0"/>
-                  </a:lnTo>
-                  <a:close/>
-                </a:path>
-              </a:pathLst>
-            </a:custGeom>
-            <a:solidFill>
-              <a:schemeClr val="tx1">
-                <a:lumMod val="85000"/>
-                <a:lumOff val="15000"/>
-              </a:schemeClr>
-            </a:solidFill>
-            <a:ln>
-              <a:noFill/>
-            </a:ln>
-          </p:spPr>
-        </p:sp>
-        <p:sp>
-          <p:nvSpPr>
-            <p:cNvPr id="25" name="Freeform 10"/>
-            <p:cNvSpPr/>
-            <p:nvPr/>
-          </p:nvSpPr>
-          <p:spPr bwMode="auto">
-            <a:xfrm>
-              <a:off x="3371850" y="2692400"/>
-              <a:ext cx="3332162" cy="4165600"/>
-            </a:xfrm>
-            <a:custGeom>
-              <a:avLst/>
-              <a:gdLst/>
-              <a:ahLst/>
-              <a:cxnLst/>
-              <a:rect l="0" t="0" r="r" b="b"/>
-              <a:pathLst>
-                <a:path w="2099" h="2624">
-                  <a:moveTo>
-                    <a:pt x="2099" y="2624"/>
-                  </a:moveTo>
-                  <a:lnTo>
-                    <a:pt x="0" y="0"/>
-                  </a:lnTo>
-                  <a:lnTo>
-                    <a:pt x="2021" y="2624"/>
-                  </a:lnTo>
-                  <a:lnTo>
-                    <a:pt x="2099" y="2624"/>
-                  </a:lnTo>
-                  <a:close/>
-                </a:path>
-              </a:pathLst>
-            </a:custGeom>
-            <a:solidFill>
-              <a:schemeClr val="accent1">
-                <a:lumMod val="50000"/>
-              </a:schemeClr>
-            </a:solidFill>
-            <a:ln>
-              <a:noFill/>
-            </a:ln>
-          </p:spPr>
-        </p:sp>
-        <p:sp>
-          <p:nvSpPr>
-            <p:cNvPr id="26" name="Freeform 11"/>
-            <p:cNvSpPr/>
-            <p:nvPr/>
-          </p:nvSpPr>
-          <p:spPr bwMode="auto">
-            <a:xfrm>
-              <a:off x="3367088" y="2687637"/>
-              <a:ext cx="4576762" cy="4170363"/>
-            </a:xfrm>
-            <a:custGeom>
-              <a:avLst/>
-              <a:gdLst/>
-              <a:ahLst/>
-              <a:cxnLst/>
-              <a:rect l="0" t="0" r="r" b="b"/>
-              <a:pathLst>
-                <a:path w="2883" h="2627">
-                  <a:moveTo>
-                    <a:pt x="0" y="0"/>
-                  </a:moveTo>
-                  <a:lnTo>
-                    <a:pt x="3" y="3"/>
-                  </a:lnTo>
-                  <a:lnTo>
-                    <a:pt x="2102" y="2627"/>
-                  </a:lnTo>
-                  <a:lnTo>
-                    <a:pt x="2883" y="2627"/>
-                  </a:lnTo>
-                  <a:lnTo>
-                    <a:pt x="225" y="57"/>
-                  </a:lnTo>
-                  <a:lnTo>
-                    <a:pt x="0" y="0"/>
-                  </a:lnTo>
-                  <a:close/>
-                </a:path>
-              </a:pathLst>
-            </a:custGeom>
-            <a:solidFill>
-              <a:schemeClr val="accent1">
-                <a:lumMod val="75000"/>
-              </a:schemeClr>
-            </a:solidFill>
-            <a:ln>
-              <a:noFill/>
-            </a:ln>
-          </p:spPr>
-        </p:sp>
-        <p:sp>
-          <p:nvSpPr>
-            <p:cNvPr id="27" name="Freeform 12"/>
-            <p:cNvSpPr/>
-            <p:nvPr/>
-          </p:nvSpPr>
-          <p:spPr bwMode="auto">
-            <a:xfrm>
-              <a:off x="2928938" y="2578100"/>
-              <a:ext cx="3584575" cy="4279900"/>
-            </a:xfrm>
-            <a:custGeom>
-              <a:avLst/>
-              <a:gdLst/>
-              <a:ahLst/>
-              <a:cxnLst/>
-              <a:rect l="0" t="0" r="r" b="b"/>
-              <a:pathLst>
-                <a:path w="2258" h="2696">
-                  <a:moveTo>
-                    <a:pt x="2258" y="2696"/>
-                  </a:moveTo>
-                  <a:lnTo>
-                    <a:pt x="264" y="111"/>
-                  </a:lnTo>
-                  <a:lnTo>
-                    <a:pt x="228" y="60"/>
-                  </a:lnTo>
-                  <a:lnTo>
-                    <a:pt x="225" y="57"/>
-                  </a:lnTo>
-                  <a:lnTo>
-                    <a:pt x="0" y="0"/>
-                  </a:lnTo>
-                  <a:lnTo>
-                    <a:pt x="0" y="3"/>
-                  </a:lnTo>
-                  <a:lnTo>
-                    <a:pt x="1697" y="2696"/>
-                  </a:lnTo>
-                  <a:lnTo>
-                    <a:pt x="2258" y="2696"/>
-                  </a:lnTo>
-                  <a:close/>
-                </a:path>
-              </a:pathLst>
-            </a:custGeom>
-            <a:solidFill>
-              <a:schemeClr val="tx1">
-                <a:lumMod val="75000"/>
-                <a:lumOff val="25000"/>
-              </a:schemeClr>
-            </a:solidFill>
-            <a:ln>
-              <a:noFill/>
-            </a:ln>
-          </p:spPr>
-        </p:sp>
-      </p:grpSp>
       <p:sp>
         <p:nvSpPr>
-          <p:cNvPr id="2" name="Title 1"/>
+          <p:cNvPr id="7" name="Title Placeholder 1"/>
           <p:cNvSpPr>
             <a:spLocks noGrp="1"/>
           </p:cNvSpPr>
           <p:nvPr>
-            <p:ph type="ctrTitle"/>
+            <p:ph type="title"/>
           </p:nvPr>
         </p:nvSpPr>
         <p:spPr>
           <a:xfrm>
-            <a:off x="2928401" y="1380068"/>
-            <a:ext cx="8574622" cy="2616199"/>
+            <a:off x="1218672" y="368551"/>
+            <a:ext cx="10363200" cy="850734"/>
           </a:xfrm>
+          <a:prstGeom prst="rect">
+            <a:avLst/>
+          </a:prstGeom>
         </p:spPr>
         <p:txBody>
-          <a:bodyPr anchor="b">
+          <a:bodyPr vert="horz" lIns="91440" tIns="45720" rIns="91440" bIns="45720" rtlCol="0" anchor="ctr">
             <a:normAutofit/>
           </a:bodyPr>
-          <a:lstStyle>
-            <a:lvl1pPr algn="r">
-              <a:defRPr sz="6000">
-                <a:effectLst/>
-              </a:defRPr>
-            </a:lvl1pPr>
-          </a:lstStyle>
-          <a:p>
-            <a:r>
-              <a:rPr lang="en-US"/>
+          <a:lstStyle/>
+          <a:p>
+            <a:r>
+              <a:rPr lang="en-US" dirty="0"/>
               <a:t>Click to edit Master title style</a:t>
             </a:r>
-            <a:endParaRPr lang="en-US" dirty="0"/>
           </a:p>
         </p:txBody>
       </p:sp>
       <p:sp>
         <p:nvSpPr>
-          <p:cNvPr id="3" name="Subtitle 2"/>
+          <p:cNvPr id="8" name="Text Placeholder 2"/>
           <p:cNvSpPr>
             <a:spLocks noGrp="1"/>
           </p:cNvSpPr>
           <p:nvPr>
-            <p:ph type="subTitle" idx="1"/>
+            <p:ph idx="1"/>
           </p:nvPr>
         </p:nvSpPr>
         <p:spPr>
           <a:xfrm>
-            <a:off x="4515377" y="3996267"/>
-            <a:ext cx="6987645" cy="1388534"/>
+            <a:off x="1218672" y="1530926"/>
+            <a:ext cx="10363200" cy="4351338"/>
           </a:xfrm>
+          <a:prstGeom prst="rect">
+            <a:avLst/>
+          </a:prstGeom>
         </p:spPr>
         <p:txBody>
-          <a:bodyPr anchor="t">
+          <a:bodyPr vert="horz" lIns="91440" tIns="45720" rIns="91440" bIns="45720" rtlCol="0">
             <a:normAutofit/>
           </a:bodyPr>
+          <a:lstStyle/>
+          <a:p>
+            <a:pPr lvl="0"/>
+            <a:r>
+              <a:rPr lang="en-US" dirty="0"/>
+              <a:t>Click to edit Master text styles</a:t>
+            </a:r>
+          </a:p>
+          <a:p>
+            <a:pPr lvl="1"/>
+            <a:r>
+              <a:rPr lang="en-US" dirty="0"/>
+              <a:t>Second level</a:t>
+            </a:r>
+          </a:p>
+          <a:p>
+            <a:pPr lvl="2"/>
+            <a:r>
+              <a:rPr lang="en-US" dirty="0"/>
+              <a:t>Third level</a:t>
+            </a:r>
+          </a:p>
+          <a:p>
+            <a:pPr lvl="3"/>
+            <a:r>
+              <a:rPr lang="en-US" dirty="0"/>
+              <a:t>Fourth level</a:t>
+            </a:r>
+          </a:p>
+          <a:p>
+            <a:pPr lvl="4"/>
+            <a:r>
+              <a:rPr lang="en-US" dirty="0"/>
+              <a:t>Fifth level</a:t>
+            </a:r>
+          </a:p>
+        </p:txBody>
+      </p:sp>
+      <p:sp>
+        <p:nvSpPr>
+          <p:cNvPr id="10" name="Date Placeholder 3"/>
+          <p:cNvSpPr>
+            <a:spLocks noGrp="1"/>
+          </p:cNvSpPr>
+          <p:nvPr>
+            <p:ph type="dt" sz="half" idx="2"/>
+          </p:nvPr>
+        </p:nvSpPr>
+        <p:spPr>
+          <a:xfrm>
+            <a:off x="1606285" y="6356352"/>
+            <a:ext cx="1828800" cy="365125"/>
+          </a:xfrm>
+          <a:prstGeom prst="rect">
+            <a:avLst/>
+          </a:prstGeom>
+        </p:spPr>
+        <p:txBody>
+          <a:bodyPr vert="horz" lIns="91440" tIns="45720" rIns="91440" bIns="45720" rtlCol="0" anchor="ctr"/>
           <a:lstStyle>
-            <a:lvl1pPr marL="0" indent="0" algn="r">
-              <a:buNone/>
-              <a:defRPr sz="2100">
-                <a:solidFill>
-                  <a:schemeClr val="tx1"/>
-                </a:solidFill>
-              </a:defRPr>
-            </a:lvl1pPr>
-            <a:lvl2pPr marL="457200" indent="0" algn="ctr">
-              <a:buNone/>
-              <a:defRPr>
+            <a:lvl1pPr algn="l">
+              <a:defRPr sz="1200">
                 <a:solidFill>
                   <a:schemeClr val="tx1">
                     <a:tint val="75000"/>
                   </a:schemeClr>
                 </a:solidFill>
+                <a:latin typeface="Candara" panose="020E0502030303020204" pitchFamily="34" charset="0"/>
               </a:defRPr>
-            </a:lvl2pPr>
-            <a:lvl3pPr marL="914400" indent="0" algn="ctr">
-              <a:buNone/>
-              <a:defRPr>
+            </a:lvl1pPr>
+          </a:lstStyle>
+          <a:p>
+            <a:fld id="{7B81A40A-81BF-4248-A32F-77AAEDEFB22B}" type="datetime1">
+              <a:rPr lang="en-US" smtClean="0"/>
+              <a:t>4/5/18</a:t>
+            </a:fld>
+            <a:endParaRPr lang="en-US"/>
+          </a:p>
+        </p:txBody>
+      </p:sp>
+      <p:sp>
+        <p:nvSpPr>
+          <p:cNvPr id="11" name="Footer Placeholder 4"/>
+          <p:cNvSpPr>
+            <a:spLocks noGrp="1"/>
+          </p:cNvSpPr>
+          <p:nvPr>
+            <p:ph type="ftr" sz="quarter" idx="3"/>
+          </p:nvPr>
+        </p:nvSpPr>
+        <p:spPr>
+          <a:xfrm>
+            <a:off x="4349485" y="6356351"/>
+            <a:ext cx="4114800" cy="365125"/>
+          </a:xfrm>
+          <a:prstGeom prst="rect">
+            <a:avLst/>
+          </a:prstGeom>
+        </p:spPr>
+        <p:txBody>
+          <a:bodyPr vert="horz" lIns="91440" tIns="45720" rIns="91440" bIns="45720" rtlCol="0" anchor="ctr"/>
+          <a:lstStyle>
+            <a:lvl1pPr algn="ctr">
+              <a:defRPr sz="1200">
                 <a:solidFill>
                   <a:schemeClr val="tx1">
                     <a:tint val="75000"/>
                   </a:schemeClr>
                 </a:solidFill>
+                <a:latin typeface="Candara" panose="020E0502030303020204" pitchFamily="34" charset="0"/>
               </a:defRPr>
-            </a:lvl3pPr>
-            <a:lvl4pPr marL="1371600" indent="0" algn="ctr">
-              <a:buNone/>
-              <a:defRPr>
+            </a:lvl1pPr>
+          </a:lstStyle>
+          <a:p>
+            <a:r>
+              <a:rPr lang="en-US" dirty="0"/>
+              <a:t>Sealing Technologies, Inc.	</a:t>
+            </a:r>
+            <a:r>
+              <a:rPr lang="en-US" dirty="0" err="1"/>
+              <a:t>www.sealingtech.org</a:t>
+            </a:r>
+            <a:endParaRPr lang="en-US" dirty="0"/>
+          </a:p>
+          <a:p>
+            <a:r>
+              <a:rPr lang="en-US" dirty="0"/>
+              <a:t>7226 Lee Deforest Dr. Suite 204 Columbia, MD 21046</a:t>
+            </a:r>
+          </a:p>
+        </p:txBody>
+      </p:sp>
+      <p:sp>
+        <p:nvSpPr>
+          <p:cNvPr id="12" name="Slide Number Placeholder 5"/>
+          <p:cNvSpPr>
+            <a:spLocks noGrp="1"/>
+          </p:cNvSpPr>
+          <p:nvPr>
+            <p:ph type="sldNum" sz="quarter" idx="4"/>
+          </p:nvPr>
+        </p:nvSpPr>
+        <p:spPr>
+          <a:xfrm>
+            <a:off x="9378685" y="6356352"/>
+            <a:ext cx="1828800" cy="365125"/>
+          </a:xfrm>
+          <a:prstGeom prst="rect">
+            <a:avLst/>
+          </a:prstGeom>
+        </p:spPr>
+        <p:txBody>
+          <a:bodyPr vert="horz" lIns="91440" tIns="45720" rIns="91440" bIns="45720" rtlCol="0" anchor="ctr"/>
+          <a:lstStyle>
+            <a:lvl1pPr algn="r">
+              <a:defRPr sz="1200">
                 <a:solidFill>
                   <a:schemeClr val="tx1">
                     <a:tint val="75000"/>
                   </a:schemeClr>
                 </a:solidFill>
+                <a:latin typeface="Candara" panose="020E0502030303020204" pitchFamily="34" charset="0"/>
               </a:defRPr>
-            </a:lvl4pPr>
-            <a:lvl5pPr marL="1828800" indent="0" algn="ctr">
-              <a:buNone/>
-              <a:defRPr>
-                <a:solidFill>
-                  <a:schemeClr val="tx1">
-                    <a:tint val="75000"/>
-                  </a:schemeClr>
-                </a:solidFill>
-              </a:defRPr>
-            </a:lvl5pPr>
-            <a:lvl6pPr marL="2286000" indent="0" algn="ctr">
-              <a:buNone/>
-              <a:defRPr>
-                <a:solidFill>
-                  <a:schemeClr val="tx1">
-                    <a:tint val="75000"/>
-                  </a:schemeClr>
-                </a:solidFill>
-              </a:defRPr>
-            </a:lvl6pPr>
-            <a:lvl7pPr marL="2743200" indent="0" algn="ctr">
-              <a:buNone/>
-              <a:defRPr>
-                <a:solidFill>
-                  <a:schemeClr val="tx1">
-                    <a:tint val="75000"/>
-                  </a:schemeClr>
-                </a:solidFill>
-              </a:defRPr>
-            </a:lvl7pPr>
-            <a:lvl8pPr marL="3200400" indent="0" algn="ctr">
-              <a:buNone/>
-              <a:defRPr>
-                <a:solidFill>
-                  <a:schemeClr val="tx1">
-                    <a:tint val="75000"/>
-                  </a:schemeClr>
-                </a:solidFill>
-              </a:defRPr>
-            </a:lvl8pPr>
-            <a:lvl9pPr marL="3657600" indent="0" algn="ctr">
-              <a:buNone/>
-              <a:defRPr>
-                <a:solidFill>
-                  <a:schemeClr val="tx1">
-                    <a:tint val="75000"/>
-                  </a:schemeClr>
-                </a:solidFill>
-              </a:defRPr>
-            </a:lvl9pPr>
+            </a:lvl1pPr>
           </a:lstStyle>
           <a:p>
-            <a:r>
-              <a:rPr lang="en-US"/>
-              <a:t>Click to edit Master subtitle style</a:t>
-            </a:r>
-            <a:endParaRPr lang="en-US" dirty="0"/>
+            <a:fld id="{89BEB1D7-6D42-4923-AA48-F5C97588263B}" type="slidenum">
+              <a:rPr lang="en-US" smtClean="0"/>
+              <a:pPr/>
+              <a:t>‹#›</a:t>
+            </a:fld>
+            <a:endParaRPr lang="en-US"/>
+          </a:p>
+        </p:txBody>
+      </p:sp>
+    </p:spTree>
+    <p:extLst>
+      <p:ext uri="{BB962C8B-B14F-4D97-AF65-F5344CB8AC3E}">
+        <p14:creationId xmlns:p14="http://schemas.microsoft.com/office/powerpoint/2010/main" val="995013060"/>
+      </p:ext>
+    </p:extLst>
+  </p:cSld>
+  <p:clrMapOvr>
+    <a:masterClrMapping/>
+  </p:clrMapOvr>
+</p:sldLayout>
+</file>
+
+<file path=ppt/slideLayouts/slideLayout2.xml><?xml version="1.0" encoding="utf-8"?>
+<p:sldLayout xmlns:a="http://schemas.openxmlformats.org/drawingml/2006/main" xmlns:r="http://schemas.openxmlformats.org/officeDocument/2006/relationships" xmlns:p="http://schemas.openxmlformats.org/presentationml/2006/main" preserve="1" userDrawn="1">
+  <p:cSld name="Two Content">
+    <p:spTree>
+      <p:nvGrpSpPr>
+        <p:cNvPr id="1" name=""/>
+        <p:cNvGrpSpPr/>
+        <p:nvPr/>
+      </p:nvGrpSpPr>
+      <p:grpSpPr>
+        <a:xfrm>
+          <a:off x="0" y="0"/>
+          <a:ext cx="0" cy="0"/>
+          <a:chOff x="0" y="0"/>
+          <a:chExt cx="0" cy="0"/>
+        </a:xfrm>
+      </p:grpSpPr>
+      <p:sp>
+        <p:nvSpPr>
+          <p:cNvPr id="8" name="Title 1"/>
+          <p:cNvSpPr>
+            <a:spLocks noGrp="1"/>
+          </p:cNvSpPr>
+          <p:nvPr>
+            <p:ph type="title"/>
+          </p:nvPr>
+        </p:nvSpPr>
+        <p:spPr>
+          <a:xfrm>
+            <a:off x="1218671" y="383850"/>
+            <a:ext cx="10363200" cy="850734"/>
+          </a:xfrm>
+          <a:prstGeom prst="rect">
+            <a:avLst/>
+          </a:prstGeom>
+        </p:spPr>
+        <p:txBody>
+          <a:bodyPr/>
+          <a:lstStyle/>
+          <a:p>
+            <a:r>
+              <a:rPr lang="en-US" dirty="0"/>
+              <a:t>Click to edit Master title style</a:t>
+            </a:r>
           </a:p>
         </p:txBody>
       </p:sp>
       <p:sp>
         <p:nvSpPr>
-          <p:cNvPr id="4" name="Date Placeholder 3"/>
+          <p:cNvPr id="9" name="Content Placeholder 2"/>
+          <p:cNvSpPr>
+            <a:spLocks noGrp="1"/>
+          </p:cNvSpPr>
+          <p:nvPr>
+            <p:ph sz="half" idx="1"/>
+          </p:nvPr>
+        </p:nvSpPr>
+        <p:spPr>
+          <a:xfrm>
+            <a:off x="1218672" y="1534421"/>
+            <a:ext cx="4876800" cy="4351338"/>
+          </a:xfrm>
+          <a:prstGeom prst="rect">
+            <a:avLst/>
+          </a:prstGeom>
+        </p:spPr>
+        <p:txBody>
+          <a:bodyPr/>
+          <a:lstStyle/>
+          <a:p>
+            <a:pPr lvl="0"/>
+            <a:r>
+              <a:rPr lang="en-US" dirty="0"/>
+              <a:t>Click to edit Master text styles</a:t>
+            </a:r>
+          </a:p>
+          <a:p>
+            <a:pPr lvl="1"/>
+            <a:r>
+              <a:rPr lang="en-US" dirty="0"/>
+              <a:t>Second level</a:t>
+            </a:r>
+          </a:p>
+          <a:p>
+            <a:pPr lvl="2"/>
+            <a:r>
+              <a:rPr lang="en-US" dirty="0"/>
+              <a:t>Third level</a:t>
+            </a:r>
+          </a:p>
+          <a:p>
+            <a:pPr lvl="3"/>
+            <a:r>
+              <a:rPr lang="en-US" dirty="0"/>
+              <a:t>Fourth level</a:t>
+            </a:r>
+          </a:p>
+          <a:p>
+            <a:pPr lvl="4"/>
+            <a:r>
+              <a:rPr lang="en-US" dirty="0"/>
+              <a:t>Fifth level</a:t>
+            </a:r>
+          </a:p>
+        </p:txBody>
+      </p:sp>
+      <p:sp>
+        <p:nvSpPr>
+          <p:cNvPr id="10" name="Content Placeholder 3"/>
+          <p:cNvSpPr>
+            <a:spLocks noGrp="1"/>
+          </p:cNvSpPr>
+          <p:nvPr>
+            <p:ph sz="half" idx="2"/>
+          </p:nvPr>
+        </p:nvSpPr>
+        <p:spPr>
+          <a:xfrm>
+            <a:off x="6717088" y="1549720"/>
+            <a:ext cx="4876800" cy="4351338"/>
+          </a:xfrm>
+          <a:prstGeom prst="rect">
+            <a:avLst/>
+          </a:prstGeom>
+        </p:spPr>
+        <p:txBody>
+          <a:bodyPr/>
+          <a:lstStyle/>
+          <a:p>
+            <a:pPr lvl="0"/>
+            <a:r>
+              <a:rPr lang="en-US" dirty="0"/>
+              <a:t>Click to edit Master text styles</a:t>
+            </a:r>
+          </a:p>
+          <a:p>
+            <a:pPr lvl="1"/>
+            <a:r>
+              <a:rPr lang="en-US" dirty="0"/>
+              <a:t>Second level</a:t>
+            </a:r>
+          </a:p>
+          <a:p>
+            <a:pPr lvl="2"/>
+            <a:r>
+              <a:rPr lang="en-US" dirty="0"/>
+              <a:t>Third level</a:t>
+            </a:r>
+          </a:p>
+          <a:p>
+            <a:pPr lvl="3"/>
+            <a:r>
+              <a:rPr lang="en-US" dirty="0"/>
+              <a:t>Fourth level</a:t>
+            </a:r>
+          </a:p>
+          <a:p>
+            <a:pPr lvl="4"/>
+            <a:r>
+              <a:rPr lang="en-US" dirty="0"/>
+              <a:t>Fifth level</a:t>
+            </a:r>
+          </a:p>
+        </p:txBody>
+      </p:sp>
+      <p:sp>
+        <p:nvSpPr>
+          <p:cNvPr id="11" name="Date Placeholder 4"/>
           <p:cNvSpPr>
             <a:spLocks noGrp="1"/>
           </p:cNvSpPr>
@@ -3143,14 +3068,19 @@
             <p:ph type="dt" sz="half" idx="10"/>
           </p:nvPr>
         </p:nvSpPr>
-        <p:spPr/>
+        <p:spPr>
+          <a:xfrm>
+            <a:off x="1606285" y="6341052"/>
+            <a:ext cx="1828800" cy="365125"/>
+          </a:xfrm>
+        </p:spPr>
         <p:txBody>
           <a:bodyPr/>
           <a:lstStyle/>
           <a:p>
-            <a:fld id="{49E67328-1D56-4A44-8B5D-4ACCE58A1AA2}" type="datetimeFigureOut">
+            <a:fld id="{2B29063C-91A5-4593-ABB1-5AF093B34D9D}" type="datetime1">
               <a:rPr lang="en-US" smtClean="0"/>
-              <a:t>4/3/2018</a:t>
+              <a:t>4/5/18</a:t>
             </a:fld>
             <a:endParaRPr lang="en-US"/>
           </a:p>
@@ -3158,7 +3088,7 @@
       </p:sp>
       <p:sp>
         <p:nvSpPr>
-          <p:cNvPr id="5" name="Footer Placeholder 4"/>
+          <p:cNvPr id="12" name="Footer Placeholder 5"/>
           <p:cNvSpPr>
             <a:spLocks noGrp="1"/>
           </p:cNvSpPr>
@@ -3168,21 +3098,35 @@
         </p:nvSpPr>
         <p:spPr>
           <a:xfrm>
-            <a:off x="5332412" y="5883275"/>
-            <a:ext cx="4324044" cy="365125"/>
+            <a:off x="4349485" y="6381691"/>
+            <a:ext cx="4114800" cy="365125"/>
           </a:xfrm>
         </p:spPr>
         <p:txBody>
           <a:bodyPr/>
           <a:lstStyle/>
           <a:p>
-            <a:endParaRPr lang="en-US"/>
+            <a:r>
+              <a:rPr lang="en-US" dirty="0"/>
+              <a:t>Sealing Technologies, Inc.	</a:t>
+            </a:r>
+            <a:r>
+              <a:rPr lang="en-US" dirty="0" err="1"/>
+              <a:t>www.sealingtech.org</a:t>
+            </a:r>
+            <a:endParaRPr lang="en-US" dirty="0"/>
+          </a:p>
+          <a:p>
+            <a:r>
+              <a:rPr lang="en-US" dirty="0"/>
+              <a:t>7226 Lee Deforest Dr. Suite 204 Columbia, MD 21046</a:t>
+            </a:r>
           </a:p>
         </p:txBody>
       </p:sp>
       <p:sp>
         <p:nvSpPr>
-          <p:cNvPr id="6" name="Slide Number Placeholder 5"/>
+          <p:cNvPr id="13" name="Slide Number Placeholder 6"/>
           <p:cNvSpPr>
             <a:spLocks noGrp="1"/>
           </p:cNvSpPr>
@@ -3190,12 +3134,17 @@
             <p:ph type="sldNum" sz="quarter" idx="12"/>
           </p:nvPr>
         </p:nvSpPr>
-        <p:spPr/>
+        <p:spPr>
+          <a:xfrm>
+            <a:off x="9378685" y="6341052"/>
+            <a:ext cx="1828800" cy="365125"/>
+          </a:xfrm>
+        </p:spPr>
         <p:txBody>
           <a:bodyPr/>
           <a:lstStyle/>
           <a:p>
-            <a:fld id="{0E828AC7-A11D-457F-9724-B37764FA9CF7}" type="slidenum">
+            <a:fld id="{89BEB1D7-6D42-4923-AA48-F5C97588263B}" type="slidenum">
               <a:rPr lang="en-US" smtClean="0"/>
               <a:t>‹#›</a:t>
             </a:fld>
@@ -3206,7 +3155,7 @@
     </p:spTree>
     <p:extLst>
       <p:ext uri="{BB962C8B-B14F-4D97-AF65-F5344CB8AC3E}">
-        <p14:creationId xmlns:p14="http://schemas.microsoft.com/office/powerpoint/2010/main" val="1717174000"/>
+        <p14:creationId xmlns:p14="http://schemas.microsoft.com/office/powerpoint/2010/main" val="561903191"/>
       </p:ext>
     </p:extLst>
   </p:cSld>
@@ -3216,9 +3165,9 @@
 </p:sldLayout>
 </file>
 
-<file path=ppt/slideLayouts/slideLayout10.xml><?xml version="1.0" encoding="utf-8"?>
-<p:sldLayout xmlns:a="http://schemas.openxmlformats.org/drawingml/2006/main" xmlns:r="http://schemas.openxmlformats.org/officeDocument/2006/relationships" xmlns:p="http://schemas.openxmlformats.org/presentationml/2006/main" preserve="1">
-  <p:cSld name="Panoramic Picture with Caption">
+<file path=ppt/slideLayouts/slideLayout3.xml><?xml version="1.0" encoding="utf-8"?>
+<p:sldLayout xmlns:a="http://schemas.openxmlformats.org/drawingml/2006/main" xmlns:r="http://schemas.openxmlformats.org/officeDocument/2006/relationships" xmlns:p="http://schemas.openxmlformats.org/presentationml/2006/main" type="title" preserve="1">
+  <p:cSld name="Title Slide">
     <p:spTree>
       <p:nvGrpSpPr>
         <p:cNvPr id="1" name=""/>
@@ -3240,22 +3189,20 @@
             <a:spLocks noGrp="1"/>
           </p:cNvSpPr>
           <p:nvPr>
-            <p:ph type="title"/>
+            <p:ph type="ctrTitle"/>
           </p:nvPr>
         </p:nvSpPr>
         <p:spPr>
           <a:xfrm>
-            <a:off x="1484311" y="4732865"/>
-            <a:ext cx="10018711" cy="566738"/>
+            <a:off x="1524000" y="1122363"/>
+            <a:ext cx="9144000" cy="2387600"/>
           </a:xfrm>
         </p:spPr>
         <p:txBody>
-          <a:bodyPr anchor="b">
-            <a:normAutofit/>
-          </a:bodyPr>
+          <a:bodyPr anchor="b"/>
           <a:lstStyle>
             <a:lvl1pPr algn="ctr">
-              <a:defRPr sz="2400" b="0"/>
+              <a:defRPr sz="4500"/>
             </a:lvl1pPr>
           </a:lstStyle>
           <a:p>
@@ -3263,175 +3210,76 @@
               <a:rPr lang="en-US"/>
               <a:t>Click to edit Master title style</a:t>
             </a:r>
-            <a:endParaRPr lang="en-US" dirty="0"/>
           </a:p>
         </p:txBody>
       </p:sp>
       <p:sp>
         <p:nvSpPr>
-          <p:cNvPr id="3" name="Picture Placeholder 2"/>
+          <p:cNvPr id="3" name="Subtitle 2"/>
           <p:cNvSpPr>
-            <a:spLocks noGrp="1" noChangeAspect="1"/>
+            <a:spLocks noGrp="1"/>
           </p:cNvSpPr>
           <p:nvPr>
-            <p:ph type="pic" idx="1"/>
+            <p:ph type="subTitle" idx="1"/>
           </p:nvPr>
         </p:nvSpPr>
         <p:spPr>
           <a:xfrm>
-            <a:off x="2386012" y="932112"/>
-            <a:ext cx="8225944" cy="3164976"/>
+            <a:off x="1524000" y="3602038"/>
+            <a:ext cx="9144000" cy="1655762"/>
           </a:xfrm>
-          <a:prstGeom prst="roundRect">
-            <a:avLst>
-              <a:gd name="adj" fmla="val 4380"/>
-            </a:avLst>
-          </a:prstGeom>
-          <a:ln w="38100">
-            <a:gradFill flip="none" rotWithShape="1">
-              <a:gsLst>
-                <a:gs pos="0">
-                  <a:schemeClr val="bg2"/>
-                </a:gs>
-                <a:gs pos="100000">
-                  <a:schemeClr val="bg2">
-                    <a:lumMod val="75000"/>
-                  </a:schemeClr>
-                </a:gs>
-              </a:gsLst>
-              <a:lin ang="5400000" scaled="0"/>
-              <a:tileRect/>
-            </a:gradFill>
-          </a:ln>
-          <a:effectLst>
-            <a:innerShdw blurRad="57150" dist="38100" dir="14460000">
-              <a:srgbClr val="000000">
-                <a:alpha val="70000"/>
-              </a:srgbClr>
-            </a:innerShdw>
-          </a:effectLst>
         </p:spPr>
         <p:txBody>
-          <a:bodyPr anchor="t">
-            <a:normAutofit/>
-          </a:bodyPr>
+          <a:bodyPr/>
           <a:lstStyle>
             <a:lvl1pPr marL="0" indent="0" algn="ctr">
               <a:buNone/>
-              <a:defRPr sz="1600"/>
+              <a:defRPr sz="1800"/>
             </a:lvl1pPr>
-            <a:lvl2pPr marL="457200" indent="0">
+            <a:lvl2pPr marL="342900" indent="0" algn="ctr">
               <a:buNone/>
-              <a:defRPr sz="1600"/>
+              <a:defRPr sz="1500"/>
             </a:lvl2pPr>
-            <a:lvl3pPr marL="914400" indent="0">
+            <a:lvl3pPr marL="685800" indent="0" algn="ctr">
               <a:buNone/>
-              <a:defRPr sz="1600"/>
+              <a:defRPr sz="1350"/>
             </a:lvl3pPr>
-            <a:lvl4pPr marL="1371600" indent="0">
+            <a:lvl4pPr marL="1028700" indent="0" algn="ctr">
               <a:buNone/>
-              <a:defRPr sz="1600"/>
+              <a:defRPr sz="1200"/>
             </a:lvl4pPr>
-            <a:lvl5pPr marL="1828800" indent="0">
+            <a:lvl5pPr marL="1371600" indent="0" algn="ctr">
               <a:buNone/>
-              <a:defRPr sz="1600"/>
+              <a:defRPr sz="1200"/>
             </a:lvl5pPr>
-            <a:lvl6pPr marL="2286000" indent="0">
+            <a:lvl6pPr marL="1714500" indent="0" algn="ctr">
               <a:buNone/>
-              <a:defRPr sz="1600"/>
+              <a:defRPr sz="1200"/>
             </a:lvl6pPr>
-            <a:lvl7pPr marL="2743200" indent="0">
+            <a:lvl7pPr marL="2057400" indent="0" algn="ctr">
               <a:buNone/>
-              <a:defRPr sz="1600"/>
+              <a:defRPr sz="1200"/>
             </a:lvl7pPr>
-            <a:lvl8pPr marL="3200400" indent="0">
+            <a:lvl8pPr marL="2400300" indent="0" algn="ctr">
               <a:buNone/>
-              <a:defRPr sz="1600"/>
+              <a:defRPr sz="1200"/>
             </a:lvl8pPr>
-            <a:lvl9pPr marL="3657600" indent="0">
+            <a:lvl9pPr marL="2743200" indent="0" algn="ctr">
               <a:buNone/>
-              <a:defRPr sz="1600"/>
+              <a:defRPr sz="1200"/>
             </a:lvl9pPr>
           </a:lstStyle>
           <a:p>
             <a:r>
               <a:rPr lang="en-US"/>
-              <a:t>Click icon to add picture</a:t>
-            </a:r>
-            <a:endParaRPr lang="en-US" dirty="0"/>
+              <a:t>Click to edit Master subtitle style</a:t>
+            </a:r>
           </a:p>
         </p:txBody>
       </p:sp>
       <p:sp>
         <p:nvSpPr>
-          <p:cNvPr id="4" name="Text Placeholder 3"/>
-          <p:cNvSpPr>
-            <a:spLocks noGrp="1"/>
-          </p:cNvSpPr>
-          <p:nvPr>
-            <p:ph type="body" sz="half" idx="2"/>
-          </p:nvPr>
-        </p:nvSpPr>
-        <p:spPr>
-          <a:xfrm>
-            <a:off x="1484311" y="5299603"/>
-            <a:ext cx="10018711" cy="493712"/>
-          </a:xfrm>
-        </p:spPr>
-        <p:txBody>
-          <a:bodyPr>
-            <a:normAutofit/>
-          </a:bodyPr>
-          <a:lstStyle>
-            <a:lvl1pPr marL="0" indent="0" algn="ctr">
-              <a:buNone/>
-              <a:defRPr sz="1400"/>
-            </a:lvl1pPr>
-            <a:lvl2pPr marL="457200" indent="0">
-              <a:buNone/>
-              <a:defRPr sz="1200"/>
-            </a:lvl2pPr>
-            <a:lvl3pPr marL="914400" indent="0">
-              <a:buNone/>
-              <a:defRPr sz="1000"/>
-            </a:lvl3pPr>
-            <a:lvl4pPr marL="1371600" indent="0">
-              <a:buNone/>
-              <a:defRPr sz="900"/>
-            </a:lvl4pPr>
-            <a:lvl5pPr marL="1828800" indent="0">
-              <a:buNone/>
-              <a:defRPr sz="900"/>
-            </a:lvl5pPr>
-            <a:lvl6pPr marL="2286000" indent="0">
-              <a:buNone/>
-              <a:defRPr sz="900"/>
-            </a:lvl6pPr>
-            <a:lvl7pPr marL="2743200" indent="0">
-              <a:buNone/>
-              <a:defRPr sz="900"/>
-            </a:lvl7pPr>
-            <a:lvl8pPr marL="3200400" indent="0">
-              <a:buNone/>
-              <a:defRPr sz="900"/>
-            </a:lvl8pPr>
-            <a:lvl9pPr marL="3657600" indent="0">
-              <a:buNone/>
-              <a:defRPr sz="900"/>
-            </a:lvl9pPr>
-          </a:lstStyle>
-          <a:p>
-            <a:pPr lvl="0"/>
-            <a:r>
-              <a:rPr lang="en-US"/>
-              <a:t>Edit Master text styles</a:t>
-            </a:r>
-          </a:p>
-        </p:txBody>
-      </p:sp>
-      <p:sp>
-        <p:nvSpPr>
-          <p:cNvPr id="5" name="Date Placeholder 4"/>
+          <p:cNvPr id="4" name="Date Placeholder 3"/>
           <p:cNvSpPr>
             <a:spLocks noGrp="1"/>
           </p:cNvSpPr>
@@ -3444,9 +3292,9 @@
           <a:bodyPr/>
           <a:lstStyle/>
           <a:p>
-            <a:fld id="{49E67328-1D56-4A44-8B5D-4ACCE58A1AA2}" type="datetimeFigureOut">
+            <a:fld id="{316A46C9-6EEF-492D-AC76-12DB6DABCA5A}" type="datetimeFigureOut">
               <a:rPr lang="en-US" smtClean="0"/>
-              <a:t>4/3/2018</a:t>
+              <a:t>4/5/18</a:t>
             </a:fld>
             <a:endParaRPr lang="en-US"/>
           </a:p>
@@ -3454,7 +3302,7 @@
       </p:sp>
       <p:sp>
         <p:nvSpPr>
-          <p:cNvPr id="6" name="Footer Placeholder 5"/>
+          <p:cNvPr id="5" name="Footer Placeholder 4"/>
           <p:cNvSpPr>
             <a:spLocks noGrp="1"/>
           </p:cNvSpPr>
@@ -3473,7 +3321,7 @@
       </p:sp>
       <p:sp>
         <p:nvSpPr>
-          <p:cNvPr id="7" name="Slide Number Placeholder 6"/>
+          <p:cNvPr id="6" name="Slide Number Placeholder 5"/>
           <p:cNvSpPr>
             <a:spLocks noGrp="1"/>
           </p:cNvSpPr>
@@ -3486,7 +3334,7 @@
           <a:bodyPr/>
           <a:lstStyle/>
           <a:p>
-            <a:fld id="{0E828AC7-A11D-457F-9724-B37764FA9CF7}" type="slidenum">
+            <a:fld id="{DACE3884-BB5E-4F94-BE88-12AB7C022895}" type="slidenum">
               <a:rPr lang="en-US" smtClean="0"/>
               <a:t>‹#›</a:t>
             </a:fld>
@@ -3497,7 +3345,7 @@
     </p:spTree>
     <p:extLst>
       <p:ext uri="{BB962C8B-B14F-4D97-AF65-F5344CB8AC3E}">
-        <p14:creationId xmlns:p14="http://schemas.microsoft.com/office/powerpoint/2010/main" val="103258687"/>
+        <p14:creationId xmlns:p14="http://schemas.microsoft.com/office/powerpoint/2010/main" val="2826032802"/>
       </p:ext>
     </p:extLst>
   </p:cSld>
@@ -3507,8 +3355,8 @@
 </p:sldLayout>
 </file>
 
-<file path=ppt/slideLayouts/slideLayout11.xml><?xml version="1.0" encoding="utf-8"?>
-<p:sldLayout xmlns:a="http://schemas.openxmlformats.org/drawingml/2006/main" xmlns:r="http://schemas.openxmlformats.org/officeDocument/2006/relationships" xmlns:p="http://schemas.openxmlformats.org/presentationml/2006/main" preserve="1">
+<file path=ppt/slideLayouts/slideLayout4.xml><?xml version="1.0" encoding="utf-8"?>
+<p:sldLayout xmlns:a="http://schemas.openxmlformats.org/drawingml/2006/main" xmlns:r="http://schemas.openxmlformats.org/officeDocument/2006/relationships" xmlns:p="http://schemas.openxmlformats.org/presentationml/2006/main">
   <p:cSld name="Title and Caption">
     <p:spTree>
       <p:nvGrpSpPr>
@@ -3694,7 +3542,7 @@
           <a:p>
             <a:fld id="{49E67328-1D56-4A44-8B5D-4ACCE58A1AA2}" type="datetimeFigureOut">
               <a:rPr lang="en-US" smtClean="0"/>
-              <a:t>4/3/2018</a:t>
+              <a:t>4/5/18</a:t>
             </a:fld>
             <a:endParaRPr lang="en-US"/>
           </a:p>
@@ -3745,7 +3593,7 @@
     </p:spTree>
     <p:extLst>
       <p:ext uri="{BB962C8B-B14F-4D97-AF65-F5344CB8AC3E}">
-        <p14:creationId xmlns:p14="http://schemas.microsoft.com/office/powerpoint/2010/main" val="482697882"/>
+        <p14:creationId xmlns:p14="http://schemas.microsoft.com/office/powerpoint/2010/main" val="2770774007"/>
       </p:ext>
     </p:extLst>
   </p:cSld>
@@ -3755,549 +3603,9 @@
 </p:sldLayout>
 </file>
 
-<file path=ppt/slideLayouts/slideLayout12.xml><?xml version="1.0" encoding="utf-8"?>
-<p:sldLayout xmlns:a="http://schemas.openxmlformats.org/drawingml/2006/main" xmlns:r="http://schemas.openxmlformats.org/officeDocument/2006/relationships" xmlns:p="http://schemas.openxmlformats.org/presentationml/2006/main" preserve="1">
-  <p:cSld name="Quote with Caption">
-    <p:spTree>
-      <p:nvGrpSpPr>
-        <p:cNvPr id="1" name=""/>
-        <p:cNvGrpSpPr/>
-        <p:nvPr/>
-      </p:nvGrpSpPr>
-      <p:grpSpPr>
-        <a:xfrm>
-          <a:off x="0" y="0"/>
-          <a:ext cx="0" cy="0"/>
-          <a:chOff x="0" y="0"/>
-          <a:chExt cx="0" cy="0"/>
-        </a:xfrm>
-      </p:grpSpPr>
-      <p:sp>
-        <p:nvSpPr>
-          <p:cNvPr id="14" name="TextBox 13"/>
-          <p:cNvSpPr txBox="1"/>
-          <p:nvPr/>
-        </p:nvSpPr>
-        <p:spPr>
-          <a:xfrm>
-            <a:off x="1598612" y="863023"/>
-            <a:ext cx="609600" cy="584776"/>
-          </a:xfrm>
-          <a:prstGeom prst="rect">
-            <a:avLst/>
-          </a:prstGeom>
-        </p:spPr>
-        <p:txBody>
-          <a:bodyPr vert="horz" lIns="91440" tIns="45720" rIns="91440" bIns="45720" rtlCol="0" anchor="ctr">
-            <a:noAutofit/>
-          </a:bodyPr>
-          <a:lstStyle>
-            <a:lvl1pPr>
-              <a:spcBef>
-                <a:spcPct val="0"/>
-              </a:spcBef>
-              <a:buNone/>
-              <a:defRPr sz="3200" b="0" cap="all">
-                <a:ln w="3175" cmpd="sng">
-                  <a:noFill/>
-                </a:ln>
-                <a:effectLst>
-                  <a:glow rad="38100">
-                    <a:schemeClr val="bg1">
-                      <a:lumMod val="65000"/>
-                      <a:lumOff val="35000"/>
-                      <a:alpha val="40000"/>
-                    </a:schemeClr>
-                  </a:glow>
-                  <a:outerShdw blurRad="28575" dist="38100" dir="14040000" algn="tl" rotWithShape="0">
-                    <a:srgbClr val="000000">
-                      <a:alpha val="25000"/>
-                    </a:srgbClr>
-                  </a:outerShdw>
-                </a:effectLst>
-              </a:defRPr>
-            </a:lvl1pPr>
-            <a:lvl2pPr>
-              <a:defRPr>
-                <a:solidFill>
-                  <a:schemeClr val="tx2"/>
-                </a:solidFill>
-              </a:defRPr>
-            </a:lvl2pPr>
-            <a:lvl3pPr>
-              <a:defRPr>
-                <a:solidFill>
-                  <a:schemeClr val="tx2"/>
-                </a:solidFill>
-              </a:defRPr>
-            </a:lvl3pPr>
-            <a:lvl4pPr>
-              <a:defRPr>
-                <a:solidFill>
-                  <a:schemeClr val="tx2"/>
-                </a:solidFill>
-              </a:defRPr>
-            </a:lvl4pPr>
-            <a:lvl5pPr>
-              <a:defRPr>
-                <a:solidFill>
-                  <a:schemeClr val="tx2"/>
-                </a:solidFill>
-              </a:defRPr>
-            </a:lvl5pPr>
-            <a:lvl6pPr>
-              <a:defRPr>
-                <a:solidFill>
-                  <a:schemeClr val="tx2"/>
-                </a:solidFill>
-              </a:defRPr>
-            </a:lvl6pPr>
-            <a:lvl7pPr>
-              <a:defRPr>
-                <a:solidFill>
-                  <a:schemeClr val="tx2"/>
-                </a:solidFill>
-              </a:defRPr>
-            </a:lvl7pPr>
-            <a:lvl8pPr>
-              <a:defRPr>
-                <a:solidFill>
-                  <a:schemeClr val="tx2"/>
-                </a:solidFill>
-              </a:defRPr>
-            </a:lvl8pPr>
-            <a:lvl9pPr>
-              <a:defRPr>
-                <a:solidFill>
-                  <a:schemeClr val="tx2"/>
-                </a:solidFill>
-              </a:defRPr>
-            </a:lvl9pPr>
-          </a:lstStyle>
-          <a:p>
-            <a:pPr lvl="0"/>
-            <a:r>
-              <a:rPr lang="en-US" sz="8000" dirty="0">
-                <a:solidFill>
-                  <a:schemeClr val="tx1"/>
-                </a:solidFill>
-                <a:effectLst/>
-              </a:rPr>
-              <a:t>“</a:t>
-            </a:r>
-          </a:p>
-        </p:txBody>
-      </p:sp>
-      <p:sp>
-        <p:nvSpPr>
-          <p:cNvPr id="15" name="TextBox 14"/>
-          <p:cNvSpPr txBox="1"/>
-          <p:nvPr/>
-        </p:nvSpPr>
-        <p:spPr>
-          <a:xfrm>
-            <a:off x="10893425" y="2819399"/>
-            <a:ext cx="609600" cy="584776"/>
-          </a:xfrm>
-          <a:prstGeom prst="rect">
-            <a:avLst/>
-          </a:prstGeom>
-        </p:spPr>
-        <p:txBody>
-          <a:bodyPr vert="horz" lIns="91440" tIns="45720" rIns="91440" bIns="45720" rtlCol="0" anchor="ctr">
-            <a:noAutofit/>
-          </a:bodyPr>
-          <a:lstStyle>
-            <a:lvl1pPr>
-              <a:spcBef>
-                <a:spcPct val="0"/>
-              </a:spcBef>
-              <a:buNone/>
-              <a:defRPr sz="3200" b="0" cap="all">
-                <a:ln w="3175" cmpd="sng">
-                  <a:noFill/>
-                </a:ln>
-                <a:effectLst>
-                  <a:glow rad="38100">
-                    <a:schemeClr val="bg1">
-                      <a:lumMod val="65000"/>
-                      <a:lumOff val="35000"/>
-                      <a:alpha val="40000"/>
-                    </a:schemeClr>
-                  </a:glow>
-                  <a:outerShdw blurRad="28575" dist="38100" dir="14040000" algn="tl" rotWithShape="0">
-                    <a:srgbClr val="000000">
-                      <a:alpha val="25000"/>
-                    </a:srgbClr>
-                  </a:outerShdw>
-                </a:effectLst>
-              </a:defRPr>
-            </a:lvl1pPr>
-            <a:lvl2pPr>
-              <a:defRPr>
-                <a:solidFill>
-                  <a:schemeClr val="tx2"/>
-                </a:solidFill>
-              </a:defRPr>
-            </a:lvl2pPr>
-            <a:lvl3pPr>
-              <a:defRPr>
-                <a:solidFill>
-                  <a:schemeClr val="tx2"/>
-                </a:solidFill>
-              </a:defRPr>
-            </a:lvl3pPr>
-            <a:lvl4pPr>
-              <a:defRPr>
-                <a:solidFill>
-                  <a:schemeClr val="tx2"/>
-                </a:solidFill>
-              </a:defRPr>
-            </a:lvl4pPr>
-            <a:lvl5pPr>
-              <a:defRPr>
-                <a:solidFill>
-                  <a:schemeClr val="tx2"/>
-                </a:solidFill>
-              </a:defRPr>
-            </a:lvl5pPr>
-            <a:lvl6pPr>
-              <a:defRPr>
-                <a:solidFill>
-                  <a:schemeClr val="tx2"/>
-                </a:solidFill>
-              </a:defRPr>
-            </a:lvl6pPr>
-            <a:lvl7pPr>
-              <a:defRPr>
-                <a:solidFill>
-                  <a:schemeClr val="tx2"/>
-                </a:solidFill>
-              </a:defRPr>
-            </a:lvl7pPr>
-            <a:lvl8pPr>
-              <a:defRPr>
-                <a:solidFill>
-                  <a:schemeClr val="tx2"/>
-                </a:solidFill>
-              </a:defRPr>
-            </a:lvl8pPr>
-            <a:lvl9pPr>
-              <a:defRPr>
-                <a:solidFill>
-                  <a:schemeClr val="tx2"/>
-                </a:solidFill>
-              </a:defRPr>
-            </a:lvl9pPr>
-          </a:lstStyle>
-          <a:p>
-            <a:pPr lvl="0" algn="r"/>
-            <a:r>
-              <a:rPr lang="en-US" sz="8000" dirty="0">
-                <a:solidFill>
-                  <a:schemeClr val="tx1"/>
-                </a:solidFill>
-                <a:effectLst/>
-              </a:rPr>
-              <a:t>”</a:t>
-            </a:r>
-          </a:p>
-        </p:txBody>
-      </p:sp>
-      <p:sp>
-        <p:nvSpPr>
-          <p:cNvPr id="2" name="Title 1"/>
-          <p:cNvSpPr>
-            <a:spLocks noGrp="1"/>
-          </p:cNvSpPr>
-          <p:nvPr>
-            <p:ph type="title"/>
-          </p:nvPr>
-        </p:nvSpPr>
-        <p:spPr>
-          <a:xfrm>
-            <a:off x="2208212" y="685800"/>
-            <a:ext cx="8990012" cy="2743199"/>
-          </a:xfrm>
-        </p:spPr>
-        <p:txBody>
-          <a:bodyPr anchor="ctr">
-            <a:normAutofit/>
-          </a:bodyPr>
-          <a:lstStyle>
-            <a:lvl1pPr algn="ctr">
-              <a:defRPr sz="3200" b="0" cap="none">
-                <a:solidFill>
-                  <a:schemeClr val="tx1"/>
-                </a:solidFill>
-              </a:defRPr>
-            </a:lvl1pPr>
-          </a:lstStyle>
-          <a:p>
-            <a:r>
-              <a:rPr lang="en-US"/>
-              <a:t>Click to edit Master title style</a:t>
-            </a:r>
-            <a:endParaRPr lang="en-US" dirty="0"/>
-          </a:p>
-        </p:txBody>
-      </p:sp>
-      <p:sp>
-        <p:nvSpPr>
-          <p:cNvPr id="10" name="Text Placeholder 9"/>
-          <p:cNvSpPr>
-            <a:spLocks noGrp="1"/>
-          </p:cNvSpPr>
-          <p:nvPr>
-            <p:ph type="body" sz="quarter" idx="13"/>
-          </p:nvPr>
-        </p:nvSpPr>
-        <p:spPr>
-          <a:xfrm>
-            <a:off x="2436811" y="3428999"/>
-            <a:ext cx="8532815" cy="381000"/>
-          </a:xfrm>
-        </p:spPr>
-        <p:txBody>
-          <a:bodyPr anchor="ctr">
-            <a:normAutofit/>
-          </a:bodyPr>
-          <a:lstStyle>
-            <a:lvl1pPr marL="0" indent="0">
-              <a:buFontTx/>
-              <a:buNone/>
-              <a:defRPr sz="1800"/>
-            </a:lvl1pPr>
-            <a:lvl2pPr marL="457200" indent="0">
-              <a:buFontTx/>
-              <a:buNone/>
-              <a:defRPr/>
-            </a:lvl2pPr>
-            <a:lvl3pPr marL="914400" indent="0">
-              <a:buFontTx/>
-              <a:buNone/>
-              <a:defRPr/>
-            </a:lvl3pPr>
-            <a:lvl4pPr marL="1371600" indent="0">
-              <a:buFontTx/>
-              <a:buNone/>
-              <a:defRPr/>
-            </a:lvl4pPr>
-            <a:lvl5pPr marL="1828800" indent="0">
-              <a:buFontTx/>
-              <a:buNone/>
-              <a:defRPr/>
-            </a:lvl5pPr>
-          </a:lstStyle>
-          <a:p>
-            <a:pPr lvl="0"/>
-            <a:r>
-              <a:rPr lang="en-US"/>
-              <a:t>Edit Master text styles</a:t>
-            </a:r>
-          </a:p>
-        </p:txBody>
-      </p:sp>
-      <p:sp>
-        <p:nvSpPr>
-          <p:cNvPr id="3" name="Text Placeholder 2"/>
-          <p:cNvSpPr>
-            <a:spLocks noGrp="1"/>
-          </p:cNvSpPr>
-          <p:nvPr>
-            <p:ph type="body" idx="1"/>
-          </p:nvPr>
-        </p:nvSpPr>
-        <p:spPr>
-          <a:xfrm>
-            <a:off x="1484311" y="4343400"/>
-            <a:ext cx="10018711" cy="1447800"/>
-          </a:xfrm>
-        </p:spPr>
-        <p:txBody>
-          <a:bodyPr anchor="ctr">
-            <a:normAutofit/>
-          </a:bodyPr>
-          <a:lstStyle>
-            <a:lvl1pPr marL="0" indent="0" algn="ctr">
-              <a:buNone/>
-              <a:defRPr sz="2000">
-                <a:solidFill>
-                  <a:schemeClr val="tx1"/>
-                </a:solidFill>
-              </a:defRPr>
-            </a:lvl1pPr>
-            <a:lvl2pPr marL="457200" indent="0">
-              <a:buNone/>
-              <a:defRPr sz="1800">
-                <a:solidFill>
-                  <a:schemeClr val="tx1">
-                    <a:tint val="75000"/>
-                  </a:schemeClr>
-                </a:solidFill>
-              </a:defRPr>
-            </a:lvl2pPr>
-            <a:lvl3pPr marL="914400" indent="0">
-              <a:buNone/>
-              <a:defRPr sz="1600">
-                <a:solidFill>
-                  <a:schemeClr val="tx1">
-                    <a:tint val="75000"/>
-                  </a:schemeClr>
-                </a:solidFill>
-              </a:defRPr>
-            </a:lvl3pPr>
-            <a:lvl4pPr marL="1371600" indent="0">
-              <a:buNone/>
-              <a:defRPr sz="1400">
-                <a:solidFill>
-                  <a:schemeClr val="tx1">
-                    <a:tint val="75000"/>
-                  </a:schemeClr>
-                </a:solidFill>
-              </a:defRPr>
-            </a:lvl4pPr>
-            <a:lvl5pPr marL="1828800" indent="0">
-              <a:buNone/>
-              <a:defRPr sz="1400">
-                <a:solidFill>
-                  <a:schemeClr val="tx1">
-                    <a:tint val="75000"/>
-                  </a:schemeClr>
-                </a:solidFill>
-              </a:defRPr>
-            </a:lvl5pPr>
-            <a:lvl6pPr marL="2286000" indent="0">
-              <a:buNone/>
-              <a:defRPr sz="1400">
-                <a:solidFill>
-                  <a:schemeClr val="tx1">
-                    <a:tint val="75000"/>
-                  </a:schemeClr>
-                </a:solidFill>
-              </a:defRPr>
-            </a:lvl6pPr>
-            <a:lvl7pPr marL="2743200" indent="0">
-              <a:buNone/>
-              <a:defRPr sz="1400">
-                <a:solidFill>
-                  <a:schemeClr val="tx1">
-                    <a:tint val="75000"/>
-                  </a:schemeClr>
-                </a:solidFill>
-              </a:defRPr>
-            </a:lvl7pPr>
-            <a:lvl8pPr marL="3200400" indent="0">
-              <a:buNone/>
-              <a:defRPr sz="1400">
-                <a:solidFill>
-                  <a:schemeClr val="tx1">
-                    <a:tint val="75000"/>
-                  </a:schemeClr>
-                </a:solidFill>
-              </a:defRPr>
-            </a:lvl8pPr>
-            <a:lvl9pPr marL="3657600" indent="0">
-              <a:buNone/>
-              <a:defRPr sz="1400">
-                <a:solidFill>
-                  <a:schemeClr val="tx1">
-                    <a:tint val="75000"/>
-                  </a:schemeClr>
-                </a:solidFill>
-              </a:defRPr>
-            </a:lvl9pPr>
-          </a:lstStyle>
-          <a:p>
-            <a:pPr lvl="0"/>
-            <a:r>
-              <a:rPr lang="en-US"/>
-              <a:t>Edit Master text styles</a:t>
-            </a:r>
-          </a:p>
-        </p:txBody>
-      </p:sp>
-      <p:sp>
-        <p:nvSpPr>
-          <p:cNvPr id="4" name="Date Placeholder 3"/>
-          <p:cNvSpPr>
-            <a:spLocks noGrp="1"/>
-          </p:cNvSpPr>
-          <p:nvPr>
-            <p:ph type="dt" sz="half" idx="10"/>
-          </p:nvPr>
-        </p:nvSpPr>
-        <p:spPr/>
-        <p:txBody>
-          <a:bodyPr/>
-          <a:lstStyle/>
-          <a:p>
-            <a:fld id="{49E67328-1D56-4A44-8B5D-4ACCE58A1AA2}" type="datetimeFigureOut">
-              <a:rPr lang="en-US" smtClean="0"/>
-              <a:t>4/3/2018</a:t>
-            </a:fld>
-            <a:endParaRPr lang="en-US"/>
-          </a:p>
-        </p:txBody>
-      </p:sp>
-      <p:sp>
-        <p:nvSpPr>
-          <p:cNvPr id="5" name="Footer Placeholder 4"/>
-          <p:cNvSpPr>
-            <a:spLocks noGrp="1"/>
-          </p:cNvSpPr>
-          <p:nvPr>
-            <p:ph type="ftr" sz="quarter" idx="11"/>
-          </p:nvPr>
-        </p:nvSpPr>
-        <p:spPr/>
-        <p:txBody>
-          <a:bodyPr/>
-          <a:lstStyle/>
-          <a:p>
-            <a:endParaRPr lang="en-US"/>
-          </a:p>
-        </p:txBody>
-      </p:sp>
-      <p:sp>
-        <p:nvSpPr>
-          <p:cNvPr id="6" name="Slide Number Placeholder 5"/>
-          <p:cNvSpPr>
-            <a:spLocks noGrp="1"/>
-          </p:cNvSpPr>
-          <p:nvPr>
-            <p:ph type="sldNum" sz="quarter" idx="12"/>
-          </p:nvPr>
-        </p:nvSpPr>
-        <p:spPr/>
-        <p:txBody>
-          <a:bodyPr/>
-          <a:lstStyle/>
-          <a:p>
-            <a:fld id="{0E828AC7-A11D-457F-9724-B37764FA9CF7}" type="slidenum">
-              <a:rPr lang="en-US" smtClean="0"/>
-              <a:t>‹#›</a:t>
-            </a:fld>
-            <a:endParaRPr lang="en-US"/>
-          </a:p>
-        </p:txBody>
-      </p:sp>
-    </p:spTree>
-    <p:extLst>
-      <p:ext uri="{BB962C8B-B14F-4D97-AF65-F5344CB8AC3E}">
-        <p14:creationId xmlns:p14="http://schemas.microsoft.com/office/powerpoint/2010/main" val="2826904067"/>
-      </p:ext>
-    </p:extLst>
-  </p:cSld>
-  <p:clrMapOvr>
-    <a:masterClrMapping/>
-  </p:clrMapOvr>
-</p:sldLayout>
-</file>
-
-<file path=ppt/slideLayouts/slideLayout13.xml><?xml version="1.0" encoding="utf-8"?>
-<p:sldLayout xmlns:a="http://schemas.openxmlformats.org/drawingml/2006/main" xmlns:r="http://schemas.openxmlformats.org/officeDocument/2006/relationships" xmlns:p="http://schemas.openxmlformats.org/presentationml/2006/main" preserve="1">
-  <p:cSld name="Name Card">
+<file path=ppt/slideLayouts/slideLayout5.xml><?xml version="1.0" encoding="utf-8"?>
+<p:sldLayout xmlns:a="http://schemas.openxmlformats.org/drawingml/2006/main" xmlns:r="http://schemas.openxmlformats.org/officeDocument/2006/relationships" xmlns:p="http://schemas.openxmlformats.org/presentationml/2006/main">
+  <p:cSld name="Panoramic Picture with Caption">
     <p:spTree>
       <p:nvGrpSpPr>
         <p:cNvPr id="1" name=""/>
@@ -4324,2812 +3632,8 @@
         </p:nvSpPr>
         <p:spPr>
           <a:xfrm>
-            <a:off x="1484313" y="3308581"/>
-            <a:ext cx="10018709" cy="1468800"/>
-          </a:xfrm>
-        </p:spPr>
-        <p:txBody>
-          <a:bodyPr anchor="b">
-            <a:normAutofit/>
-          </a:bodyPr>
-          <a:lstStyle>
-            <a:lvl1pPr algn="r">
-              <a:defRPr sz="3200" b="0" cap="none"/>
-            </a:lvl1pPr>
-          </a:lstStyle>
-          <a:p>
-            <a:r>
-              <a:rPr lang="en-US"/>
-              <a:t>Click to edit Master title style</a:t>
-            </a:r>
-            <a:endParaRPr lang="en-US" dirty="0"/>
-          </a:p>
-        </p:txBody>
-      </p:sp>
-      <p:sp>
-        <p:nvSpPr>
-          <p:cNvPr id="3" name="Text Placeholder 2"/>
-          <p:cNvSpPr>
-            <a:spLocks noGrp="1"/>
-          </p:cNvSpPr>
-          <p:nvPr>
-            <p:ph type="body" idx="1"/>
-          </p:nvPr>
-        </p:nvSpPr>
-        <p:spPr>
-          <a:xfrm>
-            <a:off x="1484312" y="4777381"/>
-            <a:ext cx="10018710" cy="860400"/>
-          </a:xfrm>
-        </p:spPr>
-        <p:txBody>
-          <a:bodyPr anchor="t">
-            <a:normAutofit/>
-          </a:bodyPr>
-          <a:lstStyle>
-            <a:lvl1pPr marL="0" indent="0" algn="r">
-              <a:buNone/>
-              <a:defRPr sz="2000">
-                <a:solidFill>
-                  <a:schemeClr val="tx1"/>
-                </a:solidFill>
-              </a:defRPr>
-            </a:lvl1pPr>
-            <a:lvl2pPr marL="457200" indent="0">
-              <a:buNone/>
-              <a:defRPr sz="1800">
-                <a:solidFill>
-                  <a:schemeClr val="tx1">
-                    <a:tint val="75000"/>
-                  </a:schemeClr>
-                </a:solidFill>
-              </a:defRPr>
-            </a:lvl2pPr>
-            <a:lvl3pPr marL="914400" indent="0">
-              <a:buNone/>
-              <a:defRPr sz="1600">
-                <a:solidFill>
-                  <a:schemeClr val="tx1">
-                    <a:tint val="75000"/>
-                  </a:schemeClr>
-                </a:solidFill>
-              </a:defRPr>
-            </a:lvl3pPr>
-            <a:lvl4pPr marL="1371600" indent="0">
-              <a:buNone/>
-              <a:defRPr sz="1400">
-                <a:solidFill>
-                  <a:schemeClr val="tx1">
-                    <a:tint val="75000"/>
-                  </a:schemeClr>
-                </a:solidFill>
-              </a:defRPr>
-            </a:lvl4pPr>
-            <a:lvl5pPr marL="1828800" indent="0">
-              <a:buNone/>
-              <a:defRPr sz="1400">
-                <a:solidFill>
-                  <a:schemeClr val="tx1">
-                    <a:tint val="75000"/>
-                  </a:schemeClr>
-                </a:solidFill>
-              </a:defRPr>
-            </a:lvl5pPr>
-            <a:lvl6pPr marL="2286000" indent="0">
-              <a:buNone/>
-              <a:defRPr sz="1400">
-                <a:solidFill>
-                  <a:schemeClr val="tx1">
-                    <a:tint val="75000"/>
-                  </a:schemeClr>
-                </a:solidFill>
-              </a:defRPr>
-            </a:lvl6pPr>
-            <a:lvl7pPr marL="2743200" indent="0">
-              <a:buNone/>
-              <a:defRPr sz="1400">
-                <a:solidFill>
-                  <a:schemeClr val="tx1">
-                    <a:tint val="75000"/>
-                  </a:schemeClr>
-                </a:solidFill>
-              </a:defRPr>
-            </a:lvl7pPr>
-            <a:lvl8pPr marL="3200400" indent="0">
-              <a:buNone/>
-              <a:defRPr sz="1400">
-                <a:solidFill>
-                  <a:schemeClr val="tx1">
-                    <a:tint val="75000"/>
-                  </a:schemeClr>
-                </a:solidFill>
-              </a:defRPr>
-            </a:lvl8pPr>
-            <a:lvl9pPr marL="3657600" indent="0">
-              <a:buNone/>
-              <a:defRPr sz="1400">
-                <a:solidFill>
-                  <a:schemeClr val="tx1">
-                    <a:tint val="75000"/>
-                  </a:schemeClr>
-                </a:solidFill>
-              </a:defRPr>
-            </a:lvl9pPr>
-          </a:lstStyle>
-          <a:p>
-            <a:pPr lvl="0"/>
-            <a:r>
-              <a:rPr lang="en-US"/>
-              <a:t>Edit Master text styles</a:t>
-            </a:r>
-          </a:p>
-        </p:txBody>
-      </p:sp>
-      <p:sp>
-        <p:nvSpPr>
-          <p:cNvPr id="4" name="Date Placeholder 3"/>
-          <p:cNvSpPr>
-            <a:spLocks noGrp="1"/>
-          </p:cNvSpPr>
-          <p:nvPr>
-            <p:ph type="dt" sz="half" idx="10"/>
-          </p:nvPr>
-        </p:nvSpPr>
-        <p:spPr/>
-        <p:txBody>
-          <a:bodyPr/>
-          <a:lstStyle/>
-          <a:p>
-            <a:fld id="{49E67328-1D56-4A44-8B5D-4ACCE58A1AA2}" type="datetimeFigureOut">
-              <a:rPr lang="en-US" smtClean="0"/>
-              <a:t>4/3/2018</a:t>
-            </a:fld>
-            <a:endParaRPr lang="en-US"/>
-          </a:p>
-        </p:txBody>
-      </p:sp>
-      <p:sp>
-        <p:nvSpPr>
-          <p:cNvPr id="5" name="Footer Placeholder 4"/>
-          <p:cNvSpPr>
-            <a:spLocks noGrp="1"/>
-          </p:cNvSpPr>
-          <p:nvPr>
-            <p:ph type="ftr" sz="quarter" idx="11"/>
-          </p:nvPr>
-        </p:nvSpPr>
-        <p:spPr/>
-        <p:txBody>
-          <a:bodyPr/>
-          <a:lstStyle/>
-          <a:p>
-            <a:endParaRPr lang="en-US"/>
-          </a:p>
-        </p:txBody>
-      </p:sp>
-      <p:sp>
-        <p:nvSpPr>
-          <p:cNvPr id="6" name="Slide Number Placeholder 5"/>
-          <p:cNvSpPr>
-            <a:spLocks noGrp="1"/>
-          </p:cNvSpPr>
-          <p:nvPr>
-            <p:ph type="sldNum" sz="quarter" idx="12"/>
-          </p:nvPr>
-        </p:nvSpPr>
-        <p:spPr/>
-        <p:txBody>
-          <a:bodyPr/>
-          <a:lstStyle/>
-          <a:p>
-            <a:fld id="{0E828AC7-A11D-457F-9724-B37764FA9CF7}" type="slidenum">
-              <a:rPr lang="en-US" smtClean="0"/>
-              <a:t>‹#›</a:t>
-            </a:fld>
-            <a:endParaRPr lang="en-US"/>
-          </a:p>
-        </p:txBody>
-      </p:sp>
-    </p:spTree>
-    <p:extLst>
-      <p:ext uri="{BB962C8B-B14F-4D97-AF65-F5344CB8AC3E}">
-        <p14:creationId xmlns:p14="http://schemas.microsoft.com/office/powerpoint/2010/main" val="2373050938"/>
-      </p:ext>
-    </p:extLst>
-  </p:cSld>
-  <p:clrMapOvr>
-    <a:masterClrMapping/>
-  </p:clrMapOvr>
-</p:sldLayout>
-</file>
-
-<file path=ppt/slideLayouts/slideLayout14.xml><?xml version="1.0" encoding="utf-8"?>
-<p:sldLayout xmlns:a="http://schemas.openxmlformats.org/drawingml/2006/main" xmlns:r="http://schemas.openxmlformats.org/officeDocument/2006/relationships" xmlns:p="http://schemas.openxmlformats.org/presentationml/2006/main" preserve="1">
-  <p:cSld name="Quote Name Card">
-    <p:spTree>
-      <p:nvGrpSpPr>
-        <p:cNvPr id="1" name=""/>
-        <p:cNvGrpSpPr/>
-        <p:nvPr/>
-      </p:nvGrpSpPr>
-      <p:grpSpPr>
-        <a:xfrm>
-          <a:off x="0" y="0"/>
-          <a:ext cx="0" cy="0"/>
-          <a:chOff x="0" y="0"/>
-          <a:chExt cx="0" cy="0"/>
-        </a:xfrm>
-      </p:grpSpPr>
-      <p:sp>
-        <p:nvSpPr>
-          <p:cNvPr id="14" name="TextBox 13"/>
-          <p:cNvSpPr txBox="1"/>
-          <p:nvPr/>
-        </p:nvSpPr>
-        <p:spPr>
-          <a:xfrm>
-            <a:off x="1598612" y="863023"/>
-            <a:ext cx="609600" cy="584776"/>
-          </a:xfrm>
-          <a:prstGeom prst="rect">
-            <a:avLst/>
-          </a:prstGeom>
-        </p:spPr>
-        <p:txBody>
-          <a:bodyPr vert="horz" lIns="91440" tIns="45720" rIns="91440" bIns="45720" rtlCol="0" anchor="ctr">
-            <a:noAutofit/>
-          </a:bodyPr>
-          <a:lstStyle>
-            <a:lvl1pPr>
-              <a:spcBef>
-                <a:spcPct val="0"/>
-              </a:spcBef>
-              <a:buNone/>
-              <a:defRPr sz="3200" b="0" cap="all">
-                <a:ln w="3175" cmpd="sng">
-                  <a:noFill/>
-                </a:ln>
-                <a:effectLst>
-                  <a:glow rad="38100">
-                    <a:schemeClr val="bg1">
-                      <a:lumMod val="65000"/>
-                      <a:lumOff val="35000"/>
-                      <a:alpha val="40000"/>
-                    </a:schemeClr>
-                  </a:glow>
-                  <a:outerShdw blurRad="28575" dist="38100" dir="14040000" algn="tl" rotWithShape="0">
-                    <a:srgbClr val="000000">
-                      <a:alpha val="25000"/>
-                    </a:srgbClr>
-                  </a:outerShdw>
-                </a:effectLst>
-              </a:defRPr>
-            </a:lvl1pPr>
-            <a:lvl2pPr>
-              <a:defRPr>
-                <a:solidFill>
-                  <a:schemeClr val="tx2"/>
-                </a:solidFill>
-              </a:defRPr>
-            </a:lvl2pPr>
-            <a:lvl3pPr>
-              <a:defRPr>
-                <a:solidFill>
-                  <a:schemeClr val="tx2"/>
-                </a:solidFill>
-              </a:defRPr>
-            </a:lvl3pPr>
-            <a:lvl4pPr>
-              <a:defRPr>
-                <a:solidFill>
-                  <a:schemeClr val="tx2"/>
-                </a:solidFill>
-              </a:defRPr>
-            </a:lvl4pPr>
-            <a:lvl5pPr>
-              <a:defRPr>
-                <a:solidFill>
-                  <a:schemeClr val="tx2"/>
-                </a:solidFill>
-              </a:defRPr>
-            </a:lvl5pPr>
-            <a:lvl6pPr>
-              <a:defRPr>
-                <a:solidFill>
-                  <a:schemeClr val="tx2"/>
-                </a:solidFill>
-              </a:defRPr>
-            </a:lvl6pPr>
-            <a:lvl7pPr>
-              <a:defRPr>
-                <a:solidFill>
-                  <a:schemeClr val="tx2"/>
-                </a:solidFill>
-              </a:defRPr>
-            </a:lvl7pPr>
-            <a:lvl8pPr>
-              <a:defRPr>
-                <a:solidFill>
-                  <a:schemeClr val="tx2"/>
-                </a:solidFill>
-              </a:defRPr>
-            </a:lvl8pPr>
-            <a:lvl9pPr>
-              <a:defRPr>
-                <a:solidFill>
-                  <a:schemeClr val="tx2"/>
-                </a:solidFill>
-              </a:defRPr>
-            </a:lvl9pPr>
-          </a:lstStyle>
-          <a:p>
-            <a:pPr lvl="0"/>
-            <a:r>
-              <a:rPr lang="en-US" sz="8000" dirty="0">
-                <a:solidFill>
-                  <a:schemeClr val="tx1"/>
-                </a:solidFill>
-                <a:effectLst/>
-              </a:rPr>
-              <a:t>“</a:t>
-            </a:r>
-          </a:p>
-        </p:txBody>
-      </p:sp>
-      <p:sp>
-        <p:nvSpPr>
-          <p:cNvPr id="15" name="TextBox 14"/>
-          <p:cNvSpPr txBox="1"/>
-          <p:nvPr/>
-        </p:nvSpPr>
-        <p:spPr>
-          <a:xfrm>
-            <a:off x="10893425" y="2819399"/>
-            <a:ext cx="609600" cy="584776"/>
-          </a:xfrm>
-          <a:prstGeom prst="rect">
-            <a:avLst/>
-          </a:prstGeom>
-        </p:spPr>
-        <p:txBody>
-          <a:bodyPr vert="horz" lIns="91440" tIns="45720" rIns="91440" bIns="45720" rtlCol="0" anchor="ctr">
-            <a:noAutofit/>
-          </a:bodyPr>
-          <a:lstStyle>
-            <a:lvl1pPr>
-              <a:spcBef>
-                <a:spcPct val="0"/>
-              </a:spcBef>
-              <a:buNone/>
-              <a:defRPr sz="3200" b="0" cap="all">
-                <a:ln w="3175" cmpd="sng">
-                  <a:noFill/>
-                </a:ln>
-                <a:effectLst>
-                  <a:glow rad="38100">
-                    <a:schemeClr val="bg1">
-                      <a:lumMod val="65000"/>
-                      <a:lumOff val="35000"/>
-                      <a:alpha val="40000"/>
-                    </a:schemeClr>
-                  </a:glow>
-                  <a:outerShdw blurRad="28575" dist="38100" dir="14040000" algn="tl" rotWithShape="0">
-                    <a:srgbClr val="000000">
-                      <a:alpha val="25000"/>
-                    </a:srgbClr>
-                  </a:outerShdw>
-                </a:effectLst>
-              </a:defRPr>
-            </a:lvl1pPr>
-            <a:lvl2pPr>
-              <a:defRPr>
-                <a:solidFill>
-                  <a:schemeClr val="tx2"/>
-                </a:solidFill>
-              </a:defRPr>
-            </a:lvl2pPr>
-            <a:lvl3pPr>
-              <a:defRPr>
-                <a:solidFill>
-                  <a:schemeClr val="tx2"/>
-                </a:solidFill>
-              </a:defRPr>
-            </a:lvl3pPr>
-            <a:lvl4pPr>
-              <a:defRPr>
-                <a:solidFill>
-                  <a:schemeClr val="tx2"/>
-                </a:solidFill>
-              </a:defRPr>
-            </a:lvl4pPr>
-            <a:lvl5pPr>
-              <a:defRPr>
-                <a:solidFill>
-                  <a:schemeClr val="tx2"/>
-                </a:solidFill>
-              </a:defRPr>
-            </a:lvl5pPr>
-            <a:lvl6pPr>
-              <a:defRPr>
-                <a:solidFill>
-                  <a:schemeClr val="tx2"/>
-                </a:solidFill>
-              </a:defRPr>
-            </a:lvl6pPr>
-            <a:lvl7pPr>
-              <a:defRPr>
-                <a:solidFill>
-                  <a:schemeClr val="tx2"/>
-                </a:solidFill>
-              </a:defRPr>
-            </a:lvl7pPr>
-            <a:lvl8pPr>
-              <a:defRPr>
-                <a:solidFill>
-                  <a:schemeClr val="tx2"/>
-                </a:solidFill>
-              </a:defRPr>
-            </a:lvl8pPr>
-            <a:lvl9pPr>
-              <a:defRPr>
-                <a:solidFill>
-                  <a:schemeClr val="tx2"/>
-                </a:solidFill>
-              </a:defRPr>
-            </a:lvl9pPr>
-          </a:lstStyle>
-          <a:p>
-            <a:pPr lvl="0" algn="r"/>
-            <a:r>
-              <a:rPr lang="en-US" sz="8000" dirty="0">
-                <a:solidFill>
-                  <a:schemeClr val="tx1"/>
-                </a:solidFill>
-                <a:effectLst/>
-              </a:rPr>
-              <a:t>”</a:t>
-            </a:r>
-          </a:p>
-        </p:txBody>
-      </p:sp>
-      <p:sp>
-        <p:nvSpPr>
-          <p:cNvPr id="2" name="Title 1"/>
-          <p:cNvSpPr>
-            <a:spLocks noGrp="1"/>
-          </p:cNvSpPr>
-          <p:nvPr>
-            <p:ph type="title"/>
-          </p:nvPr>
-        </p:nvSpPr>
-        <p:spPr>
-          <a:xfrm>
-            <a:off x="2208212" y="685800"/>
-            <a:ext cx="8990012" cy="2743199"/>
-          </a:xfrm>
-        </p:spPr>
-        <p:txBody>
-          <a:bodyPr anchor="ctr">
-            <a:normAutofit/>
-          </a:bodyPr>
-          <a:lstStyle>
-            <a:lvl1pPr algn="ctr">
-              <a:defRPr sz="3200" b="0" cap="none">
-                <a:solidFill>
-                  <a:schemeClr val="tx1"/>
-                </a:solidFill>
-              </a:defRPr>
-            </a:lvl1pPr>
-          </a:lstStyle>
-          <a:p>
-            <a:r>
-              <a:rPr lang="en-US"/>
-              <a:t>Click to edit Master title style</a:t>
-            </a:r>
-            <a:endParaRPr lang="en-US" dirty="0"/>
-          </a:p>
-        </p:txBody>
-      </p:sp>
-      <p:sp>
-        <p:nvSpPr>
-          <p:cNvPr id="10" name="Text Placeholder 9"/>
-          <p:cNvSpPr>
-            <a:spLocks noGrp="1"/>
-          </p:cNvSpPr>
-          <p:nvPr>
-            <p:ph type="body" sz="quarter" idx="13"/>
-          </p:nvPr>
-        </p:nvSpPr>
-        <p:spPr>
-          <a:xfrm>
-            <a:off x="1484313" y="3886200"/>
-            <a:ext cx="10018710" cy="889000"/>
-          </a:xfrm>
-        </p:spPr>
-        <p:txBody>
-          <a:bodyPr vert="horz" lIns="91440" tIns="45720" rIns="91440" bIns="45720" rtlCol="0" anchor="b">
-            <a:normAutofit/>
-          </a:bodyPr>
-          <a:lstStyle>
-            <a:lvl1pPr algn="r">
-              <a:buNone/>
-              <a:defRPr lang="en-US" sz="2400" b="0" cap="none" dirty="0">
-                <a:ln w="3175" cmpd="sng">
-                  <a:noFill/>
-                </a:ln>
-                <a:solidFill>
-                  <a:schemeClr val="tx1"/>
-                </a:solidFill>
-                <a:effectLst/>
-              </a:defRPr>
-            </a:lvl1pPr>
-          </a:lstStyle>
-          <a:p>
-            <a:pPr marL="0" lvl="0">
-              <a:spcBef>
-                <a:spcPct val="0"/>
-              </a:spcBef>
-              <a:buNone/>
-            </a:pPr>
-            <a:r>
-              <a:rPr lang="en-US"/>
-              <a:t>Edit Master text styles</a:t>
-            </a:r>
-          </a:p>
-        </p:txBody>
-      </p:sp>
-      <p:sp>
-        <p:nvSpPr>
-          <p:cNvPr id="3" name="Text Placeholder 2"/>
-          <p:cNvSpPr>
-            <a:spLocks noGrp="1"/>
-          </p:cNvSpPr>
-          <p:nvPr>
-            <p:ph type="body" idx="1"/>
-          </p:nvPr>
-        </p:nvSpPr>
-        <p:spPr>
-          <a:xfrm>
-            <a:off x="1484312" y="4775200"/>
-            <a:ext cx="10018710" cy="1016000"/>
-          </a:xfrm>
-        </p:spPr>
-        <p:txBody>
-          <a:bodyPr anchor="t">
-            <a:normAutofit/>
-          </a:bodyPr>
-          <a:lstStyle>
-            <a:lvl1pPr marL="0" indent="0" algn="r">
-              <a:buNone/>
-              <a:defRPr sz="1800">
-                <a:solidFill>
-                  <a:schemeClr val="tx1"/>
-                </a:solidFill>
-              </a:defRPr>
-            </a:lvl1pPr>
-            <a:lvl2pPr marL="457200" indent="0">
-              <a:buNone/>
-              <a:defRPr sz="1800">
-                <a:solidFill>
-                  <a:schemeClr val="tx1">
-                    <a:tint val="75000"/>
-                  </a:schemeClr>
-                </a:solidFill>
-              </a:defRPr>
-            </a:lvl2pPr>
-            <a:lvl3pPr marL="914400" indent="0">
-              <a:buNone/>
-              <a:defRPr sz="1600">
-                <a:solidFill>
-                  <a:schemeClr val="tx1">
-                    <a:tint val="75000"/>
-                  </a:schemeClr>
-                </a:solidFill>
-              </a:defRPr>
-            </a:lvl3pPr>
-            <a:lvl4pPr marL="1371600" indent="0">
-              <a:buNone/>
-              <a:defRPr sz="1400">
-                <a:solidFill>
-                  <a:schemeClr val="tx1">
-                    <a:tint val="75000"/>
-                  </a:schemeClr>
-                </a:solidFill>
-              </a:defRPr>
-            </a:lvl4pPr>
-            <a:lvl5pPr marL="1828800" indent="0">
-              <a:buNone/>
-              <a:defRPr sz="1400">
-                <a:solidFill>
-                  <a:schemeClr val="tx1">
-                    <a:tint val="75000"/>
-                  </a:schemeClr>
-                </a:solidFill>
-              </a:defRPr>
-            </a:lvl5pPr>
-            <a:lvl6pPr marL="2286000" indent="0">
-              <a:buNone/>
-              <a:defRPr sz="1400">
-                <a:solidFill>
-                  <a:schemeClr val="tx1">
-                    <a:tint val="75000"/>
-                  </a:schemeClr>
-                </a:solidFill>
-              </a:defRPr>
-            </a:lvl6pPr>
-            <a:lvl7pPr marL="2743200" indent="0">
-              <a:buNone/>
-              <a:defRPr sz="1400">
-                <a:solidFill>
-                  <a:schemeClr val="tx1">
-                    <a:tint val="75000"/>
-                  </a:schemeClr>
-                </a:solidFill>
-              </a:defRPr>
-            </a:lvl7pPr>
-            <a:lvl8pPr marL="3200400" indent="0">
-              <a:buNone/>
-              <a:defRPr sz="1400">
-                <a:solidFill>
-                  <a:schemeClr val="tx1">
-                    <a:tint val="75000"/>
-                  </a:schemeClr>
-                </a:solidFill>
-              </a:defRPr>
-            </a:lvl8pPr>
-            <a:lvl9pPr marL="3657600" indent="0">
-              <a:buNone/>
-              <a:defRPr sz="1400">
-                <a:solidFill>
-                  <a:schemeClr val="tx1">
-                    <a:tint val="75000"/>
-                  </a:schemeClr>
-                </a:solidFill>
-              </a:defRPr>
-            </a:lvl9pPr>
-          </a:lstStyle>
-          <a:p>
-            <a:pPr lvl="0"/>
-            <a:r>
-              <a:rPr lang="en-US"/>
-              <a:t>Edit Master text styles</a:t>
-            </a:r>
-          </a:p>
-        </p:txBody>
-      </p:sp>
-      <p:sp>
-        <p:nvSpPr>
-          <p:cNvPr id="4" name="Date Placeholder 3"/>
-          <p:cNvSpPr>
-            <a:spLocks noGrp="1"/>
-          </p:cNvSpPr>
-          <p:nvPr>
-            <p:ph type="dt" sz="half" idx="10"/>
-          </p:nvPr>
-        </p:nvSpPr>
-        <p:spPr/>
-        <p:txBody>
-          <a:bodyPr/>
-          <a:lstStyle/>
-          <a:p>
-            <a:fld id="{49E67328-1D56-4A44-8B5D-4ACCE58A1AA2}" type="datetimeFigureOut">
-              <a:rPr lang="en-US" smtClean="0"/>
-              <a:t>4/3/2018</a:t>
-            </a:fld>
-            <a:endParaRPr lang="en-US"/>
-          </a:p>
-        </p:txBody>
-      </p:sp>
-      <p:sp>
-        <p:nvSpPr>
-          <p:cNvPr id="5" name="Footer Placeholder 4"/>
-          <p:cNvSpPr>
-            <a:spLocks noGrp="1"/>
-          </p:cNvSpPr>
-          <p:nvPr>
-            <p:ph type="ftr" sz="quarter" idx="11"/>
-          </p:nvPr>
-        </p:nvSpPr>
-        <p:spPr/>
-        <p:txBody>
-          <a:bodyPr/>
-          <a:lstStyle/>
-          <a:p>
-            <a:endParaRPr lang="en-US"/>
-          </a:p>
-        </p:txBody>
-      </p:sp>
-      <p:sp>
-        <p:nvSpPr>
-          <p:cNvPr id="6" name="Slide Number Placeholder 5"/>
-          <p:cNvSpPr>
-            <a:spLocks noGrp="1"/>
-          </p:cNvSpPr>
-          <p:nvPr>
-            <p:ph type="sldNum" sz="quarter" idx="12"/>
-          </p:nvPr>
-        </p:nvSpPr>
-        <p:spPr/>
-        <p:txBody>
-          <a:bodyPr/>
-          <a:lstStyle/>
-          <a:p>
-            <a:fld id="{0E828AC7-A11D-457F-9724-B37764FA9CF7}" type="slidenum">
-              <a:rPr lang="en-US" smtClean="0"/>
-              <a:t>‹#›</a:t>
-            </a:fld>
-            <a:endParaRPr lang="en-US"/>
-          </a:p>
-        </p:txBody>
-      </p:sp>
-    </p:spTree>
-    <p:extLst>
-      <p:ext uri="{BB962C8B-B14F-4D97-AF65-F5344CB8AC3E}">
-        <p14:creationId xmlns:p14="http://schemas.microsoft.com/office/powerpoint/2010/main" val="1522162080"/>
-      </p:ext>
-    </p:extLst>
-  </p:cSld>
-  <p:clrMapOvr>
-    <a:masterClrMapping/>
-  </p:clrMapOvr>
-</p:sldLayout>
-</file>
-
-<file path=ppt/slideLayouts/slideLayout15.xml><?xml version="1.0" encoding="utf-8"?>
-<p:sldLayout xmlns:a="http://schemas.openxmlformats.org/drawingml/2006/main" xmlns:r="http://schemas.openxmlformats.org/officeDocument/2006/relationships" xmlns:p="http://schemas.openxmlformats.org/presentationml/2006/main" preserve="1">
-  <p:cSld name="True or False">
-    <p:spTree>
-      <p:nvGrpSpPr>
-        <p:cNvPr id="1" name=""/>
-        <p:cNvGrpSpPr/>
-        <p:nvPr/>
-      </p:nvGrpSpPr>
-      <p:grpSpPr>
-        <a:xfrm>
-          <a:off x="0" y="0"/>
-          <a:ext cx="0" cy="0"/>
-          <a:chOff x="0" y="0"/>
-          <a:chExt cx="0" cy="0"/>
-        </a:xfrm>
-      </p:grpSpPr>
-      <p:sp>
-        <p:nvSpPr>
-          <p:cNvPr id="2" name="Title 1"/>
-          <p:cNvSpPr>
-            <a:spLocks noGrp="1"/>
-          </p:cNvSpPr>
-          <p:nvPr>
-            <p:ph type="title"/>
-          </p:nvPr>
-        </p:nvSpPr>
-        <p:spPr>
-          <a:xfrm>
-            <a:off x="1484313" y="685800"/>
-            <a:ext cx="10018712" cy="2727325"/>
-          </a:xfrm>
-        </p:spPr>
-        <p:txBody>
-          <a:bodyPr vert="horz" lIns="91440" tIns="45720" rIns="91440" bIns="45720" rtlCol="0" anchor="ctr">
-            <a:normAutofit/>
-          </a:bodyPr>
-          <a:lstStyle>
-            <a:lvl1pPr>
-              <a:defRPr lang="en-US" b="0" dirty="0"/>
-            </a:lvl1pPr>
-          </a:lstStyle>
-          <a:p>
-            <a:pPr marL="0" lvl="0"/>
-            <a:r>
-              <a:rPr lang="en-US"/>
-              <a:t>Click to edit Master title style</a:t>
-            </a:r>
-            <a:endParaRPr lang="en-US" dirty="0"/>
-          </a:p>
-        </p:txBody>
-      </p:sp>
-      <p:sp>
-        <p:nvSpPr>
-          <p:cNvPr id="10" name="Text Placeholder 9"/>
-          <p:cNvSpPr>
-            <a:spLocks noGrp="1"/>
-          </p:cNvSpPr>
-          <p:nvPr>
-            <p:ph type="body" sz="quarter" idx="13"/>
-          </p:nvPr>
-        </p:nvSpPr>
-        <p:spPr>
-          <a:xfrm>
-            <a:off x="1484312" y="3505200"/>
-            <a:ext cx="10018713" cy="838200"/>
-          </a:xfrm>
-        </p:spPr>
-        <p:txBody>
-          <a:bodyPr vert="horz" lIns="91440" tIns="45720" rIns="91440" bIns="45720" rtlCol="0" anchor="b">
-            <a:normAutofit/>
-          </a:bodyPr>
-          <a:lstStyle>
-            <a:lvl1pPr>
-              <a:buNone/>
-              <a:defRPr lang="en-US" sz="2800" b="0" cap="none" dirty="0">
-                <a:ln w="3175" cmpd="sng">
-                  <a:noFill/>
-                </a:ln>
-                <a:solidFill>
-                  <a:schemeClr val="tx1"/>
-                </a:solidFill>
-                <a:effectLst/>
-              </a:defRPr>
-            </a:lvl1pPr>
-          </a:lstStyle>
-          <a:p>
-            <a:pPr marL="0" lvl="0">
-              <a:spcBef>
-                <a:spcPct val="0"/>
-              </a:spcBef>
-              <a:buNone/>
-            </a:pPr>
-            <a:r>
-              <a:rPr lang="en-US"/>
-              <a:t>Edit Master text styles</a:t>
-            </a:r>
-          </a:p>
-        </p:txBody>
-      </p:sp>
-      <p:sp>
-        <p:nvSpPr>
-          <p:cNvPr id="3" name="Text Placeholder 2"/>
-          <p:cNvSpPr>
-            <a:spLocks noGrp="1"/>
-          </p:cNvSpPr>
-          <p:nvPr>
-            <p:ph type="body" idx="1"/>
-          </p:nvPr>
-        </p:nvSpPr>
-        <p:spPr>
-          <a:xfrm>
-            <a:off x="1484311" y="4343400"/>
-            <a:ext cx="10018713" cy="1447800"/>
-          </a:xfrm>
-        </p:spPr>
-        <p:txBody>
-          <a:bodyPr anchor="t">
-            <a:normAutofit/>
-          </a:bodyPr>
-          <a:lstStyle>
-            <a:lvl1pPr marL="0" indent="0" algn="l">
-              <a:buNone/>
-              <a:defRPr sz="1800">
-                <a:solidFill>
-                  <a:schemeClr val="tx1"/>
-                </a:solidFill>
-              </a:defRPr>
-            </a:lvl1pPr>
-            <a:lvl2pPr marL="457200" indent="0">
-              <a:buNone/>
-              <a:defRPr sz="1800">
-                <a:solidFill>
-                  <a:schemeClr val="tx1">
-                    <a:tint val="75000"/>
-                  </a:schemeClr>
-                </a:solidFill>
-              </a:defRPr>
-            </a:lvl2pPr>
-            <a:lvl3pPr marL="914400" indent="0">
-              <a:buNone/>
-              <a:defRPr sz="1600">
-                <a:solidFill>
-                  <a:schemeClr val="tx1">
-                    <a:tint val="75000"/>
-                  </a:schemeClr>
-                </a:solidFill>
-              </a:defRPr>
-            </a:lvl3pPr>
-            <a:lvl4pPr marL="1371600" indent="0">
-              <a:buNone/>
-              <a:defRPr sz="1400">
-                <a:solidFill>
-                  <a:schemeClr val="tx1">
-                    <a:tint val="75000"/>
-                  </a:schemeClr>
-                </a:solidFill>
-              </a:defRPr>
-            </a:lvl4pPr>
-            <a:lvl5pPr marL="1828800" indent="0">
-              <a:buNone/>
-              <a:defRPr sz="1400">
-                <a:solidFill>
-                  <a:schemeClr val="tx1">
-                    <a:tint val="75000"/>
-                  </a:schemeClr>
-                </a:solidFill>
-              </a:defRPr>
-            </a:lvl5pPr>
-            <a:lvl6pPr marL="2286000" indent="0">
-              <a:buNone/>
-              <a:defRPr sz="1400">
-                <a:solidFill>
-                  <a:schemeClr val="tx1">
-                    <a:tint val="75000"/>
-                  </a:schemeClr>
-                </a:solidFill>
-              </a:defRPr>
-            </a:lvl6pPr>
-            <a:lvl7pPr marL="2743200" indent="0">
-              <a:buNone/>
-              <a:defRPr sz="1400">
-                <a:solidFill>
-                  <a:schemeClr val="tx1">
-                    <a:tint val="75000"/>
-                  </a:schemeClr>
-                </a:solidFill>
-              </a:defRPr>
-            </a:lvl7pPr>
-            <a:lvl8pPr marL="3200400" indent="0">
-              <a:buNone/>
-              <a:defRPr sz="1400">
-                <a:solidFill>
-                  <a:schemeClr val="tx1">
-                    <a:tint val="75000"/>
-                  </a:schemeClr>
-                </a:solidFill>
-              </a:defRPr>
-            </a:lvl8pPr>
-            <a:lvl9pPr marL="3657600" indent="0">
-              <a:buNone/>
-              <a:defRPr sz="1400">
-                <a:solidFill>
-                  <a:schemeClr val="tx1">
-                    <a:tint val="75000"/>
-                  </a:schemeClr>
-                </a:solidFill>
-              </a:defRPr>
-            </a:lvl9pPr>
-          </a:lstStyle>
-          <a:p>
-            <a:pPr lvl="0"/>
-            <a:r>
-              <a:rPr lang="en-US"/>
-              <a:t>Edit Master text styles</a:t>
-            </a:r>
-          </a:p>
-        </p:txBody>
-      </p:sp>
-      <p:sp>
-        <p:nvSpPr>
-          <p:cNvPr id="4" name="Date Placeholder 3"/>
-          <p:cNvSpPr>
-            <a:spLocks noGrp="1"/>
-          </p:cNvSpPr>
-          <p:nvPr>
-            <p:ph type="dt" sz="half" idx="10"/>
-          </p:nvPr>
-        </p:nvSpPr>
-        <p:spPr/>
-        <p:txBody>
-          <a:bodyPr/>
-          <a:lstStyle/>
-          <a:p>
-            <a:fld id="{49E67328-1D56-4A44-8B5D-4ACCE58A1AA2}" type="datetimeFigureOut">
-              <a:rPr lang="en-US" smtClean="0"/>
-              <a:t>4/3/2018</a:t>
-            </a:fld>
-            <a:endParaRPr lang="en-US"/>
-          </a:p>
-        </p:txBody>
-      </p:sp>
-      <p:sp>
-        <p:nvSpPr>
-          <p:cNvPr id="5" name="Footer Placeholder 4"/>
-          <p:cNvSpPr>
-            <a:spLocks noGrp="1"/>
-          </p:cNvSpPr>
-          <p:nvPr>
-            <p:ph type="ftr" sz="quarter" idx="11"/>
-          </p:nvPr>
-        </p:nvSpPr>
-        <p:spPr/>
-        <p:txBody>
-          <a:bodyPr/>
-          <a:lstStyle/>
-          <a:p>
-            <a:endParaRPr lang="en-US"/>
-          </a:p>
-        </p:txBody>
-      </p:sp>
-      <p:sp>
-        <p:nvSpPr>
-          <p:cNvPr id="6" name="Slide Number Placeholder 5"/>
-          <p:cNvSpPr>
-            <a:spLocks noGrp="1"/>
-          </p:cNvSpPr>
-          <p:nvPr>
-            <p:ph type="sldNum" sz="quarter" idx="12"/>
-          </p:nvPr>
-        </p:nvSpPr>
-        <p:spPr/>
-        <p:txBody>
-          <a:bodyPr/>
-          <a:lstStyle/>
-          <a:p>
-            <a:fld id="{0E828AC7-A11D-457F-9724-B37764FA9CF7}" type="slidenum">
-              <a:rPr lang="en-US" smtClean="0"/>
-              <a:t>‹#›</a:t>
-            </a:fld>
-            <a:endParaRPr lang="en-US"/>
-          </a:p>
-        </p:txBody>
-      </p:sp>
-    </p:spTree>
-    <p:extLst>
-      <p:ext uri="{BB962C8B-B14F-4D97-AF65-F5344CB8AC3E}">
-        <p14:creationId xmlns:p14="http://schemas.microsoft.com/office/powerpoint/2010/main" val="1491529523"/>
-      </p:ext>
-    </p:extLst>
-  </p:cSld>
-  <p:clrMapOvr>
-    <a:masterClrMapping/>
-  </p:clrMapOvr>
-</p:sldLayout>
-</file>
-
-<file path=ppt/slideLayouts/slideLayout16.xml><?xml version="1.0" encoding="utf-8"?>
-<p:sldLayout xmlns:a="http://schemas.openxmlformats.org/drawingml/2006/main" xmlns:r="http://schemas.openxmlformats.org/officeDocument/2006/relationships" xmlns:p="http://schemas.openxmlformats.org/presentationml/2006/main" type="vertTx" preserve="1">
-  <p:cSld name="Title and Vertical Text">
-    <p:spTree>
-      <p:nvGrpSpPr>
-        <p:cNvPr id="1" name=""/>
-        <p:cNvGrpSpPr/>
-        <p:nvPr/>
-      </p:nvGrpSpPr>
-      <p:grpSpPr>
-        <a:xfrm>
-          <a:off x="0" y="0"/>
-          <a:ext cx="0" cy="0"/>
-          <a:chOff x="0" y="0"/>
-          <a:chExt cx="0" cy="0"/>
-        </a:xfrm>
-      </p:grpSpPr>
-      <p:sp>
-        <p:nvSpPr>
-          <p:cNvPr id="2" name="Title 1"/>
-          <p:cNvSpPr>
-            <a:spLocks noGrp="1"/>
-          </p:cNvSpPr>
-          <p:nvPr>
-            <p:ph type="title"/>
-          </p:nvPr>
-        </p:nvSpPr>
-        <p:spPr/>
-        <p:txBody>
-          <a:bodyPr/>
-          <a:lstStyle>
-            <a:lvl1pPr algn="ctr">
-              <a:defRPr/>
-            </a:lvl1pPr>
-          </a:lstStyle>
-          <a:p>
-            <a:r>
-              <a:rPr lang="en-US"/>
-              <a:t>Click to edit Master title style</a:t>
-            </a:r>
-            <a:endParaRPr lang="en-US" dirty="0"/>
-          </a:p>
-        </p:txBody>
-      </p:sp>
-      <p:sp>
-        <p:nvSpPr>
-          <p:cNvPr id="3" name="Vertical Text Placeholder 2"/>
-          <p:cNvSpPr>
-            <a:spLocks noGrp="1"/>
-          </p:cNvSpPr>
-          <p:nvPr>
-            <p:ph type="body" orient="vert" idx="1"/>
-          </p:nvPr>
-        </p:nvSpPr>
-        <p:spPr/>
-        <p:txBody>
-          <a:bodyPr vert="eaVert" anchor="t"/>
-          <a:lstStyle/>
-          <a:p>
-            <a:pPr lvl="0"/>
-            <a:r>
-              <a:rPr lang="en-US"/>
-              <a:t>Edit Master text styles</a:t>
-            </a:r>
-          </a:p>
-          <a:p>
-            <a:pPr lvl="1"/>
-            <a:r>
-              <a:rPr lang="en-US"/>
-              <a:t>Second level</a:t>
-            </a:r>
-          </a:p>
-          <a:p>
-            <a:pPr lvl="2"/>
-            <a:r>
-              <a:rPr lang="en-US"/>
-              <a:t>Third level</a:t>
-            </a:r>
-          </a:p>
-          <a:p>
-            <a:pPr lvl="3"/>
-            <a:r>
-              <a:rPr lang="en-US"/>
-              <a:t>Fourth level</a:t>
-            </a:r>
-          </a:p>
-          <a:p>
-            <a:pPr lvl="4"/>
-            <a:r>
-              <a:rPr lang="en-US"/>
-              <a:t>Fifth level</a:t>
-            </a:r>
-            <a:endParaRPr lang="en-US" dirty="0"/>
-          </a:p>
-        </p:txBody>
-      </p:sp>
-      <p:sp>
-        <p:nvSpPr>
-          <p:cNvPr id="4" name="Date Placeholder 3"/>
-          <p:cNvSpPr>
-            <a:spLocks noGrp="1"/>
-          </p:cNvSpPr>
-          <p:nvPr>
-            <p:ph type="dt" sz="half" idx="10"/>
-          </p:nvPr>
-        </p:nvSpPr>
-        <p:spPr/>
-        <p:txBody>
-          <a:bodyPr/>
-          <a:lstStyle/>
-          <a:p>
-            <a:fld id="{49E67328-1D56-4A44-8B5D-4ACCE58A1AA2}" type="datetimeFigureOut">
-              <a:rPr lang="en-US" smtClean="0"/>
-              <a:t>4/3/2018</a:t>
-            </a:fld>
-            <a:endParaRPr lang="en-US"/>
-          </a:p>
-        </p:txBody>
-      </p:sp>
-      <p:sp>
-        <p:nvSpPr>
-          <p:cNvPr id="5" name="Footer Placeholder 4"/>
-          <p:cNvSpPr>
-            <a:spLocks noGrp="1"/>
-          </p:cNvSpPr>
-          <p:nvPr>
-            <p:ph type="ftr" sz="quarter" idx="11"/>
-          </p:nvPr>
-        </p:nvSpPr>
-        <p:spPr/>
-        <p:txBody>
-          <a:bodyPr/>
-          <a:lstStyle/>
-          <a:p>
-            <a:endParaRPr lang="en-US"/>
-          </a:p>
-        </p:txBody>
-      </p:sp>
-      <p:sp>
-        <p:nvSpPr>
-          <p:cNvPr id="6" name="Slide Number Placeholder 5"/>
-          <p:cNvSpPr>
-            <a:spLocks noGrp="1"/>
-          </p:cNvSpPr>
-          <p:nvPr>
-            <p:ph type="sldNum" sz="quarter" idx="12"/>
-          </p:nvPr>
-        </p:nvSpPr>
-        <p:spPr/>
-        <p:txBody>
-          <a:bodyPr/>
-          <a:lstStyle/>
-          <a:p>
-            <a:fld id="{0E828AC7-A11D-457F-9724-B37764FA9CF7}" type="slidenum">
-              <a:rPr lang="en-US" smtClean="0"/>
-              <a:t>‹#›</a:t>
-            </a:fld>
-            <a:endParaRPr lang="en-US"/>
-          </a:p>
-        </p:txBody>
-      </p:sp>
-    </p:spTree>
-    <p:extLst>
-      <p:ext uri="{BB962C8B-B14F-4D97-AF65-F5344CB8AC3E}">
-        <p14:creationId xmlns:p14="http://schemas.microsoft.com/office/powerpoint/2010/main" val="1402362482"/>
-      </p:ext>
-    </p:extLst>
-  </p:cSld>
-  <p:clrMapOvr>
-    <a:masterClrMapping/>
-  </p:clrMapOvr>
-</p:sldLayout>
-</file>
-
-<file path=ppt/slideLayouts/slideLayout17.xml><?xml version="1.0" encoding="utf-8"?>
-<p:sldLayout xmlns:a="http://schemas.openxmlformats.org/drawingml/2006/main" xmlns:r="http://schemas.openxmlformats.org/officeDocument/2006/relationships" xmlns:p="http://schemas.openxmlformats.org/presentationml/2006/main" type="vertTitleAndTx" preserve="1">
-  <p:cSld name="Vertical Title and Text">
-    <p:spTree>
-      <p:nvGrpSpPr>
-        <p:cNvPr id="1" name=""/>
-        <p:cNvGrpSpPr/>
-        <p:nvPr/>
-      </p:nvGrpSpPr>
-      <p:grpSpPr>
-        <a:xfrm>
-          <a:off x="0" y="0"/>
-          <a:ext cx="0" cy="0"/>
-          <a:chOff x="0" y="0"/>
-          <a:chExt cx="0" cy="0"/>
-        </a:xfrm>
-      </p:grpSpPr>
-      <p:sp>
-        <p:nvSpPr>
-          <p:cNvPr id="2" name="Vertical Title 1"/>
-          <p:cNvSpPr>
-            <a:spLocks noGrp="1"/>
-          </p:cNvSpPr>
-          <p:nvPr>
-            <p:ph type="title" orient="vert"/>
-          </p:nvPr>
-        </p:nvSpPr>
-        <p:spPr>
-          <a:xfrm>
-            <a:off x="9732655" y="685800"/>
-            <a:ext cx="1770369" cy="5105400"/>
-          </a:xfrm>
-        </p:spPr>
-        <p:txBody>
-          <a:bodyPr vert="eaVert"/>
-          <a:lstStyle/>
-          <a:p>
-            <a:r>
-              <a:rPr lang="en-US"/>
-              <a:t>Click to edit Master title style</a:t>
-            </a:r>
-            <a:endParaRPr lang="en-US" dirty="0"/>
-          </a:p>
-        </p:txBody>
-      </p:sp>
-      <p:sp>
-        <p:nvSpPr>
-          <p:cNvPr id="3" name="Vertical Text Placeholder 2"/>
-          <p:cNvSpPr>
-            <a:spLocks noGrp="1"/>
-          </p:cNvSpPr>
-          <p:nvPr>
-            <p:ph type="body" orient="vert" idx="1"/>
-          </p:nvPr>
-        </p:nvSpPr>
-        <p:spPr>
-          <a:xfrm>
-            <a:off x="1484312" y="685800"/>
-            <a:ext cx="8019742" cy="5105400"/>
-          </a:xfrm>
-        </p:spPr>
-        <p:txBody>
-          <a:bodyPr vert="eaVert" anchor="t"/>
-          <a:lstStyle/>
-          <a:p>
-            <a:pPr lvl="0"/>
-            <a:r>
-              <a:rPr lang="en-US"/>
-              <a:t>Edit Master text styles</a:t>
-            </a:r>
-          </a:p>
-          <a:p>
-            <a:pPr lvl="1"/>
-            <a:r>
-              <a:rPr lang="en-US"/>
-              <a:t>Second level</a:t>
-            </a:r>
-          </a:p>
-          <a:p>
-            <a:pPr lvl="2"/>
-            <a:r>
-              <a:rPr lang="en-US"/>
-              <a:t>Third level</a:t>
-            </a:r>
-          </a:p>
-          <a:p>
-            <a:pPr lvl="3"/>
-            <a:r>
-              <a:rPr lang="en-US"/>
-              <a:t>Fourth level</a:t>
-            </a:r>
-          </a:p>
-          <a:p>
-            <a:pPr lvl="4"/>
-            <a:r>
-              <a:rPr lang="en-US"/>
-              <a:t>Fifth level</a:t>
-            </a:r>
-            <a:endParaRPr lang="en-US" dirty="0"/>
-          </a:p>
-        </p:txBody>
-      </p:sp>
-      <p:sp>
-        <p:nvSpPr>
-          <p:cNvPr id="4" name="Date Placeholder 3"/>
-          <p:cNvSpPr>
-            <a:spLocks noGrp="1"/>
-          </p:cNvSpPr>
-          <p:nvPr>
-            <p:ph type="dt" sz="half" idx="10"/>
-          </p:nvPr>
-        </p:nvSpPr>
-        <p:spPr/>
-        <p:txBody>
-          <a:bodyPr/>
-          <a:lstStyle/>
-          <a:p>
-            <a:fld id="{49E67328-1D56-4A44-8B5D-4ACCE58A1AA2}" type="datetimeFigureOut">
-              <a:rPr lang="en-US" smtClean="0"/>
-              <a:t>4/3/2018</a:t>
-            </a:fld>
-            <a:endParaRPr lang="en-US"/>
-          </a:p>
-        </p:txBody>
-      </p:sp>
-      <p:sp>
-        <p:nvSpPr>
-          <p:cNvPr id="5" name="Footer Placeholder 4"/>
-          <p:cNvSpPr>
-            <a:spLocks noGrp="1"/>
-          </p:cNvSpPr>
-          <p:nvPr>
-            <p:ph type="ftr" sz="quarter" idx="11"/>
-          </p:nvPr>
-        </p:nvSpPr>
-        <p:spPr/>
-        <p:txBody>
-          <a:bodyPr/>
-          <a:lstStyle/>
-          <a:p>
-            <a:endParaRPr lang="en-US"/>
-          </a:p>
-        </p:txBody>
-      </p:sp>
-      <p:sp>
-        <p:nvSpPr>
-          <p:cNvPr id="6" name="Slide Number Placeholder 5"/>
-          <p:cNvSpPr>
-            <a:spLocks noGrp="1"/>
-          </p:cNvSpPr>
-          <p:nvPr>
-            <p:ph type="sldNum" sz="quarter" idx="12"/>
-          </p:nvPr>
-        </p:nvSpPr>
-        <p:spPr/>
-        <p:txBody>
-          <a:bodyPr/>
-          <a:lstStyle/>
-          <a:p>
-            <a:fld id="{0E828AC7-A11D-457F-9724-B37764FA9CF7}" type="slidenum">
-              <a:rPr lang="en-US" smtClean="0"/>
-              <a:t>‹#›</a:t>
-            </a:fld>
-            <a:endParaRPr lang="en-US"/>
-          </a:p>
-        </p:txBody>
-      </p:sp>
-    </p:spTree>
-    <p:extLst>
-      <p:ext uri="{BB962C8B-B14F-4D97-AF65-F5344CB8AC3E}">
-        <p14:creationId xmlns:p14="http://schemas.microsoft.com/office/powerpoint/2010/main" val="3753589179"/>
-      </p:ext>
-    </p:extLst>
-  </p:cSld>
-  <p:clrMapOvr>
-    <a:masterClrMapping/>
-  </p:clrMapOvr>
-</p:sldLayout>
-</file>
-
-<file path=ppt/slideLayouts/slideLayout2.xml><?xml version="1.0" encoding="utf-8"?>
-<p:sldLayout xmlns:a="http://schemas.openxmlformats.org/drawingml/2006/main" xmlns:r="http://schemas.openxmlformats.org/officeDocument/2006/relationships" xmlns:p="http://schemas.openxmlformats.org/presentationml/2006/main" type="obj" preserve="1">
-  <p:cSld name="Title and Content">
-    <p:spTree>
-      <p:nvGrpSpPr>
-        <p:cNvPr id="1" name=""/>
-        <p:cNvGrpSpPr/>
-        <p:nvPr/>
-      </p:nvGrpSpPr>
-      <p:grpSpPr>
-        <a:xfrm>
-          <a:off x="0" y="0"/>
-          <a:ext cx="0" cy="0"/>
-          <a:chOff x="0" y="0"/>
-          <a:chExt cx="0" cy="0"/>
-        </a:xfrm>
-      </p:grpSpPr>
-      <p:sp>
-        <p:nvSpPr>
-          <p:cNvPr id="2" name="Title 1"/>
-          <p:cNvSpPr>
-            <a:spLocks noGrp="1"/>
-          </p:cNvSpPr>
-          <p:nvPr>
-            <p:ph type="title"/>
-          </p:nvPr>
-        </p:nvSpPr>
-        <p:spPr/>
-        <p:txBody>
-          <a:bodyPr/>
-          <a:lstStyle/>
-          <a:p>
-            <a:r>
-              <a:rPr lang="en-US"/>
-              <a:t>Click to edit Master title style</a:t>
-            </a:r>
-            <a:endParaRPr lang="en-US" dirty="0"/>
-          </a:p>
-        </p:txBody>
-      </p:sp>
-      <p:sp>
-        <p:nvSpPr>
-          <p:cNvPr id="3" name="Content Placeholder 2"/>
-          <p:cNvSpPr>
-            <a:spLocks noGrp="1"/>
-          </p:cNvSpPr>
-          <p:nvPr>
-            <p:ph idx="1"/>
-          </p:nvPr>
-        </p:nvSpPr>
-        <p:spPr/>
-        <p:txBody>
-          <a:bodyPr anchor="ctr"/>
-          <a:lstStyle/>
-          <a:p>
-            <a:pPr lvl="0"/>
-            <a:r>
-              <a:rPr lang="en-US"/>
-              <a:t>Edit Master text styles</a:t>
-            </a:r>
-          </a:p>
-          <a:p>
-            <a:pPr lvl="1"/>
-            <a:r>
-              <a:rPr lang="en-US"/>
-              <a:t>Second level</a:t>
-            </a:r>
-          </a:p>
-          <a:p>
-            <a:pPr lvl="2"/>
-            <a:r>
-              <a:rPr lang="en-US"/>
-              <a:t>Third level</a:t>
-            </a:r>
-          </a:p>
-          <a:p>
-            <a:pPr lvl="3"/>
-            <a:r>
-              <a:rPr lang="en-US"/>
-              <a:t>Fourth level</a:t>
-            </a:r>
-          </a:p>
-          <a:p>
-            <a:pPr lvl="4"/>
-            <a:r>
-              <a:rPr lang="en-US"/>
-              <a:t>Fifth level</a:t>
-            </a:r>
-            <a:endParaRPr lang="en-US" dirty="0"/>
-          </a:p>
-        </p:txBody>
-      </p:sp>
-      <p:sp>
-        <p:nvSpPr>
-          <p:cNvPr id="4" name="Date Placeholder 3"/>
-          <p:cNvSpPr>
-            <a:spLocks noGrp="1"/>
-          </p:cNvSpPr>
-          <p:nvPr>
-            <p:ph type="dt" sz="half" idx="10"/>
-          </p:nvPr>
-        </p:nvSpPr>
-        <p:spPr/>
-        <p:txBody>
-          <a:bodyPr/>
-          <a:lstStyle/>
-          <a:p>
-            <a:fld id="{49E67328-1D56-4A44-8B5D-4ACCE58A1AA2}" type="datetimeFigureOut">
-              <a:rPr lang="en-US" smtClean="0"/>
-              <a:t>4/3/2018</a:t>
-            </a:fld>
-            <a:endParaRPr lang="en-US"/>
-          </a:p>
-        </p:txBody>
-      </p:sp>
-      <p:sp>
-        <p:nvSpPr>
-          <p:cNvPr id="5" name="Footer Placeholder 4"/>
-          <p:cNvSpPr>
-            <a:spLocks noGrp="1"/>
-          </p:cNvSpPr>
-          <p:nvPr>
-            <p:ph type="ftr" sz="quarter" idx="11"/>
-          </p:nvPr>
-        </p:nvSpPr>
-        <p:spPr/>
-        <p:txBody>
-          <a:bodyPr/>
-          <a:lstStyle/>
-          <a:p>
-            <a:endParaRPr lang="en-US"/>
-          </a:p>
-        </p:txBody>
-      </p:sp>
-      <p:sp>
-        <p:nvSpPr>
-          <p:cNvPr id="6" name="Slide Number Placeholder 5"/>
-          <p:cNvSpPr>
-            <a:spLocks noGrp="1"/>
-          </p:cNvSpPr>
-          <p:nvPr>
-            <p:ph type="sldNum" sz="quarter" idx="12"/>
-          </p:nvPr>
-        </p:nvSpPr>
-        <p:spPr>
-          <a:xfrm>
-            <a:off x="10951856" y="5867131"/>
-            <a:ext cx="551167" cy="365125"/>
-          </a:xfrm>
-        </p:spPr>
-        <p:txBody>
-          <a:bodyPr/>
-          <a:lstStyle/>
-          <a:p>
-            <a:fld id="{0E828AC7-A11D-457F-9724-B37764FA9CF7}" type="slidenum">
-              <a:rPr lang="en-US" smtClean="0"/>
-              <a:t>‹#›</a:t>
-            </a:fld>
-            <a:endParaRPr lang="en-US"/>
-          </a:p>
-        </p:txBody>
-      </p:sp>
-    </p:spTree>
-    <p:extLst>
-      <p:ext uri="{BB962C8B-B14F-4D97-AF65-F5344CB8AC3E}">
-        <p14:creationId xmlns:p14="http://schemas.microsoft.com/office/powerpoint/2010/main" val="3037926043"/>
-      </p:ext>
-    </p:extLst>
-  </p:cSld>
-  <p:clrMapOvr>
-    <a:masterClrMapping/>
-  </p:clrMapOvr>
-</p:sldLayout>
-</file>
-
-<file path=ppt/slideLayouts/slideLayout3.xml><?xml version="1.0" encoding="utf-8"?>
-<p:sldLayout xmlns:a="http://schemas.openxmlformats.org/drawingml/2006/main" xmlns:r="http://schemas.openxmlformats.org/officeDocument/2006/relationships" xmlns:p="http://schemas.openxmlformats.org/presentationml/2006/main" type="secHead" preserve="1">
-  <p:cSld name="Section Header">
-    <p:spTree>
-      <p:nvGrpSpPr>
-        <p:cNvPr id="1" name=""/>
-        <p:cNvGrpSpPr/>
-        <p:nvPr/>
-      </p:nvGrpSpPr>
-      <p:grpSpPr>
-        <a:xfrm>
-          <a:off x="0" y="0"/>
-          <a:ext cx="0" cy="0"/>
-          <a:chOff x="0" y="0"/>
-          <a:chExt cx="0" cy="0"/>
-        </a:xfrm>
-      </p:grpSpPr>
-      <p:sp>
-        <p:nvSpPr>
-          <p:cNvPr id="2" name="Title 1"/>
-          <p:cNvSpPr>
-            <a:spLocks noGrp="1"/>
-          </p:cNvSpPr>
-          <p:nvPr>
-            <p:ph type="title"/>
-          </p:nvPr>
-        </p:nvSpPr>
-        <p:spPr>
-          <a:xfrm>
-            <a:off x="2572279" y="2666999"/>
-            <a:ext cx="8930747" cy="2110382"/>
-          </a:xfrm>
-        </p:spPr>
-        <p:txBody>
-          <a:bodyPr anchor="b"/>
-          <a:lstStyle>
-            <a:lvl1pPr algn="r">
-              <a:defRPr sz="4000" b="0" cap="none"/>
-            </a:lvl1pPr>
-          </a:lstStyle>
-          <a:p>
-            <a:r>
-              <a:rPr lang="en-US"/>
-              <a:t>Click to edit Master title style</a:t>
-            </a:r>
-            <a:endParaRPr lang="en-US" dirty="0"/>
-          </a:p>
-        </p:txBody>
-      </p:sp>
-      <p:sp>
-        <p:nvSpPr>
-          <p:cNvPr id="3" name="Text Placeholder 2"/>
-          <p:cNvSpPr>
-            <a:spLocks noGrp="1"/>
-          </p:cNvSpPr>
-          <p:nvPr>
-            <p:ph type="body" idx="1"/>
-          </p:nvPr>
-        </p:nvSpPr>
-        <p:spPr>
-          <a:xfrm>
-            <a:off x="2572278" y="4777381"/>
-            <a:ext cx="8930748" cy="860400"/>
-          </a:xfrm>
-        </p:spPr>
-        <p:txBody>
-          <a:bodyPr anchor="t">
-            <a:normAutofit/>
-          </a:bodyPr>
-          <a:lstStyle>
-            <a:lvl1pPr marL="0" indent="0" algn="r">
-              <a:buNone/>
-              <a:defRPr sz="2000">
-                <a:solidFill>
-                  <a:schemeClr val="tx1"/>
-                </a:solidFill>
-              </a:defRPr>
-            </a:lvl1pPr>
-            <a:lvl2pPr marL="457200" indent="0">
-              <a:buNone/>
-              <a:defRPr sz="1800">
-                <a:solidFill>
-                  <a:schemeClr val="tx1">
-                    <a:tint val="75000"/>
-                  </a:schemeClr>
-                </a:solidFill>
-              </a:defRPr>
-            </a:lvl2pPr>
-            <a:lvl3pPr marL="914400" indent="0">
-              <a:buNone/>
-              <a:defRPr sz="1600">
-                <a:solidFill>
-                  <a:schemeClr val="tx1">
-                    <a:tint val="75000"/>
-                  </a:schemeClr>
-                </a:solidFill>
-              </a:defRPr>
-            </a:lvl3pPr>
-            <a:lvl4pPr marL="1371600" indent="0">
-              <a:buNone/>
-              <a:defRPr sz="1400">
-                <a:solidFill>
-                  <a:schemeClr val="tx1">
-                    <a:tint val="75000"/>
-                  </a:schemeClr>
-                </a:solidFill>
-              </a:defRPr>
-            </a:lvl4pPr>
-            <a:lvl5pPr marL="1828800" indent="0">
-              <a:buNone/>
-              <a:defRPr sz="1400">
-                <a:solidFill>
-                  <a:schemeClr val="tx1">
-                    <a:tint val="75000"/>
-                  </a:schemeClr>
-                </a:solidFill>
-              </a:defRPr>
-            </a:lvl5pPr>
-            <a:lvl6pPr marL="2286000" indent="0">
-              <a:buNone/>
-              <a:defRPr sz="1400">
-                <a:solidFill>
-                  <a:schemeClr val="tx1">
-                    <a:tint val="75000"/>
-                  </a:schemeClr>
-                </a:solidFill>
-              </a:defRPr>
-            </a:lvl6pPr>
-            <a:lvl7pPr marL="2743200" indent="0">
-              <a:buNone/>
-              <a:defRPr sz="1400">
-                <a:solidFill>
-                  <a:schemeClr val="tx1">
-                    <a:tint val="75000"/>
-                  </a:schemeClr>
-                </a:solidFill>
-              </a:defRPr>
-            </a:lvl7pPr>
-            <a:lvl8pPr marL="3200400" indent="0">
-              <a:buNone/>
-              <a:defRPr sz="1400">
-                <a:solidFill>
-                  <a:schemeClr val="tx1">
-                    <a:tint val="75000"/>
-                  </a:schemeClr>
-                </a:solidFill>
-              </a:defRPr>
-            </a:lvl8pPr>
-            <a:lvl9pPr marL="3657600" indent="0">
-              <a:buNone/>
-              <a:defRPr sz="1400">
-                <a:solidFill>
-                  <a:schemeClr val="tx1">
-                    <a:tint val="75000"/>
-                  </a:schemeClr>
-                </a:solidFill>
-              </a:defRPr>
-            </a:lvl9pPr>
-          </a:lstStyle>
-          <a:p>
-            <a:pPr lvl="0"/>
-            <a:r>
-              <a:rPr lang="en-US"/>
-              <a:t>Edit Master text styles</a:t>
-            </a:r>
-          </a:p>
-        </p:txBody>
-      </p:sp>
-      <p:sp>
-        <p:nvSpPr>
-          <p:cNvPr id="4" name="Date Placeholder 3"/>
-          <p:cNvSpPr>
-            <a:spLocks noGrp="1"/>
-          </p:cNvSpPr>
-          <p:nvPr>
-            <p:ph type="dt" sz="half" idx="10"/>
-          </p:nvPr>
-        </p:nvSpPr>
-        <p:spPr/>
-        <p:txBody>
-          <a:bodyPr/>
-          <a:lstStyle/>
-          <a:p>
-            <a:fld id="{49E67328-1D56-4A44-8B5D-4ACCE58A1AA2}" type="datetimeFigureOut">
-              <a:rPr lang="en-US" smtClean="0"/>
-              <a:t>4/3/2018</a:t>
-            </a:fld>
-            <a:endParaRPr lang="en-US"/>
-          </a:p>
-        </p:txBody>
-      </p:sp>
-      <p:sp>
-        <p:nvSpPr>
-          <p:cNvPr id="5" name="Footer Placeholder 4"/>
-          <p:cNvSpPr>
-            <a:spLocks noGrp="1"/>
-          </p:cNvSpPr>
-          <p:nvPr>
-            <p:ph type="ftr" sz="quarter" idx="11"/>
-          </p:nvPr>
-        </p:nvSpPr>
-        <p:spPr/>
-        <p:txBody>
-          <a:bodyPr/>
-          <a:lstStyle/>
-          <a:p>
-            <a:endParaRPr lang="en-US"/>
-          </a:p>
-        </p:txBody>
-      </p:sp>
-      <p:sp>
-        <p:nvSpPr>
-          <p:cNvPr id="6" name="Slide Number Placeholder 5"/>
-          <p:cNvSpPr>
-            <a:spLocks noGrp="1"/>
-          </p:cNvSpPr>
-          <p:nvPr>
-            <p:ph type="sldNum" sz="quarter" idx="12"/>
-          </p:nvPr>
-        </p:nvSpPr>
-        <p:spPr/>
-        <p:txBody>
-          <a:bodyPr/>
-          <a:lstStyle/>
-          <a:p>
-            <a:fld id="{0E828AC7-A11D-457F-9724-B37764FA9CF7}" type="slidenum">
-              <a:rPr lang="en-US" smtClean="0"/>
-              <a:t>‹#›</a:t>
-            </a:fld>
-            <a:endParaRPr lang="en-US"/>
-          </a:p>
-        </p:txBody>
-      </p:sp>
-    </p:spTree>
-    <p:extLst>
-      <p:ext uri="{BB962C8B-B14F-4D97-AF65-F5344CB8AC3E}">
-        <p14:creationId xmlns:p14="http://schemas.microsoft.com/office/powerpoint/2010/main" val="1714057204"/>
-      </p:ext>
-    </p:extLst>
-  </p:cSld>
-  <p:clrMapOvr>
-    <a:masterClrMapping/>
-  </p:clrMapOvr>
-</p:sldLayout>
-</file>
-
-<file path=ppt/slideLayouts/slideLayout4.xml><?xml version="1.0" encoding="utf-8"?>
-<p:sldLayout xmlns:a="http://schemas.openxmlformats.org/drawingml/2006/main" xmlns:r="http://schemas.openxmlformats.org/officeDocument/2006/relationships" xmlns:p="http://schemas.openxmlformats.org/presentationml/2006/main" type="twoObj" preserve="1">
-  <p:cSld name="Two Content">
-    <p:spTree>
-      <p:nvGrpSpPr>
-        <p:cNvPr id="1" name=""/>
-        <p:cNvGrpSpPr/>
-        <p:nvPr/>
-      </p:nvGrpSpPr>
-      <p:grpSpPr>
-        <a:xfrm>
-          <a:off x="0" y="0"/>
-          <a:ext cx="0" cy="0"/>
-          <a:chOff x="0" y="0"/>
-          <a:chExt cx="0" cy="0"/>
-        </a:xfrm>
-      </p:grpSpPr>
-      <p:sp>
-        <p:nvSpPr>
-          <p:cNvPr id="2" name="Title 1"/>
-          <p:cNvSpPr>
-            <a:spLocks noGrp="1"/>
-          </p:cNvSpPr>
-          <p:nvPr>
-            <p:ph type="title"/>
-          </p:nvPr>
-        </p:nvSpPr>
-        <p:spPr>
-          <a:xfrm>
-            <a:off x="1484311" y="685800"/>
-            <a:ext cx="10018713" cy="1752599"/>
-          </a:xfrm>
-        </p:spPr>
-        <p:txBody>
-          <a:bodyPr/>
-          <a:lstStyle/>
-          <a:p>
-            <a:r>
-              <a:rPr lang="en-US"/>
-              <a:t>Click to edit Master title style</a:t>
-            </a:r>
-            <a:endParaRPr lang="en-US" dirty="0"/>
-          </a:p>
-        </p:txBody>
-      </p:sp>
-      <p:sp>
-        <p:nvSpPr>
-          <p:cNvPr id="3" name="Content Placeholder 2"/>
-          <p:cNvSpPr>
-            <a:spLocks noGrp="1"/>
-          </p:cNvSpPr>
-          <p:nvPr>
-            <p:ph sz="half" idx="1"/>
-          </p:nvPr>
-        </p:nvSpPr>
-        <p:spPr>
-          <a:xfrm>
-            <a:off x="1484312" y="2666999"/>
-            <a:ext cx="4895055" cy="3124201"/>
-          </a:xfrm>
-        </p:spPr>
-        <p:txBody>
-          <a:bodyPr>
-            <a:normAutofit/>
-          </a:bodyPr>
-          <a:lstStyle>
-            <a:lvl1pPr>
-              <a:defRPr sz="1800"/>
-            </a:lvl1pPr>
-            <a:lvl2pPr>
-              <a:defRPr sz="1600"/>
-            </a:lvl2pPr>
-            <a:lvl3pPr>
-              <a:defRPr sz="1400"/>
-            </a:lvl3pPr>
-            <a:lvl4pPr>
-              <a:defRPr sz="1200"/>
-            </a:lvl4pPr>
-            <a:lvl5pPr>
-              <a:defRPr sz="1200"/>
-            </a:lvl5pPr>
-            <a:lvl6pPr>
-              <a:defRPr sz="1200"/>
-            </a:lvl6pPr>
-            <a:lvl7pPr>
-              <a:defRPr sz="1200"/>
-            </a:lvl7pPr>
-            <a:lvl8pPr>
-              <a:defRPr sz="1200"/>
-            </a:lvl8pPr>
-            <a:lvl9pPr>
-              <a:defRPr sz="1200"/>
-            </a:lvl9pPr>
-          </a:lstStyle>
-          <a:p>
-            <a:pPr lvl="0"/>
-            <a:r>
-              <a:rPr lang="en-US"/>
-              <a:t>Edit Master text styles</a:t>
-            </a:r>
-          </a:p>
-          <a:p>
-            <a:pPr lvl="1"/>
-            <a:r>
-              <a:rPr lang="en-US"/>
-              <a:t>Second level</a:t>
-            </a:r>
-          </a:p>
-          <a:p>
-            <a:pPr lvl="2"/>
-            <a:r>
-              <a:rPr lang="en-US"/>
-              <a:t>Third level</a:t>
-            </a:r>
-          </a:p>
-          <a:p>
-            <a:pPr lvl="3"/>
-            <a:r>
-              <a:rPr lang="en-US"/>
-              <a:t>Fourth level</a:t>
-            </a:r>
-          </a:p>
-          <a:p>
-            <a:pPr lvl="4"/>
-            <a:r>
-              <a:rPr lang="en-US"/>
-              <a:t>Fifth level</a:t>
-            </a:r>
-            <a:endParaRPr lang="en-US" dirty="0"/>
-          </a:p>
-        </p:txBody>
-      </p:sp>
-      <p:sp>
-        <p:nvSpPr>
-          <p:cNvPr id="4" name="Content Placeholder 3"/>
-          <p:cNvSpPr>
-            <a:spLocks noGrp="1"/>
-          </p:cNvSpPr>
-          <p:nvPr>
-            <p:ph sz="half" idx="2"/>
-          </p:nvPr>
-        </p:nvSpPr>
-        <p:spPr>
-          <a:xfrm>
-            <a:off x="6607967" y="2667000"/>
-            <a:ext cx="4895056" cy="3124200"/>
-          </a:xfrm>
-        </p:spPr>
-        <p:txBody>
-          <a:bodyPr>
-            <a:normAutofit/>
-          </a:bodyPr>
-          <a:lstStyle>
-            <a:lvl1pPr>
-              <a:defRPr sz="1800"/>
-            </a:lvl1pPr>
-            <a:lvl2pPr>
-              <a:defRPr sz="1600"/>
-            </a:lvl2pPr>
-            <a:lvl3pPr>
-              <a:defRPr sz="1400"/>
-            </a:lvl3pPr>
-            <a:lvl4pPr>
-              <a:defRPr sz="1200"/>
-            </a:lvl4pPr>
-            <a:lvl5pPr>
-              <a:defRPr sz="1200"/>
-            </a:lvl5pPr>
-            <a:lvl6pPr>
-              <a:defRPr sz="1200"/>
-            </a:lvl6pPr>
-            <a:lvl7pPr>
-              <a:defRPr sz="1200"/>
-            </a:lvl7pPr>
-            <a:lvl8pPr>
-              <a:defRPr sz="1200"/>
-            </a:lvl8pPr>
-            <a:lvl9pPr>
-              <a:defRPr sz="1200"/>
-            </a:lvl9pPr>
-          </a:lstStyle>
-          <a:p>
-            <a:pPr lvl="0"/>
-            <a:r>
-              <a:rPr lang="en-US"/>
-              <a:t>Edit Master text styles</a:t>
-            </a:r>
-          </a:p>
-          <a:p>
-            <a:pPr lvl="1"/>
-            <a:r>
-              <a:rPr lang="en-US"/>
-              <a:t>Second level</a:t>
-            </a:r>
-          </a:p>
-          <a:p>
-            <a:pPr lvl="2"/>
-            <a:r>
-              <a:rPr lang="en-US"/>
-              <a:t>Third level</a:t>
-            </a:r>
-          </a:p>
-          <a:p>
-            <a:pPr lvl="3"/>
-            <a:r>
-              <a:rPr lang="en-US"/>
-              <a:t>Fourth level</a:t>
-            </a:r>
-          </a:p>
-          <a:p>
-            <a:pPr lvl="4"/>
-            <a:r>
-              <a:rPr lang="en-US"/>
-              <a:t>Fifth level</a:t>
-            </a:r>
-            <a:endParaRPr lang="en-US" dirty="0"/>
-          </a:p>
-        </p:txBody>
-      </p:sp>
-      <p:sp>
-        <p:nvSpPr>
-          <p:cNvPr id="5" name="Date Placeholder 4"/>
-          <p:cNvSpPr>
-            <a:spLocks noGrp="1"/>
-          </p:cNvSpPr>
-          <p:nvPr>
-            <p:ph type="dt" sz="half" idx="10"/>
-          </p:nvPr>
-        </p:nvSpPr>
-        <p:spPr/>
-        <p:txBody>
-          <a:bodyPr/>
-          <a:lstStyle/>
-          <a:p>
-            <a:fld id="{49E67328-1D56-4A44-8B5D-4ACCE58A1AA2}" type="datetimeFigureOut">
-              <a:rPr lang="en-US" smtClean="0"/>
-              <a:t>4/3/2018</a:t>
-            </a:fld>
-            <a:endParaRPr lang="en-US"/>
-          </a:p>
-        </p:txBody>
-      </p:sp>
-      <p:sp>
-        <p:nvSpPr>
-          <p:cNvPr id="6" name="Footer Placeholder 5"/>
-          <p:cNvSpPr>
-            <a:spLocks noGrp="1"/>
-          </p:cNvSpPr>
-          <p:nvPr>
-            <p:ph type="ftr" sz="quarter" idx="11"/>
-          </p:nvPr>
-        </p:nvSpPr>
-        <p:spPr/>
-        <p:txBody>
-          <a:bodyPr/>
-          <a:lstStyle/>
-          <a:p>
-            <a:endParaRPr lang="en-US"/>
-          </a:p>
-        </p:txBody>
-      </p:sp>
-      <p:sp>
-        <p:nvSpPr>
-          <p:cNvPr id="7" name="Slide Number Placeholder 6"/>
-          <p:cNvSpPr>
-            <a:spLocks noGrp="1"/>
-          </p:cNvSpPr>
-          <p:nvPr>
-            <p:ph type="sldNum" sz="quarter" idx="12"/>
-          </p:nvPr>
-        </p:nvSpPr>
-        <p:spPr/>
-        <p:txBody>
-          <a:bodyPr/>
-          <a:lstStyle/>
-          <a:p>
-            <a:fld id="{0E828AC7-A11D-457F-9724-B37764FA9CF7}" type="slidenum">
-              <a:rPr lang="en-US" smtClean="0"/>
-              <a:t>‹#›</a:t>
-            </a:fld>
-            <a:endParaRPr lang="en-US"/>
-          </a:p>
-        </p:txBody>
-      </p:sp>
-    </p:spTree>
-    <p:extLst>
-      <p:ext uri="{BB962C8B-B14F-4D97-AF65-F5344CB8AC3E}">
-        <p14:creationId xmlns:p14="http://schemas.microsoft.com/office/powerpoint/2010/main" val="1275175613"/>
-      </p:ext>
-    </p:extLst>
-  </p:cSld>
-  <p:clrMapOvr>
-    <a:masterClrMapping/>
-  </p:clrMapOvr>
-</p:sldLayout>
-</file>
-
-<file path=ppt/slideLayouts/slideLayout5.xml><?xml version="1.0" encoding="utf-8"?>
-<p:sldLayout xmlns:a="http://schemas.openxmlformats.org/drawingml/2006/main" xmlns:r="http://schemas.openxmlformats.org/officeDocument/2006/relationships" xmlns:p="http://schemas.openxmlformats.org/presentationml/2006/main" type="twoTxTwoObj" preserve="1">
-  <p:cSld name="Comparison">
-    <p:spTree>
-      <p:nvGrpSpPr>
-        <p:cNvPr id="1" name=""/>
-        <p:cNvGrpSpPr/>
-        <p:nvPr/>
-      </p:nvGrpSpPr>
-      <p:grpSpPr>
-        <a:xfrm>
-          <a:off x="0" y="0"/>
-          <a:ext cx="0" cy="0"/>
-          <a:chOff x="0" y="0"/>
-          <a:chExt cx="0" cy="0"/>
-        </a:xfrm>
-      </p:grpSpPr>
-      <p:sp>
-        <p:nvSpPr>
-          <p:cNvPr id="2" name="Title 1"/>
-          <p:cNvSpPr>
-            <a:spLocks noGrp="1"/>
-          </p:cNvSpPr>
-          <p:nvPr>
-            <p:ph type="title"/>
-          </p:nvPr>
-        </p:nvSpPr>
-        <p:spPr/>
-        <p:txBody>
-          <a:bodyPr/>
-          <a:lstStyle>
-            <a:lvl1pPr>
-              <a:defRPr/>
-            </a:lvl1pPr>
-          </a:lstStyle>
-          <a:p>
-            <a:r>
-              <a:rPr lang="en-US"/>
-              <a:t>Click to edit Master title style</a:t>
-            </a:r>
-            <a:endParaRPr lang="en-US" dirty="0"/>
-          </a:p>
-        </p:txBody>
-      </p:sp>
-      <p:sp>
-        <p:nvSpPr>
-          <p:cNvPr id="3" name="Text Placeholder 2"/>
-          <p:cNvSpPr>
-            <a:spLocks noGrp="1"/>
-          </p:cNvSpPr>
-          <p:nvPr>
-            <p:ph type="body" idx="1"/>
-          </p:nvPr>
-        </p:nvSpPr>
-        <p:spPr>
-          <a:xfrm>
-            <a:off x="1772179" y="2658533"/>
-            <a:ext cx="4607188" cy="576262"/>
-          </a:xfrm>
-        </p:spPr>
-        <p:txBody>
-          <a:bodyPr anchor="b">
-            <a:noAutofit/>
-          </a:bodyPr>
-          <a:lstStyle>
-            <a:lvl1pPr marL="0" indent="0">
-              <a:buNone/>
-              <a:defRPr sz="2800" b="0">
-                <a:solidFill>
-                  <a:schemeClr val="accent1">
-                    <a:lumMod val="75000"/>
-                  </a:schemeClr>
-                </a:solidFill>
-              </a:defRPr>
-            </a:lvl1pPr>
-            <a:lvl2pPr marL="457200" indent="0">
-              <a:buNone/>
-              <a:defRPr sz="2000" b="1"/>
-            </a:lvl2pPr>
-            <a:lvl3pPr marL="914400" indent="0">
-              <a:buNone/>
-              <a:defRPr sz="1800" b="1"/>
-            </a:lvl3pPr>
-            <a:lvl4pPr marL="1371600" indent="0">
-              <a:buNone/>
-              <a:defRPr sz="1600" b="1"/>
-            </a:lvl4pPr>
-            <a:lvl5pPr marL="1828800" indent="0">
-              <a:buNone/>
-              <a:defRPr sz="1600" b="1"/>
-            </a:lvl5pPr>
-            <a:lvl6pPr marL="2286000" indent="0">
-              <a:buNone/>
-              <a:defRPr sz="1600" b="1"/>
-            </a:lvl6pPr>
-            <a:lvl7pPr marL="2743200" indent="0">
-              <a:buNone/>
-              <a:defRPr sz="1600" b="1"/>
-            </a:lvl7pPr>
-            <a:lvl8pPr marL="3200400" indent="0">
-              <a:buNone/>
-              <a:defRPr sz="1600" b="1"/>
-            </a:lvl8pPr>
-            <a:lvl9pPr marL="3657600" indent="0">
-              <a:buNone/>
-              <a:defRPr sz="1600" b="1"/>
-            </a:lvl9pPr>
-          </a:lstStyle>
-          <a:p>
-            <a:pPr lvl="0"/>
-            <a:r>
-              <a:rPr lang="en-US"/>
-              <a:t>Edit Master text styles</a:t>
-            </a:r>
-          </a:p>
-        </p:txBody>
-      </p:sp>
-      <p:sp>
-        <p:nvSpPr>
-          <p:cNvPr id="4" name="Content Placeholder 3"/>
-          <p:cNvSpPr>
-            <a:spLocks noGrp="1"/>
-          </p:cNvSpPr>
-          <p:nvPr>
-            <p:ph sz="half" idx="2"/>
-          </p:nvPr>
-        </p:nvSpPr>
-        <p:spPr>
-          <a:xfrm>
-            <a:off x="1484311" y="3335337"/>
-            <a:ext cx="4895056" cy="2455862"/>
-          </a:xfrm>
-        </p:spPr>
-        <p:txBody>
-          <a:bodyPr anchor="t">
-            <a:normAutofit/>
-          </a:bodyPr>
-          <a:lstStyle>
-            <a:lvl1pPr>
-              <a:defRPr sz="1800"/>
-            </a:lvl1pPr>
-            <a:lvl2pPr>
-              <a:defRPr sz="1600"/>
-            </a:lvl2pPr>
-            <a:lvl3pPr>
-              <a:defRPr sz="1400"/>
-            </a:lvl3pPr>
-            <a:lvl4pPr>
-              <a:defRPr sz="1200"/>
-            </a:lvl4pPr>
-            <a:lvl5pPr>
-              <a:defRPr sz="1200"/>
-            </a:lvl5pPr>
-            <a:lvl6pPr>
-              <a:defRPr sz="1200"/>
-            </a:lvl6pPr>
-            <a:lvl7pPr>
-              <a:defRPr sz="1200"/>
-            </a:lvl7pPr>
-            <a:lvl8pPr>
-              <a:defRPr sz="1200"/>
-            </a:lvl8pPr>
-            <a:lvl9pPr>
-              <a:defRPr sz="1200"/>
-            </a:lvl9pPr>
-          </a:lstStyle>
-          <a:p>
-            <a:pPr lvl="0"/>
-            <a:r>
-              <a:rPr lang="en-US"/>
-              <a:t>Edit Master text styles</a:t>
-            </a:r>
-          </a:p>
-          <a:p>
-            <a:pPr lvl="1"/>
-            <a:r>
-              <a:rPr lang="en-US"/>
-              <a:t>Second level</a:t>
-            </a:r>
-          </a:p>
-          <a:p>
-            <a:pPr lvl="2"/>
-            <a:r>
-              <a:rPr lang="en-US"/>
-              <a:t>Third level</a:t>
-            </a:r>
-          </a:p>
-          <a:p>
-            <a:pPr lvl="3"/>
-            <a:r>
-              <a:rPr lang="en-US"/>
-              <a:t>Fourth level</a:t>
-            </a:r>
-          </a:p>
-          <a:p>
-            <a:pPr lvl="4"/>
-            <a:r>
-              <a:rPr lang="en-US"/>
-              <a:t>Fifth level</a:t>
-            </a:r>
-            <a:endParaRPr lang="en-US" dirty="0"/>
-          </a:p>
-        </p:txBody>
-      </p:sp>
-      <p:sp>
-        <p:nvSpPr>
-          <p:cNvPr id="5" name="Text Placeholder 4"/>
-          <p:cNvSpPr>
-            <a:spLocks noGrp="1"/>
-          </p:cNvSpPr>
-          <p:nvPr>
-            <p:ph type="body" sz="quarter" idx="3"/>
-          </p:nvPr>
-        </p:nvSpPr>
-        <p:spPr>
-          <a:xfrm>
-            <a:off x="6880487" y="2667000"/>
-            <a:ext cx="4622537" cy="576262"/>
-          </a:xfrm>
-        </p:spPr>
-        <p:txBody>
-          <a:bodyPr anchor="b">
-            <a:noAutofit/>
-          </a:bodyPr>
-          <a:lstStyle>
-            <a:lvl1pPr marL="0" indent="0">
-              <a:buNone/>
-              <a:defRPr sz="2800" b="0">
-                <a:solidFill>
-                  <a:schemeClr val="accent1">
-                    <a:lumMod val="75000"/>
-                  </a:schemeClr>
-                </a:solidFill>
-              </a:defRPr>
-            </a:lvl1pPr>
-            <a:lvl2pPr marL="457200" indent="0">
-              <a:buNone/>
-              <a:defRPr sz="2000" b="1"/>
-            </a:lvl2pPr>
-            <a:lvl3pPr marL="914400" indent="0">
-              <a:buNone/>
-              <a:defRPr sz="1800" b="1"/>
-            </a:lvl3pPr>
-            <a:lvl4pPr marL="1371600" indent="0">
-              <a:buNone/>
-              <a:defRPr sz="1600" b="1"/>
-            </a:lvl4pPr>
-            <a:lvl5pPr marL="1828800" indent="0">
-              <a:buNone/>
-              <a:defRPr sz="1600" b="1"/>
-            </a:lvl5pPr>
-            <a:lvl6pPr marL="2286000" indent="0">
-              <a:buNone/>
-              <a:defRPr sz="1600" b="1"/>
-            </a:lvl6pPr>
-            <a:lvl7pPr marL="2743200" indent="0">
-              <a:buNone/>
-              <a:defRPr sz="1600" b="1"/>
-            </a:lvl7pPr>
-            <a:lvl8pPr marL="3200400" indent="0">
-              <a:buNone/>
-              <a:defRPr sz="1600" b="1"/>
-            </a:lvl8pPr>
-            <a:lvl9pPr marL="3657600" indent="0">
-              <a:buNone/>
-              <a:defRPr sz="1600" b="1"/>
-            </a:lvl9pPr>
-          </a:lstStyle>
-          <a:p>
-            <a:pPr lvl="0"/>
-            <a:r>
-              <a:rPr lang="en-US"/>
-              <a:t>Edit Master text styles</a:t>
-            </a:r>
-          </a:p>
-        </p:txBody>
-      </p:sp>
-      <p:sp>
-        <p:nvSpPr>
-          <p:cNvPr id="6" name="Content Placeholder 5"/>
-          <p:cNvSpPr>
-            <a:spLocks noGrp="1"/>
-          </p:cNvSpPr>
-          <p:nvPr>
-            <p:ph sz="quarter" idx="4"/>
-          </p:nvPr>
-        </p:nvSpPr>
-        <p:spPr>
-          <a:xfrm>
-            <a:off x="6607967" y="3335337"/>
-            <a:ext cx="4895056" cy="2455862"/>
-          </a:xfrm>
-        </p:spPr>
-        <p:txBody>
-          <a:bodyPr anchor="t">
-            <a:normAutofit/>
-          </a:bodyPr>
-          <a:lstStyle>
-            <a:lvl1pPr>
-              <a:defRPr sz="1800"/>
-            </a:lvl1pPr>
-            <a:lvl2pPr>
-              <a:defRPr sz="1600"/>
-            </a:lvl2pPr>
-            <a:lvl3pPr>
-              <a:defRPr sz="1400"/>
-            </a:lvl3pPr>
-            <a:lvl4pPr>
-              <a:defRPr sz="1200"/>
-            </a:lvl4pPr>
-            <a:lvl5pPr>
-              <a:defRPr sz="1200"/>
-            </a:lvl5pPr>
-            <a:lvl6pPr>
-              <a:defRPr sz="1200"/>
-            </a:lvl6pPr>
-            <a:lvl7pPr>
-              <a:defRPr sz="1200"/>
-            </a:lvl7pPr>
-            <a:lvl8pPr>
-              <a:defRPr sz="1200"/>
-            </a:lvl8pPr>
-            <a:lvl9pPr>
-              <a:defRPr sz="1200"/>
-            </a:lvl9pPr>
-          </a:lstStyle>
-          <a:p>
-            <a:pPr lvl="0"/>
-            <a:r>
-              <a:rPr lang="en-US"/>
-              <a:t>Edit Master text styles</a:t>
-            </a:r>
-          </a:p>
-          <a:p>
-            <a:pPr lvl="1"/>
-            <a:r>
-              <a:rPr lang="en-US"/>
-              <a:t>Second level</a:t>
-            </a:r>
-          </a:p>
-          <a:p>
-            <a:pPr lvl="2"/>
-            <a:r>
-              <a:rPr lang="en-US"/>
-              <a:t>Third level</a:t>
-            </a:r>
-          </a:p>
-          <a:p>
-            <a:pPr lvl="3"/>
-            <a:r>
-              <a:rPr lang="en-US"/>
-              <a:t>Fourth level</a:t>
-            </a:r>
-          </a:p>
-          <a:p>
-            <a:pPr lvl="4"/>
-            <a:r>
-              <a:rPr lang="en-US"/>
-              <a:t>Fifth level</a:t>
-            </a:r>
-            <a:endParaRPr lang="en-US" dirty="0"/>
-          </a:p>
-        </p:txBody>
-      </p:sp>
-      <p:sp>
-        <p:nvSpPr>
-          <p:cNvPr id="7" name="Date Placeholder 6"/>
-          <p:cNvSpPr>
-            <a:spLocks noGrp="1"/>
-          </p:cNvSpPr>
-          <p:nvPr>
-            <p:ph type="dt" sz="half" idx="10"/>
-          </p:nvPr>
-        </p:nvSpPr>
-        <p:spPr/>
-        <p:txBody>
-          <a:bodyPr/>
-          <a:lstStyle/>
-          <a:p>
-            <a:fld id="{49E67328-1D56-4A44-8B5D-4ACCE58A1AA2}" type="datetimeFigureOut">
-              <a:rPr lang="en-US" smtClean="0"/>
-              <a:t>4/3/2018</a:t>
-            </a:fld>
-            <a:endParaRPr lang="en-US"/>
-          </a:p>
-        </p:txBody>
-      </p:sp>
-      <p:sp>
-        <p:nvSpPr>
-          <p:cNvPr id="8" name="Footer Placeholder 7"/>
-          <p:cNvSpPr>
-            <a:spLocks noGrp="1"/>
-          </p:cNvSpPr>
-          <p:nvPr>
-            <p:ph type="ftr" sz="quarter" idx="11"/>
-          </p:nvPr>
-        </p:nvSpPr>
-        <p:spPr/>
-        <p:txBody>
-          <a:bodyPr/>
-          <a:lstStyle/>
-          <a:p>
-            <a:endParaRPr lang="en-US"/>
-          </a:p>
-        </p:txBody>
-      </p:sp>
-      <p:sp>
-        <p:nvSpPr>
-          <p:cNvPr id="9" name="Slide Number Placeholder 8"/>
-          <p:cNvSpPr>
-            <a:spLocks noGrp="1"/>
-          </p:cNvSpPr>
-          <p:nvPr>
-            <p:ph type="sldNum" sz="quarter" idx="12"/>
-          </p:nvPr>
-        </p:nvSpPr>
-        <p:spPr/>
-        <p:txBody>
-          <a:bodyPr/>
-          <a:lstStyle/>
-          <a:p>
-            <a:fld id="{0E828AC7-A11D-457F-9724-B37764FA9CF7}" type="slidenum">
-              <a:rPr lang="en-US" smtClean="0"/>
-              <a:t>‹#›</a:t>
-            </a:fld>
-            <a:endParaRPr lang="en-US"/>
-          </a:p>
-        </p:txBody>
-      </p:sp>
-    </p:spTree>
-    <p:extLst>
-      <p:ext uri="{BB962C8B-B14F-4D97-AF65-F5344CB8AC3E}">
-        <p14:creationId xmlns:p14="http://schemas.microsoft.com/office/powerpoint/2010/main" val="4195026954"/>
-      </p:ext>
-    </p:extLst>
-  </p:cSld>
-  <p:clrMapOvr>
-    <a:masterClrMapping/>
-  </p:clrMapOvr>
-</p:sldLayout>
-</file>
-
-<file path=ppt/slideLayouts/slideLayout6.xml><?xml version="1.0" encoding="utf-8"?>
-<p:sldLayout xmlns:a="http://schemas.openxmlformats.org/drawingml/2006/main" xmlns:r="http://schemas.openxmlformats.org/officeDocument/2006/relationships" xmlns:p="http://schemas.openxmlformats.org/presentationml/2006/main" type="titleOnly" preserve="1">
-  <p:cSld name="Title Only">
-    <p:spTree>
-      <p:nvGrpSpPr>
-        <p:cNvPr id="1" name=""/>
-        <p:cNvGrpSpPr/>
-        <p:nvPr/>
-      </p:nvGrpSpPr>
-      <p:grpSpPr>
-        <a:xfrm>
-          <a:off x="0" y="0"/>
-          <a:ext cx="0" cy="0"/>
-          <a:chOff x="0" y="0"/>
-          <a:chExt cx="0" cy="0"/>
-        </a:xfrm>
-      </p:grpSpPr>
-      <p:sp>
-        <p:nvSpPr>
-          <p:cNvPr id="2" name="Title 1"/>
-          <p:cNvSpPr>
-            <a:spLocks noGrp="1"/>
-          </p:cNvSpPr>
-          <p:nvPr>
-            <p:ph type="title"/>
-          </p:nvPr>
-        </p:nvSpPr>
-        <p:spPr/>
-        <p:txBody>
-          <a:bodyPr/>
-          <a:lstStyle/>
-          <a:p>
-            <a:r>
-              <a:rPr lang="en-US"/>
-              <a:t>Click to edit Master title style</a:t>
-            </a:r>
-            <a:endParaRPr lang="en-US" dirty="0"/>
-          </a:p>
-        </p:txBody>
-      </p:sp>
-      <p:sp>
-        <p:nvSpPr>
-          <p:cNvPr id="3" name="Date Placeholder 2"/>
-          <p:cNvSpPr>
-            <a:spLocks noGrp="1"/>
-          </p:cNvSpPr>
-          <p:nvPr>
-            <p:ph type="dt" sz="half" idx="10"/>
-          </p:nvPr>
-        </p:nvSpPr>
-        <p:spPr/>
-        <p:txBody>
-          <a:bodyPr/>
-          <a:lstStyle/>
-          <a:p>
-            <a:fld id="{49E67328-1D56-4A44-8B5D-4ACCE58A1AA2}" type="datetimeFigureOut">
-              <a:rPr lang="en-US" smtClean="0"/>
-              <a:t>4/3/2018</a:t>
-            </a:fld>
-            <a:endParaRPr lang="en-US"/>
-          </a:p>
-        </p:txBody>
-      </p:sp>
-      <p:sp>
-        <p:nvSpPr>
-          <p:cNvPr id="4" name="Footer Placeholder 3"/>
-          <p:cNvSpPr>
-            <a:spLocks noGrp="1"/>
-          </p:cNvSpPr>
-          <p:nvPr>
-            <p:ph type="ftr" sz="quarter" idx="11"/>
-          </p:nvPr>
-        </p:nvSpPr>
-        <p:spPr/>
-        <p:txBody>
-          <a:bodyPr/>
-          <a:lstStyle/>
-          <a:p>
-            <a:endParaRPr lang="en-US"/>
-          </a:p>
-        </p:txBody>
-      </p:sp>
-      <p:sp>
-        <p:nvSpPr>
-          <p:cNvPr id="5" name="Slide Number Placeholder 4"/>
-          <p:cNvSpPr>
-            <a:spLocks noGrp="1"/>
-          </p:cNvSpPr>
-          <p:nvPr>
-            <p:ph type="sldNum" sz="quarter" idx="12"/>
-          </p:nvPr>
-        </p:nvSpPr>
-        <p:spPr/>
-        <p:txBody>
-          <a:bodyPr/>
-          <a:lstStyle/>
-          <a:p>
-            <a:fld id="{0E828AC7-A11D-457F-9724-B37764FA9CF7}" type="slidenum">
-              <a:rPr lang="en-US" smtClean="0"/>
-              <a:t>‹#›</a:t>
-            </a:fld>
-            <a:endParaRPr lang="en-US"/>
-          </a:p>
-        </p:txBody>
-      </p:sp>
-    </p:spTree>
-    <p:extLst>
-      <p:ext uri="{BB962C8B-B14F-4D97-AF65-F5344CB8AC3E}">
-        <p14:creationId xmlns:p14="http://schemas.microsoft.com/office/powerpoint/2010/main" val="503680230"/>
-      </p:ext>
-    </p:extLst>
-  </p:cSld>
-  <p:clrMapOvr>
-    <a:masterClrMapping/>
-  </p:clrMapOvr>
-</p:sldLayout>
-</file>
-
-<file path=ppt/slideLayouts/slideLayout7.xml><?xml version="1.0" encoding="utf-8"?>
-<p:sldLayout xmlns:a="http://schemas.openxmlformats.org/drawingml/2006/main" xmlns:r="http://schemas.openxmlformats.org/officeDocument/2006/relationships" xmlns:p="http://schemas.openxmlformats.org/presentationml/2006/main" type="blank" preserve="1">
-  <p:cSld name="Blank">
-    <p:spTree>
-      <p:nvGrpSpPr>
-        <p:cNvPr id="1" name=""/>
-        <p:cNvGrpSpPr/>
-        <p:nvPr/>
-      </p:nvGrpSpPr>
-      <p:grpSpPr>
-        <a:xfrm>
-          <a:off x="0" y="0"/>
-          <a:ext cx="0" cy="0"/>
-          <a:chOff x="0" y="0"/>
-          <a:chExt cx="0" cy="0"/>
-        </a:xfrm>
-      </p:grpSpPr>
-      <p:sp>
-        <p:nvSpPr>
-          <p:cNvPr id="2" name="Date Placeholder 1"/>
-          <p:cNvSpPr>
-            <a:spLocks noGrp="1"/>
-          </p:cNvSpPr>
-          <p:nvPr>
-            <p:ph type="dt" sz="half" idx="10"/>
-          </p:nvPr>
-        </p:nvSpPr>
-        <p:spPr/>
-        <p:txBody>
-          <a:bodyPr/>
-          <a:lstStyle/>
-          <a:p>
-            <a:fld id="{49E67328-1D56-4A44-8B5D-4ACCE58A1AA2}" type="datetimeFigureOut">
-              <a:rPr lang="en-US" smtClean="0"/>
-              <a:t>4/3/2018</a:t>
-            </a:fld>
-            <a:endParaRPr lang="en-US"/>
-          </a:p>
-        </p:txBody>
-      </p:sp>
-      <p:sp>
-        <p:nvSpPr>
-          <p:cNvPr id="3" name="Footer Placeholder 2"/>
-          <p:cNvSpPr>
-            <a:spLocks noGrp="1"/>
-          </p:cNvSpPr>
-          <p:nvPr>
-            <p:ph type="ftr" sz="quarter" idx="11"/>
-          </p:nvPr>
-        </p:nvSpPr>
-        <p:spPr/>
-        <p:txBody>
-          <a:bodyPr/>
-          <a:lstStyle/>
-          <a:p>
-            <a:endParaRPr lang="en-US"/>
-          </a:p>
-        </p:txBody>
-      </p:sp>
-      <p:sp>
-        <p:nvSpPr>
-          <p:cNvPr id="4" name="Slide Number Placeholder 3"/>
-          <p:cNvSpPr>
-            <a:spLocks noGrp="1"/>
-          </p:cNvSpPr>
-          <p:nvPr>
-            <p:ph type="sldNum" sz="quarter" idx="12"/>
-          </p:nvPr>
-        </p:nvSpPr>
-        <p:spPr/>
-        <p:txBody>
-          <a:bodyPr/>
-          <a:lstStyle/>
-          <a:p>
-            <a:fld id="{0E828AC7-A11D-457F-9724-B37764FA9CF7}" type="slidenum">
-              <a:rPr lang="en-US" smtClean="0"/>
-              <a:t>‹#›</a:t>
-            </a:fld>
-            <a:endParaRPr lang="en-US"/>
-          </a:p>
-        </p:txBody>
-      </p:sp>
-    </p:spTree>
-    <p:extLst>
-      <p:ext uri="{BB962C8B-B14F-4D97-AF65-F5344CB8AC3E}">
-        <p14:creationId xmlns:p14="http://schemas.microsoft.com/office/powerpoint/2010/main" val="3017645237"/>
-      </p:ext>
-    </p:extLst>
-  </p:cSld>
-  <p:clrMapOvr>
-    <a:masterClrMapping/>
-  </p:clrMapOvr>
-</p:sldLayout>
-</file>
-
-<file path=ppt/slideLayouts/slideLayout8.xml><?xml version="1.0" encoding="utf-8"?>
-<p:sldLayout xmlns:a="http://schemas.openxmlformats.org/drawingml/2006/main" xmlns:r="http://schemas.openxmlformats.org/officeDocument/2006/relationships" xmlns:p="http://schemas.openxmlformats.org/presentationml/2006/main" type="objTx" preserve="1">
-  <p:cSld name="Content with Caption">
-    <p:spTree>
-      <p:nvGrpSpPr>
-        <p:cNvPr id="1" name=""/>
-        <p:cNvGrpSpPr/>
-        <p:nvPr/>
-      </p:nvGrpSpPr>
-      <p:grpSpPr>
-        <a:xfrm>
-          <a:off x="0" y="0"/>
-          <a:ext cx="0" cy="0"/>
-          <a:chOff x="0" y="0"/>
-          <a:chExt cx="0" cy="0"/>
-        </a:xfrm>
-      </p:grpSpPr>
-      <p:sp>
-        <p:nvSpPr>
-          <p:cNvPr id="2" name="Title 1"/>
-          <p:cNvSpPr>
-            <a:spLocks noGrp="1"/>
-          </p:cNvSpPr>
-          <p:nvPr>
-            <p:ph type="title"/>
-          </p:nvPr>
-        </p:nvSpPr>
-        <p:spPr>
-          <a:xfrm>
-            <a:off x="1484312" y="1600200"/>
-            <a:ext cx="3549121" cy="1371600"/>
+            <a:off x="1484311" y="4732865"/>
+            <a:ext cx="10018711" cy="566738"/>
           </a:xfrm>
         </p:spPr>
         <p:txBody>
@@ -7152,290 +3656,7 @@
       </p:sp>
       <p:sp>
         <p:nvSpPr>
-          <p:cNvPr id="3" name="Content Placeholder 2"/>
-          <p:cNvSpPr>
-            <a:spLocks noGrp="1"/>
-          </p:cNvSpPr>
-          <p:nvPr>
-            <p:ph idx="1"/>
-          </p:nvPr>
-        </p:nvSpPr>
-        <p:spPr>
-          <a:xfrm>
-            <a:off x="5262033" y="685799"/>
-            <a:ext cx="6240990" cy="5105401"/>
-          </a:xfrm>
-        </p:spPr>
-        <p:txBody>
-          <a:bodyPr anchor="ctr">
-            <a:normAutofit/>
-          </a:bodyPr>
-          <a:lstStyle>
-            <a:lvl1pPr>
-              <a:defRPr sz="2000"/>
-            </a:lvl1pPr>
-            <a:lvl2pPr>
-              <a:defRPr sz="1800"/>
-            </a:lvl2pPr>
-            <a:lvl3pPr>
-              <a:defRPr sz="1600"/>
-            </a:lvl3pPr>
-            <a:lvl4pPr>
-              <a:defRPr sz="1400"/>
-            </a:lvl4pPr>
-            <a:lvl5pPr>
-              <a:defRPr sz="1400"/>
-            </a:lvl5pPr>
-            <a:lvl6pPr>
-              <a:defRPr sz="1400"/>
-            </a:lvl6pPr>
-            <a:lvl7pPr>
-              <a:defRPr sz="1400"/>
-            </a:lvl7pPr>
-            <a:lvl8pPr>
-              <a:defRPr sz="1400"/>
-            </a:lvl8pPr>
-            <a:lvl9pPr>
-              <a:defRPr sz="1400"/>
-            </a:lvl9pPr>
-          </a:lstStyle>
-          <a:p>
-            <a:pPr lvl="0"/>
-            <a:r>
-              <a:rPr lang="en-US"/>
-              <a:t>Edit Master text styles</a:t>
-            </a:r>
-          </a:p>
-          <a:p>
-            <a:pPr lvl="1"/>
-            <a:r>
-              <a:rPr lang="en-US"/>
-              <a:t>Second level</a:t>
-            </a:r>
-          </a:p>
-          <a:p>
-            <a:pPr lvl="2"/>
-            <a:r>
-              <a:rPr lang="en-US"/>
-              <a:t>Third level</a:t>
-            </a:r>
-          </a:p>
-          <a:p>
-            <a:pPr lvl="3"/>
-            <a:r>
-              <a:rPr lang="en-US"/>
-              <a:t>Fourth level</a:t>
-            </a:r>
-          </a:p>
-          <a:p>
-            <a:pPr lvl="4"/>
-            <a:r>
-              <a:rPr lang="en-US"/>
-              <a:t>Fifth level</a:t>
-            </a:r>
-            <a:endParaRPr lang="en-US" dirty="0"/>
-          </a:p>
-        </p:txBody>
-      </p:sp>
-      <p:sp>
-        <p:nvSpPr>
-          <p:cNvPr id="4" name="Text Placeholder 3"/>
-          <p:cNvSpPr>
-            <a:spLocks noGrp="1"/>
-          </p:cNvSpPr>
-          <p:nvPr>
-            <p:ph type="body" sz="half" idx="2"/>
-          </p:nvPr>
-        </p:nvSpPr>
-        <p:spPr>
-          <a:xfrm>
-            <a:off x="1484312" y="2971800"/>
-            <a:ext cx="3549121" cy="1828800"/>
-          </a:xfrm>
-        </p:spPr>
-        <p:txBody>
-          <a:bodyPr>
-            <a:normAutofit/>
-          </a:bodyPr>
-          <a:lstStyle>
-            <a:lvl1pPr marL="0" indent="0" algn="ctr">
-              <a:buNone/>
-              <a:defRPr sz="1600"/>
-            </a:lvl1pPr>
-            <a:lvl2pPr marL="457200" indent="0">
-              <a:buNone/>
-              <a:defRPr sz="1200"/>
-            </a:lvl2pPr>
-            <a:lvl3pPr marL="914400" indent="0">
-              <a:buNone/>
-              <a:defRPr sz="1000"/>
-            </a:lvl3pPr>
-            <a:lvl4pPr marL="1371600" indent="0">
-              <a:buNone/>
-              <a:defRPr sz="900"/>
-            </a:lvl4pPr>
-            <a:lvl5pPr marL="1828800" indent="0">
-              <a:buNone/>
-              <a:defRPr sz="900"/>
-            </a:lvl5pPr>
-            <a:lvl6pPr marL="2286000" indent="0">
-              <a:buNone/>
-              <a:defRPr sz="900"/>
-            </a:lvl6pPr>
-            <a:lvl7pPr marL="2743200" indent="0">
-              <a:buNone/>
-              <a:defRPr sz="900"/>
-            </a:lvl7pPr>
-            <a:lvl8pPr marL="3200400" indent="0">
-              <a:buNone/>
-              <a:defRPr sz="900"/>
-            </a:lvl8pPr>
-            <a:lvl9pPr marL="3657600" indent="0">
-              <a:buNone/>
-              <a:defRPr sz="900"/>
-            </a:lvl9pPr>
-          </a:lstStyle>
-          <a:p>
-            <a:pPr lvl="0"/>
-            <a:r>
-              <a:rPr lang="en-US"/>
-              <a:t>Edit Master text styles</a:t>
-            </a:r>
-          </a:p>
-        </p:txBody>
-      </p:sp>
-      <p:sp>
-        <p:nvSpPr>
-          <p:cNvPr id="5" name="Date Placeholder 4"/>
-          <p:cNvSpPr>
-            <a:spLocks noGrp="1"/>
-          </p:cNvSpPr>
-          <p:nvPr>
-            <p:ph type="dt" sz="half" idx="10"/>
-          </p:nvPr>
-        </p:nvSpPr>
-        <p:spPr/>
-        <p:txBody>
-          <a:bodyPr/>
-          <a:lstStyle/>
-          <a:p>
-            <a:fld id="{49E67328-1D56-4A44-8B5D-4ACCE58A1AA2}" type="datetimeFigureOut">
-              <a:rPr lang="en-US" smtClean="0"/>
-              <a:t>4/3/2018</a:t>
-            </a:fld>
-            <a:endParaRPr lang="en-US"/>
-          </a:p>
-        </p:txBody>
-      </p:sp>
-      <p:sp>
-        <p:nvSpPr>
-          <p:cNvPr id="6" name="Footer Placeholder 5"/>
-          <p:cNvSpPr>
-            <a:spLocks noGrp="1"/>
-          </p:cNvSpPr>
-          <p:nvPr>
-            <p:ph type="ftr" sz="quarter" idx="11"/>
-          </p:nvPr>
-        </p:nvSpPr>
-        <p:spPr/>
-        <p:txBody>
-          <a:bodyPr/>
-          <a:lstStyle/>
-          <a:p>
-            <a:endParaRPr lang="en-US"/>
-          </a:p>
-        </p:txBody>
-      </p:sp>
-      <p:sp>
-        <p:nvSpPr>
-          <p:cNvPr id="7" name="Slide Number Placeholder 6"/>
-          <p:cNvSpPr>
-            <a:spLocks noGrp="1"/>
-          </p:cNvSpPr>
-          <p:nvPr>
-            <p:ph type="sldNum" sz="quarter" idx="12"/>
-          </p:nvPr>
-        </p:nvSpPr>
-        <p:spPr/>
-        <p:txBody>
-          <a:bodyPr/>
-          <a:lstStyle/>
-          <a:p>
-            <a:fld id="{0E828AC7-A11D-457F-9724-B37764FA9CF7}" type="slidenum">
-              <a:rPr lang="en-US" smtClean="0"/>
-              <a:t>‹#›</a:t>
-            </a:fld>
-            <a:endParaRPr lang="en-US"/>
-          </a:p>
-        </p:txBody>
-      </p:sp>
-    </p:spTree>
-    <p:extLst>
-      <p:ext uri="{BB962C8B-B14F-4D97-AF65-F5344CB8AC3E}">
-        <p14:creationId xmlns:p14="http://schemas.microsoft.com/office/powerpoint/2010/main" val="2557304110"/>
-      </p:ext>
-    </p:extLst>
-  </p:cSld>
-  <p:clrMapOvr>
-    <a:masterClrMapping/>
-  </p:clrMapOvr>
-</p:sldLayout>
-</file>
-
-<file path=ppt/slideLayouts/slideLayout9.xml><?xml version="1.0" encoding="utf-8"?>
-<p:sldLayout xmlns:a="http://schemas.openxmlformats.org/drawingml/2006/main" xmlns:r="http://schemas.openxmlformats.org/officeDocument/2006/relationships" xmlns:p="http://schemas.openxmlformats.org/presentationml/2006/main" type="picTx" preserve="1">
-  <p:cSld name="Picture with Caption">
-    <p:spTree>
-      <p:nvGrpSpPr>
-        <p:cNvPr id="1" name=""/>
-        <p:cNvGrpSpPr/>
-        <p:nvPr/>
-      </p:nvGrpSpPr>
-      <p:grpSpPr>
-        <a:xfrm>
-          <a:off x="0" y="0"/>
-          <a:ext cx="0" cy="0"/>
-          <a:chOff x="0" y="0"/>
-          <a:chExt cx="0" cy="0"/>
-        </a:xfrm>
-      </p:grpSpPr>
-      <p:sp>
-        <p:nvSpPr>
-          <p:cNvPr id="2" name="Title 1"/>
-          <p:cNvSpPr>
-            <a:spLocks noGrp="1"/>
-          </p:cNvSpPr>
-          <p:nvPr>
-            <p:ph type="title"/>
-          </p:nvPr>
-        </p:nvSpPr>
-        <p:spPr>
-          <a:xfrm>
-            <a:off x="1482724" y="1752599"/>
-            <a:ext cx="5426158" cy="1371600"/>
-          </a:xfrm>
-        </p:spPr>
-        <p:txBody>
-          <a:bodyPr anchor="b">
-            <a:normAutofit/>
-          </a:bodyPr>
-          <a:lstStyle>
-            <a:lvl1pPr algn="ctr">
-              <a:defRPr sz="2800" b="0"/>
-            </a:lvl1pPr>
-          </a:lstStyle>
-          <a:p>
-            <a:r>
-              <a:rPr lang="en-US"/>
-              <a:t>Click to edit Master title style</a:t>
-            </a:r>
-            <a:endParaRPr lang="en-US" dirty="0"/>
-          </a:p>
-        </p:txBody>
-      </p:sp>
-      <p:sp>
-        <p:nvSpPr>
-          <p:cNvPr id="14" name="Picture Placeholder 2"/>
+          <p:cNvPr id="3" name="Picture Placeholder 2"/>
           <p:cNvSpPr>
             <a:spLocks noGrp="1" noChangeAspect="1"/>
           </p:cNvSpPr>
@@ -7445,12 +3666,12 @@
         </p:nvSpPr>
         <p:spPr>
           <a:xfrm>
-            <a:off x="7594682" y="914400"/>
-            <a:ext cx="3280974" cy="4572000"/>
+            <a:off x="2386012" y="932112"/>
+            <a:ext cx="8225944" cy="3164976"/>
           </a:xfrm>
           <a:prstGeom prst="roundRect">
             <a:avLst>
-              <a:gd name="adj" fmla="val 4280"/>
+              <a:gd name="adj" fmla="val 4380"/>
             </a:avLst>
           </a:prstGeom>
           <a:ln w="38100">
@@ -7540,8 +3761,8 @@
         </p:nvSpPr>
         <p:spPr>
           <a:xfrm>
-            <a:off x="1482724" y="3124199"/>
-            <a:ext cx="5426158" cy="1828800"/>
+            <a:off x="1484311" y="5299603"/>
+            <a:ext cx="10018711" cy="493712"/>
           </a:xfrm>
         </p:spPr>
         <p:txBody>
@@ -7551,7 +3772,7 @@
           <a:lstStyle>
             <a:lvl1pPr marL="0" indent="0" algn="ctr">
               <a:buNone/>
-              <a:defRPr sz="1800"/>
+              <a:defRPr sz="1400"/>
             </a:lvl1pPr>
             <a:lvl2pPr marL="457200" indent="0">
               <a:buNone/>
@@ -7612,7 +3833,7 @@
           <a:p>
             <a:fld id="{49E67328-1D56-4A44-8B5D-4ACCE58A1AA2}" type="datetimeFigureOut">
               <a:rPr lang="en-US" smtClean="0"/>
-              <a:t>4/3/2018</a:t>
+              <a:t>4/5/18</a:t>
             </a:fld>
             <a:endParaRPr lang="en-US"/>
           </a:p>
@@ -7663,7 +3884,7 @@
     </p:spTree>
     <p:extLst>
       <p:ext uri="{BB962C8B-B14F-4D97-AF65-F5344CB8AC3E}">
-        <p14:creationId xmlns:p14="http://schemas.microsoft.com/office/powerpoint/2010/main" val="4007285903"/>
+        <p14:creationId xmlns:p14="http://schemas.microsoft.com/office/powerpoint/2010/main" val="2638766670"/>
       </p:ext>
     </p:extLst>
   </p:cSld>
@@ -7674,11 +3895,11 @@
 </file>
 
 <file path=ppt/slideMasters/slideMaster1.xml><?xml version="1.0" encoding="utf-8"?>
-<p:sldMaster xmlns:a="http://schemas.openxmlformats.org/drawingml/2006/main" xmlns:r="http://schemas.openxmlformats.org/officeDocument/2006/relationships" xmlns:p="http://schemas.openxmlformats.org/presentationml/2006/main">
+<p:sldMaster xmlns:a="http://schemas.openxmlformats.org/drawingml/2006/main" xmlns:r="http://schemas.openxmlformats.org/officeDocument/2006/relationships" xmlns:p="http://schemas.openxmlformats.org/presentationml/2006/main" preserve="1">
   <p:cSld>
     <p:bg>
-      <p:bgRef idx="1003">
-        <a:schemeClr val="bg2"/>
+      <p:bgRef idx="1001">
+        <a:schemeClr val="bg1"/>
       </p:bgRef>
     </p:bg>
     <p:spTree>
@@ -7695,325 +3916,9 @@
           <a:chExt cx="0" cy="0"/>
         </a:xfrm>
       </p:grpSpPr>
-      <p:grpSp>
-        <p:nvGrpSpPr>
-          <p:cNvPr id="7" name="Group 6"/>
-          <p:cNvGrpSpPr/>
-          <p:nvPr/>
-        </p:nvGrpSpPr>
-        <p:grpSpPr>
-          <a:xfrm>
-            <a:off x="150812" y="0"/>
-            <a:ext cx="2436813" cy="6858001"/>
-            <a:chOff x="1320800" y="0"/>
-            <a:chExt cx="2436813" cy="6858001"/>
-          </a:xfrm>
-        </p:grpSpPr>
-        <p:sp>
-          <p:nvSpPr>
-            <p:cNvPr id="8" name="Freeform 6"/>
-            <p:cNvSpPr/>
-            <p:nvPr/>
-          </p:nvSpPr>
-          <p:spPr bwMode="auto">
-            <a:xfrm>
-              <a:off x="1627188" y="0"/>
-              <a:ext cx="1122363" cy="5329238"/>
-            </a:xfrm>
-            <a:custGeom>
-              <a:avLst/>
-              <a:gdLst/>
-              <a:ahLst/>
-              <a:cxnLst/>
-              <a:rect l="0" t="0" r="r" b="b"/>
-              <a:pathLst>
-                <a:path w="707" h="3357">
-                  <a:moveTo>
-                    <a:pt x="0" y="3330"/>
-                  </a:moveTo>
-                  <a:lnTo>
-                    <a:pt x="156" y="3357"/>
-                  </a:lnTo>
-                  <a:lnTo>
-                    <a:pt x="707" y="0"/>
-                  </a:lnTo>
-                  <a:lnTo>
-                    <a:pt x="547" y="0"/>
-                  </a:lnTo>
-                  <a:lnTo>
-                    <a:pt x="0" y="3330"/>
-                  </a:lnTo>
-                  <a:close/>
-                </a:path>
-              </a:pathLst>
-            </a:custGeom>
-            <a:solidFill>
-              <a:schemeClr val="accent1"/>
-            </a:solidFill>
-            <a:ln>
-              <a:noFill/>
-            </a:ln>
-          </p:spPr>
-        </p:sp>
-        <p:sp>
-          <p:nvSpPr>
-            <p:cNvPr id="9" name="Freeform 7"/>
-            <p:cNvSpPr/>
-            <p:nvPr/>
-          </p:nvSpPr>
-          <p:spPr bwMode="auto">
-            <a:xfrm>
-              <a:off x="1320800" y="0"/>
-              <a:ext cx="1117600" cy="5276850"/>
-            </a:xfrm>
-            <a:custGeom>
-              <a:avLst/>
-              <a:gdLst/>
-              <a:ahLst/>
-              <a:cxnLst/>
-              <a:rect l="0" t="0" r="r" b="b"/>
-              <a:pathLst>
-                <a:path w="704" h="3324">
-                  <a:moveTo>
-                    <a:pt x="704" y="0"/>
-                  </a:moveTo>
-                  <a:lnTo>
-                    <a:pt x="545" y="0"/>
-                  </a:lnTo>
-                  <a:lnTo>
-                    <a:pt x="0" y="3300"/>
-                  </a:lnTo>
-                  <a:lnTo>
-                    <a:pt x="157" y="3324"/>
-                  </a:lnTo>
-                  <a:lnTo>
-                    <a:pt x="704" y="0"/>
-                  </a:lnTo>
-                  <a:close/>
-                </a:path>
-              </a:pathLst>
-            </a:custGeom>
-            <a:solidFill>
-              <a:schemeClr val="tx1">
-                <a:lumMod val="65000"/>
-                <a:lumOff val="35000"/>
-              </a:schemeClr>
-            </a:solidFill>
-            <a:ln>
-              <a:noFill/>
-            </a:ln>
-          </p:spPr>
-        </p:sp>
-        <p:sp>
-          <p:nvSpPr>
-            <p:cNvPr id="10" name="Freeform 8"/>
-            <p:cNvSpPr/>
-            <p:nvPr/>
-          </p:nvSpPr>
-          <p:spPr bwMode="auto">
-            <a:xfrm>
-              <a:off x="1320800" y="5238750"/>
-              <a:ext cx="1228725" cy="1619250"/>
-            </a:xfrm>
-            <a:custGeom>
-              <a:avLst/>
-              <a:gdLst/>
-              <a:ahLst/>
-              <a:cxnLst/>
-              <a:rect l="0" t="0" r="r" b="b"/>
-              <a:pathLst>
-                <a:path w="774" h="1020">
-                  <a:moveTo>
-                    <a:pt x="0" y="0"/>
-                  </a:moveTo>
-                  <a:lnTo>
-                    <a:pt x="740" y="1020"/>
-                  </a:lnTo>
-                  <a:lnTo>
-                    <a:pt x="774" y="1020"/>
-                  </a:lnTo>
-                  <a:lnTo>
-                    <a:pt x="0" y="0"/>
-                  </a:lnTo>
-                  <a:close/>
-                </a:path>
-              </a:pathLst>
-            </a:custGeom>
-            <a:solidFill>
-              <a:schemeClr val="tx1">
-                <a:lumMod val="85000"/>
-                <a:lumOff val="15000"/>
-              </a:schemeClr>
-            </a:solidFill>
-            <a:ln>
-              <a:noFill/>
-            </a:ln>
-          </p:spPr>
-        </p:sp>
-        <p:sp>
-          <p:nvSpPr>
-            <p:cNvPr id="11" name="Freeform 9"/>
-            <p:cNvSpPr/>
-            <p:nvPr/>
-          </p:nvSpPr>
-          <p:spPr bwMode="auto">
-            <a:xfrm>
-              <a:off x="1627188" y="5291138"/>
-              <a:ext cx="1495425" cy="1566863"/>
-            </a:xfrm>
-            <a:custGeom>
-              <a:avLst/>
-              <a:gdLst/>
-              <a:ahLst/>
-              <a:cxnLst/>
-              <a:rect l="0" t="0" r="r" b="b"/>
-              <a:pathLst>
-                <a:path w="942" h="987">
-                  <a:moveTo>
-                    <a:pt x="0" y="0"/>
-                  </a:moveTo>
-                  <a:lnTo>
-                    <a:pt x="909" y="987"/>
-                  </a:lnTo>
-                  <a:lnTo>
-                    <a:pt x="942" y="987"/>
-                  </a:lnTo>
-                  <a:lnTo>
-                    <a:pt x="0" y="0"/>
-                  </a:lnTo>
-                  <a:close/>
-                </a:path>
-              </a:pathLst>
-            </a:custGeom>
-            <a:solidFill>
-              <a:schemeClr val="accent1">
-                <a:lumMod val="50000"/>
-              </a:schemeClr>
-            </a:solidFill>
-            <a:ln>
-              <a:noFill/>
-            </a:ln>
-          </p:spPr>
-        </p:sp>
-        <p:sp>
-          <p:nvSpPr>
-            <p:cNvPr id="12" name="Freeform 10"/>
-            <p:cNvSpPr/>
-            <p:nvPr/>
-          </p:nvSpPr>
-          <p:spPr bwMode="auto">
-            <a:xfrm>
-              <a:off x="1627188" y="5286375"/>
-              <a:ext cx="2130425" cy="1571625"/>
-            </a:xfrm>
-            <a:custGeom>
-              <a:avLst/>
-              <a:gdLst/>
-              <a:ahLst/>
-              <a:cxnLst/>
-              <a:rect l="0" t="0" r="r" b="b"/>
-              <a:pathLst>
-                <a:path w="1342" h="990">
-                  <a:moveTo>
-                    <a:pt x="0" y="3"/>
-                  </a:moveTo>
-                  <a:lnTo>
-                    <a:pt x="942" y="990"/>
-                  </a:lnTo>
-                  <a:lnTo>
-                    <a:pt x="1342" y="990"/>
-                  </a:lnTo>
-                  <a:lnTo>
-                    <a:pt x="156" y="27"/>
-                  </a:lnTo>
-                  <a:lnTo>
-                    <a:pt x="0" y="0"/>
-                  </a:lnTo>
-                  <a:lnTo>
-                    <a:pt x="0" y="3"/>
-                  </a:lnTo>
-                  <a:close/>
-                </a:path>
-              </a:pathLst>
-            </a:custGeom>
-            <a:solidFill>
-              <a:schemeClr val="accent1">
-                <a:lumMod val="75000"/>
-              </a:schemeClr>
-            </a:solidFill>
-            <a:ln>
-              <a:noFill/>
-            </a:ln>
-          </p:spPr>
-        </p:sp>
-        <p:sp>
-          <p:nvSpPr>
-            <p:cNvPr id="13" name="Freeform 11"/>
-            <p:cNvSpPr/>
-            <p:nvPr/>
-          </p:nvSpPr>
-          <p:spPr bwMode="auto">
-            <a:xfrm>
-              <a:off x="1320800" y="5238750"/>
-              <a:ext cx="1695450" cy="1619250"/>
-            </a:xfrm>
-            <a:custGeom>
-              <a:avLst/>
-              <a:gdLst/>
-              <a:ahLst/>
-              <a:cxnLst/>
-              <a:rect l="0" t="0" r="r" b="b"/>
-              <a:pathLst>
-                <a:path w="1068" h="1020">
-                  <a:moveTo>
-                    <a:pt x="1068" y="1020"/>
-                  </a:moveTo>
-                  <a:lnTo>
-                    <a:pt x="184" y="60"/>
-                  </a:lnTo>
-                  <a:lnTo>
-                    <a:pt x="154" y="27"/>
-                  </a:lnTo>
-                  <a:lnTo>
-                    <a:pt x="157" y="27"/>
-                  </a:lnTo>
-                  <a:lnTo>
-                    <a:pt x="157" y="24"/>
-                  </a:lnTo>
-                  <a:lnTo>
-                    <a:pt x="154" y="24"/>
-                  </a:lnTo>
-                  <a:lnTo>
-                    <a:pt x="0" y="0"/>
-                  </a:lnTo>
-                  <a:lnTo>
-                    <a:pt x="0" y="0"/>
-                  </a:lnTo>
-                  <a:lnTo>
-                    <a:pt x="774" y="1020"/>
-                  </a:lnTo>
-                  <a:lnTo>
-                    <a:pt x="1068" y="1020"/>
-                  </a:lnTo>
-                  <a:close/>
-                </a:path>
-              </a:pathLst>
-            </a:custGeom>
-            <a:solidFill>
-              <a:schemeClr val="tx1">
-                <a:lumMod val="75000"/>
-                <a:lumOff val="25000"/>
-              </a:schemeClr>
-            </a:solidFill>
-            <a:ln>
-              <a:noFill/>
-            </a:ln>
-          </p:spPr>
-        </p:sp>
-      </p:grpSp>
       <p:sp>
         <p:nvSpPr>
-          <p:cNvPr id="2" name="Title Placeholder 1"/>
+          <p:cNvPr id="7" name="Title Placeholder 1"/>
           <p:cNvSpPr>
             <a:spLocks noGrp="1"/>
           </p:cNvSpPr>
@@ -8023,42 +3928,8 @@
         </p:nvSpPr>
         <p:spPr>
           <a:xfrm>
-            <a:off x="1484311" y="685800"/>
-            <a:ext cx="10018713" cy="1752599"/>
-          </a:xfrm>
-          <a:prstGeom prst="rect">
-            <a:avLst/>
-          </a:prstGeom>
-          <a:effectLst/>
-        </p:spPr>
-        <p:txBody>
-          <a:bodyPr vert="horz" lIns="91440" tIns="45720" rIns="91440" bIns="45720" rtlCol="0" anchor="ctr">
-            <a:normAutofit/>
-          </a:bodyPr>
-          <a:lstStyle/>
-          <a:p>
-            <a:r>
-              <a:rPr lang="en-US"/>
-              <a:t>Click to edit Master title style</a:t>
-            </a:r>
-            <a:endParaRPr lang="en-US" dirty="0"/>
-          </a:p>
-        </p:txBody>
-      </p:sp>
-      <p:sp>
-        <p:nvSpPr>
-          <p:cNvPr id="3" name="Text Placeholder 2"/>
-          <p:cNvSpPr>
-            <a:spLocks noGrp="1"/>
-          </p:cNvSpPr>
-          <p:nvPr>
-            <p:ph type="body" idx="1"/>
-          </p:nvPr>
-        </p:nvSpPr>
-        <p:spPr>
-          <a:xfrm>
-            <a:off x="1484310" y="2666999"/>
-            <a:ext cx="10018713" cy="3124201"/>
+            <a:off x="1203644" y="368551"/>
+            <a:ext cx="10363200" cy="850734"/>
           </a:xfrm>
           <a:prstGeom prst="rect">
             <a:avLst/>
@@ -8070,57 +3941,217 @@
           </a:bodyPr>
           <a:lstStyle/>
           <a:p>
-            <a:pPr lvl="0"/>
-            <a:r>
-              <a:rPr lang="en-US"/>
-              <a:t>Edit Master text styles</a:t>
-            </a:r>
-          </a:p>
-          <a:p>
-            <a:pPr lvl="1"/>
-            <a:r>
-              <a:rPr lang="en-US"/>
-              <a:t>Second level</a:t>
-            </a:r>
-          </a:p>
-          <a:p>
-            <a:pPr lvl="2"/>
-            <a:r>
-              <a:rPr lang="en-US"/>
-              <a:t>Third level</a:t>
-            </a:r>
-          </a:p>
-          <a:p>
-            <a:pPr lvl="3"/>
-            <a:r>
-              <a:rPr lang="en-US"/>
-              <a:t>Fourth level</a:t>
-            </a:r>
-          </a:p>
-          <a:p>
-            <a:pPr lvl="4"/>
-            <a:r>
-              <a:rPr lang="en-US"/>
-              <a:t>Fifth level</a:t>
-            </a:r>
-            <a:endParaRPr lang="en-US" dirty="0"/>
+            <a:r>
+              <a:rPr lang="en-US" dirty="0"/>
+              <a:t>Click to edit Master title style</a:t>
+            </a:r>
           </a:p>
         </p:txBody>
       </p:sp>
       <p:sp>
         <p:nvSpPr>
-          <p:cNvPr id="4" name="Date Placeholder 3"/>
+          <p:cNvPr id="8" name="Text Placeholder 2"/>
           <p:cNvSpPr>
             <a:spLocks noGrp="1"/>
           </p:cNvSpPr>
           <p:nvPr>
+            <p:ph type="body" idx="1"/>
+          </p:nvPr>
+        </p:nvSpPr>
+        <p:spPr>
+          <a:xfrm>
+            <a:off x="1198271" y="1546225"/>
+            <a:ext cx="10363200" cy="4351338"/>
+          </a:xfrm>
+          <a:prstGeom prst="rect">
+            <a:avLst/>
+          </a:prstGeom>
+        </p:spPr>
+        <p:txBody>
+          <a:bodyPr vert="horz" lIns="91440" tIns="45720" rIns="91440" bIns="45720" rtlCol="0">
+            <a:normAutofit/>
+          </a:bodyPr>
+          <a:lstStyle/>
+          <a:p>
+            <a:pPr lvl="0"/>
+            <a:r>
+              <a:rPr lang="en-US" dirty="0"/>
+              <a:t>Click to edit Master text styles</a:t>
+            </a:r>
+          </a:p>
+          <a:p>
+            <a:pPr lvl="1"/>
+            <a:r>
+              <a:rPr lang="en-US" dirty="0"/>
+              <a:t>Second level</a:t>
+            </a:r>
+          </a:p>
+          <a:p>
+            <a:pPr lvl="2"/>
+            <a:r>
+              <a:rPr lang="en-US" dirty="0"/>
+              <a:t>Third level</a:t>
+            </a:r>
+          </a:p>
+          <a:p>
+            <a:pPr lvl="3"/>
+            <a:r>
+              <a:rPr lang="en-US" dirty="0"/>
+              <a:t>Fourth level</a:t>
+            </a:r>
+          </a:p>
+          <a:p>
+            <a:pPr lvl="4"/>
+            <a:r>
+              <a:rPr lang="en-US" dirty="0"/>
+              <a:t>Fifth level</a:t>
+            </a:r>
+          </a:p>
+        </p:txBody>
+      </p:sp>
+      <p:cxnSp>
+        <p:nvCxnSpPr>
+          <p:cNvPr id="12" name="Straight Connector 11"/>
+          <p:cNvCxnSpPr/>
+          <p:nvPr userDrawn="1"/>
+        </p:nvCxnSpPr>
+        <p:spPr>
+          <a:xfrm>
+            <a:off x="1196083" y="1383917"/>
+            <a:ext cx="10363200" cy="0"/>
+          </a:xfrm>
+          <a:prstGeom prst="line">
+            <a:avLst/>
+          </a:prstGeom>
+          <a:ln w="12700" cmpd="sng">
+            <a:solidFill>
+              <a:srgbClr val="004C6C"/>
+            </a:solidFill>
+          </a:ln>
+        </p:spPr>
+        <p:style>
+          <a:lnRef idx="1">
+            <a:schemeClr val="accent1"/>
+          </a:lnRef>
+          <a:fillRef idx="0">
+            <a:schemeClr val="accent1"/>
+          </a:fillRef>
+          <a:effectRef idx="0">
+            <a:schemeClr val="accent1"/>
+          </a:effectRef>
+          <a:fontRef idx="minor">
+            <a:schemeClr val="tx1"/>
+          </a:fontRef>
+        </p:style>
+      </p:cxnSp>
+      <p:sp>
+        <p:nvSpPr>
+          <p:cNvPr id="13" name="Date Placeholder 3"/>
+          <p:cNvSpPr>
+            <a:spLocks noGrp="1"/>
+          </p:cNvSpPr>
+          <p:nvPr userDrawn="1">
             <p:ph type="dt" sz="half" idx="2"/>
           </p:nvPr>
         </p:nvSpPr>
         <p:spPr>
           <a:xfrm>
-            <a:off x="9732656" y="5883275"/>
-            <a:ext cx="1143000" cy="365125"/>
+            <a:off x="1585884" y="6356352"/>
+            <a:ext cx="1828800" cy="365125"/>
+          </a:xfrm>
+          <a:prstGeom prst="rect">
+            <a:avLst/>
+          </a:prstGeom>
+        </p:spPr>
+        <p:txBody>
+          <a:bodyPr vert="horz" lIns="91440" tIns="45720" rIns="91440" bIns="45720" rtlCol="0" anchor="ctr"/>
+          <a:lstStyle>
+            <a:lvl1pPr algn="l">
+              <a:defRPr sz="1200">
+                <a:solidFill>
+                  <a:schemeClr val="tx1">
+                    <a:tint val="75000"/>
+                  </a:schemeClr>
+                </a:solidFill>
+                <a:latin typeface="Candara" panose="020E0502030303020204" pitchFamily="34" charset="0"/>
+              </a:defRPr>
+            </a:lvl1pPr>
+          </a:lstStyle>
+          <a:p>
+            <a:fld id="{F23001FA-6ECF-4C7B-9C2C-EBCB61AE800C}" type="datetime1">
+              <a:rPr lang="en-US" smtClean="0"/>
+              <a:t>4/5/18</a:t>
+            </a:fld>
+            <a:endParaRPr lang="en-US"/>
+          </a:p>
+        </p:txBody>
+      </p:sp>
+      <p:sp>
+        <p:nvSpPr>
+          <p:cNvPr id="14" name="Footer Placeholder 4"/>
+          <p:cNvSpPr>
+            <a:spLocks noGrp="1"/>
+          </p:cNvSpPr>
+          <p:nvPr userDrawn="1">
+            <p:ph type="ftr" sz="quarter" idx="3"/>
+          </p:nvPr>
+        </p:nvSpPr>
+        <p:spPr>
+          <a:xfrm>
+            <a:off x="4329084" y="6356351"/>
+            <a:ext cx="4114800" cy="365125"/>
+          </a:xfrm>
+          <a:prstGeom prst="rect">
+            <a:avLst/>
+          </a:prstGeom>
+        </p:spPr>
+        <p:txBody>
+          <a:bodyPr vert="horz" lIns="91440" tIns="45720" rIns="91440" bIns="45720" rtlCol="0" anchor="ctr"/>
+          <a:lstStyle>
+            <a:lvl1pPr algn="ctr">
+              <a:defRPr sz="1200">
+                <a:solidFill>
+                  <a:schemeClr val="tx1">
+                    <a:tint val="75000"/>
+                  </a:schemeClr>
+                </a:solidFill>
+                <a:latin typeface="Candara" panose="020E0502030303020204" pitchFamily="34" charset="0"/>
+              </a:defRPr>
+            </a:lvl1pPr>
+          </a:lstStyle>
+          <a:p>
+            <a:r>
+              <a:rPr lang="en-US" dirty="0"/>
+              <a:t>Sealing Technologies, Inc.	</a:t>
+            </a:r>
+            <a:r>
+              <a:rPr lang="en-US" dirty="0" err="1"/>
+              <a:t>www.sealingtech.org</a:t>
+            </a:r>
+            <a:endParaRPr lang="en-US" dirty="0"/>
+          </a:p>
+          <a:p>
+            <a:r>
+              <a:rPr lang="en-US" dirty="0"/>
+              <a:t>7226 Lee Deforest Dr. Suite 204 Columbia, MD 21046</a:t>
+            </a:r>
+          </a:p>
+        </p:txBody>
+      </p:sp>
+      <p:sp>
+        <p:nvSpPr>
+          <p:cNvPr id="15" name="Slide Number Placeholder 5"/>
+          <p:cNvSpPr>
+            <a:spLocks noGrp="1"/>
+          </p:cNvSpPr>
+          <p:nvPr userDrawn="1">
+            <p:ph type="sldNum" sz="quarter" idx="4"/>
+          </p:nvPr>
+        </p:nvSpPr>
+        <p:spPr>
+          <a:xfrm>
+            <a:off x="9358284" y="6356352"/>
+            <a:ext cx="1828800" cy="365125"/>
           </a:xfrm>
           <a:prstGeom prst="rect">
             <a:avLst/>
@@ -8130,427 +4161,362 @@
           <a:bodyPr vert="horz" lIns="91440" tIns="45720" rIns="91440" bIns="45720" rtlCol="0" anchor="ctr"/>
           <a:lstStyle>
             <a:lvl1pPr algn="r">
-              <a:defRPr sz="1000" b="0" i="0">
+              <a:defRPr sz="1200">
                 <a:solidFill>
-                  <a:schemeClr val="tx1"/>
+                  <a:schemeClr val="tx1">
+                    <a:tint val="75000"/>
+                  </a:schemeClr>
                 </a:solidFill>
-                <a:effectLst/>
-                <a:latin typeface="+mn-lt"/>
+                <a:latin typeface="Candara" panose="020E0502030303020204" pitchFamily="34" charset="0"/>
               </a:defRPr>
             </a:lvl1pPr>
           </a:lstStyle>
           <a:p>
-            <a:fld id="{49E67328-1D56-4A44-8B5D-4ACCE58A1AA2}" type="datetimeFigureOut">
+            <a:fld id="{89BEB1D7-6D42-4923-AA48-F5C97588263B}" type="slidenum">
               <a:rPr lang="en-US" smtClean="0"/>
-              <a:t>4/3/2018</a:t>
-            </a:fld>
-            <a:endParaRPr lang="en-US"/>
-          </a:p>
-        </p:txBody>
-      </p:sp>
-      <p:sp>
-        <p:nvSpPr>
-          <p:cNvPr id="5" name="Footer Placeholder 4"/>
-          <p:cNvSpPr>
-            <a:spLocks noGrp="1"/>
-          </p:cNvSpPr>
-          <p:nvPr>
-            <p:ph type="ftr" sz="quarter" idx="3"/>
-          </p:nvPr>
-        </p:nvSpPr>
-        <p:spPr>
-          <a:xfrm>
-            <a:off x="2572279" y="5883275"/>
-            <a:ext cx="7084177" cy="365125"/>
-          </a:xfrm>
-          <a:prstGeom prst="rect">
-            <a:avLst/>
-          </a:prstGeom>
-        </p:spPr>
-        <p:txBody>
-          <a:bodyPr vert="horz" lIns="91440" tIns="45720" rIns="91440" bIns="45720" rtlCol="0" anchor="ctr"/>
-          <a:lstStyle>
-            <a:lvl1pPr algn="l">
-              <a:defRPr sz="1000" b="0" i="0">
-                <a:solidFill>
-                  <a:schemeClr val="tx1"/>
-                </a:solidFill>
-                <a:effectLst/>
-                <a:latin typeface="+mn-lt"/>
-              </a:defRPr>
-            </a:lvl1pPr>
-          </a:lstStyle>
-          <a:p>
-            <a:endParaRPr lang="en-US"/>
-          </a:p>
-        </p:txBody>
-      </p:sp>
-      <p:sp>
-        <p:nvSpPr>
-          <p:cNvPr id="6" name="Slide Number Placeholder 5"/>
-          <p:cNvSpPr>
-            <a:spLocks noGrp="1"/>
-          </p:cNvSpPr>
-          <p:nvPr>
-            <p:ph type="sldNum" sz="quarter" idx="4"/>
-          </p:nvPr>
-        </p:nvSpPr>
-        <p:spPr>
-          <a:xfrm>
-            <a:off x="10951856" y="5883275"/>
-            <a:ext cx="551167" cy="365125"/>
-          </a:xfrm>
-          <a:prstGeom prst="rect">
-            <a:avLst/>
-          </a:prstGeom>
-        </p:spPr>
-        <p:txBody>
-          <a:bodyPr vert="horz" lIns="91440" tIns="45720" rIns="91440" bIns="45720" rtlCol="0" anchor="ctr"/>
-          <a:lstStyle>
-            <a:lvl1pPr algn="r">
-              <a:defRPr sz="1000" b="0" i="0">
-                <a:solidFill>
-                  <a:schemeClr val="tx1"/>
-                </a:solidFill>
-                <a:effectLst/>
-                <a:latin typeface="+mn-lt"/>
-              </a:defRPr>
-            </a:lvl1pPr>
-          </a:lstStyle>
-          <a:p>
-            <a:fld id="{0E828AC7-A11D-457F-9724-B37764FA9CF7}" type="slidenum">
-              <a:rPr lang="en-US" smtClean="0"/>
+              <a:pPr/>
               <a:t>‹#›</a:t>
             </a:fld>
             <a:endParaRPr lang="en-US"/>
           </a:p>
         </p:txBody>
       </p:sp>
+      <p:grpSp>
+        <p:nvGrpSpPr>
+          <p:cNvPr id="16" name="Group 15"/>
+          <p:cNvGrpSpPr/>
+          <p:nvPr userDrawn="1"/>
+        </p:nvGrpSpPr>
+        <p:grpSpPr>
+          <a:xfrm>
+            <a:off x="0" y="0"/>
+            <a:ext cx="724747" cy="6858000"/>
+            <a:chOff x="0" y="0"/>
+            <a:chExt cx="543560" cy="10058400"/>
+          </a:xfrm>
+        </p:grpSpPr>
+        <p:sp>
+          <p:nvSpPr>
+            <p:cNvPr id="17" name="Rectangle 16"/>
+            <p:cNvSpPr/>
+            <p:nvPr userDrawn="1"/>
+          </p:nvSpPr>
+          <p:spPr>
+            <a:xfrm>
+              <a:off x="0" y="0"/>
+              <a:ext cx="457200" cy="10058400"/>
+            </a:xfrm>
+            <a:prstGeom prst="rect">
+              <a:avLst/>
+            </a:prstGeom>
+            <a:solidFill>
+              <a:srgbClr val="3C3C3C"/>
+            </a:solidFill>
+            <a:ln>
+              <a:solidFill>
+                <a:srgbClr val="3C3C3C"/>
+              </a:solidFill>
+            </a:ln>
+            <a:effectLst>
+              <a:outerShdw blurRad="40000" dist="23000" dir="5400000" rotWithShape="0">
+                <a:srgbClr val="000000">
+                  <a:alpha val="35000"/>
+                </a:srgbClr>
+              </a:outerShdw>
+            </a:effectLst>
+          </p:spPr>
+          <p:style>
+            <a:lnRef idx="1">
+              <a:schemeClr val="accent1"/>
+            </a:lnRef>
+            <a:fillRef idx="3">
+              <a:schemeClr val="accent1"/>
+            </a:fillRef>
+            <a:effectRef idx="2">
+              <a:schemeClr val="accent1"/>
+            </a:effectRef>
+            <a:fontRef idx="minor">
+              <a:schemeClr val="lt1"/>
+            </a:fontRef>
+          </p:style>
+          <p:txBody>
+            <a:bodyPr rot="0" spcFirstLastPara="0" vert="horz" wrap="square" lIns="91440" tIns="45720" rIns="91440" bIns="45720" numCol="1" spcCol="0" rtlCol="0" fromWordArt="0" anchor="ctr" anchorCtr="0" forceAA="0" compatLnSpc="1">
+              <a:prstTxWarp prst="textNoShape">
+                <a:avLst/>
+              </a:prstTxWarp>
+              <a:noAutofit/>
+            </a:bodyPr>
+            <a:lstStyle/>
+            <a:p>
+              <a:endParaRPr lang="en-US" sz="1800"/>
+            </a:p>
+          </p:txBody>
+        </p:sp>
+        <p:sp>
+          <p:nvSpPr>
+            <p:cNvPr id="18" name="Rectangle 17"/>
+            <p:cNvSpPr/>
+            <p:nvPr userDrawn="1"/>
+          </p:nvSpPr>
+          <p:spPr>
+            <a:xfrm>
+              <a:off x="452120" y="0"/>
+              <a:ext cx="91440" cy="10058400"/>
+            </a:xfrm>
+            <a:prstGeom prst="rect">
+              <a:avLst/>
+            </a:prstGeom>
+            <a:solidFill>
+              <a:srgbClr val="A70E12"/>
+            </a:solidFill>
+            <a:ln>
+              <a:solidFill>
+                <a:srgbClr val="A70E12"/>
+              </a:solidFill>
+            </a:ln>
+            <a:effectLst>
+              <a:outerShdw blurRad="40000" dist="23000" dir="5400000" rotWithShape="0">
+                <a:srgbClr val="000000">
+                  <a:alpha val="35000"/>
+                </a:srgbClr>
+              </a:outerShdw>
+            </a:effectLst>
+          </p:spPr>
+          <p:style>
+            <a:lnRef idx="1">
+              <a:schemeClr val="accent1"/>
+            </a:lnRef>
+            <a:fillRef idx="3">
+              <a:schemeClr val="accent1"/>
+            </a:fillRef>
+            <a:effectRef idx="2">
+              <a:schemeClr val="accent1"/>
+            </a:effectRef>
+            <a:fontRef idx="minor">
+              <a:schemeClr val="lt1"/>
+            </a:fontRef>
+          </p:style>
+          <p:txBody>
+            <a:bodyPr rot="0" spcFirstLastPara="0" vert="horz" wrap="square" lIns="91440" tIns="45720" rIns="91440" bIns="45720" numCol="1" spcCol="0" rtlCol="0" fromWordArt="0" anchor="ctr" anchorCtr="0" forceAA="0" compatLnSpc="1">
+              <a:prstTxWarp prst="textNoShape">
+                <a:avLst/>
+              </a:prstTxWarp>
+              <a:noAutofit/>
+            </a:bodyPr>
+            <a:lstStyle/>
+            <a:p>
+              <a:endParaRPr lang="en-US" sz="1800"/>
+            </a:p>
+          </p:txBody>
+        </p:sp>
+      </p:grpSp>
     </p:spTree>
     <p:extLst>
       <p:ext uri="{BB962C8B-B14F-4D97-AF65-F5344CB8AC3E}">
-        <p14:creationId xmlns:p14="http://schemas.microsoft.com/office/powerpoint/2010/main" val="1137530028"/>
+        <p14:creationId xmlns:p14="http://schemas.microsoft.com/office/powerpoint/2010/main" val="1948119721"/>
       </p:ext>
     </p:extLst>
   </p:cSld>
   <p:clrMap bg1="lt1" tx1="dk1" bg2="lt2" tx2="dk2" accent1="accent1" accent2="accent2" accent3="accent3" accent4="accent4" accent5="accent5" accent6="accent6" hlink="hlink" folHlink="folHlink"/>
   <p:sldLayoutIdLst>
-    <p:sldLayoutId id="2147483661" r:id="rId1"/>
-    <p:sldLayoutId id="2147483662" r:id="rId2"/>
-    <p:sldLayoutId id="2147483663" r:id="rId3"/>
-    <p:sldLayoutId id="2147483664" r:id="rId4"/>
-    <p:sldLayoutId id="2147483665" r:id="rId5"/>
-    <p:sldLayoutId id="2147483666" r:id="rId6"/>
-    <p:sldLayoutId id="2147483667" r:id="rId7"/>
-    <p:sldLayoutId id="2147483668" r:id="rId8"/>
-    <p:sldLayoutId id="2147483669" r:id="rId9"/>
-    <p:sldLayoutId id="2147483670" r:id="rId10"/>
-    <p:sldLayoutId id="2147483671" r:id="rId11"/>
-    <p:sldLayoutId id="2147483672" r:id="rId12"/>
-    <p:sldLayoutId id="2147483673" r:id="rId13"/>
-    <p:sldLayoutId id="2147483674" r:id="rId14"/>
-    <p:sldLayoutId id="2147483675" r:id="rId15"/>
-    <p:sldLayoutId id="2147483676" r:id="rId16"/>
-    <p:sldLayoutId id="2147483677" r:id="rId17"/>
+    <p:sldLayoutId id="2147483679" r:id="rId1"/>
+    <p:sldLayoutId id="2147483680" r:id="rId2"/>
+    <p:sldLayoutId id="2147483681" r:id="rId3"/>
+    <p:sldLayoutId id="2147483682" r:id="rId4"/>
+    <p:sldLayoutId id="2147483683" r:id="rId5"/>
   </p:sldLayoutIdLst>
+  <p:hf hdr="0"/>
   <p:txStyles>
     <p:titleStyle>
-      <a:lvl1pPr algn="ctr" defTabSz="457200" rtl="0" eaLnBrk="1" latinLnBrk="0" hangingPunct="1">
+      <a:lvl1pPr algn="l" defTabSz="914400" rtl="0" eaLnBrk="1" latinLnBrk="0" hangingPunct="1">
+        <a:lnSpc>
+          <a:spcPct val="90000"/>
+        </a:lnSpc>
         <a:spcBef>
           <a:spcPct val="0"/>
         </a:spcBef>
         <a:buNone/>
-        <a:defRPr sz="4000" kern="1200" cap="none">
-          <a:ln w="3175" cmpd="sng">
-            <a:noFill/>
-          </a:ln>
+        <a:defRPr sz="4400" kern="1200">
           <a:solidFill>
-            <a:schemeClr val="tx1"/>
+            <a:schemeClr val="tx1">
+              <a:lumMod val="75000"/>
+              <a:lumOff val="25000"/>
+            </a:schemeClr>
           </a:solidFill>
-          <a:effectLst/>
-          <a:latin typeface="+mj-lt"/>
+          <a:latin typeface="Times New Roman" panose="02020603050405020304" pitchFamily="18" charset="0"/>
           <a:ea typeface="+mj-ea"/>
-          <a:cs typeface="+mj-cs"/>
+          <a:cs typeface="Times New Roman" panose="02020603050405020304" pitchFamily="18" charset="0"/>
         </a:defRPr>
       </a:lvl1pPr>
-      <a:lvl2pPr eaLnBrk="1" hangingPunct="1">
-        <a:defRPr>
-          <a:solidFill>
-            <a:schemeClr val="tx2"/>
-          </a:solidFill>
-        </a:defRPr>
-      </a:lvl2pPr>
-      <a:lvl3pPr eaLnBrk="1" hangingPunct="1">
-        <a:defRPr>
-          <a:solidFill>
-            <a:schemeClr val="tx2"/>
-          </a:solidFill>
-        </a:defRPr>
-      </a:lvl3pPr>
-      <a:lvl4pPr eaLnBrk="1" hangingPunct="1">
-        <a:defRPr>
-          <a:solidFill>
-            <a:schemeClr val="tx2"/>
-          </a:solidFill>
-        </a:defRPr>
-      </a:lvl4pPr>
-      <a:lvl5pPr eaLnBrk="1" hangingPunct="1">
-        <a:defRPr>
-          <a:solidFill>
-            <a:schemeClr val="tx2"/>
-          </a:solidFill>
-        </a:defRPr>
-      </a:lvl5pPr>
-      <a:lvl6pPr eaLnBrk="1" hangingPunct="1">
-        <a:defRPr>
-          <a:solidFill>
-            <a:schemeClr val="tx2"/>
-          </a:solidFill>
-        </a:defRPr>
-      </a:lvl6pPr>
-      <a:lvl7pPr eaLnBrk="1" hangingPunct="1">
-        <a:defRPr>
-          <a:solidFill>
-            <a:schemeClr val="tx2"/>
-          </a:solidFill>
-        </a:defRPr>
-      </a:lvl7pPr>
-      <a:lvl8pPr eaLnBrk="1" hangingPunct="1">
-        <a:defRPr>
-          <a:solidFill>
-            <a:schemeClr val="tx2"/>
-          </a:solidFill>
-        </a:defRPr>
-      </a:lvl8pPr>
-      <a:lvl9pPr eaLnBrk="1" hangingPunct="1">
-        <a:defRPr>
-          <a:solidFill>
-            <a:schemeClr val="tx2"/>
-          </a:solidFill>
-        </a:defRPr>
-      </a:lvl9pPr>
     </p:titleStyle>
     <p:bodyStyle>
-      <a:lvl1pPr marL="285750" indent="-285750" algn="l" defTabSz="457200" rtl="0" eaLnBrk="1" latinLnBrk="0" hangingPunct="1">
+      <a:lvl1pPr marL="228600" indent="-228600" algn="l" defTabSz="914400" rtl="0" eaLnBrk="1" latinLnBrk="0" hangingPunct="1">
+        <a:lnSpc>
+          <a:spcPct val="90000"/>
+        </a:lnSpc>
         <a:spcBef>
-          <a:spcPct val="20000"/>
+          <a:spcPts val="1000"/>
         </a:spcBef>
-        <a:spcAft>
-          <a:spcPts val="600"/>
-        </a:spcAft>
-        <a:buClr>
-          <a:schemeClr val="accent1">
-            <a:lumMod val="75000"/>
-          </a:schemeClr>
-        </a:buClr>
-        <a:buSzPct val="145000"/>
-        <a:buFont typeface="Arial"/>
+        <a:buFont typeface="Arial" panose="020B0604020202020204" pitchFamily="34" charset="0"/>
         <a:buChar char="•"/>
-        <a:defRPr sz="2400" kern="1200" cap="none">
+        <a:defRPr sz="2800" kern="1200">
           <a:solidFill>
-            <a:schemeClr val="tx1"/>
+            <a:schemeClr val="bg1">
+              <a:lumMod val="65000"/>
+            </a:schemeClr>
           </a:solidFill>
-          <a:effectLst/>
-          <a:latin typeface="+mn-lt"/>
+          <a:latin typeface="Candara" panose="020E0502030303020204" pitchFamily="34" charset="0"/>
           <a:ea typeface="+mn-ea"/>
           <a:cs typeface="+mn-cs"/>
         </a:defRPr>
       </a:lvl1pPr>
-      <a:lvl2pPr marL="742950" indent="-285750" algn="l" defTabSz="457200" rtl="0" eaLnBrk="1" latinLnBrk="0" hangingPunct="1">
+      <a:lvl2pPr marL="685800" indent="-228600" algn="l" defTabSz="914400" rtl="0" eaLnBrk="1" latinLnBrk="0" hangingPunct="1">
+        <a:lnSpc>
+          <a:spcPct val="90000"/>
+        </a:lnSpc>
         <a:spcBef>
-          <a:spcPct val="20000"/>
+          <a:spcPts val="500"/>
         </a:spcBef>
-        <a:spcAft>
-          <a:spcPts val="600"/>
-        </a:spcAft>
-        <a:buClr>
-          <a:schemeClr val="accent1">
-            <a:lumMod val="75000"/>
-          </a:schemeClr>
-        </a:buClr>
-        <a:buSzPct val="145000"/>
-        <a:buFont typeface="Arial"/>
+        <a:buFont typeface="Arial" panose="020B0604020202020204" pitchFamily="34" charset="0"/>
         <a:buChar char="•"/>
-        <a:defRPr sz="2000" kern="1200" cap="none">
+        <a:defRPr sz="2400" kern="1200">
           <a:solidFill>
-            <a:schemeClr val="tx1"/>
+            <a:schemeClr val="bg1">
+              <a:lumMod val="65000"/>
+            </a:schemeClr>
           </a:solidFill>
-          <a:effectLst/>
-          <a:latin typeface="+mn-lt"/>
+          <a:latin typeface="Candara" panose="020E0502030303020204" pitchFamily="34" charset="0"/>
           <a:ea typeface="+mn-ea"/>
           <a:cs typeface="+mn-cs"/>
         </a:defRPr>
       </a:lvl2pPr>
-      <a:lvl3pPr marL="1200150" indent="-285750" algn="l" defTabSz="457200" rtl="0" eaLnBrk="1" latinLnBrk="0" hangingPunct="1">
+      <a:lvl3pPr marL="1143000" indent="-228600" algn="l" defTabSz="914400" rtl="0" eaLnBrk="1" latinLnBrk="0" hangingPunct="1">
+        <a:lnSpc>
+          <a:spcPct val="90000"/>
+        </a:lnSpc>
         <a:spcBef>
-          <a:spcPct val="20000"/>
+          <a:spcPts val="500"/>
         </a:spcBef>
-        <a:spcAft>
-          <a:spcPts val="600"/>
-        </a:spcAft>
-        <a:buClr>
-          <a:schemeClr val="accent1">
-            <a:lumMod val="75000"/>
-          </a:schemeClr>
-        </a:buClr>
-        <a:buSzPct val="145000"/>
-        <a:buFont typeface="Arial"/>
+        <a:buFont typeface="Arial" panose="020B0604020202020204" pitchFamily="34" charset="0"/>
         <a:buChar char="•"/>
-        <a:defRPr sz="1800" kern="1200" cap="none">
+        <a:defRPr sz="2000" kern="1200">
           <a:solidFill>
-            <a:schemeClr val="tx1"/>
+            <a:schemeClr val="bg1">
+              <a:lumMod val="65000"/>
+            </a:schemeClr>
           </a:solidFill>
-          <a:effectLst/>
-          <a:latin typeface="+mn-lt"/>
+          <a:latin typeface="Candara" panose="020E0502030303020204" pitchFamily="34" charset="0"/>
           <a:ea typeface="+mn-ea"/>
           <a:cs typeface="+mn-cs"/>
         </a:defRPr>
       </a:lvl3pPr>
-      <a:lvl4pPr marL="1543050" indent="-171450" algn="l" defTabSz="457200" rtl="0" eaLnBrk="1" latinLnBrk="0" hangingPunct="1">
+      <a:lvl4pPr marL="1600200" indent="-228600" algn="l" defTabSz="914400" rtl="0" eaLnBrk="1" latinLnBrk="0" hangingPunct="1">
+        <a:lnSpc>
+          <a:spcPct val="90000"/>
+        </a:lnSpc>
         <a:spcBef>
-          <a:spcPct val="20000"/>
+          <a:spcPts val="500"/>
         </a:spcBef>
-        <a:spcAft>
-          <a:spcPts val="600"/>
-        </a:spcAft>
-        <a:buClr>
-          <a:schemeClr val="accent1">
-            <a:lumMod val="75000"/>
-          </a:schemeClr>
-        </a:buClr>
-        <a:buSzPct val="145000"/>
-        <a:buFont typeface="Arial"/>
+        <a:buFont typeface="Arial" panose="020B0604020202020204" pitchFamily="34" charset="0"/>
         <a:buChar char="•"/>
-        <a:defRPr sz="1600" kern="1200" cap="none">
+        <a:defRPr sz="1800" kern="1200">
           <a:solidFill>
-            <a:schemeClr val="tx1"/>
+            <a:schemeClr val="bg1">
+              <a:lumMod val="65000"/>
+            </a:schemeClr>
           </a:solidFill>
-          <a:effectLst/>
-          <a:latin typeface="+mn-lt"/>
+          <a:latin typeface="Candara" panose="020E0502030303020204" pitchFamily="34" charset="0"/>
           <a:ea typeface="+mn-ea"/>
           <a:cs typeface="+mn-cs"/>
         </a:defRPr>
       </a:lvl4pPr>
-      <a:lvl5pPr marL="2000250" indent="-171450" algn="l" defTabSz="457200" rtl="0" eaLnBrk="1" latinLnBrk="0" hangingPunct="1">
+      <a:lvl5pPr marL="2057400" indent="-228600" algn="l" defTabSz="914400" rtl="0" eaLnBrk="1" latinLnBrk="0" hangingPunct="1">
+        <a:lnSpc>
+          <a:spcPct val="90000"/>
+        </a:lnSpc>
         <a:spcBef>
-          <a:spcPct val="20000"/>
+          <a:spcPts val="500"/>
         </a:spcBef>
-        <a:spcAft>
-          <a:spcPts val="600"/>
-        </a:spcAft>
-        <a:buClr>
-          <a:schemeClr val="accent1">
-            <a:lumMod val="75000"/>
-          </a:schemeClr>
-        </a:buClr>
-        <a:buSzPct val="145000"/>
-        <a:buFont typeface="Arial"/>
+        <a:buFont typeface="Arial" panose="020B0604020202020204" pitchFamily="34" charset="0"/>
         <a:buChar char="•"/>
-        <a:defRPr sz="1400" kern="1200" cap="none">
+        <a:defRPr sz="1800" kern="1200">
           <a:solidFill>
-            <a:schemeClr val="tx1"/>
+            <a:schemeClr val="bg1">
+              <a:lumMod val="65000"/>
+            </a:schemeClr>
           </a:solidFill>
-          <a:effectLst/>
-          <a:latin typeface="+mn-lt"/>
+          <a:latin typeface="Candara" panose="020E0502030303020204" pitchFamily="34" charset="0"/>
           <a:ea typeface="+mn-ea"/>
           <a:cs typeface="+mn-cs"/>
         </a:defRPr>
       </a:lvl5pPr>
-      <a:lvl6pPr marL="2514600" indent="-228600" algn="l" defTabSz="457200" rtl="0" eaLnBrk="1" latinLnBrk="0" hangingPunct="1">
+      <a:lvl6pPr marL="2514600" indent="-228600" algn="l" defTabSz="914400" rtl="0" eaLnBrk="1" latinLnBrk="0" hangingPunct="1">
+        <a:lnSpc>
+          <a:spcPct val="90000"/>
+        </a:lnSpc>
         <a:spcBef>
-          <a:spcPct val="20000"/>
+          <a:spcPts val="500"/>
         </a:spcBef>
-        <a:spcAft>
-          <a:spcPts val="600"/>
-        </a:spcAft>
-        <a:buClr>
-          <a:schemeClr val="accent1">
-            <a:lumMod val="75000"/>
-          </a:schemeClr>
-        </a:buClr>
-        <a:buSzPct val="145000"/>
-        <a:buFont typeface="Arial"/>
+        <a:buFont typeface="Arial" panose="020B0604020202020204" pitchFamily="34" charset="0"/>
         <a:buChar char="•"/>
-        <a:defRPr sz="1400" kern="1200" cap="none">
+        <a:defRPr sz="1800" kern="1200">
           <a:solidFill>
             <a:schemeClr val="tx1"/>
           </a:solidFill>
-          <a:effectLst/>
           <a:latin typeface="+mn-lt"/>
           <a:ea typeface="+mn-ea"/>
           <a:cs typeface="+mn-cs"/>
         </a:defRPr>
       </a:lvl6pPr>
-      <a:lvl7pPr marL="2971800" indent="-228600" algn="l" defTabSz="457200" rtl="0" eaLnBrk="1" latinLnBrk="0" hangingPunct="1">
+      <a:lvl7pPr marL="2971800" indent="-228600" algn="l" defTabSz="914400" rtl="0" eaLnBrk="1" latinLnBrk="0" hangingPunct="1">
+        <a:lnSpc>
+          <a:spcPct val="90000"/>
+        </a:lnSpc>
         <a:spcBef>
-          <a:spcPct val="20000"/>
+          <a:spcPts val="500"/>
         </a:spcBef>
-        <a:spcAft>
-          <a:spcPts val="600"/>
-        </a:spcAft>
-        <a:buClr>
-          <a:schemeClr val="accent1">
-            <a:lumMod val="75000"/>
-          </a:schemeClr>
-        </a:buClr>
-        <a:buSzPct val="145000"/>
-        <a:buFont typeface="Arial"/>
+        <a:buFont typeface="Arial" panose="020B0604020202020204" pitchFamily="34" charset="0"/>
         <a:buChar char="•"/>
-        <a:defRPr sz="1400" kern="1200" cap="none">
+        <a:defRPr sz="1800" kern="1200">
           <a:solidFill>
             <a:schemeClr val="tx1"/>
           </a:solidFill>
-          <a:effectLst/>
           <a:latin typeface="+mn-lt"/>
           <a:ea typeface="+mn-ea"/>
           <a:cs typeface="+mn-cs"/>
         </a:defRPr>
       </a:lvl7pPr>
-      <a:lvl8pPr marL="3429000" indent="-228600" algn="l" defTabSz="457200" rtl="0" eaLnBrk="1" latinLnBrk="0" hangingPunct="1">
+      <a:lvl8pPr marL="3429000" indent="-228600" algn="l" defTabSz="914400" rtl="0" eaLnBrk="1" latinLnBrk="0" hangingPunct="1">
+        <a:lnSpc>
+          <a:spcPct val="90000"/>
+        </a:lnSpc>
         <a:spcBef>
-          <a:spcPct val="20000"/>
+          <a:spcPts val="500"/>
         </a:spcBef>
-        <a:spcAft>
-          <a:spcPts val="600"/>
-        </a:spcAft>
-        <a:buClr>
-          <a:schemeClr val="accent1">
-            <a:lumMod val="75000"/>
-          </a:schemeClr>
-        </a:buClr>
-        <a:buSzPct val="145000"/>
-        <a:buFont typeface="Arial"/>
+        <a:buFont typeface="Arial" panose="020B0604020202020204" pitchFamily="34" charset="0"/>
         <a:buChar char="•"/>
-        <a:defRPr sz="1400" kern="1200" cap="none">
+        <a:defRPr sz="1800" kern="1200">
           <a:solidFill>
             <a:schemeClr val="tx1"/>
           </a:solidFill>
-          <a:effectLst/>
           <a:latin typeface="+mn-lt"/>
           <a:ea typeface="+mn-ea"/>
           <a:cs typeface="+mn-cs"/>
         </a:defRPr>
       </a:lvl8pPr>
-      <a:lvl9pPr marL="3886200" indent="-228600" algn="l" defTabSz="457200" rtl="0" eaLnBrk="1" latinLnBrk="0" hangingPunct="1">
+      <a:lvl9pPr marL="3886200" indent="-228600" algn="l" defTabSz="914400" rtl="0" eaLnBrk="1" latinLnBrk="0" hangingPunct="1">
+        <a:lnSpc>
+          <a:spcPct val="90000"/>
+        </a:lnSpc>
         <a:spcBef>
-          <a:spcPct val="20000"/>
+          <a:spcPts val="500"/>
         </a:spcBef>
-        <a:spcAft>
-          <a:spcPts val="600"/>
-        </a:spcAft>
-        <a:buClr>
-          <a:schemeClr val="accent1">
-            <a:lumMod val="75000"/>
-          </a:schemeClr>
-        </a:buClr>
-        <a:buSzPct val="145000"/>
-        <a:buFont typeface="Arial"/>
+        <a:buFont typeface="Arial" panose="020B0604020202020204" pitchFamily="34" charset="0"/>
         <a:buChar char="•"/>
-        <a:defRPr sz="1400" kern="1200" cap="none">
+        <a:defRPr sz="1800" kern="1200">
           <a:solidFill>
             <a:schemeClr val="tx1"/>
           </a:solidFill>
-          <a:effectLst/>
           <a:latin typeface="+mn-lt"/>
           <a:ea typeface="+mn-ea"/>
           <a:cs typeface="+mn-cs"/>
@@ -8561,7 +4527,7 @@
       <a:defPPr>
         <a:defRPr lang="en-US"/>
       </a:defPPr>
-      <a:lvl1pPr marL="0" algn="l" defTabSz="457200" rtl="0" eaLnBrk="1" latinLnBrk="0" hangingPunct="1">
+      <a:lvl1pPr marL="0" algn="l" defTabSz="914400" rtl="0" eaLnBrk="1" latinLnBrk="0" hangingPunct="1">
         <a:defRPr sz="1800" kern="1200">
           <a:solidFill>
             <a:schemeClr val="tx1"/>
@@ -8571,7 +4537,7 @@
           <a:cs typeface="+mn-cs"/>
         </a:defRPr>
       </a:lvl1pPr>
-      <a:lvl2pPr marL="457200" algn="l" defTabSz="457200" rtl="0" eaLnBrk="1" latinLnBrk="0" hangingPunct="1">
+      <a:lvl2pPr marL="457200" algn="l" defTabSz="914400" rtl="0" eaLnBrk="1" latinLnBrk="0" hangingPunct="1">
         <a:defRPr sz="1800" kern="1200">
           <a:solidFill>
             <a:schemeClr val="tx1"/>
@@ -8581,7 +4547,7 @@
           <a:cs typeface="+mn-cs"/>
         </a:defRPr>
       </a:lvl2pPr>
-      <a:lvl3pPr marL="914400" algn="l" defTabSz="457200" rtl="0" eaLnBrk="1" latinLnBrk="0" hangingPunct="1">
+      <a:lvl3pPr marL="914400" algn="l" defTabSz="914400" rtl="0" eaLnBrk="1" latinLnBrk="0" hangingPunct="1">
         <a:defRPr sz="1800" kern="1200">
           <a:solidFill>
             <a:schemeClr val="tx1"/>
@@ -8591,7 +4557,7 @@
           <a:cs typeface="+mn-cs"/>
         </a:defRPr>
       </a:lvl3pPr>
-      <a:lvl4pPr marL="1371600" algn="l" defTabSz="457200" rtl="0" eaLnBrk="1" latinLnBrk="0" hangingPunct="1">
+      <a:lvl4pPr marL="1371600" algn="l" defTabSz="914400" rtl="0" eaLnBrk="1" latinLnBrk="0" hangingPunct="1">
         <a:defRPr sz="1800" kern="1200">
           <a:solidFill>
             <a:schemeClr val="tx1"/>
@@ -8601,7 +4567,7 @@
           <a:cs typeface="+mn-cs"/>
         </a:defRPr>
       </a:lvl4pPr>
-      <a:lvl5pPr marL="1828800" algn="l" defTabSz="457200" rtl="0" eaLnBrk="1" latinLnBrk="0" hangingPunct="1">
+      <a:lvl5pPr marL="1828800" algn="l" defTabSz="914400" rtl="0" eaLnBrk="1" latinLnBrk="0" hangingPunct="1">
         <a:defRPr sz="1800" kern="1200">
           <a:solidFill>
             <a:schemeClr val="tx1"/>
@@ -8611,7 +4577,7 @@
           <a:cs typeface="+mn-cs"/>
         </a:defRPr>
       </a:lvl5pPr>
-      <a:lvl6pPr marL="2286000" algn="l" defTabSz="457200" rtl="0" eaLnBrk="1" latinLnBrk="0" hangingPunct="1">
+      <a:lvl6pPr marL="2286000" algn="l" defTabSz="914400" rtl="0" eaLnBrk="1" latinLnBrk="0" hangingPunct="1">
         <a:defRPr sz="1800" kern="1200">
           <a:solidFill>
             <a:schemeClr val="tx1"/>
@@ -8621,7 +4587,7 @@
           <a:cs typeface="+mn-cs"/>
         </a:defRPr>
       </a:lvl6pPr>
-      <a:lvl7pPr marL="2743200" algn="l" defTabSz="457200" rtl="0" eaLnBrk="1" latinLnBrk="0" hangingPunct="1">
+      <a:lvl7pPr marL="2743200" algn="l" defTabSz="914400" rtl="0" eaLnBrk="1" latinLnBrk="0" hangingPunct="1">
         <a:defRPr sz="1800" kern="1200">
           <a:solidFill>
             <a:schemeClr val="tx1"/>
@@ -8631,7 +4597,7 @@
           <a:cs typeface="+mn-cs"/>
         </a:defRPr>
       </a:lvl7pPr>
-      <a:lvl8pPr marL="3200400" algn="l" defTabSz="457200" rtl="0" eaLnBrk="1" latinLnBrk="0" hangingPunct="1">
+      <a:lvl8pPr marL="3200400" algn="l" defTabSz="914400" rtl="0" eaLnBrk="1" latinLnBrk="0" hangingPunct="1">
         <a:defRPr sz="1800" kern="1200">
           <a:solidFill>
             <a:schemeClr val="tx1"/>
@@ -8641,7 +4607,7 @@
           <a:cs typeface="+mn-cs"/>
         </a:defRPr>
       </a:lvl8pPr>
-      <a:lvl9pPr marL="3657600" algn="l" defTabSz="457200" rtl="0" eaLnBrk="1" latinLnBrk="0" hangingPunct="1">
+      <a:lvl9pPr marL="3657600" algn="l" defTabSz="914400" rtl="0" eaLnBrk="1" latinLnBrk="0" hangingPunct="1">
         <a:defRPr sz="1800" kern="1200">
           <a:solidFill>
             <a:schemeClr val="tx1"/>
@@ -8678,7 +4644,7 @@
           <p:cNvPr id="2" name="Title 1">
             <a:extLst>
               <a:ext uri="{FF2B5EF4-FFF2-40B4-BE49-F238E27FC236}">
-                <a16:creationId xmlns:a16="http://schemas.microsoft.com/office/drawing/2014/main" xmlns="" id="{80A0F6CB-3EEE-457E-9B47-F1B8F074D97F}"/>
+                <a16:creationId xmlns:a16="http://schemas.microsoft.com/office/drawing/2014/main" id="{80A0F6CB-3EEE-457E-9B47-F1B8F074D97F}"/>
               </a:ext>
             </a:extLst>
           </p:cNvPr>
@@ -8692,7 +4658,7 @@
         <p:spPr/>
         <p:txBody>
           <a:bodyPr>
-            <a:normAutofit fontScale="90000"/>
+            <a:normAutofit/>
           </a:bodyPr>
           <a:lstStyle/>
           <a:p>
@@ -8715,7 +4681,7 @@
           <p:cNvPr id="4" name="Subtitle 3">
             <a:extLst>
               <a:ext uri="{FF2B5EF4-FFF2-40B4-BE49-F238E27FC236}">
-                <a16:creationId xmlns:a16="http://schemas.microsoft.com/office/drawing/2014/main" xmlns="" id="{C4AAACE8-A347-42A2-89BA-D4EF4704EB06}"/>
+                <a16:creationId xmlns:a16="http://schemas.microsoft.com/office/drawing/2014/main" id="{C4AAACE8-A347-42A2-89BA-D4EF4704EB06}"/>
               </a:ext>
             </a:extLst>
           </p:cNvPr>
@@ -8787,7 +4753,7 @@
           <p:cNvPr id="5" name="Title 4">
             <a:extLst>
               <a:ext uri="{FF2B5EF4-FFF2-40B4-BE49-F238E27FC236}">
-                <a16:creationId xmlns:a16="http://schemas.microsoft.com/office/drawing/2014/main" xmlns="" id="{3807C00D-46C3-428F-9CCF-04A07CB1EA8D}"/>
+                <a16:creationId xmlns:a16="http://schemas.microsoft.com/office/drawing/2014/main" id="{3807C00D-46C3-428F-9CCF-04A07CB1EA8D}"/>
               </a:ext>
             </a:extLst>
           </p:cNvPr>
@@ -8824,7 +4790,7 @@
           <p:cNvPr id="8" name="Content Placeholder 7">
             <a:extLst>
               <a:ext uri="{FF2B5EF4-FFF2-40B4-BE49-F238E27FC236}">
-                <a16:creationId xmlns:a16="http://schemas.microsoft.com/office/drawing/2014/main" xmlns="" id="{48BA6C6E-0398-4BC0-8711-A809B71C884C}"/>
+                <a16:creationId xmlns:a16="http://schemas.microsoft.com/office/drawing/2014/main" id="{48BA6C6E-0398-4BC0-8711-A809B71C884C}"/>
               </a:ext>
             </a:extLst>
           </p:cNvPr>
@@ -8837,13 +4803,13 @@
         </p:nvSpPr>
         <p:spPr>
           <a:xfrm>
-            <a:off x="1484310" y="1174044"/>
+            <a:off x="1484309" y="1797993"/>
             <a:ext cx="10459334" cy="4113573"/>
           </a:xfrm>
         </p:spPr>
         <p:txBody>
           <a:bodyPr>
-            <a:normAutofit/>
+            <a:normAutofit lnSpcReduction="10000"/>
           </a:bodyPr>
           <a:lstStyle/>
           <a:p>
@@ -8859,20 +4825,18 @@
               <a:rPr lang="en-US" dirty="0"/>
               <a:t>, is a text document that holds all the commands that a user could call on the command line to create an image. </a:t>
             </a:r>
-            <a:endParaRPr lang="en-US" dirty="0" smtClean="0"/>
-          </a:p>
-          <a:p>
-            <a:r>
-              <a:rPr lang="en-US" dirty="0" smtClean="0"/>
+          </a:p>
+          <a:p>
+            <a:r>
+              <a:rPr lang="en-US" dirty="0"/>
               <a:t>Images generally just contain a single application and all the libraries that are needed to run that application</a:t>
             </a:r>
           </a:p>
           <a:p>
             <a:r>
-              <a:rPr lang="en-US" dirty="0" smtClean="0"/>
+              <a:rPr lang="en-US" dirty="0"/>
               <a:t>Like onions and Ogres, images have layers this consumes less space and allows for faster deployments</a:t>
             </a:r>
-            <a:endParaRPr lang="en-US" dirty="0"/>
           </a:p>
           <a:p>
             <a:r>
@@ -8885,23 +4849,14 @@
             </a:r>
             <a:r>
               <a:rPr lang="en-US" dirty="0"/>
-              <a:t> already  exist for your common applications on Docker Hub</a:t>
-            </a:r>
-            <a:r>
-              <a:rPr lang="en-US" dirty="0" smtClean="0"/>
-              <a:t>!</a:t>
-            </a:r>
-          </a:p>
-          <a:p>
-            <a:r>
-              <a:rPr lang="en-US" dirty="0" smtClean="0"/>
-              <a:t>Generally you will start with an image, extend </a:t>
-            </a:r>
-            <a:r>
-              <a:rPr lang="en-US" dirty="0" smtClean="0"/>
-              <a:t> the image with your customizations and create a new image.</a:t>
-            </a:r>
-            <a:endParaRPr lang="en-US" dirty="0"/>
+              <a:t> already  exist for your common applications on Docker Hub!</a:t>
+            </a:r>
+          </a:p>
+          <a:p>
+            <a:r>
+              <a:rPr lang="en-US" dirty="0"/>
+              <a:t>Generally you will start with an image, extend  the image with your customizations and create a new image.</a:t>
+            </a:r>
           </a:p>
         </p:txBody>
       </p:sp>
@@ -9020,7 +4975,7 @@
           <p:cNvPr id="2" name="Title 1">
             <a:extLst>
               <a:ext uri="{FF2B5EF4-FFF2-40B4-BE49-F238E27FC236}">
-                <a16:creationId xmlns:a16="http://schemas.microsoft.com/office/drawing/2014/main" xmlns="" id="{B86473AA-047F-674E-AEDE-8FF1453D6423}"/>
+                <a16:creationId xmlns:a16="http://schemas.microsoft.com/office/drawing/2014/main" id="{B86473AA-047F-674E-AEDE-8FF1453D6423}"/>
               </a:ext>
             </a:extLst>
           </p:cNvPr>
@@ -9033,7 +4988,7 @@
         </p:nvSpPr>
         <p:spPr>
           <a:xfrm>
-            <a:off x="1484311" y="685800"/>
+            <a:off x="1484310" y="550333"/>
             <a:ext cx="10018713" cy="1109133"/>
           </a:xfrm>
         </p:spPr>
@@ -9053,7 +5008,7 @@
           <p:cNvPr id="3" name="Content Placeholder 2">
             <a:extLst>
               <a:ext uri="{FF2B5EF4-FFF2-40B4-BE49-F238E27FC236}">
-                <a16:creationId xmlns:a16="http://schemas.microsoft.com/office/drawing/2014/main" xmlns="" id="{A8DE9A5F-20A3-794D-B75C-3B36751BD776}"/>
+                <a16:creationId xmlns:a16="http://schemas.microsoft.com/office/drawing/2014/main" id="{A8DE9A5F-20A3-794D-B75C-3B36751BD776}"/>
               </a:ext>
             </a:extLst>
           </p:cNvPr>
@@ -9071,7 +5026,9 @@
           </a:xfrm>
         </p:spPr>
         <p:txBody>
-          <a:bodyPr/>
+          <a:bodyPr>
+            <a:normAutofit fontScale="92500" lnSpcReduction="10000"/>
+          </a:bodyPr>
           <a:lstStyle/>
           <a:p>
             <a:r>
@@ -9150,10 +5107,9 @@
           <a:lstStyle/>
           <a:p>
             <a:r>
-              <a:rPr lang="en-US" dirty="0" smtClean="0"/>
+              <a:rPr lang="en-US" dirty="0"/>
               <a:t>Cattle vs Pets</a:t>
             </a:r>
-            <a:endParaRPr lang="en-US" dirty="0"/>
           </a:p>
         </p:txBody>
       </p:sp>
@@ -9247,7 +5203,7 @@
         </p:nvSpPr>
         <p:spPr>
           <a:xfrm>
-            <a:off x="1636889" y="1309511"/>
+            <a:off x="1648618" y="1632057"/>
             <a:ext cx="10001955" cy="1754326"/>
           </a:xfrm>
           <a:prstGeom prst="rect">
@@ -9266,7 +5222,7 @@
               <a:buChar char="•"/>
             </a:pPr>
             <a:r>
-              <a:rPr lang="en-US" dirty="0" smtClean="0"/>
+              <a:rPr lang="en-US" dirty="0"/>
               <a:t>Phrase used a lot in the Kubernetes and Container communities</a:t>
             </a:r>
           </a:p>
@@ -9276,7 +5232,7 @@
               <a:buChar char="•"/>
             </a:pPr>
             <a:r>
-              <a:rPr lang="en-US" dirty="0" smtClean="0"/>
+              <a:rPr lang="en-US" dirty="0"/>
               <a:t>Pets are servers, Containers are cattle</a:t>
             </a:r>
           </a:p>
@@ -9286,7 +5242,7 @@
               <a:buChar char="•"/>
             </a:pPr>
             <a:r>
-              <a:rPr lang="en-US" dirty="0" smtClean="0"/>
+              <a:rPr lang="en-US" dirty="0"/>
               <a:t>Pets we care for, we feed, we take them to the doctors when they are sick</a:t>
             </a:r>
           </a:p>
@@ -9296,7 +5252,7 @@
               <a:buChar char="•"/>
             </a:pPr>
             <a:r>
-              <a:rPr lang="en-US" dirty="0" smtClean="0"/>
+              <a:rPr lang="en-US" dirty="0"/>
               <a:t>Cattle we use them, and when they are no longer of use we shoot them</a:t>
             </a:r>
           </a:p>
@@ -9309,10 +5265,9 @@
           </a:p>
           <a:p>
             <a:r>
-              <a:rPr lang="en-US" dirty="0" smtClean="0"/>
+              <a:rPr lang="en-US" dirty="0"/>
               <a:t>THIS IS HOW YOU NEED TO START THINKING!</a:t>
             </a:r>
-            <a:endParaRPr lang="en-US" dirty="0"/>
           </a:p>
         </p:txBody>
       </p:sp>
@@ -9351,7 +5306,7 @@
           <p:cNvPr id="2" name="Title 1">
             <a:extLst>
               <a:ext uri="{FF2B5EF4-FFF2-40B4-BE49-F238E27FC236}">
-                <a16:creationId xmlns:a16="http://schemas.microsoft.com/office/drawing/2014/main" xmlns="" id="{84EFE6A4-BBAF-2241-88C5-F834C801A950}"/>
+                <a16:creationId xmlns:a16="http://schemas.microsoft.com/office/drawing/2014/main" id="{84EFE6A4-BBAF-2241-88C5-F834C801A950}"/>
               </a:ext>
             </a:extLst>
           </p:cNvPr>
@@ -9364,7 +5319,7 @@
         </p:nvSpPr>
         <p:spPr>
           <a:xfrm>
-            <a:off x="1484311" y="685801"/>
+            <a:off x="1484309" y="262468"/>
             <a:ext cx="10018713" cy="1143000"/>
           </a:xfrm>
         </p:spPr>
@@ -9389,7 +5344,7 @@
           <p:cNvPr id="3" name="Content Placeholder 2">
             <a:extLst>
               <a:ext uri="{FF2B5EF4-FFF2-40B4-BE49-F238E27FC236}">
-                <a16:creationId xmlns:a16="http://schemas.microsoft.com/office/drawing/2014/main" xmlns="" id="{241F3B68-4A2C-A04A-A659-08BFEAD9715A}"/>
+                <a16:creationId xmlns:a16="http://schemas.microsoft.com/office/drawing/2014/main" id="{241F3B68-4A2C-A04A-A659-08BFEAD9715A}"/>
               </a:ext>
             </a:extLst>
           </p:cNvPr>
@@ -9514,14 +5469,13 @@
           <a:lstStyle/>
           <a:p>
             <a:r>
-              <a:rPr lang="en-US" dirty="0" err="1" smtClean="0"/>
+              <a:rPr lang="en-US" dirty="0" err="1"/>
               <a:t>Devops</a:t>
             </a:r>
             <a:r>
-              <a:rPr lang="en-US" dirty="0" smtClean="0"/>
+              <a:rPr lang="en-US" dirty="0"/>
               <a:t> process with Kubernetes</a:t>
             </a:r>
-            <a:endParaRPr lang="en-US" dirty="0"/>
           </a:p>
         </p:txBody>
       </p:sp>
@@ -9574,7 +5528,7 @@
               <a:buChar char="•"/>
             </a:pPr>
             <a:r>
-              <a:rPr lang="en-US" dirty="0" smtClean="0"/>
+              <a:rPr lang="en-US" dirty="0"/>
               <a:t>Build applications (if necessary)</a:t>
             </a:r>
           </a:p>
@@ -9584,7 +5538,7 @@
               <a:buChar char="•"/>
             </a:pPr>
             <a:r>
-              <a:rPr lang="en-US" dirty="0" smtClean="0"/>
+              <a:rPr lang="en-US" dirty="0"/>
               <a:t>Build Docker containers and push to repository</a:t>
             </a:r>
           </a:p>
@@ -9594,15 +5548,15 @@
               <a:buChar char="•"/>
             </a:pPr>
             <a:r>
-              <a:rPr lang="en-US" dirty="0" smtClean="0"/>
+              <a:rPr lang="en-US" dirty="0"/>
               <a:t>Build Kubernetes </a:t>
             </a:r>
             <a:r>
-              <a:rPr lang="en-US" dirty="0" err="1" smtClean="0"/>
+              <a:rPr lang="en-US" dirty="0" err="1"/>
               <a:t>Yaml</a:t>
             </a:r>
             <a:r>
-              <a:rPr lang="en-US" dirty="0" smtClean="0"/>
+              <a:rPr lang="en-US" dirty="0"/>
               <a:t> files</a:t>
             </a:r>
           </a:p>
@@ -9612,7 +5566,7 @@
               <a:buChar char="•"/>
             </a:pPr>
             <a:r>
-              <a:rPr lang="en-US" dirty="0" smtClean="0"/>
+              <a:rPr lang="en-US" dirty="0"/>
               <a:t>Deploy to development area of cluster</a:t>
             </a:r>
           </a:p>
@@ -9622,7 +5576,7 @@
               <a:buChar char="•"/>
             </a:pPr>
             <a:r>
-              <a:rPr lang="en-US" dirty="0" smtClean="0"/>
+              <a:rPr lang="en-US" dirty="0"/>
               <a:t>Automated testing</a:t>
             </a:r>
           </a:p>
@@ -9632,7 +5586,7 @@
               <a:buChar char="•"/>
             </a:pPr>
             <a:r>
-              <a:rPr lang="en-US" dirty="0" smtClean="0"/>
+              <a:rPr lang="en-US" dirty="0"/>
               <a:t>Preliminary testing</a:t>
             </a:r>
           </a:p>
@@ -9672,7 +5626,7 @@
               <a:buChar char="•"/>
             </a:pPr>
             <a:r>
-              <a:rPr lang="en-US" dirty="0" smtClean="0"/>
+              <a:rPr lang="en-US" dirty="0"/>
               <a:t>Deploy Kubernetes YAMLs into test area of cluster</a:t>
             </a:r>
           </a:p>
@@ -9682,10 +5636,9 @@
               <a:buChar char="•"/>
             </a:pPr>
             <a:r>
-              <a:rPr lang="en-US" dirty="0" smtClean="0"/>
+              <a:rPr lang="en-US" dirty="0"/>
               <a:t>Test product</a:t>
             </a:r>
-            <a:endParaRPr lang="en-US" dirty="0"/>
           </a:p>
         </p:txBody>
       </p:sp>
@@ -9716,10 +5669,9 @@
               <a:buChar char="•"/>
             </a:pPr>
             <a:r>
-              <a:rPr lang="en-US" dirty="0" smtClean="0"/>
+              <a:rPr lang="en-US" dirty="0"/>
               <a:t>Deploy Kubernetes YAMLs into production area of cluster</a:t>
             </a:r>
-            <a:endParaRPr lang="en-US" dirty="0"/>
           </a:p>
         </p:txBody>
       </p:sp>
@@ -9828,10 +5780,9 @@
           <a:lstStyle/>
           <a:p>
             <a:r>
-              <a:rPr lang="en-US" dirty="0" smtClean="0"/>
+              <a:rPr lang="en-US" dirty="0"/>
               <a:t>Version management and CM</a:t>
             </a:r>
-            <a:endParaRPr lang="en-US" dirty="0"/>
           </a:p>
         </p:txBody>
       </p:sp>
@@ -9858,10 +5809,9 @@
           <a:lstStyle/>
           <a:p>
             <a:r>
-              <a:rPr lang="en-US" dirty="0" smtClean="0"/>
+              <a:rPr lang="en-US" dirty="0"/>
               <a:t>Automated build and testing</a:t>
             </a:r>
-            <a:endParaRPr lang="en-US" dirty="0"/>
           </a:p>
         </p:txBody>
       </p:sp>
@@ -9911,10 +5861,9 @@
           <a:lstStyle/>
           <a:p>
             <a:r>
-              <a:rPr lang="en-US" dirty="0" smtClean="0"/>
+              <a:rPr lang="en-US" dirty="0"/>
               <a:t>Who?</a:t>
             </a:r>
-            <a:endParaRPr lang="en-US" dirty="0"/>
           </a:p>
         </p:txBody>
       </p:sp>
@@ -9934,28 +5883,28 @@
           <a:lstStyle/>
           <a:p>
             <a:r>
-              <a:rPr lang="en-US" dirty="0" smtClean="0"/>
+              <a:rPr lang="en-US" dirty="0"/>
               <a:t>Everyone!  </a:t>
             </a:r>
           </a:p>
           <a:p>
             <a:pPr lvl="1"/>
             <a:r>
-              <a:rPr lang="en-US" dirty="0" smtClean="0"/>
+              <a:rPr lang="en-US" dirty="0"/>
               <a:t>Work is front loaded as much on dev as possible</a:t>
             </a:r>
           </a:p>
           <a:p>
             <a:pPr lvl="1"/>
             <a:r>
-              <a:rPr lang="en-US" dirty="0" smtClean="0"/>
+              <a:rPr lang="en-US" dirty="0"/>
               <a:t>By the time it makes it to operations, deployment should simply be pressing a button</a:t>
             </a:r>
           </a:p>
           <a:p>
             <a:pPr lvl="1"/>
             <a:r>
-              <a:rPr lang="en-US" dirty="0" smtClean="0"/>
+              <a:rPr lang="en-US" dirty="0"/>
               <a:t>Operations can now focus on maintaining and monitoring the cluster and less time on deploying applications and figuring out how to make them work</a:t>
             </a:r>
           </a:p>
@@ -10000,7 +5949,7 @@
           <p:cNvPr id="2" name="Title 1">
             <a:extLst>
               <a:ext uri="{FF2B5EF4-FFF2-40B4-BE49-F238E27FC236}">
-                <a16:creationId xmlns:a16="http://schemas.microsoft.com/office/drawing/2014/main" xmlns="" id="{DACDF112-AC11-344A-AB84-A8A106517929}"/>
+                <a16:creationId xmlns:a16="http://schemas.microsoft.com/office/drawing/2014/main" id="{DACDF112-AC11-344A-AB84-A8A106517929}"/>
               </a:ext>
             </a:extLst>
           </p:cNvPr>
@@ -10063,7 +6012,7 @@
           <p:cNvPr id="2" name="Title 1">
             <a:extLst>
               <a:ext uri="{FF2B5EF4-FFF2-40B4-BE49-F238E27FC236}">
-                <a16:creationId xmlns:a16="http://schemas.microsoft.com/office/drawing/2014/main" xmlns="" id="{9FFBFB2A-6144-4D10-8FD1-EE3FEDFC86F9}"/>
+                <a16:creationId xmlns:a16="http://schemas.microsoft.com/office/drawing/2014/main" id="{9FFBFB2A-6144-4D10-8FD1-EE3FEDFC86F9}"/>
               </a:ext>
             </a:extLst>
           </p:cNvPr>
@@ -10096,7 +6045,7 @@
           <p:cNvPr id="9" name="Text Placeholder 8">
             <a:extLst>
               <a:ext uri="{FF2B5EF4-FFF2-40B4-BE49-F238E27FC236}">
-                <a16:creationId xmlns:a16="http://schemas.microsoft.com/office/drawing/2014/main" xmlns="" id="{EEC945E5-C3F4-4894-8DA7-91B5C5D8A209}"/>
+                <a16:creationId xmlns:a16="http://schemas.microsoft.com/office/drawing/2014/main" id="{EEC945E5-C3F4-4894-8DA7-91B5C5D8A209}"/>
               </a:ext>
             </a:extLst>
           </p:cNvPr>
@@ -10104,7 +6053,7 @@
             <a:spLocks noGrp="1"/>
           </p:cNvSpPr>
           <p:nvPr>
-            <p:ph sz="half" idx="2"/>
+            <p:ph sz="half" idx="1"/>
           </p:nvPr>
         </p:nvSpPr>
         <p:spPr/>
@@ -10179,7 +6128,7 @@
               <a:buChar char="•"/>
             </a:pPr>
             <a:r>
-              <a:rPr lang="en-US" sz="1600" dirty="0" smtClean="0"/>
+              <a:rPr lang="en-US" sz="1600" dirty="0"/>
               <a:t>From centos:centos7 – This line will be the image to start from, this comes with some very basic tools like yum and most importantly you can no use Centos repositories for all your applications and libraries</a:t>
             </a:r>
           </a:p>
@@ -10189,7 +6138,7 @@
               <a:buChar char="•"/>
             </a:pPr>
             <a:r>
-              <a:rPr lang="en-US" sz="1600" dirty="0" smtClean="0"/>
+              <a:rPr lang="en-US" sz="1600" dirty="0"/>
               <a:t>Maintainer – who maintains the image (generally an email)</a:t>
             </a:r>
           </a:p>
@@ -10199,7 +6148,7 @@
               <a:buChar char="•"/>
             </a:pPr>
             <a:r>
-              <a:rPr lang="en-US" sz="1600" dirty="0" smtClean="0"/>
+              <a:rPr lang="en-US" sz="1600" dirty="0"/>
               <a:t>RUN commands- run these commands in order to build the image</a:t>
             </a:r>
           </a:p>
@@ -10209,7 +6158,7 @@
               <a:buChar char="•"/>
             </a:pPr>
             <a:r>
-              <a:rPr lang="en-US" sz="1600" dirty="0" smtClean="0"/>
+              <a:rPr lang="en-US" sz="1600" dirty="0"/>
               <a:t>COPY – we can copy files and directories from our current working directory into the directory structure of the container</a:t>
             </a:r>
           </a:p>
@@ -10219,7 +6168,7 @@
               <a:buChar char="•"/>
             </a:pPr>
             <a:r>
-              <a:rPr lang="en-US" sz="1600" dirty="0" smtClean="0"/>
+              <a:rPr lang="en-US" sz="1600" dirty="0"/>
               <a:t>EXPOSE – mostly used to document what ports will be used</a:t>
             </a:r>
           </a:p>
@@ -10229,10 +6178,9 @@
               <a:buChar char="•"/>
             </a:pPr>
             <a:r>
-              <a:rPr lang="en-US" sz="1600" dirty="0" smtClean="0"/>
+              <a:rPr lang="en-US" sz="1600" dirty="0"/>
               <a:t>CMD – This is the command that will be run when the container comes online</a:t>
             </a:r>
-            <a:endParaRPr lang="en-US" sz="1600" dirty="0"/>
           </a:p>
         </p:txBody>
       </p:sp>
@@ -10311,15 +6259,15 @@
               </a:ext>
             </a:extLst>
           </a:blip>
-          <a:srcRect t="15624" b="15624"/>
+          <a:srcRect t="15613" b="15613"/>
           <a:stretch>
             <a:fillRect/>
           </a:stretch>
         </p:blipFill>
         <p:spPr>
           <a:xfrm>
-            <a:off x="1653227" y="1043201"/>
-            <a:ext cx="9878363" cy="3800753"/>
+            <a:off x="1323230" y="1710715"/>
+            <a:ext cx="10278533" cy="3954720"/>
           </a:xfrm>
         </p:spPr>
       </p:pic>
@@ -10328,7 +6276,7 @@
           <p:cNvPr id="9" name="Text Placeholder 8">
             <a:extLst>
               <a:ext uri="{FF2B5EF4-FFF2-40B4-BE49-F238E27FC236}">
-                <a16:creationId xmlns:a16="http://schemas.microsoft.com/office/drawing/2014/main" xmlns="" id="{EEC945E5-C3F4-4894-8DA7-91B5C5D8A209}"/>
+                <a16:creationId xmlns:a16="http://schemas.microsoft.com/office/drawing/2014/main" id="{EEC945E5-C3F4-4894-8DA7-91B5C5D8A209}"/>
               </a:ext>
             </a:extLst>
           </p:cNvPr>
@@ -10339,10 +6287,15 @@
             <p:ph type="body" sz="half" idx="2"/>
           </p:nvPr>
         </p:nvSpPr>
-        <p:spPr/>
+        <p:spPr>
+          <a:xfrm>
+            <a:off x="1583052" y="5858403"/>
+            <a:ext cx="10018711" cy="493712"/>
+          </a:xfrm>
+        </p:spPr>
         <p:txBody>
           <a:bodyPr>
-            <a:normAutofit fontScale="85000" lnSpcReduction="20000"/>
+            <a:normAutofit fontScale="92500" lnSpcReduction="20000"/>
           </a:bodyPr>
           <a:lstStyle/>
           <a:p>
@@ -10409,7 +6362,7 @@
           <p:cNvPr id="2" name="Title 1">
             <a:extLst>
               <a:ext uri="{FF2B5EF4-FFF2-40B4-BE49-F238E27FC236}">
-                <a16:creationId xmlns:a16="http://schemas.microsoft.com/office/drawing/2014/main" xmlns="" id="{BCB919C1-522E-4C03-ABB3-BEEC56BA44A3}"/>
+                <a16:creationId xmlns:a16="http://schemas.microsoft.com/office/drawing/2014/main" id="{BCB919C1-522E-4C03-ABB3-BEEC56BA44A3}"/>
               </a:ext>
             </a:extLst>
           </p:cNvPr>
@@ -10437,7 +6390,7 @@
           <p:cNvPr id="3" name="Content Placeholder 2">
             <a:extLst>
               <a:ext uri="{FF2B5EF4-FFF2-40B4-BE49-F238E27FC236}">
-                <a16:creationId xmlns:a16="http://schemas.microsoft.com/office/drawing/2014/main" xmlns="" id="{D9EE611D-4C0F-4739-BE9A-557732A40F2A}"/>
+                <a16:creationId xmlns:a16="http://schemas.microsoft.com/office/drawing/2014/main" id="{D9EE611D-4C0F-4739-BE9A-557732A40F2A}"/>
               </a:ext>
             </a:extLst>
           </p:cNvPr>
@@ -10546,7 +6499,7 @@
           <p:cNvPr id="2" name="Title 1">
             <a:extLst>
               <a:ext uri="{FF2B5EF4-FFF2-40B4-BE49-F238E27FC236}">
-                <a16:creationId xmlns:a16="http://schemas.microsoft.com/office/drawing/2014/main" xmlns="" id="{EBD2571A-D97B-41EA-828E-CB6BD7A969AD}"/>
+                <a16:creationId xmlns:a16="http://schemas.microsoft.com/office/drawing/2014/main" id="{EBD2571A-D97B-41EA-828E-CB6BD7A969AD}"/>
               </a:ext>
             </a:extLst>
           </p:cNvPr>
@@ -10559,7 +6512,7 @@
         </p:nvSpPr>
         <p:spPr>
           <a:xfrm>
-            <a:off x="1484311" y="685801"/>
+            <a:off x="1484310" y="313268"/>
             <a:ext cx="10018713" cy="1092200"/>
           </a:xfrm>
         </p:spPr>
@@ -10582,7 +6535,7 @@
           <p:cNvPr id="3" name="Content Placeholder 2">
             <a:extLst>
               <a:ext uri="{FF2B5EF4-FFF2-40B4-BE49-F238E27FC236}">
-                <a16:creationId xmlns:a16="http://schemas.microsoft.com/office/drawing/2014/main" xmlns="" id="{6ABD592C-3496-B04A-9F22-0B6C270E5591}"/>
+                <a16:creationId xmlns:a16="http://schemas.microsoft.com/office/drawing/2014/main" id="{6ABD592C-3496-B04A-9F22-0B6C270E5591}"/>
               </a:ext>
             </a:extLst>
           </p:cNvPr>
@@ -10605,12 +6558,8 @@
           <a:p>
             <a:pPr lvl="1"/>
             <a:r>
-              <a:rPr lang="en-US" dirty="0" smtClean="0"/>
-              <a:t>Introduction </a:t>
-            </a:r>
-            <a:r>
-              <a:rPr lang="en-US" dirty="0"/>
-              <a:t>to Docker and Kubernetes</a:t>
+              <a:rPr lang="en-US" dirty="0"/>
+              <a:t>Introduction to Docker and Kubernetes</a:t>
             </a:r>
           </a:p>
           <a:p>
@@ -10624,42 +6573,29 @@
             <a:pPr lvl="1"/>
             <a:r>
               <a:rPr lang="en-US" dirty="0"/>
-              <a:t>Docker </a:t>
-            </a:r>
-            <a:r>
-              <a:rPr lang="en-US" dirty="0" smtClean="0"/>
-              <a:t>lab</a:t>
+              <a:t>Docker lab</a:t>
             </a:r>
           </a:p>
           <a:p>
             <a:pPr lvl="1"/>
             <a:r>
-              <a:rPr lang="en-US" dirty="0" smtClean="0"/>
-              <a:t>Kubernetes </a:t>
-            </a:r>
-            <a:r>
-              <a:rPr lang="en-US" dirty="0"/>
-              <a:t>Overview</a:t>
+              <a:rPr lang="en-US" dirty="0"/>
+              <a:t>Kubernetes Overview</a:t>
             </a:r>
           </a:p>
           <a:p>
             <a:pPr lvl="1"/>
             <a:r>
               <a:rPr lang="en-US" dirty="0"/>
-              <a:t>Kubernetes </a:t>
-            </a:r>
-            <a:r>
-              <a:rPr lang="en-US" dirty="0" smtClean="0"/>
-              <a:t>Lab</a:t>
+              <a:t>Kubernetes Lab</a:t>
             </a:r>
           </a:p>
           <a:p>
             <a:pPr lvl="1"/>
             <a:r>
-              <a:rPr lang="en-US" dirty="0" smtClean="0"/>
+              <a:rPr lang="en-US" dirty="0"/>
               <a:t>Intro to Calico and Kubernetes networking (time permitting)</a:t>
             </a:r>
-            <a:endParaRPr lang="en-US" dirty="0"/>
           </a:p>
           <a:p>
             <a:pPr lvl="1"/>
@@ -10671,100 +6607,6 @@
     <p:extLst>
       <p:ext uri="{BB962C8B-B14F-4D97-AF65-F5344CB8AC3E}">
         <p14:creationId xmlns:p14="http://schemas.microsoft.com/office/powerpoint/2010/main" val="891375923"/>
-      </p:ext>
-    </p:extLst>
-  </p:cSld>
-  <p:clrMapOvr>
-    <a:masterClrMapping/>
-  </p:clrMapOvr>
-</p:sld>
-</file>
-
-<file path=ppt/slides/slide20.xml><?xml version="1.0" encoding="utf-8"?>
-<p:sld xmlns:a="http://schemas.openxmlformats.org/drawingml/2006/main" xmlns:r="http://schemas.openxmlformats.org/officeDocument/2006/relationships" xmlns:p="http://schemas.openxmlformats.org/presentationml/2006/main">
-  <p:cSld>
-    <p:spTree>
-      <p:nvGrpSpPr>
-        <p:cNvPr id="1" name=""/>
-        <p:cNvGrpSpPr/>
-        <p:nvPr/>
-      </p:nvGrpSpPr>
-      <p:grpSpPr>
-        <a:xfrm>
-          <a:off x="0" y="0"/>
-          <a:ext cx="0" cy="0"/>
-          <a:chOff x="0" y="0"/>
-          <a:chExt cx="0" cy="0"/>
-        </a:xfrm>
-      </p:grpSpPr>
-      <p:sp>
-        <p:nvSpPr>
-          <p:cNvPr id="2" name="Title 1">
-            <a:extLst>
-              <a:ext uri="{FF2B5EF4-FFF2-40B4-BE49-F238E27FC236}">
-                <a16:creationId xmlns:a16="http://schemas.microsoft.com/office/drawing/2014/main" xmlns="" id="{F793BB70-E530-402A-9269-1A6909FE38CF}"/>
-              </a:ext>
-            </a:extLst>
-          </p:cNvPr>
-          <p:cNvSpPr>
-            <a:spLocks noGrp="1"/>
-          </p:cNvSpPr>
-          <p:nvPr>
-            <p:ph type="title"/>
-          </p:nvPr>
-        </p:nvSpPr>
-        <p:spPr/>
-        <p:txBody>
-          <a:bodyPr/>
-          <a:lstStyle/>
-          <a:p>
-            <a:r>
-              <a:rPr lang="en-US" dirty="0"/>
-              <a:t>Try it yourself! </a:t>
-            </a:r>
-          </a:p>
-        </p:txBody>
-      </p:sp>
-      <p:sp>
-        <p:nvSpPr>
-          <p:cNvPr id="3" name="Content Placeholder 2">
-            <a:extLst>
-              <a:ext uri="{FF2B5EF4-FFF2-40B4-BE49-F238E27FC236}">
-                <a16:creationId xmlns:a16="http://schemas.microsoft.com/office/drawing/2014/main" xmlns="" id="{EAA558DD-FECE-4586-A6FF-ACA9A6A691F9}"/>
-              </a:ext>
-            </a:extLst>
-          </p:cNvPr>
-          <p:cNvSpPr>
-            <a:spLocks noGrp="1"/>
-          </p:cNvSpPr>
-          <p:nvPr>
-            <p:ph idx="1"/>
-          </p:nvPr>
-        </p:nvSpPr>
-        <p:spPr/>
-        <p:txBody>
-          <a:bodyPr/>
-          <a:lstStyle/>
-          <a:p>
-            <a:r>
-              <a:rPr lang="en-US" dirty="0"/>
-              <a:t>*Link to  completed Docker Guide –[</a:t>
-            </a:r>
-            <a:r>
-              <a:rPr lang="en-US" dirty="0" err="1"/>
-              <a:t>Sharepoint</a:t>
-            </a:r>
-            <a:r>
-              <a:rPr lang="en-US" dirty="0"/>
-              <a:t>]* </a:t>
-            </a:r>
-          </a:p>
-        </p:txBody>
-      </p:sp>
-    </p:spTree>
-    <p:extLst>
-      <p:ext uri="{BB962C8B-B14F-4D97-AF65-F5344CB8AC3E}">
-        <p14:creationId xmlns:p14="http://schemas.microsoft.com/office/powerpoint/2010/main" val="1241134212"/>
       </p:ext>
     </p:extLst>
   </p:cSld>
@@ -10796,7 +6638,7 @@
           <p:cNvPr id="5" name="Picture 4">
             <a:extLst>
               <a:ext uri="{FF2B5EF4-FFF2-40B4-BE49-F238E27FC236}">
-                <a16:creationId xmlns:a16="http://schemas.microsoft.com/office/drawing/2014/main" xmlns="" id="{84087D5C-CCAC-4E4B-9BD3-193D0F91CB73}"/>
+                <a16:creationId xmlns:a16="http://schemas.microsoft.com/office/drawing/2014/main" id="{84087D5C-CCAC-4E4B-9BD3-193D0F91CB73}"/>
               </a:ext>
             </a:extLst>
           </p:cNvPr>
@@ -10826,7 +6668,7 @@
           <p:cNvPr id="3" name="Content Placeholder 2">
             <a:extLst>
               <a:ext uri="{FF2B5EF4-FFF2-40B4-BE49-F238E27FC236}">
-                <a16:creationId xmlns:a16="http://schemas.microsoft.com/office/drawing/2014/main" xmlns="" id="{4F412698-2494-438D-88A6-6D2848FA10C3}"/>
+                <a16:creationId xmlns:a16="http://schemas.microsoft.com/office/drawing/2014/main" id="{4F412698-2494-438D-88A6-6D2848FA10C3}"/>
               </a:ext>
             </a:extLst>
           </p:cNvPr>
@@ -10845,7 +6687,7 @@
         </p:spPr>
         <p:txBody>
           <a:bodyPr>
-            <a:normAutofit lnSpcReduction="10000"/>
+            <a:normAutofit/>
           </a:bodyPr>
           <a:lstStyle/>
           <a:p>
@@ -10862,7 +6704,7 @@
           <p:cNvPr id="2" name="TextBox 1">
             <a:extLst>
               <a:ext uri="{FF2B5EF4-FFF2-40B4-BE49-F238E27FC236}">
-                <a16:creationId xmlns:a16="http://schemas.microsoft.com/office/drawing/2014/main" xmlns="" id="{48970053-BA88-644D-9936-0FD47F83D44F}"/>
+                <a16:creationId xmlns:a16="http://schemas.microsoft.com/office/drawing/2014/main" id="{48970053-BA88-644D-9936-0FD47F83D44F}"/>
               </a:ext>
             </a:extLst>
           </p:cNvPr>
@@ -10927,7 +6769,7 @@
           <p:cNvPr id="4" name="Title 3">
             <a:extLst>
               <a:ext uri="{FF2B5EF4-FFF2-40B4-BE49-F238E27FC236}">
-                <a16:creationId xmlns:a16="http://schemas.microsoft.com/office/drawing/2014/main" xmlns="" id="{E8333811-789C-4E84-9AC7-E91EB393A014}"/>
+                <a16:creationId xmlns:a16="http://schemas.microsoft.com/office/drawing/2014/main" id="{E8333811-789C-4E84-9AC7-E91EB393A014}"/>
               </a:ext>
             </a:extLst>
           </p:cNvPr>
@@ -10940,7 +6782,7 @@
         </p:nvSpPr>
         <p:spPr>
           <a:xfrm>
-            <a:off x="1484312" y="373380"/>
+            <a:off x="1484311" y="170180"/>
             <a:ext cx="10018713" cy="1752599"/>
           </a:xfrm>
         </p:spPr>
@@ -10960,7 +6802,7 @@
           <p:cNvPr id="7" name="Content Placeholder 6">
             <a:extLst>
               <a:ext uri="{FF2B5EF4-FFF2-40B4-BE49-F238E27FC236}">
-                <a16:creationId xmlns:a16="http://schemas.microsoft.com/office/drawing/2014/main" xmlns="" id="{D07344F4-EBC5-4044-B501-6FB78D5CE7F7}"/>
+                <a16:creationId xmlns:a16="http://schemas.microsoft.com/office/drawing/2014/main" id="{D07344F4-EBC5-4044-B501-6FB78D5CE7F7}"/>
               </a:ext>
             </a:extLst>
           </p:cNvPr>
@@ -10992,7 +6834,7 @@
           <p:cNvPr id="6" name="Content Placeholder 5">
             <a:extLst>
               <a:ext uri="{FF2B5EF4-FFF2-40B4-BE49-F238E27FC236}">
-                <a16:creationId xmlns:a16="http://schemas.microsoft.com/office/drawing/2014/main" xmlns="" id="{1626A554-3CBA-43D7-9B50-499D6A720353}"/>
+                <a16:creationId xmlns:a16="http://schemas.microsoft.com/office/drawing/2014/main" id="{1626A554-3CBA-43D7-9B50-499D6A720353}"/>
               </a:ext>
             </a:extLst>
           </p:cNvPr>
@@ -11057,7 +6899,7 @@
           <p:cNvPr id="2" name="Title 1">
             <a:extLst>
               <a:ext uri="{FF2B5EF4-FFF2-40B4-BE49-F238E27FC236}">
-                <a16:creationId xmlns:a16="http://schemas.microsoft.com/office/drawing/2014/main" xmlns="" id="{C5B959C7-8DB8-40E6-8355-77AD9AFF271E}"/>
+                <a16:creationId xmlns:a16="http://schemas.microsoft.com/office/drawing/2014/main" id="{C5B959C7-8DB8-40E6-8355-77AD9AFF271E}"/>
               </a:ext>
             </a:extLst>
           </p:cNvPr>
@@ -11090,7 +6932,7 @@
           <p:cNvPr id="6" name="Content Placeholder 5">
             <a:extLst>
               <a:ext uri="{FF2B5EF4-FFF2-40B4-BE49-F238E27FC236}">
-                <a16:creationId xmlns:a16="http://schemas.microsoft.com/office/drawing/2014/main" xmlns="" id="{84D1A69F-8125-4284-B362-C290F311823F}"/>
+                <a16:creationId xmlns:a16="http://schemas.microsoft.com/office/drawing/2014/main" id="{84D1A69F-8125-4284-B362-C290F311823F}"/>
               </a:ext>
             </a:extLst>
           </p:cNvPr>
@@ -11122,7 +6964,7 @@
           <p:cNvPr id="5" name="Content Placeholder 4">
             <a:extLst>
               <a:ext uri="{FF2B5EF4-FFF2-40B4-BE49-F238E27FC236}">
-                <a16:creationId xmlns:a16="http://schemas.microsoft.com/office/drawing/2014/main" xmlns="" id="{03982856-988C-4492-AB8E-461EE13D05E1}"/>
+                <a16:creationId xmlns:a16="http://schemas.microsoft.com/office/drawing/2014/main" id="{03982856-988C-4492-AB8E-461EE13D05E1}"/>
               </a:ext>
             </a:extLst>
           </p:cNvPr>
@@ -11141,7 +6983,7 @@
         </p:spPr>
         <p:txBody>
           <a:bodyPr>
-            <a:normAutofit fontScale="70000" lnSpcReduction="20000"/>
+            <a:normAutofit fontScale="85000" lnSpcReduction="20000"/>
           </a:bodyPr>
           <a:lstStyle/>
           <a:p>
@@ -11258,7 +7100,7 @@
           <p:cNvPr id="5" name="Title 4">
             <a:extLst>
               <a:ext uri="{FF2B5EF4-FFF2-40B4-BE49-F238E27FC236}">
-                <a16:creationId xmlns:a16="http://schemas.microsoft.com/office/drawing/2014/main" xmlns="" id="{417256AC-9CCD-4819-A687-D1F4D838C0FB}"/>
+                <a16:creationId xmlns:a16="http://schemas.microsoft.com/office/drawing/2014/main" id="{417256AC-9CCD-4819-A687-D1F4D838C0FB}"/>
               </a:ext>
             </a:extLst>
           </p:cNvPr>
@@ -11286,7 +7128,7 @@
           <p:cNvPr id="7" name="Content Placeholder 6">
             <a:extLst>
               <a:ext uri="{FF2B5EF4-FFF2-40B4-BE49-F238E27FC236}">
-                <a16:creationId xmlns:a16="http://schemas.microsoft.com/office/drawing/2014/main" xmlns="" id="{629E0E90-6293-4985-B0C0-AC9A10C854B5}"/>
+                <a16:creationId xmlns:a16="http://schemas.microsoft.com/office/drawing/2014/main" id="{629E0E90-6293-4985-B0C0-AC9A10C854B5}"/>
               </a:ext>
             </a:extLst>
           </p:cNvPr>
@@ -11348,7 +7190,7 @@
           <p:cNvPr id="2" name="Title 1">
             <a:extLst>
               <a:ext uri="{FF2B5EF4-FFF2-40B4-BE49-F238E27FC236}">
-                <a16:creationId xmlns:a16="http://schemas.microsoft.com/office/drawing/2014/main" xmlns="" id="{2E12978B-2C86-4A09-BA4F-40D84FFA1E36}"/>
+                <a16:creationId xmlns:a16="http://schemas.microsoft.com/office/drawing/2014/main" id="{2E12978B-2C86-4A09-BA4F-40D84FFA1E36}"/>
               </a:ext>
             </a:extLst>
           </p:cNvPr>
@@ -11630,7 +7472,7 @@
           <p:cNvPr id="2" name="Title 1">
             <a:extLst>
               <a:ext uri="{FF2B5EF4-FFF2-40B4-BE49-F238E27FC236}">
-                <a16:creationId xmlns:a16="http://schemas.microsoft.com/office/drawing/2014/main" xmlns="" id="{672AB366-1EEB-0E4D-B294-5254B9D6A296}"/>
+                <a16:creationId xmlns:a16="http://schemas.microsoft.com/office/drawing/2014/main" id="{672AB366-1EEB-0E4D-B294-5254B9D6A296}"/>
               </a:ext>
             </a:extLst>
           </p:cNvPr>
@@ -11643,7 +7485,7 @@
         </p:nvSpPr>
         <p:spPr>
           <a:xfrm>
-            <a:off x="1484311" y="1"/>
+            <a:off x="1484311" y="237067"/>
             <a:ext cx="10018713" cy="1117600"/>
           </a:xfrm>
         </p:spPr>
@@ -11663,7 +7505,7 @@
           <p:cNvPr id="4" name="Picture 3">
             <a:extLst>
               <a:ext uri="{FF2B5EF4-FFF2-40B4-BE49-F238E27FC236}">
-                <a16:creationId xmlns:a16="http://schemas.microsoft.com/office/drawing/2014/main" xmlns="" id="{CE3D86BA-9595-B340-A2D3-7C212895912B}"/>
+                <a16:creationId xmlns:a16="http://schemas.microsoft.com/office/drawing/2014/main" id="{CE3D86BA-9595-B340-A2D3-7C212895912B}"/>
               </a:ext>
             </a:extLst>
           </p:cNvPr>
@@ -11693,7 +7535,7 @@
           <p:cNvPr id="5" name="TextBox 4">
             <a:extLst>
               <a:ext uri="{FF2B5EF4-FFF2-40B4-BE49-F238E27FC236}">
-                <a16:creationId xmlns:a16="http://schemas.microsoft.com/office/drawing/2014/main" xmlns="" id="{2358CF6B-4F5E-BE43-8A96-C3D5EDFB69DF}"/>
+                <a16:creationId xmlns:a16="http://schemas.microsoft.com/office/drawing/2014/main" id="{2358CF6B-4F5E-BE43-8A96-C3D5EDFB69DF}"/>
               </a:ext>
             </a:extLst>
           </p:cNvPr>
@@ -11792,7 +7634,7 @@
           <p:cNvPr id="2" name="Title 1">
             <a:extLst>
               <a:ext uri="{FF2B5EF4-FFF2-40B4-BE49-F238E27FC236}">
-                <a16:creationId xmlns:a16="http://schemas.microsoft.com/office/drawing/2014/main" xmlns="" id="{9B8B4096-5822-D948-B74B-A3C1B7BE7BC6}"/>
+                <a16:creationId xmlns:a16="http://schemas.microsoft.com/office/drawing/2014/main" id="{9B8B4096-5822-D948-B74B-A3C1B7BE7BC6}"/>
               </a:ext>
             </a:extLst>
           </p:cNvPr>
@@ -11805,7 +7647,7 @@
         </p:nvSpPr>
         <p:spPr>
           <a:xfrm>
-            <a:off x="1484311" y="685800"/>
+            <a:off x="1484310" y="482600"/>
             <a:ext cx="10018713" cy="1058333"/>
           </a:xfrm>
         </p:spPr>
@@ -11827,7 +7669,7 @@
           <p:cNvPr id="3" name="Content Placeholder 2">
             <a:extLst>
               <a:ext uri="{FF2B5EF4-FFF2-40B4-BE49-F238E27FC236}">
-                <a16:creationId xmlns:a16="http://schemas.microsoft.com/office/drawing/2014/main" xmlns="" id="{1BDA2AC2-CAF0-0D44-837D-1C0465B38D1D}"/>
+                <a16:creationId xmlns:a16="http://schemas.microsoft.com/office/drawing/2014/main" id="{1BDA2AC2-CAF0-0D44-837D-1C0465B38D1D}"/>
               </a:ext>
             </a:extLst>
           </p:cNvPr>
@@ -11845,26 +7687,20 @@
           </a:xfrm>
         </p:spPr>
         <p:txBody>
-          <a:bodyPr/>
+          <a:bodyPr>
+            <a:normAutofit lnSpcReduction="10000"/>
+          </a:bodyPr>
           <a:lstStyle/>
           <a:p>
             <a:r>
               <a:rPr lang="en-US" dirty="0"/>
-              <a:t>Kubernetes acts as an abstraction to the infrastructure so that applications don’t need to understand the details of what it looks </a:t>
-            </a:r>
-            <a:r>
-              <a:rPr lang="en-US" dirty="0" smtClean="0"/>
-              <a:t>like </a:t>
-            </a:r>
-          </a:p>
-          <a:p>
-            <a:r>
-              <a:rPr lang="en-US" dirty="0" smtClean="0"/>
-              <a:t>Kubernetes </a:t>
-            </a:r>
-            <a:r>
-              <a:rPr lang="en-US" dirty="0"/>
-              <a:t>is highly extensible with plugins and every cluster will look different, but generally that is ok because Kubernetes solves the details for you.  As long the the plugins and clusters follow a certain set of rules, the underlying details not longer matter.</a:t>
+              <a:t>Kubernetes acts as an abstraction to the infrastructure so that applications don’t need to understand the details of what it looks like </a:t>
+            </a:r>
+          </a:p>
+          <a:p>
+            <a:r>
+              <a:rPr lang="en-US" dirty="0"/>
+              <a:t>Kubernetes is highly extensible with plugins and every cluster will look different, but generally that is ok because Kubernetes solves the details for you.  As long the the plugins and clusters follow a certain set of rules, the underlying details not longer matter.</a:t>
             </a:r>
           </a:p>
           <a:p>
@@ -11889,9 +7725,9 @@
 </file>
 
 <file path=ppt/theme/theme1.xml><?xml version="1.0" encoding="utf-8"?>
-<a:theme xmlns:a="http://schemas.openxmlformats.org/drawingml/2006/main" name="Parallax">
+<a:theme xmlns:a="http://schemas.openxmlformats.org/drawingml/2006/main" name="Custom Design">
   <a:themeElements>
-    <a:clrScheme name="Parallax">
+    <a:clrScheme name="Office">
       <a:dk1>
         <a:sysClr val="windowText" lastClr="000000"/>
       </a:dk1>
@@ -11899,52 +7735,52 @@
         <a:sysClr val="window" lastClr="FFFFFF"/>
       </a:lt1>
       <a:dk2>
-        <a:srgbClr val="212121"/>
+        <a:srgbClr val="44546A"/>
       </a:dk2>
       <a:lt2>
-        <a:srgbClr val="CDD0D1"/>
+        <a:srgbClr val="E7E6E6"/>
       </a:lt2>
       <a:accent1>
-        <a:srgbClr val="30ACEC"/>
+        <a:srgbClr val="5B9BD5"/>
       </a:accent1>
       <a:accent2>
-        <a:srgbClr val="80C34F"/>
+        <a:srgbClr val="ED7D31"/>
       </a:accent2>
       <a:accent3>
-        <a:srgbClr val="E29D3E"/>
+        <a:srgbClr val="A5A5A5"/>
       </a:accent3>
       <a:accent4>
-        <a:srgbClr val="D64A3B"/>
+        <a:srgbClr val="FFC000"/>
       </a:accent4>
       <a:accent5>
-        <a:srgbClr val="D64787"/>
+        <a:srgbClr val="4472C4"/>
       </a:accent5>
       <a:accent6>
-        <a:srgbClr val="A666E1"/>
+        <a:srgbClr val="70AD47"/>
       </a:accent6>
       <a:hlink>
-        <a:srgbClr val="3085ED"/>
+        <a:srgbClr val="0563C1"/>
       </a:hlink>
       <a:folHlink>
-        <a:srgbClr val="82B6F4"/>
+        <a:srgbClr val="954F72"/>
       </a:folHlink>
     </a:clrScheme>
-    <a:fontScheme name="Parallax">
+    <a:fontScheme name="Office">
       <a:majorFont>
-        <a:latin typeface="Corbel" panose="020B0503020204020204"/>
+        <a:latin typeface="Calibri Light"/>
         <a:ea typeface=""/>
         <a:cs typeface=""/>
-        <a:font script="Jpan" typeface="HGｺﾞｼｯｸM"/>
-        <a:font script="Hang" typeface="HY엽서L"/>
-        <a:font script="Hans" typeface="华文楷体"/>
+        <a:font script="Jpan" typeface="ＭＳ Ｐゴシック"/>
+        <a:font script="Hang" typeface="맑은 고딕"/>
+        <a:font script="Hans" typeface="宋体"/>
         <a:font script="Hant" typeface="新細明體"/>
-        <a:font script="Arab" typeface="Tahoma"/>
-        <a:font script="Hebr" typeface="Miriam"/>
-        <a:font script="Thai" typeface="DilleniaUPC"/>
+        <a:font script="Arab" typeface="Times New Roman"/>
+        <a:font script="Hebr" typeface="Times New Roman"/>
+        <a:font script="Thai" typeface="Angsana New"/>
         <a:font script="Ethi" typeface="Nyala"/>
         <a:font script="Beng" typeface="Vrinda"/>
         <a:font script="Gujr" typeface="Shruti"/>
-        <a:font script="Khmr" typeface="DaunPenh"/>
+        <a:font script="Khmr" typeface="MoolBoran"/>
         <a:font script="Knda" typeface="Tunga"/>
         <a:font script="Guru" typeface="Raavi"/>
         <a:font script="Cans" typeface="Euphemia"/>
@@ -11961,21 +7797,21 @@
         <a:font script="Laoo" typeface="DokChampa"/>
         <a:font script="Sinh" typeface="Iskoola Pota"/>
         <a:font script="Mong" typeface="Mongolian Baiti"/>
-        <a:font script="Viet" typeface="Arial"/>
+        <a:font script="Viet" typeface="Times New Roman"/>
         <a:font script="Uigh" typeface="Microsoft Uighur"/>
         <a:font script="Geor" typeface="Sylfaen"/>
       </a:majorFont>
       <a:minorFont>
-        <a:latin typeface="Corbel" panose="020B0503020204020204"/>
+        <a:latin typeface="Calibri"/>
         <a:ea typeface=""/>
         <a:cs typeface=""/>
-        <a:font script="Jpan" typeface="HGｺﾞｼｯｸM"/>
-        <a:font script="Hang" typeface="HY엽서L"/>
-        <a:font script="Hans" typeface="华文楷体"/>
+        <a:font script="Jpan" typeface="ＭＳ Ｐゴシック"/>
+        <a:font script="Hang" typeface="맑은 고딕"/>
+        <a:font script="Hans" typeface="宋体"/>
         <a:font script="Hant" typeface="新細明體"/>
-        <a:font script="Arab" typeface="Tahoma"/>
-        <a:font script="Hebr" typeface="Miriam"/>
-        <a:font script="Thai" typeface="DilleniaUPC"/>
+        <a:font script="Arab" typeface="Arial"/>
+        <a:font script="Hebr" typeface="Arial"/>
+        <a:font script="Thai" typeface="Cordia New"/>
         <a:font script="Ethi" typeface="Nyala"/>
         <a:font script="Beng" typeface="Vrinda"/>
         <a:font script="Gujr" typeface="Shruti"/>
@@ -12001,7 +7837,7 @@
         <a:font script="Geor" typeface="Sylfaen"/>
       </a:minorFont>
     </a:fontScheme>
-    <a:fmtScheme name="Parallax">
+    <a:fmtScheme name="Office">
       <a:fillStyleLst>
         <a:solidFill>
           <a:schemeClr val="phClr"/>
@@ -12010,13 +7846,23 @@
           <a:gsLst>
             <a:gs pos="0">
               <a:schemeClr val="phClr">
-                <a:tint val="60000"/>
-                <a:lumMod val="104000"/>
+                <a:lumMod val="110000"/>
+                <a:satMod val="105000"/>
+                <a:tint val="67000"/>
+              </a:schemeClr>
+            </a:gs>
+            <a:gs pos="50000">
+              <a:schemeClr val="phClr">
+                <a:lumMod val="105000"/>
+                <a:satMod val="103000"/>
+                <a:tint val="73000"/>
               </a:schemeClr>
             </a:gs>
             <a:gs pos="100000">
               <a:schemeClr val="phClr">
-                <a:tint val="84000"/>
+                <a:lumMod val="105000"/>
+                <a:satMod val="109000"/>
+                <a:tint val="81000"/>
               </a:schemeClr>
             </a:gs>
           </a:gsLst>
@@ -12026,42 +7872,50 @@
           <a:gsLst>
             <a:gs pos="0">
               <a:schemeClr val="phClr">
-                <a:tint val="96000"/>
+                <a:satMod val="103000"/>
                 <a:lumMod val="102000"/>
+                <a:tint val="94000"/>
+              </a:schemeClr>
+            </a:gs>
+            <a:gs pos="50000">
+              <a:schemeClr val="phClr">
+                <a:satMod val="110000"/>
+                <a:lumMod val="100000"/>
+                <a:shade val="100000"/>
               </a:schemeClr>
             </a:gs>
             <a:gs pos="100000">
               <a:schemeClr val="phClr">
-                <a:shade val="88000"/>
-                <a:lumMod val="94000"/>
+                <a:lumMod val="99000"/>
+                <a:satMod val="120000"/>
+                <a:shade val="78000"/>
               </a:schemeClr>
             </a:gs>
           </a:gsLst>
-          <a:path path="circle">
-            <a:fillToRect l="50000" t="100000" r="100000" b="50000"/>
-          </a:path>
+          <a:lin ang="5400000" scaled="0"/>
         </a:gradFill>
       </a:fillStyleLst>
       <a:lnStyleLst>
-        <a:ln w="9525" cap="rnd" cmpd="sng" algn="ctr">
-          <a:solidFill>
-            <a:schemeClr val="phClr">
-              <a:tint val="60000"/>
-            </a:schemeClr>
-          </a:solidFill>
-          <a:prstDash val="solid"/>
-        </a:ln>
-        <a:ln w="15875" cap="rnd" cmpd="sng" algn="ctr">
+        <a:ln w="6350" cap="flat" cmpd="sng" algn="ctr">
           <a:solidFill>
             <a:schemeClr val="phClr"/>
           </a:solidFill>
           <a:prstDash val="solid"/>
+          <a:miter lim="800000"/>
         </a:ln>
-        <a:ln w="22225" cap="rnd" cmpd="sng" algn="ctr">
+        <a:ln w="12700" cap="flat" cmpd="sng" algn="ctr">
           <a:solidFill>
             <a:schemeClr val="phClr"/>
           </a:solidFill>
           <a:prstDash val="solid"/>
+          <a:miter lim="800000"/>
+        </a:ln>
+        <a:ln w="19050" cap="flat" cmpd="sng" algn="ctr">
+          <a:solidFill>
+            <a:schemeClr val="phClr"/>
+          </a:solidFill>
+          <a:prstDash val="solid"/>
+          <a:miter lim="800000"/>
         </a:ln>
       </a:lnStyleLst>
       <a:effectStyleLst>
@@ -12069,68 +7923,55 @@
           <a:effectLst/>
         </a:effectStyle>
         <a:effectStyle>
-          <a:effectLst>
-            <a:reflection blurRad="12700" stA="26000" endPos="32000" dist="12700" dir="5400000" sy="-100000" rotWithShape="0"/>
-          </a:effectLst>
+          <a:effectLst/>
         </a:effectStyle>
         <a:effectStyle>
           <a:effectLst>
-            <a:outerShdw blurRad="38100" dist="25400" dir="5400000" rotWithShape="0">
+            <a:outerShdw blurRad="57150" dist="19050" dir="5400000" algn="ctr" rotWithShape="0">
               <a:srgbClr val="000000">
-                <a:alpha val="64000"/>
+                <a:alpha val="63000"/>
               </a:srgbClr>
             </a:outerShdw>
           </a:effectLst>
-          <a:scene3d>
-            <a:camera prst="orthographicFront">
-              <a:rot lat="0" lon="0" rev="0"/>
-            </a:camera>
-            <a:lightRig rig="threePt" dir="tl">
-              <a:rot lat="0" lon="0" rev="1200000"/>
-            </a:lightRig>
-          </a:scene3d>
-          <a:sp3d>
-            <a:bevelT w="25400" h="12700"/>
-          </a:sp3d>
         </a:effectStyle>
       </a:effectStyleLst>
       <a:bgFillStyleLst>
         <a:solidFill>
           <a:schemeClr val="phClr"/>
         </a:solidFill>
+        <a:solidFill>
+          <a:schemeClr val="phClr">
+            <a:tint val="95000"/>
+            <a:satMod val="170000"/>
+          </a:schemeClr>
+        </a:solidFill>
         <a:gradFill rotWithShape="1">
           <a:gsLst>
             <a:gs pos="0">
               <a:schemeClr val="phClr">
-                <a:tint val="90000"/>
-                <a:lumMod val="110000"/>
+                <a:tint val="93000"/>
+                <a:satMod val="150000"/>
+                <a:shade val="98000"/>
+                <a:lumMod val="102000"/>
+              </a:schemeClr>
+            </a:gs>
+            <a:gs pos="50000">
+              <a:schemeClr val="phClr">
+                <a:tint val="98000"/>
+                <a:satMod val="130000"/>
+                <a:shade val="90000"/>
+                <a:lumMod val="103000"/>
               </a:schemeClr>
             </a:gs>
             <a:gs pos="100000">
               <a:schemeClr val="phClr">
-                <a:shade val="64000"/>
-                <a:lumMod val="98000"/>
+                <a:shade val="63000"/>
+                <a:satMod val="120000"/>
               </a:schemeClr>
             </a:gs>
           </a:gsLst>
           <a:lin ang="5400000" scaled="0"/>
         </a:gradFill>
-        <a:blipFill rotWithShape="1">
-          <a:blip xmlns:r="http://schemas.openxmlformats.org/officeDocument/2006/relationships" r:embed="rId1">
-            <a:duotone>
-              <a:schemeClr val="phClr">
-                <a:shade val="76000"/>
-                <a:satMod val="180000"/>
-              </a:schemeClr>
-              <a:schemeClr val="phClr">
-                <a:tint val="80000"/>
-                <a:satMod val="120000"/>
-                <a:lumMod val="180000"/>
-              </a:schemeClr>
-            </a:duotone>
-          </a:blip>
-          <a:stretch/>
-        </a:blipFill>
       </a:bgFillStyleLst>
     </a:fmtScheme>
   </a:themeElements>
@@ -12138,7 +7979,7 @@
   <a:extraClrSchemeLst/>
   <a:extLst>
     <a:ext uri="{05A4C25C-085E-4340-85A3-A5531E510DB2}">
-      <thm15:themeFamily xmlns:thm15="http://schemas.microsoft.com/office/thememl/2012/main" name="Parallax" id="{3388167B-A2EB-4685-9635-1831D9AEF8C4}" vid="{4F7A876A-7598-49CA-AFC8-8EDA2551E4A7}"/>
+      <thm15:themeFamily xmlns:thm15="http://schemas.microsoft.com/office/thememl/2012/main" name="Office Theme" id="{62F939B6-93AF-4DB8-9C6B-D6C7DFDC589F}" vid="{4A3C46E8-61CC-4603-A589-7422A47A8E4A}"/>
     </a:ext>
   </a:extLst>
 </a:theme>
